--- a/2022-11-08/documents/CH_06 화소 처리.pptx
+++ b/2022-11-08/documents/CH_06 화소 처리.pptx
@@ -5,14 +5,19 @@
     <p:sldMasterId id="2147483970" r:id="rId1"/>
   </p:sldMasterIdLst>
   <p:notesMasterIdLst>
-    <p:notesMasterId r:id="rId4"/>
+    <p:notesMasterId r:id="rId9"/>
   </p:notesMasterIdLst>
   <p:handoutMasterIdLst>
-    <p:handoutMasterId r:id="rId5"/>
+    <p:handoutMasterId r:id="rId10"/>
   </p:handoutMasterIdLst>
   <p:sldIdLst>
     <p:sldId id="474" r:id="rId2"/>
     <p:sldId id="473" r:id="rId3"/>
+    <p:sldId id="475" r:id="rId4"/>
+    <p:sldId id="476" r:id="rId5"/>
+    <p:sldId id="477" r:id="rId6"/>
+    <p:sldId id="479" r:id="rId7"/>
+    <p:sldId id="480" r:id="rId8"/>
   </p:sldIdLst>
   <p:sldSz cx="9144000" cy="5715000" type="screen16x10"/>
   <p:notesSz cx="7104063" cy="10234613"/>
@@ -7119,29 +7124,16 @@
             <a:pPr lvl="1"/>
             <a:r>
               <a:rPr lang="en-US" altLang="ko-KR" dirty="0"/>
-              <a:t>6.1.1 </a:t>
+              <a:t>6.3.6 </a:t>
             </a:r>
             <a:r>
               <a:rPr lang="ko-KR" altLang="en-US" dirty="0"/>
-              <a:t>화소</a:t>
+              <a:t>히스토그램 그리기</a:t>
             </a:r>
             <a:r>
               <a:rPr lang="en-US" altLang="ko-KR" dirty="0"/>
-              <a:t>(</a:t>
-            </a:r>
-            <a:r>
-              <a:rPr lang="ko-KR" altLang="en-US" dirty="0"/>
-              <a:t>행렬 원소</a:t>
-            </a:r>
-            <a:r>
-              <a:rPr lang="en-US" altLang="ko-KR" dirty="0"/>
-              <a:t>) </a:t>
-            </a:r>
-            <a:r>
-              <a:rPr lang="ko-KR" altLang="en-US" dirty="0"/>
-              <a:t>접근</a:t>
-            </a:r>
-            <a:endParaRPr lang="en-US" altLang="ko-KR" dirty="0"/>
+              <a:t>(Draw &amp; Normalize)</a:t>
+            </a:r>
           </a:p>
         </p:txBody>
       </p:sp>
@@ -7160,7 +7152,7 @@
         <p:spPr>
           <a:xfrm>
             <a:off x="880685" y="1993404"/>
-            <a:ext cx="3547299" cy="2677656"/>
+            <a:ext cx="7219707" cy="2308324"/>
           </a:xfrm>
           <a:prstGeom prst="rect">
             <a:avLst/>
@@ -7175,7 +7167,7 @@
             <a:r>
               <a:rPr lang="en-US" altLang="ko-KR" sz="1200" b="0" dirty="0">
                 <a:solidFill>
-                  <a:srgbClr val="CC9B00"/>
+                  <a:srgbClr val="C586C0"/>
                 </a:solidFill>
                 <a:effectLst/>
                 <a:latin typeface="ubuntu mono derivative powerline" panose="020B0509030602030204" pitchFamily="49" charset="0"/>
@@ -7184,6 +7176,9 @@
             </a:r>
             <a:r>
               <a:rPr lang="en-US" altLang="ko-KR" sz="1200" b="0" dirty="0">
+                <a:solidFill>
+                  <a:srgbClr val="D4D4D4"/>
+                </a:solidFill>
                 <a:effectLst/>
                 <a:latin typeface="ubuntu mono derivative powerline" panose="020B0509030602030204" pitchFamily="49" charset="0"/>
               </a:rPr>
@@ -7192,7 +7187,7 @@
             <a:r>
               <a:rPr lang="en-US" altLang="ko-KR" sz="1200" b="0" dirty="0" err="1">
                 <a:solidFill>
-                  <a:srgbClr val="7030A0"/>
+                  <a:srgbClr val="4EC9B0"/>
                 </a:solidFill>
                 <a:effectLst/>
                 <a:latin typeface="ubuntu mono derivative powerline" panose="020B0509030602030204" pitchFamily="49" charset="0"/>
@@ -7201,6 +7196,9 @@
             </a:r>
             <a:r>
               <a:rPr lang="en-US" altLang="ko-KR" sz="1200" b="0" dirty="0">
+                <a:solidFill>
+                  <a:srgbClr val="D4D4D4"/>
+                </a:solidFill>
                 <a:effectLst/>
                 <a:latin typeface="ubuntu mono derivative powerline" panose="020B0509030602030204" pitchFamily="49" charset="0"/>
               </a:rPr>
@@ -7209,7 +7207,7 @@
             <a:r>
               <a:rPr lang="en-US" altLang="ko-KR" sz="1200" b="0" dirty="0">
                 <a:solidFill>
-                  <a:srgbClr val="CC9B00"/>
+                  <a:srgbClr val="C586C0"/>
                 </a:solidFill>
                 <a:effectLst/>
                 <a:latin typeface="ubuntu mono derivative powerline" panose="020B0509030602030204" pitchFamily="49" charset="0"/>
@@ -7218,6 +7216,9 @@
             </a:r>
             <a:r>
               <a:rPr lang="en-US" altLang="ko-KR" sz="1200" b="0" dirty="0">
+                <a:solidFill>
+                  <a:srgbClr val="D4D4D4"/>
+                </a:solidFill>
                 <a:effectLst/>
                 <a:latin typeface="ubuntu mono derivative powerline" panose="020B0509030602030204" pitchFamily="49" charset="0"/>
               </a:rPr>
@@ -7226,42 +7227,36 @@
             <a:r>
               <a:rPr lang="en-US" altLang="ko-KR" sz="1200" b="0" dirty="0">
                 <a:solidFill>
-                  <a:srgbClr val="7030A0"/>
+                  <a:srgbClr val="4EC9B0"/>
                 </a:solidFill>
                 <a:effectLst/>
                 <a:latin typeface="ubuntu mono derivative powerline" panose="020B0509030602030204" pitchFamily="49" charset="0"/>
               </a:rPr>
               <a:t>np</a:t>
             </a:r>
-          </a:p>
-          <a:p>
-            <a:endParaRPr lang="en-US" altLang="ko-KR" sz="1200" b="0" dirty="0">
-              <a:effectLst/>
-              <a:latin typeface="ubuntu mono derivative powerline" panose="020B0509030602030204" pitchFamily="49" charset="0"/>
-            </a:endParaRPr>
-          </a:p>
-          <a:p>
-            <a:r>
-              <a:rPr lang="en-US" altLang="ko-KR" sz="1200" dirty="0">
-                <a:solidFill>
-                  <a:srgbClr val="00B050"/>
-                </a:solidFill>
-                <a:latin typeface="ubuntu mono derivative powerline" panose="020B0509030602030204" pitchFamily="49" charset="0"/>
-              </a:rPr>
-              <a:t># </a:t>
-            </a:r>
-            <a:r>
-              <a:rPr lang="ko-KR" altLang="en-US" sz="1200" dirty="0">
-                <a:solidFill>
-                  <a:srgbClr val="00B050"/>
-                </a:solidFill>
-                <a:latin typeface="ubuntu mono derivative powerline" panose="020B0509030602030204" pitchFamily="49" charset="0"/>
-              </a:rPr>
-              <a:t>직접 접근 방법</a:t>
+            <a:r>
+              <a:rPr lang="en-US" altLang="ko-KR" sz="1200" b="0" dirty="0">
+                <a:solidFill>
+                  <a:srgbClr val="D4D4D4"/>
+                </a:solidFill>
+                <a:effectLst/>
+                <a:latin typeface="ubuntu mono derivative powerline" panose="020B0509030602030204" pitchFamily="49" charset="0"/>
+              </a:rPr>
+              <a:t>, </a:t>
+            </a:r>
+            <a:r>
+              <a:rPr lang="en-US" altLang="ko-KR" sz="1200" b="0" dirty="0">
+                <a:solidFill>
+                  <a:srgbClr val="4EC9B0"/>
+                </a:solidFill>
+                <a:effectLst/>
+                <a:latin typeface="ubuntu mono derivative powerline" panose="020B0509030602030204" pitchFamily="49" charset="0"/>
+              </a:rPr>
+              <a:t>cv2</a:t>
             </a:r>
             <a:endParaRPr lang="en-US" altLang="ko-KR" sz="1200" b="0" dirty="0">
               <a:solidFill>
-                <a:srgbClr val="00B050"/>
+                <a:srgbClr val="D4D4D4"/>
               </a:solidFill>
               <a:effectLst/>
               <a:latin typeface="ubuntu mono derivative powerline" panose="020B0509030602030204" pitchFamily="49" charset="0"/>
@@ -7271,7 +7266,1184 @@
             <a:r>
               <a:rPr lang="en-US" altLang="ko-KR" sz="1200" b="0" dirty="0">
                 <a:solidFill>
-                  <a:srgbClr val="0000FF"/>
+                  <a:srgbClr val="C586C0"/>
+                </a:solidFill>
+                <a:effectLst/>
+                <a:latin typeface="ubuntu mono derivative powerline" panose="020B0509030602030204" pitchFamily="49" charset="0"/>
+              </a:rPr>
+              <a:t>import</a:t>
+            </a:r>
+            <a:r>
+              <a:rPr lang="en-US" altLang="ko-KR" sz="1200" b="0" dirty="0">
+                <a:solidFill>
+                  <a:srgbClr val="D4D4D4"/>
+                </a:solidFill>
+                <a:effectLst/>
+                <a:latin typeface="ubuntu mono derivative powerline" panose="020B0509030602030204" pitchFamily="49" charset="0"/>
+              </a:rPr>
+              <a:t> </a:t>
+            </a:r>
+            <a:r>
+              <a:rPr lang="en-US" altLang="ko-KR" sz="1200" b="0" dirty="0" err="1">
+                <a:solidFill>
+                  <a:srgbClr val="4EC9B0"/>
+                </a:solidFill>
+                <a:effectLst/>
+                <a:latin typeface="ubuntu mono derivative powerline" panose="020B0509030602030204" pitchFamily="49" charset="0"/>
+              </a:rPr>
+              <a:t>matplotlib</a:t>
+            </a:r>
+            <a:r>
+              <a:rPr lang="en-US" altLang="ko-KR" sz="1200" b="0" dirty="0" err="1">
+                <a:solidFill>
+                  <a:srgbClr val="D4D4D4"/>
+                </a:solidFill>
+                <a:effectLst/>
+                <a:latin typeface="ubuntu mono derivative powerline" panose="020B0509030602030204" pitchFamily="49" charset="0"/>
+              </a:rPr>
+              <a:t>.</a:t>
+            </a:r>
+            <a:r>
+              <a:rPr lang="en-US" altLang="ko-KR" sz="1200" b="0" dirty="0" err="1">
+                <a:solidFill>
+                  <a:srgbClr val="4EC9B0"/>
+                </a:solidFill>
+                <a:effectLst/>
+                <a:latin typeface="ubuntu mono derivative powerline" panose="020B0509030602030204" pitchFamily="49" charset="0"/>
+              </a:rPr>
+              <a:t>pyplot</a:t>
+            </a:r>
+            <a:r>
+              <a:rPr lang="en-US" altLang="ko-KR" sz="1200" b="0" dirty="0">
+                <a:solidFill>
+                  <a:srgbClr val="D4D4D4"/>
+                </a:solidFill>
+                <a:effectLst/>
+                <a:latin typeface="ubuntu mono derivative powerline" panose="020B0509030602030204" pitchFamily="49" charset="0"/>
+              </a:rPr>
+              <a:t> </a:t>
+            </a:r>
+            <a:r>
+              <a:rPr lang="en-US" altLang="ko-KR" sz="1200" b="0" dirty="0">
+                <a:solidFill>
+                  <a:srgbClr val="C586C0"/>
+                </a:solidFill>
+                <a:effectLst/>
+                <a:latin typeface="ubuntu mono derivative powerline" panose="020B0509030602030204" pitchFamily="49" charset="0"/>
+              </a:rPr>
+              <a:t>as</a:t>
+            </a:r>
+            <a:r>
+              <a:rPr lang="en-US" altLang="ko-KR" sz="1200" b="0" dirty="0">
+                <a:solidFill>
+                  <a:srgbClr val="D4D4D4"/>
+                </a:solidFill>
+                <a:effectLst/>
+                <a:latin typeface="ubuntu mono derivative powerline" panose="020B0509030602030204" pitchFamily="49" charset="0"/>
+              </a:rPr>
+              <a:t> </a:t>
+            </a:r>
+            <a:r>
+              <a:rPr lang="en-US" altLang="ko-KR" sz="1200" b="0" dirty="0" err="1">
+                <a:solidFill>
+                  <a:srgbClr val="4EC9B0"/>
+                </a:solidFill>
+                <a:effectLst/>
+                <a:latin typeface="ubuntu mono derivative powerline" panose="020B0509030602030204" pitchFamily="49" charset="0"/>
+              </a:rPr>
+              <a:t>plt</a:t>
+            </a:r>
+            <a:endParaRPr lang="en-US" altLang="ko-KR" sz="1200" b="0" dirty="0">
+              <a:solidFill>
+                <a:srgbClr val="4EC9B0"/>
+              </a:solidFill>
+              <a:effectLst/>
+              <a:latin typeface="ubuntu mono derivative powerline" panose="020B0509030602030204" pitchFamily="49" charset="0"/>
+            </a:endParaRPr>
+          </a:p>
+          <a:p>
+            <a:endParaRPr lang="en-US" altLang="ko-KR" sz="1200" dirty="0">
+              <a:solidFill>
+                <a:srgbClr val="4EC9B0"/>
+              </a:solidFill>
+              <a:latin typeface="ubuntu mono derivative powerline" panose="020B0509030602030204" pitchFamily="49" charset="0"/>
+            </a:endParaRPr>
+          </a:p>
+          <a:p>
+            <a:r>
+              <a:rPr lang="en-US" altLang="ko-KR" sz="1200" b="0" dirty="0">
+                <a:solidFill>
+                  <a:srgbClr val="9CDCFE"/>
+                </a:solidFill>
+                <a:effectLst/>
+                <a:latin typeface="ubuntu mono derivative powerline" panose="020B0509030602030204" pitchFamily="49" charset="0"/>
+              </a:rPr>
+              <a:t>image</a:t>
+            </a:r>
+            <a:r>
+              <a:rPr lang="en-US" altLang="ko-KR" sz="1200" b="0" dirty="0">
+                <a:solidFill>
+                  <a:srgbClr val="D4D4D4"/>
+                </a:solidFill>
+                <a:effectLst/>
+                <a:latin typeface="ubuntu mono derivative powerline" panose="020B0509030602030204" pitchFamily="49" charset="0"/>
+              </a:rPr>
+              <a:t> = </a:t>
+            </a:r>
+            <a:r>
+              <a:rPr lang="en-US" altLang="ko-KR" sz="1200" b="0" dirty="0">
+                <a:solidFill>
+                  <a:srgbClr val="4EC9B0"/>
+                </a:solidFill>
+                <a:effectLst/>
+                <a:latin typeface="ubuntu mono derivative powerline" panose="020B0509030602030204" pitchFamily="49" charset="0"/>
+              </a:rPr>
+              <a:t>cv2</a:t>
+            </a:r>
+            <a:r>
+              <a:rPr lang="en-US" altLang="ko-KR" sz="1200" b="0" dirty="0">
+                <a:solidFill>
+                  <a:srgbClr val="D4D4D4"/>
+                </a:solidFill>
+                <a:effectLst/>
+                <a:latin typeface="ubuntu mono derivative powerline" panose="020B0509030602030204" pitchFamily="49" charset="0"/>
+              </a:rPr>
+              <a:t>.</a:t>
+            </a:r>
+            <a:r>
+              <a:rPr lang="en-US" altLang="ko-KR" sz="1200" b="0" dirty="0">
+                <a:solidFill>
+                  <a:srgbClr val="DCDCAA"/>
+                </a:solidFill>
+                <a:effectLst/>
+                <a:latin typeface="ubuntu mono derivative powerline" panose="020B0509030602030204" pitchFamily="49" charset="0"/>
+              </a:rPr>
+              <a:t>imread</a:t>
+            </a:r>
+            <a:r>
+              <a:rPr lang="en-US" altLang="ko-KR" sz="1200" b="0" dirty="0">
+                <a:solidFill>
+                  <a:srgbClr val="D4D4D4"/>
+                </a:solidFill>
+                <a:effectLst/>
+                <a:latin typeface="ubuntu mono derivative powerline" panose="020B0509030602030204" pitchFamily="49" charset="0"/>
+              </a:rPr>
+              <a:t>(</a:t>
+            </a:r>
+            <a:r>
+              <a:rPr lang="en-US" altLang="ko-KR" sz="1200" b="0" dirty="0">
+                <a:solidFill>
+                  <a:srgbClr val="CE9178"/>
+                </a:solidFill>
+                <a:effectLst/>
+                <a:latin typeface="ubuntu mono derivative powerline" panose="020B0509030602030204" pitchFamily="49" charset="0"/>
+              </a:rPr>
+              <a:t>"</a:t>
+            </a:r>
+            <a:r>
+              <a:rPr lang="ko-KR" altLang="en-US" sz="1200" b="0" dirty="0">
+                <a:solidFill>
+                  <a:srgbClr val="CE9178"/>
+                </a:solidFill>
+                <a:effectLst/>
+                <a:latin typeface="ubuntu mono derivative powerline" panose="020B0509030602030204" pitchFamily="49" charset="0"/>
+              </a:rPr>
+              <a:t>이미지 경로</a:t>
+            </a:r>
+            <a:r>
+              <a:rPr lang="en-US" altLang="ko-KR" sz="1200" b="0" dirty="0">
+                <a:solidFill>
+                  <a:srgbClr val="CE9178"/>
+                </a:solidFill>
+                <a:effectLst/>
+                <a:latin typeface="ubuntu mono derivative powerline" panose="020B0509030602030204" pitchFamily="49" charset="0"/>
+              </a:rPr>
+              <a:t>"</a:t>
+            </a:r>
+            <a:r>
+              <a:rPr lang="en-US" altLang="ko-KR" sz="1200" b="0" dirty="0">
+                <a:solidFill>
+                  <a:srgbClr val="D4D4D4"/>
+                </a:solidFill>
+                <a:effectLst/>
+                <a:latin typeface="ubuntu mono derivative powerline" panose="020B0509030602030204" pitchFamily="49" charset="0"/>
+              </a:rPr>
+              <a:t>, </a:t>
+            </a:r>
+            <a:r>
+              <a:rPr lang="en-US" altLang="ko-KR" sz="1200" b="0" dirty="0">
+                <a:solidFill>
+                  <a:srgbClr val="4EC9B0"/>
+                </a:solidFill>
+                <a:effectLst/>
+                <a:latin typeface="ubuntu mono derivative powerline" panose="020B0509030602030204" pitchFamily="49" charset="0"/>
+              </a:rPr>
+              <a:t>cv2</a:t>
+            </a:r>
+            <a:r>
+              <a:rPr lang="en-US" altLang="ko-KR" sz="1200" b="0" dirty="0">
+                <a:solidFill>
+                  <a:srgbClr val="D4D4D4"/>
+                </a:solidFill>
+                <a:effectLst/>
+                <a:latin typeface="ubuntu mono derivative powerline" panose="020B0509030602030204" pitchFamily="49" charset="0"/>
+              </a:rPr>
+              <a:t>.</a:t>
+            </a:r>
+            <a:r>
+              <a:rPr lang="en-US" altLang="ko-KR" sz="1200" b="0" dirty="0">
+                <a:solidFill>
+                  <a:srgbClr val="9CDCFE"/>
+                </a:solidFill>
+                <a:effectLst/>
+                <a:latin typeface="ubuntu mono derivative powerline" panose="020B0509030602030204" pitchFamily="49" charset="0"/>
+              </a:rPr>
+              <a:t>IMREAD_COLOR</a:t>
+            </a:r>
+            <a:r>
+              <a:rPr lang="en-US" altLang="ko-KR" sz="1200" b="0" dirty="0">
+                <a:solidFill>
+                  <a:srgbClr val="D4D4D4"/>
+                </a:solidFill>
+                <a:effectLst/>
+                <a:latin typeface="ubuntu mono derivative powerline" panose="020B0509030602030204" pitchFamily="49" charset="0"/>
+              </a:rPr>
+              <a:t>)</a:t>
+            </a:r>
+          </a:p>
+          <a:p>
+            <a:br>
+              <a:rPr lang="en-US" altLang="ko-KR" sz="1200" b="0" dirty="0">
+                <a:solidFill>
+                  <a:srgbClr val="D4D4D4"/>
+                </a:solidFill>
+                <a:effectLst/>
+                <a:latin typeface="ubuntu mono derivative powerline" panose="020B0509030602030204" pitchFamily="49" charset="0"/>
+              </a:rPr>
+            </a:br>
+            <a:r>
+              <a:rPr lang="en-US" altLang="ko-KR" sz="1200" b="0" dirty="0" err="1">
+                <a:solidFill>
+                  <a:srgbClr val="9CDCFE"/>
+                </a:solidFill>
+                <a:effectLst/>
+                <a:latin typeface="ubuntu mono derivative powerline" panose="020B0509030602030204" pitchFamily="49" charset="0"/>
+              </a:rPr>
+              <a:t>bsize</a:t>
+            </a:r>
+            <a:r>
+              <a:rPr lang="en-US" altLang="ko-KR" sz="1200" b="0" dirty="0">
+                <a:solidFill>
+                  <a:srgbClr val="D4D4D4"/>
+                </a:solidFill>
+                <a:effectLst/>
+                <a:latin typeface="ubuntu mono derivative powerline" panose="020B0509030602030204" pitchFamily="49" charset="0"/>
+              </a:rPr>
+              <a:t>, </a:t>
+            </a:r>
+            <a:r>
+              <a:rPr lang="en-US" altLang="ko-KR" sz="1200" b="0" dirty="0">
+                <a:solidFill>
+                  <a:srgbClr val="9CDCFE"/>
+                </a:solidFill>
+                <a:effectLst/>
+                <a:latin typeface="ubuntu mono derivative powerline" panose="020B0509030602030204" pitchFamily="49" charset="0"/>
+              </a:rPr>
+              <a:t>ranges</a:t>
+            </a:r>
+            <a:r>
+              <a:rPr lang="en-US" altLang="ko-KR" sz="1200" b="0" dirty="0">
+                <a:solidFill>
+                  <a:srgbClr val="D4D4D4"/>
+                </a:solidFill>
+                <a:effectLst/>
+                <a:latin typeface="ubuntu mono derivative powerline" panose="020B0509030602030204" pitchFamily="49" charset="0"/>
+              </a:rPr>
+              <a:t> = [</a:t>
+            </a:r>
+            <a:r>
+              <a:rPr lang="en-US" altLang="ko-KR" sz="1200" b="0" dirty="0">
+                <a:solidFill>
+                  <a:srgbClr val="B5CEA8"/>
+                </a:solidFill>
+                <a:effectLst/>
+                <a:latin typeface="ubuntu mono derivative powerline" panose="020B0509030602030204" pitchFamily="49" charset="0"/>
+              </a:rPr>
+              <a:t>64</a:t>
+            </a:r>
+            <a:r>
+              <a:rPr lang="en-US" altLang="ko-KR" sz="1200" b="0" dirty="0">
+                <a:solidFill>
+                  <a:srgbClr val="D4D4D4"/>
+                </a:solidFill>
+                <a:effectLst/>
+                <a:latin typeface="ubuntu mono derivative powerline" panose="020B0509030602030204" pitchFamily="49" charset="0"/>
+              </a:rPr>
+              <a:t>], [</a:t>
+            </a:r>
+            <a:r>
+              <a:rPr lang="en-US" altLang="ko-KR" sz="1200" b="0" dirty="0">
+                <a:solidFill>
+                  <a:srgbClr val="B5CEA8"/>
+                </a:solidFill>
+                <a:effectLst/>
+                <a:latin typeface="ubuntu mono derivative powerline" panose="020B0509030602030204" pitchFamily="49" charset="0"/>
+              </a:rPr>
+              <a:t>0</a:t>
+            </a:r>
+            <a:r>
+              <a:rPr lang="en-US" altLang="ko-KR" sz="1200" b="0" dirty="0">
+                <a:solidFill>
+                  <a:srgbClr val="D4D4D4"/>
+                </a:solidFill>
+                <a:effectLst/>
+                <a:latin typeface="ubuntu mono derivative powerline" panose="020B0509030602030204" pitchFamily="49" charset="0"/>
+              </a:rPr>
+              <a:t>, </a:t>
+            </a:r>
+            <a:r>
+              <a:rPr lang="en-US" altLang="ko-KR" sz="1200" b="0" dirty="0">
+                <a:solidFill>
+                  <a:srgbClr val="B5CEA8"/>
+                </a:solidFill>
+                <a:effectLst/>
+                <a:latin typeface="ubuntu mono derivative powerline" panose="020B0509030602030204" pitchFamily="49" charset="0"/>
+              </a:rPr>
+              <a:t>256</a:t>
+            </a:r>
+            <a:r>
+              <a:rPr lang="en-US" altLang="ko-KR" sz="1200" b="0" dirty="0">
+                <a:solidFill>
+                  <a:srgbClr val="D4D4D4"/>
+                </a:solidFill>
+                <a:effectLst/>
+                <a:latin typeface="ubuntu mono derivative powerline" panose="020B0509030602030204" pitchFamily="49" charset="0"/>
+              </a:rPr>
+              <a:t>]</a:t>
+            </a:r>
+          </a:p>
+          <a:p>
+            <a:br>
+              <a:rPr lang="en-US" altLang="ko-KR" sz="1200" b="0" dirty="0">
+                <a:solidFill>
+                  <a:srgbClr val="D4D4D4"/>
+                </a:solidFill>
+                <a:effectLst/>
+                <a:latin typeface="ubuntu mono derivative powerline" panose="020B0509030602030204" pitchFamily="49" charset="0"/>
+              </a:rPr>
+            </a:br>
+            <a:r>
+              <a:rPr lang="en-US" altLang="ko-KR" sz="1200" b="0" dirty="0">
+                <a:solidFill>
+                  <a:srgbClr val="9CDCFE"/>
+                </a:solidFill>
+                <a:effectLst/>
+                <a:latin typeface="ubuntu mono derivative powerline" panose="020B0509030602030204" pitchFamily="49" charset="0"/>
+              </a:rPr>
+              <a:t>hist</a:t>
+            </a:r>
+            <a:r>
+              <a:rPr lang="en-US" altLang="ko-KR" sz="1200" b="0" dirty="0">
+                <a:solidFill>
+                  <a:srgbClr val="D4D4D4"/>
+                </a:solidFill>
+                <a:effectLst/>
+                <a:latin typeface="ubuntu mono derivative powerline" panose="020B0509030602030204" pitchFamily="49" charset="0"/>
+              </a:rPr>
+              <a:t> = </a:t>
+            </a:r>
+            <a:r>
+              <a:rPr lang="en-US" altLang="ko-KR" sz="1200" b="0" dirty="0">
+                <a:solidFill>
+                  <a:srgbClr val="4EC9B0"/>
+                </a:solidFill>
+                <a:effectLst/>
+                <a:latin typeface="ubuntu mono derivative powerline" panose="020B0509030602030204" pitchFamily="49" charset="0"/>
+              </a:rPr>
+              <a:t>cv2</a:t>
+            </a:r>
+            <a:r>
+              <a:rPr lang="en-US" altLang="ko-KR" sz="1200" b="0" dirty="0">
+                <a:solidFill>
+                  <a:srgbClr val="D4D4D4"/>
+                </a:solidFill>
+                <a:effectLst/>
+                <a:latin typeface="ubuntu mono derivative powerline" panose="020B0509030602030204" pitchFamily="49" charset="0"/>
+              </a:rPr>
+              <a:t>.</a:t>
+            </a:r>
+            <a:r>
+              <a:rPr lang="en-US" altLang="ko-KR" sz="1200" b="0" dirty="0">
+                <a:solidFill>
+                  <a:srgbClr val="DCDCAA"/>
+                </a:solidFill>
+                <a:effectLst/>
+                <a:latin typeface="ubuntu mono derivative powerline" panose="020B0509030602030204" pitchFamily="49" charset="0"/>
+              </a:rPr>
+              <a:t>calcHist</a:t>
+            </a:r>
+            <a:r>
+              <a:rPr lang="en-US" altLang="ko-KR" sz="1200" b="0" dirty="0">
+                <a:solidFill>
+                  <a:srgbClr val="D4D4D4"/>
+                </a:solidFill>
+                <a:effectLst/>
+                <a:latin typeface="ubuntu mono derivative powerline" panose="020B0509030602030204" pitchFamily="49" charset="0"/>
+              </a:rPr>
+              <a:t>([</a:t>
+            </a:r>
+            <a:r>
+              <a:rPr lang="en-US" altLang="ko-KR" sz="1200" b="0" dirty="0">
+                <a:solidFill>
+                  <a:srgbClr val="9CDCFE"/>
+                </a:solidFill>
+                <a:effectLst/>
+                <a:latin typeface="ubuntu mono derivative powerline" panose="020B0509030602030204" pitchFamily="49" charset="0"/>
+              </a:rPr>
+              <a:t>image</a:t>
+            </a:r>
+            <a:r>
+              <a:rPr lang="en-US" altLang="ko-KR" sz="1200" b="0" dirty="0">
+                <a:solidFill>
+                  <a:srgbClr val="D4D4D4"/>
+                </a:solidFill>
+                <a:effectLst/>
+                <a:latin typeface="ubuntu mono derivative powerline" panose="020B0509030602030204" pitchFamily="49" charset="0"/>
+              </a:rPr>
+              <a:t>], [</a:t>
+            </a:r>
+            <a:r>
+              <a:rPr lang="en-US" altLang="ko-KR" sz="1200" b="0" dirty="0">
+                <a:solidFill>
+                  <a:srgbClr val="B5CEA8"/>
+                </a:solidFill>
+                <a:effectLst/>
+                <a:latin typeface="ubuntu mono derivative powerline" panose="020B0509030602030204" pitchFamily="49" charset="0"/>
+              </a:rPr>
+              <a:t>0</a:t>
+            </a:r>
+            <a:r>
+              <a:rPr lang="en-US" altLang="ko-KR" sz="1200" b="0" dirty="0">
+                <a:solidFill>
+                  <a:srgbClr val="D4D4D4"/>
+                </a:solidFill>
+                <a:effectLst/>
+                <a:latin typeface="ubuntu mono derivative powerline" panose="020B0509030602030204" pitchFamily="49" charset="0"/>
+              </a:rPr>
+              <a:t>], </a:t>
+            </a:r>
+            <a:r>
+              <a:rPr lang="en-US" altLang="ko-KR" sz="1200" b="0" dirty="0">
+                <a:solidFill>
+                  <a:srgbClr val="569CD6"/>
+                </a:solidFill>
+                <a:effectLst/>
+                <a:latin typeface="ubuntu mono derivative powerline" panose="020B0509030602030204" pitchFamily="49" charset="0"/>
+              </a:rPr>
+              <a:t>None</a:t>
+            </a:r>
+            <a:r>
+              <a:rPr lang="en-US" altLang="ko-KR" sz="1200" b="0" dirty="0">
+                <a:solidFill>
+                  <a:srgbClr val="D4D4D4"/>
+                </a:solidFill>
+                <a:effectLst/>
+                <a:latin typeface="ubuntu mono derivative powerline" panose="020B0509030602030204" pitchFamily="49" charset="0"/>
+              </a:rPr>
+              <a:t>, </a:t>
+            </a:r>
+            <a:r>
+              <a:rPr lang="en-US" altLang="ko-KR" sz="1200" b="0" dirty="0" err="1">
+                <a:solidFill>
+                  <a:srgbClr val="9CDCFE"/>
+                </a:solidFill>
+                <a:effectLst/>
+                <a:latin typeface="ubuntu mono derivative powerline" panose="020B0509030602030204" pitchFamily="49" charset="0"/>
+              </a:rPr>
+              <a:t>bsize</a:t>
+            </a:r>
+            <a:r>
+              <a:rPr lang="en-US" altLang="ko-KR" sz="1200" b="0" dirty="0">
+                <a:solidFill>
+                  <a:srgbClr val="D4D4D4"/>
+                </a:solidFill>
+                <a:effectLst/>
+                <a:latin typeface="ubuntu mono derivative powerline" panose="020B0509030602030204" pitchFamily="49" charset="0"/>
+              </a:rPr>
+              <a:t>, </a:t>
+            </a:r>
+            <a:r>
+              <a:rPr lang="en-US" altLang="ko-KR" sz="1200" b="0" dirty="0">
+                <a:solidFill>
+                  <a:srgbClr val="9CDCFE"/>
+                </a:solidFill>
+                <a:effectLst/>
+                <a:latin typeface="ubuntu mono derivative powerline" panose="020B0509030602030204" pitchFamily="49" charset="0"/>
+              </a:rPr>
+              <a:t>ranges)</a:t>
+            </a:r>
+            <a:endParaRPr lang="ko-KR" altLang="en-US" sz="1200" b="0" dirty="0">
+              <a:solidFill>
+                <a:srgbClr val="D4D4D4"/>
+              </a:solidFill>
+              <a:effectLst/>
+              <a:latin typeface="ubuntu mono derivative powerline" panose="020B0509030602030204" pitchFamily="49" charset="0"/>
+            </a:endParaRPr>
+          </a:p>
+          <a:p>
+            <a:r>
+              <a:rPr lang="en-US" altLang="ko-KR" sz="1200" b="0" dirty="0" err="1">
+                <a:solidFill>
+                  <a:srgbClr val="9CDCFE"/>
+                </a:solidFill>
+                <a:effectLst/>
+                <a:latin typeface="ubuntu mono derivative powerline" panose="020B0509030602030204" pitchFamily="49" charset="0"/>
+              </a:rPr>
+              <a:t>hist_img</a:t>
+            </a:r>
+            <a:r>
+              <a:rPr lang="en-US" altLang="ko-KR" sz="1200" b="0" dirty="0">
+                <a:solidFill>
+                  <a:srgbClr val="D4D4D4"/>
+                </a:solidFill>
+                <a:effectLst/>
+                <a:latin typeface="ubuntu mono derivative powerline" panose="020B0509030602030204" pitchFamily="49" charset="0"/>
+              </a:rPr>
+              <a:t> = </a:t>
+            </a:r>
+            <a:r>
+              <a:rPr lang="en-US" altLang="ko-KR" sz="1200" b="0" dirty="0" err="1">
+                <a:solidFill>
+                  <a:srgbClr val="DCDCAA"/>
+                </a:solidFill>
+                <a:effectLst/>
+                <a:latin typeface="ubuntu mono derivative powerline" panose="020B0509030602030204" pitchFamily="49" charset="0"/>
+              </a:rPr>
+              <a:t>draw_histo</a:t>
+            </a:r>
+            <a:r>
+              <a:rPr lang="en-US" altLang="ko-KR" sz="1200" b="0" dirty="0">
+                <a:solidFill>
+                  <a:srgbClr val="D4D4D4"/>
+                </a:solidFill>
+                <a:effectLst/>
+                <a:latin typeface="ubuntu mono derivative powerline" panose="020B0509030602030204" pitchFamily="49" charset="0"/>
+              </a:rPr>
+              <a:t>(</a:t>
+            </a:r>
+            <a:r>
+              <a:rPr lang="en-US" altLang="ko-KR" sz="1200" b="0" dirty="0">
+                <a:solidFill>
+                  <a:srgbClr val="9CDCFE"/>
+                </a:solidFill>
+                <a:effectLst/>
+                <a:latin typeface="ubuntu mono derivative powerline" panose="020B0509030602030204" pitchFamily="49" charset="0"/>
+              </a:rPr>
+              <a:t>hist</a:t>
+            </a:r>
+            <a:r>
+              <a:rPr lang="en-US" altLang="ko-KR" sz="1200" dirty="0">
+                <a:solidFill>
+                  <a:srgbClr val="D4D4D4"/>
+                </a:solidFill>
+                <a:latin typeface="ubuntu mono derivative powerline" panose="020B0509030602030204" pitchFamily="49" charset="0"/>
+              </a:rPr>
+              <a:t>)</a:t>
+            </a:r>
+            <a:endParaRPr lang="en-US" altLang="ko-KR" sz="1200" b="0" dirty="0">
+              <a:solidFill>
+                <a:srgbClr val="D4D4D4"/>
+              </a:solidFill>
+              <a:effectLst/>
+              <a:latin typeface="ubuntu mono derivative powerline" panose="020B0509030602030204" pitchFamily="49" charset="0"/>
+            </a:endParaRPr>
+          </a:p>
+          <a:p>
+            <a:r>
+              <a:rPr lang="en-US" altLang="ko-KR" sz="1200" b="0" dirty="0">
+                <a:solidFill>
+                  <a:srgbClr val="4EC9B0"/>
+                </a:solidFill>
+                <a:effectLst/>
+                <a:latin typeface="ubuntu mono derivative powerline" panose="020B0509030602030204" pitchFamily="49" charset="0"/>
+              </a:rPr>
+              <a:t>cv2</a:t>
+            </a:r>
+            <a:r>
+              <a:rPr lang="en-US" altLang="ko-KR" sz="1200" b="0" dirty="0">
+                <a:solidFill>
+                  <a:srgbClr val="D4D4D4"/>
+                </a:solidFill>
+                <a:effectLst/>
+                <a:latin typeface="ubuntu mono derivative powerline" panose="020B0509030602030204" pitchFamily="49" charset="0"/>
+              </a:rPr>
+              <a:t>.</a:t>
+            </a:r>
+            <a:r>
+              <a:rPr lang="en-US" altLang="ko-KR" sz="1200" b="0" dirty="0">
+                <a:solidFill>
+                  <a:srgbClr val="DCDCAA"/>
+                </a:solidFill>
+                <a:effectLst/>
+                <a:latin typeface="ubuntu mono derivative powerline" panose="020B0509030602030204" pitchFamily="49" charset="0"/>
+              </a:rPr>
+              <a:t>imshow</a:t>
+            </a:r>
+            <a:r>
+              <a:rPr lang="en-US" altLang="ko-KR" sz="1200" b="0" dirty="0">
+                <a:solidFill>
+                  <a:srgbClr val="D4D4D4"/>
+                </a:solidFill>
+                <a:effectLst/>
+                <a:latin typeface="ubuntu mono derivative powerline" panose="020B0509030602030204" pitchFamily="49" charset="0"/>
+              </a:rPr>
+              <a:t>(</a:t>
+            </a:r>
+            <a:r>
+              <a:rPr lang="en-US" altLang="ko-KR" sz="1200" b="0" dirty="0">
+                <a:solidFill>
+                  <a:srgbClr val="CE9178"/>
+                </a:solidFill>
+                <a:effectLst/>
+                <a:latin typeface="ubuntu mono derivative powerline" panose="020B0509030602030204" pitchFamily="49" charset="0"/>
+              </a:rPr>
+              <a:t>'image'</a:t>
+            </a:r>
+            <a:r>
+              <a:rPr lang="en-US" altLang="ko-KR" sz="1200" b="0" dirty="0">
+                <a:solidFill>
+                  <a:srgbClr val="D4D4D4"/>
+                </a:solidFill>
+                <a:effectLst/>
+                <a:latin typeface="ubuntu mono derivative powerline" panose="020B0509030602030204" pitchFamily="49" charset="0"/>
+              </a:rPr>
+              <a:t>, </a:t>
+            </a:r>
+            <a:r>
+              <a:rPr lang="en-US" altLang="ko-KR" sz="1200" b="0" dirty="0">
+                <a:solidFill>
+                  <a:srgbClr val="9CDCFE"/>
+                </a:solidFill>
+                <a:effectLst/>
+                <a:latin typeface="ubuntu mono derivative powerline" panose="020B0509030602030204" pitchFamily="49" charset="0"/>
+              </a:rPr>
+              <a:t>image</a:t>
+            </a:r>
+            <a:r>
+              <a:rPr lang="en-US" altLang="ko-KR" sz="1200" b="0" dirty="0">
+                <a:solidFill>
+                  <a:srgbClr val="D4D4D4"/>
+                </a:solidFill>
+                <a:effectLst/>
+                <a:latin typeface="ubuntu mono derivative powerline" panose="020B0509030602030204" pitchFamily="49" charset="0"/>
+              </a:rPr>
+              <a:t>)</a:t>
+            </a:r>
+          </a:p>
+          <a:p>
+            <a:r>
+              <a:rPr lang="en-US" altLang="ko-KR" sz="1200" b="0" dirty="0">
+                <a:solidFill>
+                  <a:srgbClr val="4EC9B0"/>
+                </a:solidFill>
+                <a:effectLst/>
+                <a:latin typeface="ubuntu mono derivative powerline" panose="020B0509030602030204" pitchFamily="49" charset="0"/>
+              </a:rPr>
+              <a:t>cv2</a:t>
+            </a:r>
+            <a:r>
+              <a:rPr lang="en-US" altLang="ko-KR" sz="1200" b="0" dirty="0">
+                <a:solidFill>
+                  <a:srgbClr val="D4D4D4"/>
+                </a:solidFill>
+                <a:effectLst/>
+                <a:latin typeface="ubuntu mono derivative powerline" panose="020B0509030602030204" pitchFamily="49" charset="0"/>
+              </a:rPr>
+              <a:t>.</a:t>
+            </a:r>
+            <a:r>
+              <a:rPr lang="en-US" altLang="ko-KR" sz="1200" b="0" dirty="0">
+                <a:solidFill>
+                  <a:srgbClr val="DCDCAA"/>
+                </a:solidFill>
+                <a:effectLst/>
+                <a:latin typeface="ubuntu mono derivative powerline" panose="020B0509030602030204" pitchFamily="49" charset="0"/>
+              </a:rPr>
+              <a:t>imshow</a:t>
+            </a:r>
+            <a:r>
+              <a:rPr lang="en-US" altLang="ko-KR" sz="1200" b="0" dirty="0">
+                <a:solidFill>
+                  <a:srgbClr val="D4D4D4"/>
+                </a:solidFill>
+                <a:effectLst/>
+                <a:latin typeface="ubuntu mono derivative powerline" panose="020B0509030602030204" pitchFamily="49" charset="0"/>
+              </a:rPr>
+              <a:t>(</a:t>
+            </a:r>
+            <a:r>
+              <a:rPr lang="en-US" altLang="ko-KR" sz="1200" b="0" dirty="0">
+                <a:solidFill>
+                  <a:srgbClr val="CE9178"/>
+                </a:solidFill>
+                <a:effectLst/>
+                <a:latin typeface="ubuntu mono derivative powerline" panose="020B0509030602030204" pitchFamily="49" charset="0"/>
+              </a:rPr>
+              <a:t>'</a:t>
+            </a:r>
+            <a:r>
+              <a:rPr lang="en-US" altLang="ko-KR" sz="1200" b="0" dirty="0" err="1">
+                <a:solidFill>
+                  <a:srgbClr val="CE9178"/>
+                </a:solidFill>
+                <a:effectLst/>
+                <a:latin typeface="ubuntu mono derivative powerline" panose="020B0509030602030204" pitchFamily="49" charset="0"/>
+              </a:rPr>
+              <a:t>hist_img</a:t>
+            </a:r>
+            <a:r>
+              <a:rPr lang="en-US" altLang="ko-KR" sz="1200" b="0" dirty="0">
+                <a:solidFill>
+                  <a:srgbClr val="CE9178"/>
+                </a:solidFill>
+                <a:effectLst/>
+                <a:latin typeface="ubuntu mono derivative powerline" panose="020B0509030602030204" pitchFamily="49" charset="0"/>
+              </a:rPr>
+              <a:t>'</a:t>
+            </a:r>
+            <a:r>
+              <a:rPr lang="en-US" altLang="ko-KR" sz="1200" b="0" dirty="0">
+                <a:solidFill>
+                  <a:srgbClr val="D4D4D4"/>
+                </a:solidFill>
+                <a:effectLst/>
+                <a:latin typeface="ubuntu mono derivative powerline" panose="020B0509030602030204" pitchFamily="49" charset="0"/>
+              </a:rPr>
+              <a:t>, </a:t>
+            </a:r>
+            <a:r>
+              <a:rPr lang="en-US" altLang="ko-KR" sz="1200" b="0" dirty="0" err="1">
+                <a:solidFill>
+                  <a:srgbClr val="9CDCFE"/>
+                </a:solidFill>
+                <a:effectLst/>
+                <a:latin typeface="ubuntu mono derivative powerline" panose="020B0509030602030204" pitchFamily="49" charset="0"/>
+              </a:rPr>
+              <a:t>hist_img</a:t>
+            </a:r>
+            <a:r>
+              <a:rPr lang="en-US" altLang="ko-KR" sz="1200" b="0" dirty="0">
+                <a:solidFill>
+                  <a:srgbClr val="D4D4D4"/>
+                </a:solidFill>
+                <a:effectLst/>
+                <a:latin typeface="ubuntu mono derivative powerline" panose="020B0509030602030204" pitchFamily="49" charset="0"/>
+              </a:rPr>
+              <a:t>)</a:t>
+            </a:r>
+          </a:p>
+          <a:p>
+            <a:r>
+              <a:rPr lang="en-US" altLang="ko-KR" sz="1200" b="0" dirty="0">
+                <a:solidFill>
+                  <a:srgbClr val="4EC9B0"/>
+                </a:solidFill>
+                <a:effectLst/>
+                <a:latin typeface="ubuntu mono derivative powerline" panose="020B0509030602030204" pitchFamily="49" charset="0"/>
+              </a:rPr>
+              <a:t>cv2</a:t>
+            </a:r>
+            <a:r>
+              <a:rPr lang="en-US" altLang="ko-KR" sz="1200" b="0" dirty="0">
+                <a:solidFill>
+                  <a:srgbClr val="D4D4D4"/>
+                </a:solidFill>
+                <a:effectLst/>
+                <a:latin typeface="ubuntu mono derivative powerline" panose="020B0509030602030204" pitchFamily="49" charset="0"/>
+              </a:rPr>
+              <a:t>.</a:t>
+            </a:r>
+            <a:r>
+              <a:rPr lang="en-US" altLang="ko-KR" sz="1200" b="0" dirty="0">
+                <a:solidFill>
+                  <a:srgbClr val="DCDCAA"/>
+                </a:solidFill>
+                <a:effectLst/>
+                <a:latin typeface="ubuntu mono derivative powerline" panose="020B0509030602030204" pitchFamily="49" charset="0"/>
+              </a:rPr>
+              <a:t>waitKey</a:t>
+            </a:r>
+            <a:r>
+              <a:rPr lang="en-US" altLang="ko-KR" sz="1200" b="0" dirty="0">
+                <a:solidFill>
+                  <a:srgbClr val="D4D4D4"/>
+                </a:solidFill>
+                <a:effectLst/>
+                <a:latin typeface="ubuntu mono derivative powerline" panose="020B0509030602030204" pitchFamily="49" charset="0"/>
+              </a:rPr>
+              <a:t>(</a:t>
+            </a:r>
+            <a:r>
+              <a:rPr lang="en-US" altLang="ko-KR" sz="1200" b="0" dirty="0">
+                <a:solidFill>
+                  <a:srgbClr val="B5CEA8"/>
+                </a:solidFill>
+                <a:effectLst/>
+                <a:latin typeface="ubuntu mono derivative powerline" panose="020B0509030602030204" pitchFamily="49" charset="0"/>
+              </a:rPr>
+              <a:t>0</a:t>
+            </a:r>
+            <a:r>
+              <a:rPr lang="en-US" altLang="ko-KR" sz="1200" b="0" dirty="0">
+                <a:solidFill>
+                  <a:srgbClr val="D4D4D4"/>
+                </a:solidFill>
+                <a:effectLst/>
+                <a:latin typeface="ubuntu mono derivative powerline" panose="020B0509030602030204" pitchFamily="49" charset="0"/>
+              </a:rPr>
+              <a:t>)</a:t>
+            </a:r>
+          </a:p>
+        </p:txBody>
+      </p:sp>
+    </p:spTree>
+    <p:extLst>
+      <p:ext uri="{BB962C8B-B14F-4D97-AF65-F5344CB8AC3E}">
+        <p14:creationId xmlns:p14="http://schemas.microsoft.com/office/powerpoint/2010/main" val="1847696111"/>
+      </p:ext>
+    </p:extLst>
+  </p:cSld>
+  <p:clrMapOvr>
+    <a:masterClrMapping/>
+  </p:clrMapOvr>
+</p:sld>
+</file>
+
+<file path=ppt/slides/slide3.xml><?xml version="1.0" encoding="utf-8"?>
+<p:sld xmlns:a="http://schemas.openxmlformats.org/drawingml/2006/main" xmlns:r="http://schemas.openxmlformats.org/officeDocument/2006/relationships" xmlns:p="http://schemas.openxmlformats.org/presentationml/2006/main">
+  <p:cSld>
+    <p:spTree>
+      <p:nvGrpSpPr>
+        <p:cNvPr id="1" name=""/>
+        <p:cNvGrpSpPr/>
+        <p:nvPr/>
+      </p:nvGrpSpPr>
+      <p:grpSpPr>
+        <a:xfrm>
+          <a:off x="0" y="0"/>
+          <a:ext cx="0" cy="0"/>
+          <a:chOff x="0" y="0"/>
+          <a:chExt cx="0" cy="0"/>
+        </a:xfrm>
+      </p:grpSpPr>
+      <p:sp>
+        <p:nvSpPr>
+          <p:cNvPr id="2" name="제목 1"/>
+          <p:cNvSpPr>
+            <a:spLocks noGrp="1"/>
+          </p:cNvSpPr>
+          <p:nvPr>
+            <p:ph type="title"/>
+          </p:nvPr>
+        </p:nvSpPr>
+        <p:spPr/>
+        <p:txBody>
+          <a:bodyPr/>
+          <a:lstStyle/>
+          <a:p>
+            <a:r>
+              <a:rPr lang="en-US" altLang="ko-KR" dirty="0"/>
+              <a:t>6. </a:t>
+            </a:r>
+            <a:r>
+              <a:rPr lang="ko-KR" altLang="en-US" dirty="0"/>
+              <a:t>화소 처리</a:t>
+            </a:r>
+          </a:p>
+        </p:txBody>
+      </p:sp>
+      <p:sp>
+        <p:nvSpPr>
+          <p:cNvPr id="3" name="내용 개체 틀 2"/>
+          <p:cNvSpPr>
+            <a:spLocks noGrp="1"/>
+          </p:cNvSpPr>
+          <p:nvPr>
+            <p:ph idx="1"/>
+          </p:nvPr>
+        </p:nvSpPr>
+        <p:spPr/>
+        <p:txBody>
+          <a:bodyPr>
+            <a:normAutofit/>
+          </a:bodyPr>
+          <a:lstStyle/>
+          <a:p>
+            <a:r>
+              <a:rPr lang="en-US" altLang="ko-KR" dirty="0"/>
+              <a:t>6.3 </a:t>
+            </a:r>
+            <a:r>
+              <a:rPr lang="ko-KR" altLang="en-US" dirty="0"/>
+              <a:t>히스토그램</a:t>
+            </a:r>
+            <a:endParaRPr lang="en-US" altLang="ko-KR" dirty="0"/>
+          </a:p>
+          <a:p>
+            <a:pPr lvl="1"/>
+            <a:r>
+              <a:rPr lang="en-US" altLang="ko-KR" dirty="0"/>
+              <a:t>6.3.6 </a:t>
+            </a:r>
+            <a:r>
+              <a:rPr lang="ko-KR" altLang="en-US" dirty="0"/>
+              <a:t>히스토그램 그리기</a:t>
+            </a:r>
+            <a:r>
+              <a:rPr lang="en-US" altLang="ko-KR" dirty="0"/>
+              <a:t>(Draw &amp; Normalize)</a:t>
+            </a:r>
+          </a:p>
+        </p:txBody>
+      </p:sp>
+      <p:sp>
+        <p:nvSpPr>
+          <p:cNvPr id="4" name="직사각형 3">
+            <a:extLst>
+              <a:ext uri="{FF2B5EF4-FFF2-40B4-BE49-F238E27FC236}">
+                <a16:creationId xmlns:a16="http://schemas.microsoft.com/office/drawing/2014/main" id="{64FCAE03-D95D-374F-6DE9-F428C178B308}"/>
+              </a:ext>
+            </a:extLst>
+          </p:cNvPr>
+          <p:cNvSpPr/>
+          <p:nvPr/>
+        </p:nvSpPr>
+        <p:spPr>
+          <a:xfrm>
+            <a:off x="880685" y="1993404"/>
+            <a:ext cx="7219707" cy="3046988"/>
+          </a:xfrm>
+          <a:prstGeom prst="rect">
+            <a:avLst/>
+          </a:prstGeom>
+        </p:spPr>
+        <p:txBody>
+          <a:bodyPr wrap="square">
+            <a:spAutoFit/>
+          </a:bodyPr>
+          <a:lstStyle/>
+          <a:p>
+            <a:r>
+              <a:rPr lang="en-US" altLang="ko-KR" sz="1200" b="0" dirty="0">
+                <a:solidFill>
+                  <a:srgbClr val="C586C0"/>
+                </a:solidFill>
+                <a:effectLst/>
+                <a:latin typeface="ubuntu mono derivative powerline" panose="020B0509030602030204" pitchFamily="49" charset="0"/>
+              </a:rPr>
+              <a:t>import</a:t>
+            </a:r>
+            <a:r>
+              <a:rPr lang="en-US" altLang="ko-KR" sz="1200" b="0" dirty="0">
+                <a:solidFill>
+                  <a:srgbClr val="D4D4D4"/>
+                </a:solidFill>
+                <a:effectLst/>
+                <a:latin typeface="ubuntu mono derivative powerline" panose="020B0509030602030204" pitchFamily="49" charset="0"/>
+              </a:rPr>
+              <a:t> </a:t>
+            </a:r>
+            <a:r>
+              <a:rPr lang="en-US" altLang="ko-KR" sz="1200" b="0" dirty="0" err="1">
+                <a:solidFill>
+                  <a:srgbClr val="4EC9B0"/>
+                </a:solidFill>
+                <a:effectLst/>
+                <a:latin typeface="ubuntu mono derivative powerline" panose="020B0509030602030204" pitchFamily="49" charset="0"/>
+              </a:rPr>
+              <a:t>numpy</a:t>
+            </a:r>
+            <a:r>
+              <a:rPr lang="en-US" altLang="ko-KR" sz="1200" b="0" dirty="0">
+                <a:solidFill>
+                  <a:srgbClr val="D4D4D4"/>
+                </a:solidFill>
+                <a:effectLst/>
+                <a:latin typeface="ubuntu mono derivative powerline" panose="020B0509030602030204" pitchFamily="49" charset="0"/>
+              </a:rPr>
+              <a:t> </a:t>
+            </a:r>
+            <a:r>
+              <a:rPr lang="en-US" altLang="ko-KR" sz="1200" b="0" dirty="0">
+                <a:solidFill>
+                  <a:srgbClr val="C586C0"/>
+                </a:solidFill>
+                <a:effectLst/>
+                <a:latin typeface="ubuntu mono derivative powerline" panose="020B0509030602030204" pitchFamily="49" charset="0"/>
+              </a:rPr>
+              <a:t>as</a:t>
+            </a:r>
+            <a:r>
+              <a:rPr lang="en-US" altLang="ko-KR" sz="1200" b="0" dirty="0">
+                <a:solidFill>
+                  <a:srgbClr val="D4D4D4"/>
+                </a:solidFill>
+                <a:effectLst/>
+                <a:latin typeface="ubuntu mono derivative powerline" panose="020B0509030602030204" pitchFamily="49" charset="0"/>
+              </a:rPr>
+              <a:t> </a:t>
+            </a:r>
+            <a:r>
+              <a:rPr lang="en-US" altLang="ko-KR" sz="1200" b="0" dirty="0">
+                <a:solidFill>
+                  <a:srgbClr val="4EC9B0"/>
+                </a:solidFill>
+                <a:effectLst/>
+                <a:latin typeface="ubuntu mono derivative powerline" panose="020B0509030602030204" pitchFamily="49" charset="0"/>
+              </a:rPr>
+              <a:t>np</a:t>
+            </a:r>
+            <a:r>
+              <a:rPr lang="en-US" altLang="ko-KR" sz="1200" b="0" dirty="0">
+                <a:solidFill>
+                  <a:srgbClr val="D4D4D4"/>
+                </a:solidFill>
+                <a:effectLst/>
+                <a:latin typeface="ubuntu mono derivative powerline" panose="020B0509030602030204" pitchFamily="49" charset="0"/>
+              </a:rPr>
+              <a:t>, </a:t>
+            </a:r>
+            <a:r>
+              <a:rPr lang="en-US" altLang="ko-KR" sz="1200" b="0" dirty="0">
+                <a:solidFill>
+                  <a:srgbClr val="4EC9B0"/>
+                </a:solidFill>
+                <a:effectLst/>
+                <a:latin typeface="ubuntu mono derivative powerline" panose="020B0509030602030204" pitchFamily="49" charset="0"/>
+              </a:rPr>
+              <a:t>cv2</a:t>
+            </a:r>
+            <a:endParaRPr lang="en-US" altLang="ko-KR" sz="1200" b="0" dirty="0">
+              <a:solidFill>
+                <a:srgbClr val="D4D4D4"/>
+              </a:solidFill>
+              <a:effectLst/>
+              <a:latin typeface="ubuntu mono derivative powerline" panose="020B0509030602030204" pitchFamily="49" charset="0"/>
+            </a:endParaRPr>
+          </a:p>
+          <a:p>
+            <a:r>
+              <a:rPr lang="en-US" altLang="ko-KR" sz="1200" b="0" dirty="0">
+                <a:solidFill>
+                  <a:srgbClr val="C586C0"/>
+                </a:solidFill>
+                <a:effectLst/>
+                <a:latin typeface="ubuntu mono derivative powerline" panose="020B0509030602030204" pitchFamily="49" charset="0"/>
+              </a:rPr>
+              <a:t>import</a:t>
+            </a:r>
+            <a:r>
+              <a:rPr lang="en-US" altLang="ko-KR" sz="1200" b="0" dirty="0">
+                <a:solidFill>
+                  <a:srgbClr val="D4D4D4"/>
+                </a:solidFill>
+                <a:effectLst/>
+                <a:latin typeface="ubuntu mono derivative powerline" panose="020B0509030602030204" pitchFamily="49" charset="0"/>
+              </a:rPr>
+              <a:t> </a:t>
+            </a:r>
+            <a:r>
+              <a:rPr lang="en-US" altLang="ko-KR" sz="1200" b="0" dirty="0" err="1">
+                <a:solidFill>
+                  <a:srgbClr val="4EC9B0"/>
+                </a:solidFill>
+                <a:effectLst/>
+                <a:latin typeface="ubuntu mono derivative powerline" panose="020B0509030602030204" pitchFamily="49" charset="0"/>
+              </a:rPr>
+              <a:t>matplotlib</a:t>
+            </a:r>
+            <a:r>
+              <a:rPr lang="en-US" altLang="ko-KR" sz="1200" b="0" dirty="0" err="1">
+                <a:solidFill>
+                  <a:srgbClr val="D4D4D4"/>
+                </a:solidFill>
+                <a:effectLst/>
+                <a:latin typeface="ubuntu mono derivative powerline" panose="020B0509030602030204" pitchFamily="49" charset="0"/>
+              </a:rPr>
+              <a:t>.</a:t>
+            </a:r>
+            <a:r>
+              <a:rPr lang="en-US" altLang="ko-KR" sz="1200" b="0" dirty="0" err="1">
+                <a:solidFill>
+                  <a:srgbClr val="4EC9B0"/>
+                </a:solidFill>
+                <a:effectLst/>
+                <a:latin typeface="ubuntu mono derivative powerline" panose="020B0509030602030204" pitchFamily="49" charset="0"/>
+              </a:rPr>
+              <a:t>pyplot</a:t>
+            </a:r>
+            <a:r>
+              <a:rPr lang="en-US" altLang="ko-KR" sz="1200" b="0" dirty="0">
+                <a:solidFill>
+                  <a:srgbClr val="D4D4D4"/>
+                </a:solidFill>
+                <a:effectLst/>
+                <a:latin typeface="ubuntu mono derivative powerline" panose="020B0509030602030204" pitchFamily="49" charset="0"/>
+              </a:rPr>
+              <a:t> </a:t>
+            </a:r>
+            <a:r>
+              <a:rPr lang="en-US" altLang="ko-KR" sz="1200" b="0" dirty="0">
+                <a:solidFill>
+                  <a:srgbClr val="C586C0"/>
+                </a:solidFill>
+                <a:effectLst/>
+                <a:latin typeface="ubuntu mono derivative powerline" panose="020B0509030602030204" pitchFamily="49" charset="0"/>
+              </a:rPr>
+              <a:t>as</a:t>
+            </a:r>
+            <a:r>
+              <a:rPr lang="en-US" altLang="ko-KR" sz="1200" b="0" dirty="0">
+                <a:solidFill>
+                  <a:srgbClr val="D4D4D4"/>
+                </a:solidFill>
+                <a:effectLst/>
+                <a:latin typeface="ubuntu mono derivative powerline" panose="020B0509030602030204" pitchFamily="49" charset="0"/>
+              </a:rPr>
+              <a:t> </a:t>
+            </a:r>
+            <a:r>
+              <a:rPr lang="en-US" altLang="ko-KR" sz="1200" b="0" dirty="0" err="1">
+                <a:solidFill>
+                  <a:srgbClr val="4EC9B0"/>
+                </a:solidFill>
+                <a:effectLst/>
+                <a:latin typeface="ubuntu mono derivative powerline" panose="020B0509030602030204" pitchFamily="49" charset="0"/>
+              </a:rPr>
+              <a:t>plt</a:t>
+            </a:r>
+            <a:endParaRPr lang="en-US" altLang="ko-KR" sz="1200" b="0" dirty="0">
+              <a:solidFill>
+                <a:srgbClr val="4EC9B0"/>
+              </a:solidFill>
+              <a:effectLst/>
+              <a:latin typeface="ubuntu mono derivative powerline" panose="020B0509030602030204" pitchFamily="49" charset="0"/>
+            </a:endParaRPr>
+          </a:p>
+          <a:p>
+            <a:endParaRPr lang="en-US" altLang="ko-KR" sz="1200" b="0" dirty="0">
+              <a:solidFill>
+                <a:srgbClr val="569CD6"/>
+              </a:solidFill>
+              <a:effectLst/>
+              <a:latin typeface="ubuntu mono derivative powerline" panose="020B0509030602030204" pitchFamily="49" charset="0"/>
+            </a:endParaRPr>
+          </a:p>
+          <a:p>
+            <a:r>
+              <a:rPr lang="en-US" altLang="ko-KR" sz="1200" b="0" dirty="0">
+                <a:solidFill>
+                  <a:srgbClr val="569CD6"/>
                 </a:solidFill>
                 <a:effectLst/>
                 <a:latin typeface="ubuntu mono derivative powerline" panose="020B0509030602030204" pitchFamily="49" charset="0"/>
@@ -7280,39 +8452,700 @@
             </a:r>
             <a:r>
               <a:rPr lang="en-US" altLang="ko-KR" sz="1200" b="0" dirty="0">
+                <a:solidFill>
+                  <a:srgbClr val="D4D4D4"/>
+                </a:solidFill>
                 <a:effectLst/>
                 <a:latin typeface="ubuntu mono derivative powerline" panose="020B0509030602030204" pitchFamily="49" charset="0"/>
               </a:rPr>
               <a:t> </a:t>
             </a:r>
             <a:r>
-              <a:rPr lang="en-US" altLang="ko-KR" sz="1200" b="0" dirty="0">
-                <a:solidFill>
-                  <a:srgbClr val="00B0F0"/>
-                </a:solidFill>
-                <a:effectLst/>
-                <a:latin typeface="ubuntu mono derivative powerline" panose="020B0509030602030204" pitchFamily="49" charset="0"/>
-              </a:rPr>
-              <a:t>mat_access1</a:t>
-            </a:r>
-            <a:r>
-              <a:rPr lang="en-US" altLang="ko-KR" sz="1200" b="0" dirty="0">
-                <a:effectLst/>
-                <a:latin typeface="ubuntu mono derivative powerline" panose="020B0509030602030204" pitchFamily="49" charset="0"/>
-              </a:rPr>
-              <a:t>(mat):</a:t>
-            </a:r>
-          </a:p>
-          <a:p>
-            <a:r>
-              <a:rPr lang="en-US" altLang="ko-KR" sz="1200" b="0" dirty="0">
-                <a:effectLst/>
-                <a:latin typeface="ubuntu mono derivative powerline" panose="020B0509030602030204" pitchFamily="49" charset="0"/>
-              </a:rPr>
-              <a:t>    for </a:t>
-            </a:r>
-            <a:r>
               <a:rPr lang="en-US" altLang="ko-KR" sz="1200" b="0" dirty="0" err="1">
+                <a:solidFill>
+                  <a:srgbClr val="DCDCAA"/>
+                </a:solidFill>
+                <a:effectLst/>
+                <a:latin typeface="ubuntu mono derivative powerline" panose="020B0509030602030204" pitchFamily="49" charset="0"/>
+              </a:rPr>
+              <a:t>draw_histo</a:t>
+            </a:r>
+            <a:r>
+              <a:rPr lang="en-US" altLang="ko-KR" sz="1200" b="0" dirty="0">
+                <a:solidFill>
+                  <a:srgbClr val="D4D4D4"/>
+                </a:solidFill>
+                <a:effectLst/>
+                <a:latin typeface="ubuntu mono derivative powerline" panose="020B0509030602030204" pitchFamily="49" charset="0"/>
+              </a:rPr>
+              <a:t>(</a:t>
+            </a:r>
+            <a:r>
+              <a:rPr lang="en-US" altLang="ko-KR" sz="1200" b="0" dirty="0">
+                <a:solidFill>
+                  <a:srgbClr val="9CDCFE"/>
+                </a:solidFill>
+                <a:effectLst/>
+                <a:latin typeface="ubuntu mono derivative powerline" panose="020B0509030602030204" pitchFamily="49" charset="0"/>
+              </a:rPr>
+              <a:t>hist</a:t>
+            </a:r>
+            <a:r>
+              <a:rPr lang="en-US" altLang="ko-KR" sz="1200" b="0" dirty="0">
+                <a:solidFill>
+                  <a:srgbClr val="D4D4D4"/>
+                </a:solidFill>
+                <a:effectLst/>
+                <a:latin typeface="ubuntu mono derivative powerline" panose="020B0509030602030204" pitchFamily="49" charset="0"/>
+              </a:rPr>
+              <a:t>, </a:t>
+            </a:r>
+            <a:r>
+              <a:rPr lang="en-US" altLang="ko-KR" sz="1200" b="0" dirty="0">
+                <a:solidFill>
+                  <a:srgbClr val="9CDCFE"/>
+                </a:solidFill>
+                <a:effectLst/>
+                <a:latin typeface="ubuntu mono derivative powerline" panose="020B0509030602030204" pitchFamily="49" charset="0"/>
+              </a:rPr>
+              <a:t>shape</a:t>
+            </a:r>
+            <a:r>
+              <a:rPr lang="en-US" altLang="ko-KR" sz="1200" b="0" dirty="0">
+                <a:solidFill>
+                  <a:srgbClr val="D4D4D4"/>
+                </a:solidFill>
+                <a:effectLst/>
+                <a:latin typeface="ubuntu mono derivative powerline" panose="020B0509030602030204" pitchFamily="49" charset="0"/>
+              </a:rPr>
+              <a:t>=(</a:t>
+            </a:r>
+            <a:r>
+              <a:rPr lang="en-US" altLang="ko-KR" sz="1200" b="0" dirty="0">
+                <a:solidFill>
+                  <a:srgbClr val="B5CEA8"/>
+                </a:solidFill>
+                <a:effectLst/>
+                <a:latin typeface="ubuntu mono derivative powerline" panose="020B0509030602030204" pitchFamily="49" charset="0"/>
+              </a:rPr>
+              <a:t>200</a:t>
+            </a:r>
+            <a:r>
+              <a:rPr lang="en-US" altLang="ko-KR" sz="1200" b="0" dirty="0">
+                <a:solidFill>
+                  <a:srgbClr val="D4D4D4"/>
+                </a:solidFill>
+                <a:effectLst/>
+                <a:latin typeface="ubuntu mono derivative powerline" panose="020B0509030602030204" pitchFamily="49" charset="0"/>
+              </a:rPr>
+              <a:t>, </a:t>
+            </a:r>
+            <a:r>
+              <a:rPr lang="en-US" altLang="ko-KR" sz="1200" b="0" dirty="0">
+                <a:solidFill>
+                  <a:srgbClr val="B5CEA8"/>
+                </a:solidFill>
+                <a:effectLst/>
+                <a:latin typeface="ubuntu mono derivative powerline" panose="020B0509030602030204" pitchFamily="49" charset="0"/>
+              </a:rPr>
+              <a:t>256</a:t>
+            </a:r>
+            <a:r>
+              <a:rPr lang="en-US" altLang="ko-KR" sz="1200" b="0" dirty="0">
+                <a:solidFill>
+                  <a:srgbClr val="D4D4D4"/>
+                </a:solidFill>
+                <a:effectLst/>
+                <a:latin typeface="ubuntu mono derivative powerline" panose="020B0509030602030204" pitchFamily="49" charset="0"/>
+              </a:rPr>
+              <a:t>)):</a:t>
+            </a:r>
+          </a:p>
+          <a:p>
+            <a:r>
+              <a:rPr lang="en-US" altLang="ko-KR" sz="1200" b="0" dirty="0">
+                <a:solidFill>
+                  <a:srgbClr val="D4D4D4"/>
+                </a:solidFill>
+                <a:effectLst/>
+                <a:latin typeface="ubuntu mono derivative powerline" panose="020B0509030602030204" pitchFamily="49" charset="0"/>
+              </a:rPr>
+              <a:t>    </a:t>
+            </a:r>
+            <a:r>
+              <a:rPr lang="en-US" altLang="ko-KR" sz="1200" b="0" dirty="0" err="1">
+                <a:solidFill>
+                  <a:srgbClr val="9CDCFE"/>
+                </a:solidFill>
+                <a:effectLst/>
+                <a:latin typeface="ubuntu mono derivative powerline" panose="020B0509030602030204" pitchFamily="49" charset="0"/>
+              </a:rPr>
+              <a:t>hist_img</a:t>
+            </a:r>
+            <a:r>
+              <a:rPr lang="en-US" altLang="ko-KR" sz="1200" b="0" dirty="0">
+                <a:solidFill>
+                  <a:srgbClr val="D4D4D4"/>
+                </a:solidFill>
+                <a:effectLst/>
+                <a:latin typeface="ubuntu mono derivative powerline" panose="020B0509030602030204" pitchFamily="49" charset="0"/>
+              </a:rPr>
+              <a:t> = </a:t>
+            </a:r>
+            <a:r>
+              <a:rPr lang="en-US" altLang="ko-KR" sz="1200" b="0" dirty="0" err="1">
+                <a:solidFill>
+                  <a:srgbClr val="4EC9B0"/>
+                </a:solidFill>
+                <a:effectLst/>
+                <a:latin typeface="ubuntu mono derivative powerline" panose="020B0509030602030204" pitchFamily="49" charset="0"/>
+              </a:rPr>
+              <a:t>np</a:t>
+            </a:r>
+            <a:r>
+              <a:rPr lang="en-US" altLang="ko-KR" sz="1200" b="0" dirty="0" err="1">
+                <a:solidFill>
+                  <a:srgbClr val="D4D4D4"/>
+                </a:solidFill>
+                <a:effectLst/>
+                <a:latin typeface="ubuntu mono derivative powerline" panose="020B0509030602030204" pitchFamily="49" charset="0"/>
+              </a:rPr>
+              <a:t>.</a:t>
+            </a:r>
+            <a:r>
+              <a:rPr lang="en-US" altLang="ko-KR" sz="1200" b="0" dirty="0" err="1">
+                <a:solidFill>
+                  <a:srgbClr val="DCDCAA"/>
+                </a:solidFill>
+                <a:effectLst/>
+                <a:latin typeface="ubuntu mono derivative powerline" panose="020B0509030602030204" pitchFamily="49" charset="0"/>
+              </a:rPr>
+              <a:t>full</a:t>
+            </a:r>
+            <a:r>
+              <a:rPr lang="en-US" altLang="ko-KR" sz="1200" b="0" dirty="0">
+                <a:solidFill>
+                  <a:srgbClr val="D4D4D4"/>
+                </a:solidFill>
+                <a:effectLst/>
+                <a:latin typeface="ubuntu mono derivative powerline" panose="020B0509030602030204" pitchFamily="49" charset="0"/>
+              </a:rPr>
+              <a:t>(</a:t>
+            </a:r>
+            <a:r>
+              <a:rPr lang="en-US" altLang="ko-KR" sz="1200" b="0" dirty="0">
+                <a:solidFill>
+                  <a:srgbClr val="9CDCFE"/>
+                </a:solidFill>
+                <a:effectLst/>
+                <a:latin typeface="ubuntu mono derivative powerline" panose="020B0509030602030204" pitchFamily="49" charset="0"/>
+              </a:rPr>
+              <a:t>shape</a:t>
+            </a:r>
+            <a:r>
+              <a:rPr lang="en-US" altLang="ko-KR" sz="1200" b="0" dirty="0">
+                <a:solidFill>
+                  <a:srgbClr val="D4D4D4"/>
+                </a:solidFill>
+                <a:effectLst/>
+                <a:latin typeface="ubuntu mono derivative powerline" panose="020B0509030602030204" pitchFamily="49" charset="0"/>
+              </a:rPr>
+              <a:t>, </a:t>
+            </a:r>
+            <a:r>
+              <a:rPr lang="en-US" altLang="ko-KR" sz="1200" b="0" dirty="0">
+                <a:solidFill>
+                  <a:srgbClr val="B5CEA8"/>
+                </a:solidFill>
+                <a:effectLst/>
+                <a:latin typeface="ubuntu mono derivative powerline" panose="020B0509030602030204" pitchFamily="49" charset="0"/>
+              </a:rPr>
+              <a:t>255</a:t>
+            </a:r>
+            <a:r>
+              <a:rPr lang="en-US" altLang="ko-KR" sz="1200" b="0" dirty="0">
+                <a:solidFill>
+                  <a:srgbClr val="D4D4D4"/>
+                </a:solidFill>
+                <a:effectLst/>
+                <a:latin typeface="ubuntu mono derivative powerline" panose="020B0509030602030204" pitchFamily="49" charset="0"/>
+              </a:rPr>
+              <a:t>, </a:t>
+            </a:r>
+            <a:r>
+              <a:rPr lang="en-US" altLang="ko-KR" sz="1200" b="0" dirty="0">
+                <a:solidFill>
+                  <a:srgbClr val="4EC9B0"/>
+                </a:solidFill>
+                <a:effectLst/>
+                <a:latin typeface="ubuntu mono derivative powerline" panose="020B0509030602030204" pitchFamily="49" charset="0"/>
+              </a:rPr>
+              <a:t>np</a:t>
+            </a:r>
+            <a:r>
+              <a:rPr lang="en-US" altLang="ko-KR" sz="1200" b="0" dirty="0">
+                <a:solidFill>
+                  <a:srgbClr val="D4D4D4"/>
+                </a:solidFill>
+                <a:effectLst/>
+                <a:latin typeface="ubuntu mono derivative powerline" panose="020B0509030602030204" pitchFamily="49" charset="0"/>
+              </a:rPr>
+              <a:t>.</a:t>
+            </a:r>
+            <a:r>
+              <a:rPr lang="en-US" altLang="ko-KR" sz="1200" b="0" dirty="0">
+                <a:solidFill>
+                  <a:srgbClr val="9CDCFE"/>
+                </a:solidFill>
+                <a:effectLst/>
+                <a:latin typeface="ubuntu mono derivative powerline" panose="020B0509030602030204" pitchFamily="49" charset="0"/>
+              </a:rPr>
+              <a:t>uint8</a:t>
+            </a:r>
+            <a:r>
+              <a:rPr lang="en-US" altLang="ko-KR" sz="1200" b="0" dirty="0">
+                <a:solidFill>
+                  <a:srgbClr val="D4D4D4"/>
+                </a:solidFill>
+                <a:effectLst/>
+                <a:latin typeface="ubuntu mono derivative powerline" panose="020B0509030602030204" pitchFamily="49" charset="0"/>
+              </a:rPr>
+              <a:t>)</a:t>
+            </a:r>
+          </a:p>
+          <a:p>
+            <a:r>
+              <a:rPr lang="en-US" altLang="ko-KR" sz="1200" b="0" dirty="0">
+                <a:solidFill>
+                  <a:srgbClr val="D4D4D4"/>
+                </a:solidFill>
+                <a:effectLst/>
+                <a:latin typeface="ubuntu mono derivative powerline" panose="020B0509030602030204" pitchFamily="49" charset="0"/>
+              </a:rPr>
+              <a:t>    </a:t>
+            </a:r>
+            <a:r>
+              <a:rPr lang="en-US" altLang="ko-KR" sz="1200" b="0" dirty="0">
+                <a:solidFill>
+                  <a:srgbClr val="4EC9B0"/>
+                </a:solidFill>
+                <a:effectLst/>
+                <a:latin typeface="ubuntu mono derivative powerline" panose="020B0509030602030204" pitchFamily="49" charset="0"/>
+              </a:rPr>
+              <a:t>cv2</a:t>
+            </a:r>
+            <a:r>
+              <a:rPr lang="en-US" altLang="ko-KR" sz="1200" b="0" dirty="0">
+                <a:solidFill>
+                  <a:srgbClr val="D4D4D4"/>
+                </a:solidFill>
+                <a:effectLst/>
+                <a:latin typeface="ubuntu mono derivative powerline" panose="020B0509030602030204" pitchFamily="49" charset="0"/>
+              </a:rPr>
+              <a:t>.</a:t>
+            </a:r>
+            <a:r>
+              <a:rPr lang="en-US" altLang="ko-KR" sz="1200" b="0" dirty="0">
+                <a:solidFill>
+                  <a:srgbClr val="DCDCAA"/>
+                </a:solidFill>
+                <a:effectLst/>
+                <a:latin typeface="ubuntu mono derivative powerline" panose="020B0509030602030204" pitchFamily="49" charset="0"/>
+              </a:rPr>
+              <a:t>normalize</a:t>
+            </a:r>
+            <a:r>
+              <a:rPr lang="en-US" altLang="ko-KR" sz="1200" b="0" dirty="0">
+                <a:solidFill>
+                  <a:srgbClr val="D4D4D4"/>
+                </a:solidFill>
+                <a:effectLst/>
+                <a:latin typeface="ubuntu mono derivative powerline" panose="020B0509030602030204" pitchFamily="49" charset="0"/>
+              </a:rPr>
+              <a:t>(</a:t>
+            </a:r>
+            <a:r>
+              <a:rPr lang="en-US" altLang="ko-KR" sz="1200" b="0" dirty="0">
+                <a:solidFill>
+                  <a:srgbClr val="9CDCFE"/>
+                </a:solidFill>
+                <a:effectLst/>
+                <a:latin typeface="ubuntu mono derivative powerline" panose="020B0509030602030204" pitchFamily="49" charset="0"/>
+              </a:rPr>
+              <a:t>hist</a:t>
+            </a:r>
+            <a:r>
+              <a:rPr lang="en-US" altLang="ko-KR" sz="1200" b="0" dirty="0">
+                <a:solidFill>
+                  <a:srgbClr val="D4D4D4"/>
+                </a:solidFill>
+                <a:effectLst/>
+                <a:latin typeface="ubuntu mono derivative powerline" panose="020B0509030602030204" pitchFamily="49" charset="0"/>
+              </a:rPr>
+              <a:t>, </a:t>
+            </a:r>
+            <a:r>
+              <a:rPr lang="en-US" altLang="ko-KR" sz="1200" b="0" dirty="0">
+                <a:solidFill>
+                  <a:srgbClr val="9CDCFE"/>
+                </a:solidFill>
+                <a:effectLst/>
+                <a:latin typeface="ubuntu mono derivative powerline" panose="020B0509030602030204" pitchFamily="49" charset="0"/>
+              </a:rPr>
+              <a:t>hist</a:t>
+            </a:r>
+            <a:r>
+              <a:rPr lang="en-US" altLang="ko-KR" sz="1200" b="0" dirty="0">
+                <a:solidFill>
+                  <a:srgbClr val="D4D4D4"/>
+                </a:solidFill>
+                <a:effectLst/>
+                <a:latin typeface="ubuntu mono derivative powerline" panose="020B0509030602030204" pitchFamily="49" charset="0"/>
+              </a:rPr>
+              <a:t>, </a:t>
+            </a:r>
+            <a:r>
+              <a:rPr lang="en-US" altLang="ko-KR" sz="1200" b="0" dirty="0">
+                <a:solidFill>
+                  <a:srgbClr val="B5CEA8"/>
+                </a:solidFill>
+                <a:effectLst/>
+                <a:latin typeface="ubuntu mono derivative powerline" panose="020B0509030602030204" pitchFamily="49" charset="0"/>
+              </a:rPr>
+              <a:t>0</a:t>
+            </a:r>
+            <a:r>
+              <a:rPr lang="en-US" altLang="ko-KR" sz="1200" b="0" dirty="0">
+                <a:solidFill>
+                  <a:srgbClr val="D4D4D4"/>
+                </a:solidFill>
+                <a:effectLst/>
+                <a:latin typeface="ubuntu mono derivative powerline" panose="020B0509030602030204" pitchFamily="49" charset="0"/>
+              </a:rPr>
+              <a:t>, </a:t>
+            </a:r>
+            <a:r>
+              <a:rPr lang="en-US" altLang="ko-KR" sz="1200" b="0" dirty="0">
+                <a:solidFill>
+                  <a:srgbClr val="9CDCFE"/>
+                </a:solidFill>
+                <a:effectLst/>
+                <a:latin typeface="ubuntu mono derivative powerline" panose="020B0509030602030204" pitchFamily="49" charset="0"/>
+              </a:rPr>
+              <a:t>shape</a:t>
+            </a:r>
+            <a:r>
+              <a:rPr lang="en-US" altLang="ko-KR" sz="1200" b="0" dirty="0">
+                <a:solidFill>
+                  <a:srgbClr val="D4D4D4"/>
+                </a:solidFill>
+                <a:effectLst/>
+                <a:latin typeface="ubuntu mono derivative powerline" panose="020B0509030602030204" pitchFamily="49" charset="0"/>
+              </a:rPr>
+              <a:t>[</a:t>
+            </a:r>
+            <a:r>
+              <a:rPr lang="en-US" altLang="ko-KR" sz="1200" b="0" dirty="0">
+                <a:solidFill>
+                  <a:srgbClr val="B5CEA8"/>
+                </a:solidFill>
+                <a:effectLst/>
+                <a:latin typeface="ubuntu mono derivative powerline" panose="020B0509030602030204" pitchFamily="49" charset="0"/>
+              </a:rPr>
+              <a:t>0</a:t>
+            </a:r>
+            <a:r>
+              <a:rPr lang="en-US" altLang="ko-KR" sz="1200" b="0" dirty="0">
+                <a:solidFill>
+                  <a:srgbClr val="D4D4D4"/>
+                </a:solidFill>
+                <a:effectLst/>
+                <a:latin typeface="ubuntu mono derivative powerline" panose="020B0509030602030204" pitchFamily="49" charset="0"/>
+              </a:rPr>
+              <a:t>], </a:t>
+            </a:r>
+            <a:r>
+              <a:rPr lang="en-US" altLang="ko-KR" sz="1200" b="0" dirty="0">
+                <a:solidFill>
+                  <a:srgbClr val="4EC9B0"/>
+                </a:solidFill>
+                <a:effectLst/>
+                <a:latin typeface="ubuntu mono derivative powerline" panose="020B0509030602030204" pitchFamily="49" charset="0"/>
+              </a:rPr>
+              <a:t>cv2</a:t>
+            </a:r>
+            <a:r>
+              <a:rPr lang="en-US" altLang="ko-KR" sz="1200" b="0" dirty="0">
+                <a:solidFill>
+                  <a:srgbClr val="D4D4D4"/>
+                </a:solidFill>
+                <a:effectLst/>
+                <a:latin typeface="ubuntu mono derivative powerline" panose="020B0509030602030204" pitchFamily="49" charset="0"/>
+              </a:rPr>
+              <a:t>.</a:t>
+            </a:r>
+            <a:r>
+              <a:rPr lang="en-US" altLang="ko-KR" sz="1200" b="0" dirty="0">
+                <a:solidFill>
+                  <a:srgbClr val="9CDCFE"/>
+                </a:solidFill>
+                <a:effectLst/>
+                <a:latin typeface="ubuntu mono derivative powerline" panose="020B0509030602030204" pitchFamily="49" charset="0"/>
+              </a:rPr>
+              <a:t>NORM_MINMAX</a:t>
+            </a:r>
+            <a:r>
+              <a:rPr lang="en-US" altLang="ko-KR" sz="1200" b="0" dirty="0">
+                <a:solidFill>
+                  <a:srgbClr val="D4D4D4"/>
+                </a:solidFill>
+                <a:effectLst/>
+                <a:latin typeface="ubuntu mono derivative powerline" panose="020B0509030602030204" pitchFamily="49" charset="0"/>
+              </a:rPr>
+              <a:t>) </a:t>
+            </a:r>
+            <a:r>
+              <a:rPr lang="en-US" altLang="ko-KR" sz="1200" b="0" dirty="0">
+                <a:solidFill>
+                  <a:srgbClr val="6A9955"/>
+                </a:solidFill>
+                <a:effectLst/>
+                <a:latin typeface="ubuntu mono derivative powerline" panose="020B0509030602030204" pitchFamily="49" charset="0"/>
+              </a:rPr>
+              <a:t># </a:t>
+            </a:r>
+            <a:r>
+              <a:rPr lang="ko-KR" altLang="en-US" sz="1200" b="0" dirty="0">
+                <a:solidFill>
+                  <a:srgbClr val="6A9955"/>
+                </a:solidFill>
+                <a:effectLst/>
+                <a:latin typeface="ubuntu mono derivative powerline" panose="020B0509030602030204" pitchFamily="49" charset="0"/>
+              </a:rPr>
+              <a:t>정규화</a:t>
+            </a:r>
+            <a:endParaRPr lang="ko-KR" altLang="en-US" sz="1200" b="0" dirty="0">
+              <a:solidFill>
+                <a:srgbClr val="D4D4D4"/>
+              </a:solidFill>
+              <a:effectLst/>
+              <a:latin typeface="ubuntu mono derivative powerline" panose="020B0509030602030204" pitchFamily="49" charset="0"/>
+            </a:endParaRPr>
+          </a:p>
+          <a:p>
+            <a:r>
+              <a:rPr lang="en-US" altLang="ko-KR" sz="1200" b="0" dirty="0">
+                <a:solidFill>
+                  <a:srgbClr val="D4D4D4"/>
+                </a:solidFill>
+                <a:effectLst/>
+                <a:latin typeface="ubuntu mono derivative powerline" panose="020B0509030602030204" pitchFamily="49" charset="0"/>
+              </a:rPr>
+              <a:t>    </a:t>
+            </a:r>
+            <a:r>
+              <a:rPr lang="en-US" altLang="ko-KR" sz="1200" b="0" dirty="0">
+                <a:solidFill>
+                  <a:srgbClr val="9CDCFE"/>
+                </a:solidFill>
+                <a:effectLst/>
+                <a:latin typeface="ubuntu mono derivative powerline" panose="020B0509030602030204" pitchFamily="49" charset="0"/>
+              </a:rPr>
+              <a:t>gap</a:t>
+            </a:r>
+            <a:r>
+              <a:rPr lang="en-US" altLang="ko-KR" sz="1200" b="0" dirty="0">
+                <a:solidFill>
+                  <a:srgbClr val="D4D4D4"/>
+                </a:solidFill>
+                <a:effectLst/>
+                <a:latin typeface="ubuntu mono derivative powerline" panose="020B0509030602030204" pitchFamily="49" charset="0"/>
+              </a:rPr>
+              <a:t> = </a:t>
+            </a:r>
+            <a:r>
+              <a:rPr lang="en-US" altLang="ko-KR" sz="1200" b="0" dirty="0" err="1">
+                <a:solidFill>
+                  <a:srgbClr val="9CDCFE"/>
+                </a:solidFill>
+                <a:effectLst/>
+                <a:latin typeface="ubuntu mono derivative powerline" panose="020B0509030602030204" pitchFamily="49" charset="0"/>
+              </a:rPr>
+              <a:t>hist_img</a:t>
+            </a:r>
+            <a:r>
+              <a:rPr lang="en-US" altLang="ko-KR" sz="1200" b="0" dirty="0" err="1">
+                <a:solidFill>
+                  <a:srgbClr val="D4D4D4"/>
+                </a:solidFill>
+                <a:effectLst/>
+                <a:latin typeface="ubuntu mono derivative powerline" panose="020B0509030602030204" pitchFamily="49" charset="0"/>
+              </a:rPr>
+              <a:t>.</a:t>
+            </a:r>
+            <a:r>
+              <a:rPr lang="en-US" altLang="ko-KR" sz="1200" b="0" dirty="0" err="1">
+                <a:solidFill>
+                  <a:srgbClr val="9CDCFE"/>
+                </a:solidFill>
+                <a:effectLst/>
+                <a:latin typeface="ubuntu mono derivative powerline" panose="020B0509030602030204" pitchFamily="49" charset="0"/>
+              </a:rPr>
+              <a:t>shape</a:t>
+            </a:r>
+            <a:r>
+              <a:rPr lang="en-US" altLang="ko-KR" sz="1200" b="0" dirty="0">
+                <a:solidFill>
+                  <a:srgbClr val="D4D4D4"/>
+                </a:solidFill>
+                <a:effectLst/>
+                <a:latin typeface="ubuntu mono derivative powerline" panose="020B0509030602030204" pitchFamily="49" charset="0"/>
+              </a:rPr>
+              <a:t>[</a:t>
+            </a:r>
+            <a:r>
+              <a:rPr lang="en-US" altLang="ko-KR" sz="1200" b="0" dirty="0">
+                <a:solidFill>
+                  <a:srgbClr val="B5CEA8"/>
+                </a:solidFill>
+                <a:effectLst/>
+                <a:latin typeface="ubuntu mono derivative powerline" panose="020B0509030602030204" pitchFamily="49" charset="0"/>
+              </a:rPr>
+              <a:t>1</a:t>
+            </a:r>
+            <a:r>
+              <a:rPr lang="en-US" altLang="ko-KR" sz="1200" b="0" dirty="0">
+                <a:solidFill>
+                  <a:srgbClr val="D4D4D4"/>
+                </a:solidFill>
+                <a:effectLst/>
+                <a:latin typeface="ubuntu mono derivative powerline" panose="020B0509030602030204" pitchFamily="49" charset="0"/>
+              </a:rPr>
+              <a:t>] / </a:t>
+            </a:r>
+            <a:r>
+              <a:rPr lang="en-US" altLang="ko-KR" sz="1200" b="0" dirty="0" err="1">
+                <a:solidFill>
+                  <a:srgbClr val="9CDCFE"/>
+                </a:solidFill>
+                <a:effectLst/>
+                <a:latin typeface="ubuntu mono derivative powerline" panose="020B0509030602030204" pitchFamily="49" charset="0"/>
+              </a:rPr>
+              <a:t>hist</a:t>
+            </a:r>
+            <a:r>
+              <a:rPr lang="en-US" altLang="ko-KR" sz="1200" b="0" dirty="0" err="1">
+                <a:solidFill>
+                  <a:srgbClr val="D4D4D4"/>
+                </a:solidFill>
+                <a:effectLst/>
+                <a:latin typeface="ubuntu mono derivative powerline" panose="020B0509030602030204" pitchFamily="49" charset="0"/>
+              </a:rPr>
+              <a:t>.shape</a:t>
+            </a:r>
+            <a:r>
+              <a:rPr lang="en-US" altLang="ko-KR" sz="1200" b="0" dirty="0">
+                <a:solidFill>
+                  <a:srgbClr val="D4D4D4"/>
+                </a:solidFill>
+                <a:effectLst/>
+                <a:latin typeface="ubuntu mono derivative powerline" panose="020B0509030602030204" pitchFamily="49" charset="0"/>
+              </a:rPr>
+              <a:t>[</a:t>
+            </a:r>
+            <a:r>
+              <a:rPr lang="en-US" altLang="ko-KR" sz="1200" b="0" dirty="0">
+                <a:solidFill>
+                  <a:srgbClr val="B5CEA8"/>
+                </a:solidFill>
+                <a:effectLst/>
+                <a:latin typeface="ubuntu mono derivative powerline" panose="020B0509030602030204" pitchFamily="49" charset="0"/>
+              </a:rPr>
+              <a:t>0</a:t>
+            </a:r>
+            <a:r>
+              <a:rPr lang="en-US" altLang="ko-KR" sz="1200" b="0" dirty="0">
+                <a:solidFill>
+                  <a:srgbClr val="D4D4D4"/>
+                </a:solidFill>
+                <a:effectLst/>
+                <a:latin typeface="ubuntu mono derivative powerline" panose="020B0509030602030204" pitchFamily="49" charset="0"/>
+              </a:rPr>
+              <a:t>]                 </a:t>
+            </a:r>
+            <a:r>
+              <a:rPr lang="en-US" altLang="ko-KR" sz="1200" b="0" dirty="0">
+                <a:solidFill>
+                  <a:srgbClr val="6A9955"/>
+                </a:solidFill>
+                <a:effectLst/>
+                <a:latin typeface="ubuntu mono derivative powerline" panose="020B0509030602030204" pitchFamily="49" charset="0"/>
+              </a:rPr>
+              <a:t># </a:t>
+            </a:r>
+            <a:r>
+              <a:rPr lang="ko-KR" altLang="en-US" sz="1200" b="0" dirty="0">
+                <a:solidFill>
+                  <a:srgbClr val="6A9955"/>
+                </a:solidFill>
+                <a:effectLst/>
+                <a:latin typeface="ubuntu mono derivative powerline" panose="020B0509030602030204" pitchFamily="49" charset="0"/>
+              </a:rPr>
+              <a:t>막대 너비</a:t>
+            </a:r>
+            <a:endParaRPr lang="ko-KR" altLang="en-US" sz="1200" b="0" dirty="0">
+              <a:solidFill>
+                <a:srgbClr val="D4D4D4"/>
+              </a:solidFill>
+              <a:effectLst/>
+              <a:latin typeface="ubuntu mono derivative powerline" panose="020B0509030602030204" pitchFamily="49" charset="0"/>
+            </a:endParaRPr>
+          </a:p>
+          <a:p>
+            <a:br>
+              <a:rPr lang="ko-KR" altLang="en-US" sz="1200" b="0" dirty="0">
+                <a:solidFill>
+                  <a:srgbClr val="D4D4D4"/>
+                </a:solidFill>
+                <a:effectLst/>
+                <a:latin typeface="ubuntu mono derivative powerline" panose="020B0509030602030204" pitchFamily="49" charset="0"/>
+              </a:rPr>
+            </a:br>
+            <a:r>
+              <a:rPr lang="ko-KR" altLang="en-US" sz="1200" b="0" dirty="0">
+                <a:solidFill>
+                  <a:srgbClr val="D4D4D4"/>
+                </a:solidFill>
+                <a:effectLst/>
+                <a:latin typeface="ubuntu mono derivative powerline" panose="020B0509030602030204" pitchFamily="49" charset="0"/>
+              </a:rPr>
+              <a:t>    </a:t>
+            </a:r>
+            <a:r>
+              <a:rPr lang="en-US" altLang="ko-KR" sz="1200" b="0" dirty="0">
+                <a:solidFill>
+                  <a:srgbClr val="C586C0"/>
+                </a:solidFill>
+                <a:effectLst/>
+                <a:latin typeface="ubuntu mono derivative powerline" panose="020B0509030602030204" pitchFamily="49" charset="0"/>
+              </a:rPr>
+              <a:t>for</a:t>
+            </a:r>
+            <a:r>
+              <a:rPr lang="en-US" altLang="ko-KR" sz="1200" b="0" dirty="0">
+                <a:solidFill>
+                  <a:srgbClr val="D4D4D4"/>
+                </a:solidFill>
+                <a:effectLst/>
+                <a:latin typeface="ubuntu mono derivative powerline" panose="020B0509030602030204" pitchFamily="49" charset="0"/>
+              </a:rPr>
+              <a:t> </a:t>
+            </a:r>
+            <a:r>
+              <a:rPr lang="en-US" altLang="ko-KR" sz="1200" b="0" dirty="0" err="1">
+                <a:solidFill>
+                  <a:srgbClr val="9CDCFE"/>
+                </a:solidFill>
                 <a:effectLst/>
                 <a:latin typeface="ubuntu mono derivative powerline" panose="020B0509030602030204" pitchFamily="49" charset="0"/>
               </a:rPr>
@@ -7320,200 +9153,781 @@
             </a:r>
             <a:r>
               <a:rPr lang="en-US" altLang="ko-KR" sz="1200" b="0" dirty="0">
-                <a:effectLst/>
-                <a:latin typeface="ubuntu mono derivative powerline" panose="020B0509030602030204" pitchFamily="49" charset="0"/>
-              </a:rPr>
-              <a:t> in range(</a:t>
+                <a:solidFill>
+                  <a:srgbClr val="D4D4D4"/>
+                </a:solidFill>
+                <a:effectLst/>
+                <a:latin typeface="ubuntu mono derivative powerline" panose="020B0509030602030204" pitchFamily="49" charset="0"/>
+              </a:rPr>
+              <a:t>, </a:t>
+            </a:r>
+            <a:r>
+              <a:rPr lang="en-US" altLang="ko-KR" sz="1200" b="0" dirty="0">
+                <a:solidFill>
+                  <a:srgbClr val="9CDCFE"/>
+                </a:solidFill>
+                <a:effectLst/>
+                <a:latin typeface="ubuntu mono derivative powerline" panose="020B0509030602030204" pitchFamily="49" charset="0"/>
+              </a:rPr>
+              <a:t>h</a:t>
+            </a:r>
+            <a:r>
+              <a:rPr lang="en-US" altLang="ko-KR" sz="1200" b="0" dirty="0">
+                <a:solidFill>
+                  <a:srgbClr val="D4D4D4"/>
+                </a:solidFill>
+                <a:effectLst/>
+                <a:latin typeface="ubuntu mono derivative powerline" panose="020B0509030602030204" pitchFamily="49" charset="0"/>
+              </a:rPr>
+              <a:t> </a:t>
+            </a:r>
+            <a:r>
+              <a:rPr lang="en-US" altLang="ko-KR" sz="1200" b="0" dirty="0">
+                <a:solidFill>
+                  <a:srgbClr val="C586C0"/>
+                </a:solidFill>
+                <a:effectLst/>
+                <a:latin typeface="ubuntu mono derivative powerline" panose="020B0509030602030204" pitchFamily="49" charset="0"/>
+              </a:rPr>
+              <a:t>in</a:t>
+            </a:r>
+            <a:r>
+              <a:rPr lang="en-US" altLang="ko-KR" sz="1200" b="0" dirty="0">
+                <a:solidFill>
+                  <a:srgbClr val="D4D4D4"/>
+                </a:solidFill>
+                <a:effectLst/>
+                <a:latin typeface="ubuntu mono derivative powerline" panose="020B0509030602030204" pitchFamily="49" charset="0"/>
+              </a:rPr>
+              <a:t> </a:t>
+            </a:r>
+            <a:r>
+              <a:rPr lang="en-US" altLang="ko-KR" sz="1200" b="0" dirty="0">
+                <a:solidFill>
+                  <a:srgbClr val="4EC9B0"/>
+                </a:solidFill>
+                <a:effectLst/>
+                <a:latin typeface="ubuntu mono derivative powerline" panose="020B0509030602030204" pitchFamily="49" charset="0"/>
+              </a:rPr>
+              <a:t>enumerate</a:t>
+            </a:r>
+            <a:r>
+              <a:rPr lang="en-US" altLang="ko-KR" sz="1200" b="0" dirty="0">
+                <a:solidFill>
+                  <a:srgbClr val="D4D4D4"/>
+                </a:solidFill>
+                <a:effectLst/>
+                <a:latin typeface="ubuntu mono derivative powerline" panose="020B0509030602030204" pitchFamily="49" charset="0"/>
+              </a:rPr>
+              <a:t>(</a:t>
+            </a:r>
+            <a:r>
+              <a:rPr lang="en-US" altLang="ko-KR" sz="1200" b="0" dirty="0">
+                <a:solidFill>
+                  <a:srgbClr val="9CDCFE"/>
+                </a:solidFill>
+                <a:effectLst/>
+                <a:latin typeface="ubuntu mono derivative powerline" panose="020B0509030602030204" pitchFamily="49" charset="0"/>
+              </a:rPr>
+              <a:t>hist</a:t>
+            </a:r>
+            <a:r>
+              <a:rPr lang="en-US" altLang="ko-KR" sz="1200" b="0" dirty="0">
+                <a:solidFill>
+                  <a:srgbClr val="D4D4D4"/>
+                </a:solidFill>
+                <a:effectLst/>
+                <a:latin typeface="ubuntu mono derivative powerline" panose="020B0509030602030204" pitchFamily="49" charset="0"/>
+              </a:rPr>
+              <a:t>):</a:t>
+            </a:r>
+          </a:p>
+          <a:p>
+            <a:r>
+              <a:rPr lang="en-US" altLang="ko-KR" sz="1200" b="0" dirty="0">
+                <a:solidFill>
+                  <a:srgbClr val="D4D4D4"/>
+                </a:solidFill>
+                <a:effectLst/>
+                <a:latin typeface="ubuntu mono derivative powerline" panose="020B0509030602030204" pitchFamily="49" charset="0"/>
+              </a:rPr>
+              <a:t>        </a:t>
+            </a:r>
+            <a:r>
+              <a:rPr lang="en-US" altLang="ko-KR" sz="1200" b="0" dirty="0">
+                <a:solidFill>
+                  <a:srgbClr val="9CDCFE"/>
+                </a:solidFill>
+                <a:effectLst/>
+                <a:latin typeface="ubuntu mono derivative powerline" panose="020B0509030602030204" pitchFamily="49" charset="0"/>
+              </a:rPr>
+              <a:t>x</a:t>
+            </a:r>
+            <a:r>
+              <a:rPr lang="en-US" altLang="ko-KR" sz="1200" b="0" dirty="0">
+                <a:solidFill>
+                  <a:srgbClr val="D4D4D4"/>
+                </a:solidFill>
+                <a:effectLst/>
+                <a:latin typeface="ubuntu mono derivative powerline" panose="020B0509030602030204" pitchFamily="49" charset="0"/>
+              </a:rPr>
+              <a:t> = </a:t>
+            </a:r>
+            <a:r>
+              <a:rPr lang="en-US" altLang="ko-KR" sz="1200" b="0" dirty="0">
+                <a:solidFill>
+                  <a:srgbClr val="4EC9B0"/>
+                </a:solidFill>
+                <a:effectLst/>
+                <a:latin typeface="ubuntu mono derivative powerline" panose="020B0509030602030204" pitchFamily="49" charset="0"/>
+              </a:rPr>
+              <a:t>int</a:t>
+            </a:r>
+            <a:r>
+              <a:rPr lang="en-US" altLang="ko-KR" sz="1200" b="0" dirty="0">
+                <a:solidFill>
+                  <a:srgbClr val="D4D4D4"/>
+                </a:solidFill>
+                <a:effectLst/>
+                <a:latin typeface="ubuntu mono derivative powerline" panose="020B0509030602030204" pitchFamily="49" charset="0"/>
+              </a:rPr>
+              <a:t>(</a:t>
+            </a:r>
+            <a:r>
+              <a:rPr lang="en-US" altLang="ko-KR" sz="1200" b="0" dirty="0">
+                <a:solidFill>
+                  <a:srgbClr val="DCDCAA"/>
+                </a:solidFill>
+                <a:effectLst/>
+                <a:latin typeface="ubuntu mono derivative powerline" panose="020B0509030602030204" pitchFamily="49" charset="0"/>
+              </a:rPr>
+              <a:t>round</a:t>
+            </a:r>
+            <a:r>
+              <a:rPr lang="en-US" altLang="ko-KR" sz="1200" b="0" dirty="0">
+                <a:solidFill>
+                  <a:srgbClr val="D4D4D4"/>
+                </a:solidFill>
+                <a:effectLst/>
+                <a:latin typeface="ubuntu mono derivative powerline" panose="020B0509030602030204" pitchFamily="49" charset="0"/>
+              </a:rPr>
+              <a:t>(</a:t>
             </a:r>
             <a:r>
               <a:rPr lang="en-US" altLang="ko-KR" sz="1200" b="0" dirty="0" err="1">
-                <a:effectLst/>
-                <a:latin typeface="ubuntu mono derivative powerline" panose="020B0509030602030204" pitchFamily="49" charset="0"/>
-              </a:rPr>
-              <a:t>mat.</a:t>
+                <a:solidFill>
+                  <a:srgbClr val="9CDCFE"/>
+                </a:solidFill>
+                <a:effectLst/>
+                <a:latin typeface="ubuntu mono derivative powerline" panose="020B0509030602030204" pitchFamily="49" charset="0"/>
+              </a:rPr>
+              <a:t>i</a:t>
+            </a:r>
+            <a:r>
+              <a:rPr lang="en-US" altLang="ko-KR" sz="1200" b="0" dirty="0">
+                <a:solidFill>
+                  <a:srgbClr val="D4D4D4"/>
+                </a:solidFill>
+                <a:effectLst/>
+                <a:latin typeface="ubuntu mono derivative powerline" panose="020B0509030602030204" pitchFamily="49" charset="0"/>
+              </a:rPr>
+              <a:t> * </a:t>
+            </a:r>
+            <a:r>
+              <a:rPr lang="en-US" altLang="ko-KR" sz="1200" b="0" dirty="0">
+                <a:solidFill>
+                  <a:srgbClr val="9CDCFE"/>
+                </a:solidFill>
+                <a:effectLst/>
+                <a:latin typeface="ubuntu mono derivative powerline" panose="020B0509030602030204" pitchFamily="49" charset="0"/>
+              </a:rPr>
+              <a:t>gap</a:t>
+            </a:r>
+            <a:r>
+              <a:rPr lang="en-US" altLang="ko-KR" sz="1200" b="0" dirty="0">
+                <a:solidFill>
+                  <a:srgbClr val="D4D4D4"/>
+                </a:solidFill>
+                <a:effectLst/>
+                <a:latin typeface="ubuntu mono derivative powerline" panose="020B0509030602030204" pitchFamily="49" charset="0"/>
+              </a:rPr>
+              <a:t>))                             </a:t>
+            </a:r>
+            <a:r>
+              <a:rPr lang="en-US" altLang="ko-KR" sz="1200" b="0" dirty="0">
+                <a:solidFill>
+                  <a:srgbClr val="6A9955"/>
+                </a:solidFill>
+                <a:effectLst/>
+                <a:latin typeface="ubuntu mono derivative powerline" panose="020B0509030602030204" pitchFamily="49" charset="0"/>
+              </a:rPr>
+              <a:t># </a:t>
+            </a:r>
+            <a:r>
+              <a:rPr lang="ko-KR" altLang="en-US" sz="1200" b="0" dirty="0">
+                <a:solidFill>
+                  <a:srgbClr val="6A9955"/>
+                </a:solidFill>
+                <a:effectLst/>
+                <a:latin typeface="ubuntu mono derivative powerline" panose="020B0509030602030204" pitchFamily="49" charset="0"/>
+              </a:rPr>
+              <a:t>막대 시작 좌표</a:t>
+            </a:r>
+            <a:endParaRPr lang="ko-KR" altLang="en-US" sz="1200" b="0" dirty="0">
+              <a:solidFill>
+                <a:srgbClr val="D4D4D4"/>
+              </a:solidFill>
+              <a:effectLst/>
+              <a:latin typeface="ubuntu mono derivative powerline" panose="020B0509030602030204" pitchFamily="49" charset="0"/>
+            </a:endParaRPr>
+          </a:p>
+          <a:p>
+            <a:r>
+              <a:rPr lang="ko-KR" altLang="en-US" sz="1200" b="0" dirty="0">
+                <a:solidFill>
+                  <a:srgbClr val="D4D4D4"/>
+                </a:solidFill>
+                <a:effectLst/>
+                <a:latin typeface="ubuntu mono derivative powerline" panose="020B0509030602030204" pitchFamily="49" charset="0"/>
+              </a:rPr>
+              <a:t>        </a:t>
+            </a:r>
+            <a:r>
+              <a:rPr lang="en-US" altLang="ko-KR" sz="1200" b="0" dirty="0">
+                <a:solidFill>
+                  <a:srgbClr val="9CDCFE"/>
+                </a:solidFill>
+                <a:effectLst/>
+                <a:latin typeface="ubuntu mono derivative powerline" panose="020B0509030602030204" pitchFamily="49" charset="0"/>
+              </a:rPr>
+              <a:t>w</a:t>
+            </a:r>
+            <a:r>
+              <a:rPr lang="en-US" altLang="ko-KR" sz="1200" b="0" dirty="0">
+                <a:solidFill>
+                  <a:srgbClr val="D4D4D4"/>
+                </a:solidFill>
+                <a:effectLst/>
+                <a:latin typeface="ubuntu mono derivative powerline" panose="020B0509030602030204" pitchFamily="49" charset="0"/>
+              </a:rPr>
+              <a:t> = </a:t>
+            </a:r>
+            <a:r>
+              <a:rPr lang="en-US" altLang="ko-KR" sz="1200" b="0" dirty="0">
+                <a:solidFill>
+                  <a:srgbClr val="4EC9B0"/>
+                </a:solidFill>
+                <a:effectLst/>
+                <a:latin typeface="ubuntu mono derivative powerline" panose="020B0509030602030204" pitchFamily="49" charset="0"/>
+              </a:rPr>
+              <a:t>int</a:t>
+            </a:r>
+            <a:r>
+              <a:rPr lang="en-US" altLang="ko-KR" sz="1200" b="0" dirty="0">
+                <a:solidFill>
+                  <a:srgbClr val="D4D4D4"/>
+                </a:solidFill>
+                <a:effectLst/>
+                <a:latin typeface="ubuntu mono derivative powerline" panose="020B0509030602030204" pitchFamily="49" charset="0"/>
+              </a:rPr>
+              <a:t>(</a:t>
+            </a:r>
+            <a:r>
+              <a:rPr lang="en-US" altLang="ko-KR" sz="1200" b="0" dirty="0">
+                <a:solidFill>
+                  <a:srgbClr val="DCDCAA"/>
+                </a:solidFill>
+                <a:effectLst/>
+                <a:latin typeface="ubuntu mono derivative powerline" panose="020B0509030602030204" pitchFamily="49" charset="0"/>
+              </a:rPr>
+              <a:t>round</a:t>
+            </a:r>
+            <a:r>
+              <a:rPr lang="en-US" altLang="ko-KR" sz="1200" b="0" dirty="0">
+                <a:solidFill>
+                  <a:srgbClr val="D4D4D4"/>
+                </a:solidFill>
+                <a:effectLst/>
+                <a:latin typeface="ubuntu mono derivative powerline" panose="020B0509030602030204" pitchFamily="49" charset="0"/>
+              </a:rPr>
+              <a:t>(</a:t>
+            </a:r>
+            <a:r>
+              <a:rPr lang="en-US" altLang="ko-KR" sz="1200" b="0" dirty="0">
+                <a:solidFill>
+                  <a:srgbClr val="9CDCFE"/>
+                </a:solidFill>
+                <a:effectLst/>
+                <a:latin typeface="ubuntu mono derivative powerline" panose="020B0509030602030204" pitchFamily="49" charset="0"/>
+              </a:rPr>
+              <a:t>gap</a:t>
+            </a:r>
+            <a:r>
+              <a:rPr lang="en-US" altLang="ko-KR" sz="1200" b="0" dirty="0">
+                <a:solidFill>
+                  <a:srgbClr val="D4D4D4"/>
+                </a:solidFill>
+                <a:effectLst/>
+                <a:latin typeface="ubuntu mono derivative powerline" panose="020B0509030602030204" pitchFamily="49" charset="0"/>
+              </a:rPr>
+              <a:t>))</a:t>
+            </a:r>
+          </a:p>
+          <a:p>
+            <a:r>
+              <a:rPr lang="en-US" altLang="ko-KR" sz="1200" b="0" dirty="0">
+                <a:solidFill>
+                  <a:srgbClr val="D4D4D4"/>
+                </a:solidFill>
+                <a:effectLst/>
+                <a:latin typeface="ubuntu mono derivative powerline" panose="020B0509030602030204" pitchFamily="49" charset="0"/>
+              </a:rPr>
+              <a:t>        </a:t>
+            </a:r>
+            <a:r>
+              <a:rPr lang="en-US" altLang="ko-KR" sz="1200" b="0" dirty="0">
+                <a:solidFill>
+                  <a:srgbClr val="4EC9B0"/>
+                </a:solidFill>
+                <a:effectLst/>
+                <a:latin typeface="ubuntu mono derivative powerline" panose="020B0509030602030204" pitchFamily="49" charset="0"/>
+              </a:rPr>
+              <a:t>cv2</a:t>
+            </a:r>
+            <a:r>
+              <a:rPr lang="en-US" altLang="ko-KR" sz="1200" b="0" dirty="0">
+                <a:solidFill>
+                  <a:srgbClr val="D4D4D4"/>
+                </a:solidFill>
+                <a:effectLst/>
+                <a:latin typeface="ubuntu mono derivative powerline" panose="020B0509030602030204" pitchFamily="49" charset="0"/>
+              </a:rPr>
+              <a:t>.</a:t>
+            </a:r>
+            <a:r>
+              <a:rPr lang="en-US" altLang="ko-KR" sz="1200" b="0" dirty="0">
+                <a:solidFill>
+                  <a:srgbClr val="DCDCAA"/>
+                </a:solidFill>
+                <a:effectLst/>
+                <a:latin typeface="ubuntu mono derivative powerline" panose="020B0509030602030204" pitchFamily="49" charset="0"/>
+              </a:rPr>
+              <a:t>rectangle</a:t>
+            </a:r>
+            <a:r>
+              <a:rPr lang="en-US" altLang="ko-KR" sz="1200" b="0" dirty="0">
+                <a:solidFill>
+                  <a:srgbClr val="D4D4D4"/>
+                </a:solidFill>
+                <a:effectLst/>
+                <a:latin typeface="ubuntu mono derivative powerline" panose="020B0509030602030204" pitchFamily="49" charset="0"/>
+              </a:rPr>
+              <a:t>(</a:t>
             </a:r>
             <a:r>
               <a:rPr lang="en-US" altLang="ko-KR" sz="1200" b="0" dirty="0" err="1">
                 <a:solidFill>
-                  <a:srgbClr val="0000FF"/>
-                </a:solidFill>
-                <a:effectLst/>
-                <a:latin typeface="ubuntu mono derivative powerline" panose="020B0509030602030204" pitchFamily="49" charset="0"/>
-              </a:rPr>
-              <a:t>shape</a:t>
-            </a:r>
-            <a:r>
-              <a:rPr lang="en-US" altLang="ko-KR" sz="1200" b="0" dirty="0">
-                <a:effectLst/>
-                <a:latin typeface="ubuntu mono derivative powerline" panose="020B0509030602030204" pitchFamily="49" charset="0"/>
-              </a:rPr>
-              <a:t>[0]):</a:t>
-            </a:r>
-          </a:p>
-          <a:p>
-            <a:r>
-              <a:rPr lang="en-US" altLang="ko-KR" sz="1200" b="0" dirty="0">
-                <a:effectLst/>
-                <a:latin typeface="ubuntu mono derivative powerline" panose="020B0509030602030204" pitchFamily="49" charset="0"/>
-              </a:rPr>
-              <a:t>        for j in range(</a:t>
+                  <a:srgbClr val="9CDCFE"/>
+                </a:solidFill>
+                <a:effectLst/>
+                <a:latin typeface="ubuntu mono derivative powerline" panose="020B0509030602030204" pitchFamily="49" charset="0"/>
+              </a:rPr>
+              <a:t>hist_img</a:t>
+            </a:r>
+            <a:r>
+              <a:rPr lang="en-US" altLang="ko-KR" sz="1200" b="0" dirty="0">
+                <a:solidFill>
+                  <a:srgbClr val="D4D4D4"/>
+                </a:solidFill>
+                <a:effectLst/>
+                <a:latin typeface="ubuntu mono derivative powerline" panose="020B0509030602030204" pitchFamily="49" charset="0"/>
+              </a:rPr>
+              <a:t>, (</a:t>
+            </a:r>
+            <a:r>
+              <a:rPr lang="en-US" altLang="ko-KR" sz="1200" b="0" dirty="0">
+                <a:solidFill>
+                  <a:srgbClr val="9CDCFE"/>
+                </a:solidFill>
+                <a:effectLst/>
+                <a:latin typeface="ubuntu mono derivative powerline" panose="020B0509030602030204" pitchFamily="49" charset="0"/>
+              </a:rPr>
+              <a:t>x</a:t>
+            </a:r>
+            <a:r>
+              <a:rPr lang="en-US" altLang="ko-KR" sz="1200" b="0" dirty="0">
+                <a:solidFill>
+                  <a:srgbClr val="D4D4D4"/>
+                </a:solidFill>
+                <a:effectLst/>
+                <a:latin typeface="ubuntu mono derivative powerline" panose="020B0509030602030204" pitchFamily="49" charset="0"/>
+              </a:rPr>
+              <a:t>, </a:t>
+            </a:r>
+            <a:r>
+              <a:rPr lang="en-US" altLang="ko-KR" sz="1200" b="0" dirty="0">
+                <a:solidFill>
+                  <a:srgbClr val="B5CEA8"/>
+                </a:solidFill>
+                <a:effectLst/>
+                <a:latin typeface="ubuntu mono derivative powerline" panose="020B0509030602030204" pitchFamily="49" charset="0"/>
+              </a:rPr>
+              <a:t>0</a:t>
+            </a:r>
+            <a:r>
+              <a:rPr lang="en-US" altLang="ko-KR" sz="1200" b="0" dirty="0">
+                <a:solidFill>
+                  <a:srgbClr val="D4D4D4"/>
+                </a:solidFill>
+                <a:effectLst/>
+                <a:latin typeface="ubuntu mono derivative powerline" panose="020B0509030602030204" pitchFamily="49" charset="0"/>
+              </a:rPr>
+              <a:t>, </a:t>
+            </a:r>
+            <a:r>
+              <a:rPr lang="en-US" altLang="ko-KR" sz="1200" b="0" dirty="0">
+                <a:solidFill>
+                  <a:srgbClr val="9CDCFE"/>
+                </a:solidFill>
+                <a:effectLst/>
+                <a:latin typeface="ubuntu mono derivative powerline" panose="020B0509030602030204" pitchFamily="49" charset="0"/>
+              </a:rPr>
+              <a:t>w</a:t>
+            </a:r>
+            <a:r>
+              <a:rPr lang="en-US" altLang="ko-KR" sz="1200" b="0" dirty="0">
+                <a:solidFill>
+                  <a:srgbClr val="D4D4D4"/>
+                </a:solidFill>
+                <a:effectLst/>
+                <a:latin typeface="ubuntu mono derivative powerline" panose="020B0509030602030204" pitchFamily="49" charset="0"/>
+              </a:rPr>
+              <a:t>, </a:t>
+            </a:r>
+            <a:r>
+              <a:rPr lang="en-US" altLang="ko-KR" sz="1200" b="0" dirty="0">
+                <a:solidFill>
+                  <a:srgbClr val="4EC9B0"/>
+                </a:solidFill>
+                <a:effectLst/>
+                <a:latin typeface="ubuntu mono derivative powerline" panose="020B0509030602030204" pitchFamily="49" charset="0"/>
+              </a:rPr>
+              <a:t>int</a:t>
+            </a:r>
+            <a:r>
+              <a:rPr lang="en-US" altLang="ko-KR" sz="1200" b="0" dirty="0">
+                <a:solidFill>
+                  <a:srgbClr val="D4D4D4"/>
+                </a:solidFill>
+                <a:effectLst/>
+                <a:latin typeface="ubuntu mono derivative powerline" panose="020B0509030602030204" pitchFamily="49" charset="0"/>
+              </a:rPr>
+              <a:t>(</a:t>
+            </a:r>
+            <a:r>
+              <a:rPr lang="en-US" altLang="ko-KR" sz="1200" b="0" dirty="0">
+                <a:solidFill>
+                  <a:srgbClr val="9CDCFE"/>
+                </a:solidFill>
+                <a:effectLst/>
+                <a:latin typeface="ubuntu mono derivative powerline" panose="020B0509030602030204" pitchFamily="49" charset="0"/>
+              </a:rPr>
+              <a:t>h</a:t>
+            </a:r>
+            <a:r>
+              <a:rPr lang="en-US" altLang="ko-KR" sz="1200" b="0" dirty="0">
+                <a:solidFill>
+                  <a:srgbClr val="D4D4D4"/>
+                </a:solidFill>
+                <a:effectLst/>
+                <a:latin typeface="ubuntu mono derivative powerline" panose="020B0509030602030204" pitchFamily="49" charset="0"/>
+              </a:rPr>
+              <a:t>)), </a:t>
+            </a:r>
+            <a:r>
+              <a:rPr lang="en-US" altLang="ko-KR" sz="1200" b="0" dirty="0">
+                <a:solidFill>
+                  <a:srgbClr val="B5CEA8"/>
+                </a:solidFill>
+                <a:effectLst/>
+                <a:latin typeface="ubuntu mono derivative powerline" panose="020B0509030602030204" pitchFamily="49" charset="0"/>
+              </a:rPr>
+              <a:t>0</a:t>
+            </a:r>
+            <a:r>
+              <a:rPr lang="en-US" altLang="ko-KR" sz="1200" b="0" dirty="0">
+                <a:solidFill>
+                  <a:srgbClr val="D4D4D4"/>
+                </a:solidFill>
+                <a:effectLst/>
+                <a:latin typeface="ubuntu mono derivative powerline" panose="020B0509030602030204" pitchFamily="49" charset="0"/>
+              </a:rPr>
+              <a:t>, </a:t>
+            </a:r>
+            <a:r>
+              <a:rPr lang="en-US" altLang="ko-KR" sz="1200" b="0" dirty="0">
+                <a:solidFill>
+                  <a:srgbClr val="4EC9B0"/>
+                </a:solidFill>
+                <a:effectLst/>
+                <a:latin typeface="ubuntu mono derivative powerline" panose="020B0509030602030204" pitchFamily="49" charset="0"/>
+              </a:rPr>
+              <a:t>cv2</a:t>
+            </a:r>
+            <a:r>
+              <a:rPr lang="en-US" altLang="ko-KR" sz="1200" b="0" dirty="0">
+                <a:solidFill>
+                  <a:srgbClr val="D4D4D4"/>
+                </a:solidFill>
+                <a:effectLst/>
+                <a:latin typeface="ubuntu mono derivative powerline" panose="020B0509030602030204" pitchFamily="49" charset="0"/>
+              </a:rPr>
+              <a:t>.</a:t>
+            </a:r>
+            <a:r>
+              <a:rPr lang="en-US" altLang="ko-KR" sz="1200" b="0" dirty="0">
+                <a:solidFill>
+                  <a:srgbClr val="9CDCFE"/>
+                </a:solidFill>
+                <a:effectLst/>
+                <a:latin typeface="ubuntu mono derivative powerline" panose="020B0509030602030204" pitchFamily="49" charset="0"/>
+              </a:rPr>
+              <a:t>FILLED</a:t>
+            </a:r>
+            <a:r>
+              <a:rPr lang="en-US" altLang="ko-KR" sz="1200" b="0" dirty="0">
+                <a:solidFill>
+                  <a:srgbClr val="D4D4D4"/>
+                </a:solidFill>
+                <a:effectLst/>
+                <a:latin typeface="ubuntu mono derivative powerline" panose="020B0509030602030204" pitchFamily="49" charset="0"/>
+              </a:rPr>
+              <a:t>)</a:t>
+            </a:r>
+          </a:p>
+          <a:p>
+            <a:r>
+              <a:rPr lang="en-US" altLang="ko-KR" sz="1200" b="0" dirty="0">
+                <a:solidFill>
+                  <a:srgbClr val="D4D4D4"/>
+                </a:solidFill>
+                <a:effectLst/>
+                <a:latin typeface="ubuntu mono derivative powerline" panose="020B0509030602030204" pitchFamily="49" charset="0"/>
+              </a:rPr>
+              <a:t>    </a:t>
+            </a:r>
+            <a:r>
+              <a:rPr lang="en-US" altLang="ko-KR" sz="1200" b="0" dirty="0">
+                <a:solidFill>
+                  <a:srgbClr val="C586C0"/>
+                </a:solidFill>
+                <a:effectLst/>
+                <a:latin typeface="ubuntu mono derivative powerline" panose="020B0509030602030204" pitchFamily="49" charset="0"/>
+              </a:rPr>
+              <a:t>return</a:t>
+            </a:r>
+            <a:r>
+              <a:rPr lang="en-US" altLang="ko-KR" sz="1200" b="0" dirty="0">
+                <a:solidFill>
+                  <a:srgbClr val="D4D4D4"/>
+                </a:solidFill>
+                <a:effectLst/>
+                <a:latin typeface="ubuntu mono derivative powerline" panose="020B0509030602030204" pitchFamily="49" charset="0"/>
+              </a:rPr>
+              <a:t> </a:t>
+            </a:r>
+            <a:r>
+              <a:rPr lang="en-US" altLang="ko-KR" sz="1200" b="0" dirty="0">
+                <a:solidFill>
+                  <a:srgbClr val="4EC9B0"/>
+                </a:solidFill>
+                <a:effectLst/>
+                <a:latin typeface="ubuntu mono derivative powerline" panose="020B0509030602030204" pitchFamily="49" charset="0"/>
+              </a:rPr>
+              <a:t>cv2</a:t>
+            </a:r>
+            <a:r>
+              <a:rPr lang="en-US" altLang="ko-KR" sz="1200" b="0" dirty="0">
+                <a:solidFill>
+                  <a:srgbClr val="D4D4D4"/>
+                </a:solidFill>
+                <a:effectLst/>
+                <a:latin typeface="ubuntu mono derivative powerline" panose="020B0509030602030204" pitchFamily="49" charset="0"/>
+              </a:rPr>
+              <a:t>.</a:t>
+            </a:r>
+            <a:r>
+              <a:rPr lang="en-US" altLang="ko-KR" sz="1200" b="0" dirty="0">
+                <a:solidFill>
+                  <a:srgbClr val="DCDCAA"/>
+                </a:solidFill>
+                <a:effectLst/>
+                <a:latin typeface="ubuntu mono derivative powerline" panose="020B0509030602030204" pitchFamily="49" charset="0"/>
+              </a:rPr>
+              <a:t>flip</a:t>
+            </a:r>
+            <a:r>
+              <a:rPr lang="en-US" altLang="ko-KR" sz="1200" b="0" dirty="0">
+                <a:solidFill>
+                  <a:srgbClr val="D4D4D4"/>
+                </a:solidFill>
+                <a:effectLst/>
+                <a:latin typeface="ubuntu mono derivative powerline" panose="020B0509030602030204" pitchFamily="49" charset="0"/>
+              </a:rPr>
+              <a:t>(</a:t>
             </a:r>
             <a:r>
               <a:rPr lang="en-US" altLang="ko-KR" sz="1200" b="0" dirty="0" err="1">
-                <a:effectLst/>
-                <a:latin typeface="ubuntu mono derivative powerline" panose="020B0509030602030204" pitchFamily="49" charset="0"/>
-              </a:rPr>
-              <a:t>mat.</a:t>
-            </a:r>
-            <a:r>
-              <a:rPr lang="en-US" altLang="ko-KR" sz="1200" b="0" dirty="0" err="1">
-                <a:solidFill>
-                  <a:srgbClr val="0000FF"/>
-                </a:solidFill>
-                <a:effectLst/>
-                <a:latin typeface="ubuntu mono derivative powerline" panose="020B0509030602030204" pitchFamily="49" charset="0"/>
-              </a:rPr>
-              <a:t>shape</a:t>
-            </a:r>
-            <a:r>
-              <a:rPr lang="en-US" altLang="ko-KR" sz="1200" b="0" dirty="0">
-                <a:effectLst/>
-                <a:latin typeface="ubuntu mono derivative powerline" panose="020B0509030602030204" pitchFamily="49" charset="0"/>
-              </a:rPr>
-              <a:t>[1]):</a:t>
-            </a:r>
-          </a:p>
-          <a:p>
-            <a:r>
-              <a:rPr lang="en-US" altLang="ko-KR" sz="1200" b="0" dirty="0">
-                <a:effectLst/>
-                <a:latin typeface="ubuntu mono derivative powerline" panose="020B0509030602030204" pitchFamily="49" charset="0"/>
-              </a:rPr>
-              <a:t>            k = mat[</a:t>
-            </a:r>
-            <a:r>
-              <a:rPr lang="en-US" altLang="ko-KR" sz="1200" b="0" dirty="0" err="1">
-                <a:effectLst/>
-                <a:latin typeface="ubuntu mono derivative powerline" panose="020B0509030602030204" pitchFamily="49" charset="0"/>
-              </a:rPr>
-              <a:t>i</a:t>
-            </a:r>
-            <a:r>
-              <a:rPr lang="en-US" altLang="ko-KR" sz="1200" b="0" dirty="0">
-                <a:effectLst/>
-                <a:latin typeface="ubuntu mono derivative powerline" panose="020B0509030602030204" pitchFamily="49" charset="0"/>
-              </a:rPr>
-              <a:t>, j]</a:t>
-            </a:r>
-          </a:p>
-          <a:p>
-            <a:r>
-              <a:rPr lang="en-US" altLang="ko-KR" sz="1200" b="0" dirty="0">
-                <a:effectLst/>
-                <a:latin typeface="ubuntu mono derivative powerline" panose="020B0509030602030204" pitchFamily="49" charset="0"/>
-              </a:rPr>
-              <a:t>            mat[</a:t>
-            </a:r>
-            <a:r>
-              <a:rPr lang="en-US" altLang="ko-KR" sz="1200" b="0" dirty="0" err="1">
-                <a:effectLst/>
-                <a:latin typeface="ubuntu mono derivative powerline" panose="020B0509030602030204" pitchFamily="49" charset="0"/>
-              </a:rPr>
-              <a:t>i</a:t>
-            </a:r>
-            <a:r>
-              <a:rPr lang="en-US" altLang="ko-KR" sz="1200" b="0" dirty="0">
-                <a:effectLst/>
-                <a:latin typeface="ubuntu mono derivative powerline" panose="020B0509030602030204" pitchFamily="49" charset="0"/>
-              </a:rPr>
-              <a:t>, j] = k * 2</a:t>
-            </a:r>
-          </a:p>
-          <a:p>
-            <a:br>
-              <a:rPr lang="en-US" altLang="ko-KR" sz="1200" b="0" dirty="0">
-                <a:effectLst/>
-                <a:latin typeface="ubuntu mono derivative powerline" panose="020B0509030602030204" pitchFamily="49" charset="0"/>
-              </a:rPr>
-            </a:br>
-            <a:r>
-              <a:rPr lang="en-US" altLang="ko-KR" sz="1200" b="0" dirty="0">
-                <a:effectLst/>
-                <a:latin typeface="ubuntu mono derivative powerline" panose="020B0509030602030204" pitchFamily="49" charset="0"/>
-              </a:rPr>
-              <a:t>mat1 = </a:t>
-            </a:r>
-            <a:r>
-              <a:rPr lang="en-US" altLang="ko-KR" sz="1200" b="0" dirty="0" err="1">
-                <a:solidFill>
-                  <a:srgbClr val="7030A0"/>
-                </a:solidFill>
-                <a:effectLst/>
-                <a:latin typeface="ubuntu mono derivative powerline" panose="020B0509030602030204" pitchFamily="49" charset="0"/>
-              </a:rPr>
-              <a:t>np</a:t>
-            </a:r>
-            <a:r>
-              <a:rPr lang="en-US" altLang="ko-KR" sz="1200" b="0" dirty="0" err="1">
+                <a:solidFill>
+                  <a:srgbClr val="9CDCFE"/>
+                </a:solidFill>
+                <a:effectLst/>
+                <a:latin typeface="ubuntu mono derivative powerline" panose="020B0509030602030204" pitchFamily="49" charset="0"/>
+              </a:rPr>
+              <a:t>hist_img</a:t>
+            </a:r>
+            <a:r>
+              <a:rPr lang="en-US" altLang="ko-KR" sz="1200" b="0" dirty="0">
+                <a:solidFill>
+                  <a:srgbClr val="D4D4D4"/>
+                </a:solidFill>
+                <a:effectLst/>
+                <a:latin typeface="ubuntu mono derivative powerline" panose="020B0509030602030204" pitchFamily="49" charset="0"/>
+              </a:rPr>
+              <a:t>, </a:t>
+            </a:r>
+            <a:r>
+              <a:rPr lang="en-US" altLang="ko-KR" sz="1200" b="0" dirty="0">
+                <a:solidFill>
+                  <a:srgbClr val="B5CEA8"/>
+                </a:solidFill>
+                <a:effectLst/>
+                <a:latin typeface="ubuntu mono derivative powerline" panose="020B0509030602030204" pitchFamily="49" charset="0"/>
+              </a:rPr>
+              <a:t>0</a:t>
+            </a:r>
+            <a:r>
+              <a:rPr lang="en-US" altLang="ko-KR" sz="1200" b="0" dirty="0">
+                <a:solidFill>
+                  <a:srgbClr val="D4D4D4"/>
+                </a:solidFill>
+                <a:effectLst/>
+                <a:latin typeface="ubuntu mono derivative powerline" panose="020B0509030602030204" pitchFamily="49" charset="0"/>
+              </a:rPr>
+              <a:t>)                            </a:t>
+            </a:r>
+            <a:r>
+              <a:rPr lang="en-US" altLang="ko-KR" sz="1200" b="0" dirty="0">
+                <a:solidFill>
+                  <a:srgbClr val="6A9955"/>
+                </a:solidFill>
+                <a:effectLst/>
+                <a:latin typeface="ubuntu mono derivative powerline" panose="020B0509030602030204" pitchFamily="49" charset="0"/>
+              </a:rPr>
+              <a:t># </a:t>
+            </a:r>
+            <a:r>
+              <a:rPr lang="ko-KR" altLang="en-US" sz="1200" b="0" dirty="0">
+                <a:solidFill>
+                  <a:srgbClr val="6A9955"/>
+                </a:solidFill>
+                <a:effectLst/>
+                <a:latin typeface="ubuntu mono derivative powerline" panose="020B0509030602030204" pitchFamily="49" charset="0"/>
+              </a:rPr>
+              <a:t>영상 좌우</a:t>
+            </a:r>
+            <a:r>
+              <a:rPr lang="en-US" altLang="ko-KR" sz="1200" b="0" dirty="0">
+                <a:solidFill>
+                  <a:srgbClr val="6A9955"/>
+                </a:solidFill>
+                <a:effectLst/>
+                <a:latin typeface="ubuntu mono derivative powerline" panose="020B0509030602030204" pitchFamily="49" charset="0"/>
+              </a:rPr>
+              <a:t>, </a:t>
+            </a:r>
+            <a:r>
+              <a:rPr lang="ko-KR" altLang="en-US" sz="1200" b="0" dirty="0">
+                <a:solidFill>
+                  <a:srgbClr val="6A9955"/>
+                </a:solidFill>
+                <a:effectLst/>
+                <a:latin typeface="ubuntu mono derivative powerline" panose="020B0509030602030204" pitchFamily="49" charset="0"/>
+              </a:rPr>
+              <a:t>상하 반전</a:t>
+            </a:r>
+            <a:endParaRPr lang="en-US" altLang="ko-KR" sz="1200" b="0" dirty="0">
+              <a:solidFill>
+                <a:srgbClr val="6A9955"/>
+              </a:solidFill>
+              <a:effectLst/>
+              <a:latin typeface="ubuntu mono derivative powerline" panose="020B0509030602030204" pitchFamily="49" charset="0"/>
+            </a:endParaRPr>
+          </a:p>
+          <a:p>
+            <a:endParaRPr lang="en-US" altLang="ko-KR" sz="1200" dirty="0">
+              <a:solidFill>
+                <a:srgbClr val="6A9955"/>
+              </a:solidFill>
+              <a:latin typeface="ubuntu mono derivative powerline" panose="020B0509030602030204" pitchFamily="49" charset="0"/>
+            </a:endParaRPr>
+          </a:p>
+          <a:p>
+            <a:r>
+              <a:rPr lang="en-US" altLang="ko-KR" sz="1200" b="0" dirty="0">
+                <a:solidFill>
+                  <a:srgbClr val="9CDCFE"/>
+                </a:solidFill>
+                <a:effectLst/>
+                <a:latin typeface="ubuntu mono derivative powerline" panose="020B0509030602030204" pitchFamily="49" charset="0"/>
+              </a:rPr>
+              <a:t>image</a:t>
+            </a:r>
+            <a:r>
+              <a:rPr lang="en-US" altLang="ko-KR" sz="1200" b="0" dirty="0">
+                <a:solidFill>
+                  <a:srgbClr val="D4D4D4"/>
+                </a:solidFill>
+                <a:effectLst/>
+                <a:latin typeface="ubuntu mono derivative powerline" panose="020B0509030602030204" pitchFamily="49" charset="0"/>
+              </a:rPr>
+              <a:t> = </a:t>
+            </a:r>
+            <a:r>
+              <a:rPr lang="en-US" altLang="ko-KR" sz="1200" b="0" dirty="0">
+                <a:solidFill>
+                  <a:srgbClr val="4EC9B0"/>
+                </a:solidFill>
+                <a:effectLst/>
+                <a:latin typeface="ubuntu mono derivative powerline" panose="020B0509030602030204" pitchFamily="49" charset="0"/>
+              </a:rPr>
+              <a:t>cv2</a:t>
+            </a:r>
+            <a:r>
+              <a:rPr lang="en-US" altLang="ko-KR" sz="1200" b="0" dirty="0">
+                <a:solidFill>
+                  <a:srgbClr val="D4D4D4"/>
+                </a:solidFill>
                 <a:effectLst/>
                 <a:latin typeface="ubuntu mono derivative powerline" panose="020B0509030602030204" pitchFamily="49" charset="0"/>
               </a:rPr>
               <a:t>.</a:t>
             </a:r>
             <a:r>
-              <a:rPr lang="en-US" altLang="ko-KR" sz="1200" b="0" dirty="0" err="1">
-                <a:solidFill>
-                  <a:srgbClr val="0000FF"/>
-                </a:solidFill>
-                <a:effectLst/>
-                <a:latin typeface="ubuntu mono derivative powerline" panose="020B0509030602030204" pitchFamily="49" charset="0"/>
-              </a:rPr>
-              <a:t>arange</a:t>
-            </a:r>
-            <a:r>
-              <a:rPr lang="en-US" altLang="ko-KR" sz="1200" b="0" dirty="0">
-                <a:effectLst/>
-                <a:latin typeface="ubuntu mono derivative powerline" panose="020B0509030602030204" pitchFamily="49" charset="0"/>
-              </a:rPr>
-              <a:t>(10).</a:t>
-            </a:r>
-            <a:r>
-              <a:rPr lang="en-US" altLang="ko-KR" sz="1200" b="0" dirty="0">
-                <a:solidFill>
-                  <a:srgbClr val="0000FF"/>
-                </a:solidFill>
-                <a:effectLst/>
-                <a:latin typeface="ubuntu mono derivative powerline" panose="020B0509030602030204" pitchFamily="49" charset="0"/>
-              </a:rPr>
-              <a:t>reshape</a:t>
-            </a:r>
-            <a:r>
-              <a:rPr lang="en-US" altLang="ko-KR" sz="1200" b="0" dirty="0">
-                <a:effectLst/>
-                <a:latin typeface="ubuntu mono derivative powerline" panose="020B0509030602030204" pitchFamily="49" charset="0"/>
-              </a:rPr>
-              <a:t>(2, 5)</a:t>
-            </a:r>
-          </a:p>
-          <a:p>
-            <a:br>
-              <a:rPr lang="en-US" altLang="ko-KR" sz="1200" b="0" dirty="0">
-                <a:effectLst/>
-                <a:latin typeface="ubuntu mono derivative powerline" panose="020B0509030602030204" pitchFamily="49" charset="0"/>
-              </a:rPr>
-            </a:br>
-            <a:r>
-              <a:rPr lang="en-US" altLang="ko-KR" sz="1200" b="0" dirty="0">
-                <a:solidFill>
-                  <a:srgbClr val="0000FF"/>
-                </a:solidFill>
-                <a:effectLst/>
-                <a:latin typeface="ubuntu mono derivative powerline" panose="020B0509030602030204" pitchFamily="49" charset="0"/>
-              </a:rPr>
-              <a:t>print</a:t>
-            </a:r>
-            <a:r>
-              <a:rPr lang="en-US" altLang="ko-KR" sz="1200" b="0" dirty="0">
+              <a:rPr lang="en-US" altLang="ko-KR" sz="1200" b="0" dirty="0">
+                <a:solidFill>
+                  <a:srgbClr val="DCDCAA"/>
+                </a:solidFill>
+                <a:effectLst/>
+                <a:latin typeface="ubuntu mono derivative powerline" panose="020B0509030602030204" pitchFamily="49" charset="0"/>
+              </a:rPr>
+              <a:t>imread</a:t>
+            </a:r>
+            <a:r>
+              <a:rPr lang="en-US" altLang="ko-KR" sz="1200" b="0" dirty="0">
+                <a:solidFill>
+                  <a:srgbClr val="D4D4D4"/>
+                </a:solidFill>
                 <a:effectLst/>
                 <a:latin typeface="ubuntu mono derivative powerline" panose="020B0509030602030204" pitchFamily="49" charset="0"/>
               </a:rPr>
@@ -7522,15 +9936,8 @@
             <a:r>
               <a:rPr lang="en-US" altLang="ko-KR" sz="1200" b="0" dirty="0">
                 <a:solidFill>
-                  <a:srgbClr val="0000FF"/>
-                </a:solidFill>
-                <a:effectLst/>
-                <a:latin typeface="ubuntu mono derivative powerline" panose="020B0509030602030204" pitchFamily="49" charset="0"/>
-              </a:rPr>
-              <a:t>f</a:t>
-            </a:r>
-            <a:r>
-              <a:rPr lang="en-US" altLang="ko-KR" sz="1200" b="0" dirty="0">
+                  <a:srgbClr val="CE9178"/>
+                </a:solidFill>
                 <a:effectLst/>
                 <a:latin typeface="ubuntu mono derivative powerline" panose="020B0509030602030204" pitchFamily="49" charset="0"/>
               </a:rPr>
@@ -7538,96 +9945,102 @@
             </a:r>
             <a:r>
               <a:rPr lang="ko-KR" altLang="en-US" sz="1200" b="0" dirty="0">
-                <a:effectLst/>
-                <a:latin typeface="ubuntu mono derivative powerline" panose="020B0509030602030204" pitchFamily="49" charset="0"/>
-              </a:rPr>
-              <a:t>원소 처리 전</a:t>
-            </a:r>
-            <a:r>
-              <a:rPr lang="en-US" altLang="ko-KR" sz="1200" b="0" dirty="0">
-                <a:effectLst/>
-                <a:latin typeface="ubuntu mono derivative powerline" panose="020B0509030602030204" pitchFamily="49" charset="0"/>
-              </a:rPr>
-              <a:t>: \n{mat1}\n")</a:t>
-            </a:r>
-          </a:p>
-          <a:p>
-            <a:r>
-              <a:rPr lang="en-US" altLang="ko-KR" sz="1200" b="0" dirty="0">
-                <a:solidFill>
-                  <a:srgbClr val="00B0F0"/>
-                </a:solidFill>
-                <a:effectLst/>
-                <a:latin typeface="ubuntu mono derivative powerline" panose="020B0509030602030204" pitchFamily="49" charset="0"/>
-              </a:rPr>
-              <a:t>mat_access1</a:t>
-            </a:r>
-            <a:r>
-              <a:rPr lang="en-US" altLang="ko-KR" sz="1200" b="0" dirty="0">
-                <a:effectLst/>
-                <a:latin typeface="ubuntu mono derivative powerline" panose="020B0509030602030204" pitchFamily="49" charset="0"/>
-              </a:rPr>
-              <a:t>(mat1)</a:t>
-            </a:r>
-          </a:p>
-          <a:p>
-            <a:r>
-              <a:rPr lang="en-US" altLang="ko-KR" sz="1200" b="0" dirty="0">
-                <a:solidFill>
-                  <a:srgbClr val="0000FF"/>
-                </a:solidFill>
-                <a:effectLst/>
-                <a:latin typeface="ubuntu mono derivative powerline" panose="020B0509030602030204" pitchFamily="49" charset="0"/>
-              </a:rPr>
-              <a:t>print</a:t>
-            </a:r>
-            <a:r>
-              <a:rPr lang="en-US" altLang="ko-KR" sz="1200" b="0" dirty="0">
-                <a:effectLst/>
-                <a:latin typeface="ubuntu mono derivative powerline" panose="020B0509030602030204" pitchFamily="49" charset="0"/>
-              </a:rPr>
-              <a:t>(</a:t>
-            </a:r>
-            <a:r>
-              <a:rPr lang="en-US" altLang="ko-KR" sz="1200" b="0" dirty="0">
-                <a:solidFill>
-                  <a:srgbClr val="0000FF"/>
-                </a:solidFill>
-                <a:effectLst/>
-                <a:latin typeface="ubuntu mono derivative powerline" panose="020B0509030602030204" pitchFamily="49" charset="0"/>
-              </a:rPr>
-              <a:t>f</a:t>
-            </a:r>
-            <a:r>
-              <a:rPr lang="en-US" altLang="ko-KR" sz="1200" b="0" dirty="0">
+                <a:solidFill>
+                  <a:srgbClr val="CE9178"/>
+                </a:solidFill>
+                <a:effectLst/>
+                <a:latin typeface="ubuntu mono derivative powerline" panose="020B0509030602030204" pitchFamily="49" charset="0"/>
+              </a:rPr>
+              <a:t>이미지 경로</a:t>
+            </a:r>
+            <a:r>
+              <a:rPr lang="en-US" altLang="ko-KR" sz="1200" b="0" dirty="0">
+                <a:solidFill>
+                  <a:srgbClr val="CE9178"/>
+                </a:solidFill>
                 <a:effectLst/>
                 <a:latin typeface="ubuntu mono derivative powerline" panose="020B0509030602030204" pitchFamily="49" charset="0"/>
               </a:rPr>
               <a:t>"</a:t>
             </a:r>
             <a:r>
-              <a:rPr lang="ko-KR" altLang="en-US" sz="1200" b="0" dirty="0">
-                <a:effectLst/>
-                <a:latin typeface="ubuntu mono derivative powerline" panose="020B0509030602030204" pitchFamily="49" charset="0"/>
-              </a:rPr>
-              <a:t>원소 처리 후</a:t>
-            </a:r>
-            <a:r>
-              <a:rPr lang="en-US" altLang="ko-KR" sz="1200" b="0" dirty="0">
-                <a:effectLst/>
-                <a:latin typeface="ubuntu mono derivative powerline" panose="020B0509030602030204" pitchFamily="49" charset="0"/>
-              </a:rPr>
-              <a:t>: \n{mat1}\n")</a:t>
-            </a:r>
+              <a:rPr lang="en-US" altLang="ko-KR" sz="1200" b="0" dirty="0">
+                <a:solidFill>
+                  <a:srgbClr val="D4D4D4"/>
+                </a:solidFill>
+                <a:effectLst/>
+                <a:latin typeface="ubuntu mono derivative powerline" panose="020B0509030602030204" pitchFamily="49" charset="0"/>
+              </a:rPr>
+              <a:t>, </a:t>
+            </a:r>
+            <a:r>
+              <a:rPr lang="en-US" altLang="ko-KR" sz="1200" b="0" dirty="0">
+                <a:solidFill>
+                  <a:srgbClr val="4EC9B0"/>
+                </a:solidFill>
+                <a:effectLst/>
+                <a:latin typeface="ubuntu mono derivative powerline" panose="020B0509030602030204" pitchFamily="49" charset="0"/>
+              </a:rPr>
+              <a:t>cv2</a:t>
+            </a:r>
+            <a:r>
+              <a:rPr lang="en-US" altLang="ko-KR" sz="1200" b="0" dirty="0">
+                <a:solidFill>
+                  <a:srgbClr val="D4D4D4"/>
+                </a:solidFill>
+                <a:effectLst/>
+                <a:latin typeface="ubuntu mono derivative powerline" panose="020B0509030602030204" pitchFamily="49" charset="0"/>
+              </a:rPr>
+              <a:t>.</a:t>
+            </a:r>
+            <a:r>
+              <a:rPr lang="en-US" altLang="ko-KR" sz="1200" b="0" dirty="0">
+                <a:solidFill>
+                  <a:srgbClr val="9CDCFE"/>
+                </a:solidFill>
+                <a:effectLst/>
+                <a:latin typeface="ubuntu mono derivative powerline" panose="020B0509030602030204" pitchFamily="49" charset="0"/>
+              </a:rPr>
+              <a:t>IMREAD_COLOR</a:t>
+            </a:r>
+            <a:r>
+              <a:rPr lang="en-US" altLang="ko-KR" sz="1200" b="0" dirty="0">
+                <a:solidFill>
+                  <a:srgbClr val="D4D4D4"/>
+                </a:solidFill>
+                <a:effectLst/>
+                <a:latin typeface="ubuntu mono derivative powerline" panose="020B0509030602030204" pitchFamily="49" charset="0"/>
+              </a:rPr>
+              <a:t>)</a:t>
+            </a:r>
+          </a:p>
+          <a:p>
+            <a:r>
+              <a:rPr lang="en-US" altLang="ko-KR" sz="1200" b="0" dirty="0">
+                <a:solidFill>
+                  <a:srgbClr val="6A9955"/>
+                </a:solidFill>
+                <a:effectLst/>
+                <a:latin typeface="ubuntu mono derivative powerline" panose="020B0509030602030204" pitchFamily="49" charset="0"/>
+              </a:rPr>
+              <a:t>...</a:t>
+            </a:r>
+            <a:endParaRPr lang="ko-KR" altLang="en-US" sz="1200" b="0" dirty="0">
+              <a:solidFill>
+                <a:srgbClr val="D4D4D4"/>
+              </a:solidFill>
+              <a:effectLst/>
+              <a:latin typeface="ubuntu mono derivative powerline" panose="020B0509030602030204" pitchFamily="49" charset="0"/>
+            </a:endParaRPr>
           </a:p>
         </p:txBody>
       </p:sp>
       <p:pic>
         <p:nvPicPr>
-          <p:cNvPr id="6" name="그림 5">
+          <p:cNvPr id="8" name="그림 7">
             <a:extLst>
               <a:ext uri="{FF2B5EF4-FFF2-40B4-BE49-F238E27FC236}">
-                <a16:creationId xmlns:a16="http://schemas.microsoft.com/office/drawing/2014/main" id="{6665AAAA-B4C2-30D2-9F23-CA626FB9B347}"/>
+                <a16:creationId xmlns:a16="http://schemas.microsoft.com/office/drawing/2014/main" id="{AD780549-BE44-B240-3DA8-32AA3F45A76A}"/>
               </a:ext>
             </a:extLst>
           </p:cNvPr>
@@ -7644,20 +10057,147 @@
         </p:blipFill>
         <p:spPr>
           <a:xfrm>
-            <a:off x="4116524" y="3678294"/>
-            <a:ext cx="1368152" cy="1183266"/>
+            <a:off x="6876256" y="1348616"/>
+            <a:ext cx="2160240" cy="2260615"/>
           </a:xfrm>
           <a:prstGeom prst="rect">
             <a:avLst/>
           </a:prstGeom>
         </p:spPr>
       </p:pic>
+      <p:pic>
+        <p:nvPicPr>
+          <p:cNvPr id="11" name="그림 10">
+            <a:extLst>
+              <a:ext uri="{FF2B5EF4-FFF2-40B4-BE49-F238E27FC236}">
+                <a16:creationId xmlns:a16="http://schemas.microsoft.com/office/drawing/2014/main" id="{05A8A1C5-95C9-C953-1215-8DA39D8995BD}"/>
+              </a:ext>
+            </a:extLst>
+          </p:cNvPr>
+          <p:cNvPicPr>
+            <a:picLocks noChangeAspect="1"/>
+          </p:cNvPicPr>
+          <p:nvPr/>
+        </p:nvPicPr>
+        <p:blipFill>
+          <a:blip r:embed="rId3"/>
+          <a:stretch>
+            <a:fillRect/>
+          </a:stretch>
+        </p:blipFill>
+        <p:spPr>
+          <a:xfrm>
+            <a:off x="7416316" y="3925974"/>
+            <a:ext cx="1368152" cy="1230276"/>
+          </a:xfrm>
+          <a:prstGeom prst="rect">
+            <a:avLst/>
+          </a:prstGeom>
+        </p:spPr>
+      </p:pic>
+    </p:spTree>
+    <p:extLst>
+      <p:ext uri="{BB962C8B-B14F-4D97-AF65-F5344CB8AC3E}">
+        <p14:creationId xmlns:p14="http://schemas.microsoft.com/office/powerpoint/2010/main" val="4103586259"/>
+      </p:ext>
+    </p:extLst>
+  </p:cSld>
+  <p:clrMapOvr>
+    <a:masterClrMapping/>
+  </p:clrMapOvr>
+</p:sld>
+</file>
+
+<file path=ppt/slides/slide4.xml><?xml version="1.0" encoding="utf-8"?>
+<p:sld xmlns:a="http://schemas.openxmlformats.org/drawingml/2006/main" xmlns:r="http://schemas.openxmlformats.org/officeDocument/2006/relationships" xmlns:p="http://schemas.openxmlformats.org/presentationml/2006/main">
+  <p:cSld>
+    <p:spTree>
+      <p:nvGrpSpPr>
+        <p:cNvPr id="1" name=""/>
+        <p:cNvGrpSpPr/>
+        <p:nvPr/>
+      </p:nvGrpSpPr>
+      <p:grpSpPr>
+        <a:xfrm>
+          <a:off x="0" y="0"/>
+          <a:ext cx="0" cy="0"/>
+          <a:chOff x="0" y="0"/>
+          <a:chExt cx="0" cy="0"/>
+        </a:xfrm>
+      </p:grpSpPr>
       <p:sp>
         <p:nvSpPr>
-          <p:cNvPr id="7" name="직사각형 6">
+          <p:cNvPr id="2" name="제목 1"/>
+          <p:cNvSpPr>
+            <a:spLocks noGrp="1"/>
+          </p:cNvSpPr>
+          <p:nvPr>
+            <p:ph type="title"/>
+          </p:nvPr>
+        </p:nvSpPr>
+        <p:spPr/>
+        <p:txBody>
+          <a:bodyPr/>
+          <a:lstStyle/>
+          <a:p>
+            <a:r>
+              <a:rPr lang="en-US" altLang="ko-KR" dirty="0"/>
+              <a:t>6. </a:t>
+            </a:r>
+            <a:r>
+              <a:rPr lang="ko-KR" altLang="en-US" dirty="0"/>
+              <a:t>화소 처리</a:t>
+            </a:r>
+          </a:p>
+        </p:txBody>
+      </p:sp>
+      <p:sp>
+        <p:nvSpPr>
+          <p:cNvPr id="3" name="내용 개체 틀 2"/>
+          <p:cNvSpPr>
+            <a:spLocks noGrp="1"/>
+          </p:cNvSpPr>
+          <p:nvPr>
+            <p:ph idx="1"/>
+          </p:nvPr>
+        </p:nvSpPr>
+        <p:spPr/>
+        <p:txBody>
+          <a:bodyPr>
+            <a:normAutofit/>
+          </a:bodyPr>
+          <a:lstStyle/>
+          <a:p>
+            <a:r>
+              <a:rPr lang="en-US" altLang="ko-KR" dirty="0"/>
+              <a:t>6.3 </a:t>
+            </a:r>
+            <a:r>
+              <a:rPr lang="ko-KR" altLang="en-US" dirty="0"/>
+              <a:t>히스토그램</a:t>
+            </a:r>
+            <a:endParaRPr lang="en-US" altLang="ko-KR" dirty="0"/>
+          </a:p>
+          <a:p>
+            <a:pPr lvl="1"/>
+            <a:r>
+              <a:rPr lang="en-US" altLang="ko-KR" dirty="0"/>
+              <a:t>6.3.6 </a:t>
+            </a:r>
+            <a:r>
+              <a:rPr lang="ko-KR" altLang="en-US" dirty="0"/>
+              <a:t>히스토그램 스트레칭</a:t>
+            </a:r>
+            <a:endParaRPr lang="en-US" altLang="ko-KR" dirty="0"/>
+          </a:p>
+        </p:txBody>
+      </p:sp>
+      <p:sp>
+        <p:nvSpPr>
+          <p:cNvPr id="4" name="직사각형 3">
             <a:extLst>
               <a:ext uri="{FF2B5EF4-FFF2-40B4-BE49-F238E27FC236}">
-                <a16:creationId xmlns:a16="http://schemas.microsoft.com/office/drawing/2014/main" id="{78D43414-3960-BFFA-B71E-7958963902BD}"/>
+                <a16:creationId xmlns:a16="http://schemas.microsoft.com/office/drawing/2014/main" id="{64FCAE03-D95D-374F-6DE9-F428C178B308}"/>
               </a:ext>
             </a:extLst>
           </p:cNvPr>
@@ -7666,8 +10206,8 @@
         </p:nvSpPr>
         <p:spPr>
           <a:xfrm>
-            <a:off x="5687412" y="1993404"/>
-            <a:ext cx="3275559" cy="2677656"/>
+            <a:off x="880685" y="1993404"/>
+            <a:ext cx="7219707" cy="3600986"/>
           </a:xfrm>
           <a:prstGeom prst="rect">
             <a:avLst/>
@@ -7682,312 +10222,996 @@
             <a:r>
               <a:rPr lang="en-US" altLang="ko-KR" sz="1200" b="0" dirty="0">
                 <a:solidFill>
-                  <a:srgbClr val="CC9B00"/>
-                </a:solidFill>
-                <a:effectLst/>
-                <a:latin typeface="ubuntu mono derivative powerline" panose="020B0509030602030204" pitchFamily="49" charset="0"/>
-              </a:rPr>
-              <a:t>import</a:t>
-            </a:r>
-            <a:r>
-              <a:rPr lang="en-US" altLang="ko-KR" sz="1200" b="0" dirty="0">
-                <a:effectLst/>
-                <a:latin typeface="ubuntu mono derivative powerline" panose="020B0509030602030204" pitchFamily="49" charset="0"/>
-              </a:rPr>
-              <a:t> </a:t>
+                  <a:srgbClr val="4EC9B0"/>
+                </a:solidFill>
+                <a:effectLst/>
+                <a:latin typeface="ubuntu mono derivative powerline" panose="020B0509030602030204" pitchFamily="49" charset="0"/>
+              </a:rPr>
+              <a:t>...</a:t>
+            </a:r>
+          </a:p>
+          <a:p>
+            <a:r>
+              <a:rPr lang="en-US" altLang="ko-KR" sz="1200" b="0" dirty="0">
+                <a:solidFill>
+                  <a:srgbClr val="4EC9B0"/>
+                </a:solidFill>
+                <a:effectLst/>
+                <a:latin typeface="ubuntu mono derivative powerline" panose="020B0509030602030204" pitchFamily="49" charset="0"/>
+              </a:rPr>
+              <a:t>cv2</a:t>
+            </a:r>
+            <a:r>
+              <a:rPr lang="en-US" altLang="ko-KR" sz="1200" b="0" dirty="0">
+                <a:solidFill>
+                  <a:srgbClr val="D4D4D4"/>
+                </a:solidFill>
+                <a:effectLst/>
+                <a:latin typeface="ubuntu mono derivative powerline" panose="020B0509030602030204" pitchFamily="49" charset="0"/>
+              </a:rPr>
+              <a:t>.</a:t>
+            </a:r>
+            <a:r>
+              <a:rPr lang="en-US" altLang="ko-KR" sz="1200" b="0" dirty="0">
+                <a:solidFill>
+                  <a:srgbClr val="DCDCAA"/>
+                </a:solidFill>
+                <a:effectLst/>
+                <a:latin typeface="ubuntu mono derivative powerline" panose="020B0509030602030204" pitchFamily="49" charset="0"/>
+              </a:rPr>
+              <a:t>imshow</a:t>
+            </a:r>
+            <a:r>
+              <a:rPr lang="en-US" altLang="ko-KR" sz="1200" b="0" dirty="0">
+                <a:solidFill>
+                  <a:srgbClr val="D4D4D4"/>
+                </a:solidFill>
+                <a:effectLst/>
+                <a:latin typeface="ubuntu mono derivative powerline" panose="020B0509030602030204" pitchFamily="49" charset="0"/>
+              </a:rPr>
+              <a:t>(</a:t>
+            </a:r>
+            <a:r>
+              <a:rPr lang="en-US" altLang="ko-KR" sz="1200" b="0" dirty="0">
+                <a:solidFill>
+                  <a:srgbClr val="CE9178"/>
+                </a:solidFill>
+                <a:effectLst/>
+                <a:latin typeface="ubuntu mono derivative powerline" panose="020B0509030602030204" pitchFamily="49" charset="0"/>
+              </a:rPr>
+              <a:t>'</a:t>
             </a:r>
             <a:r>
               <a:rPr lang="en-US" altLang="ko-KR" sz="1200" b="0" dirty="0" err="1">
                 <a:solidFill>
-                  <a:srgbClr val="7030A0"/>
-                </a:solidFill>
-                <a:effectLst/>
-                <a:latin typeface="ubuntu mono derivative powerline" panose="020B0509030602030204" pitchFamily="49" charset="0"/>
-              </a:rPr>
-              <a:t>numpy</a:t>
-            </a:r>
-            <a:r>
-              <a:rPr lang="en-US" altLang="ko-KR" sz="1200" b="0" dirty="0">
-                <a:effectLst/>
-                <a:latin typeface="ubuntu mono derivative powerline" panose="020B0509030602030204" pitchFamily="49" charset="0"/>
-              </a:rPr>
-              <a:t> </a:t>
-            </a:r>
-            <a:r>
-              <a:rPr lang="en-US" altLang="ko-KR" sz="1200" b="0" dirty="0">
-                <a:solidFill>
-                  <a:srgbClr val="CC9B00"/>
-                </a:solidFill>
-                <a:effectLst/>
-                <a:latin typeface="ubuntu mono derivative powerline" panose="020B0509030602030204" pitchFamily="49" charset="0"/>
-              </a:rPr>
-              <a:t>as</a:t>
-            </a:r>
-            <a:r>
-              <a:rPr lang="en-US" altLang="ko-KR" sz="1200" b="0" dirty="0">
-                <a:effectLst/>
-                <a:latin typeface="ubuntu mono derivative powerline" panose="020B0509030602030204" pitchFamily="49" charset="0"/>
-              </a:rPr>
-              <a:t> </a:t>
-            </a:r>
-            <a:r>
-              <a:rPr lang="en-US" altLang="ko-KR" sz="1200" b="0" dirty="0">
-                <a:solidFill>
-                  <a:srgbClr val="7030A0"/>
-                </a:solidFill>
-                <a:effectLst/>
-                <a:latin typeface="ubuntu mono derivative powerline" panose="020B0509030602030204" pitchFamily="49" charset="0"/>
-              </a:rPr>
-              <a:t>np</a:t>
-            </a:r>
-          </a:p>
-          <a:p>
+                  <a:srgbClr val="CE9178"/>
+                </a:solidFill>
+                <a:effectLst/>
+                <a:latin typeface="ubuntu mono derivative powerline" panose="020B0509030602030204" pitchFamily="49" charset="0"/>
+              </a:rPr>
+              <a:t>hist_img</a:t>
+            </a:r>
+            <a:r>
+              <a:rPr lang="en-US" altLang="ko-KR" sz="1200" b="0" dirty="0">
+                <a:solidFill>
+                  <a:srgbClr val="CE9178"/>
+                </a:solidFill>
+                <a:effectLst/>
+                <a:latin typeface="ubuntu mono derivative powerline" panose="020B0509030602030204" pitchFamily="49" charset="0"/>
+              </a:rPr>
+              <a:t>'</a:t>
+            </a:r>
+            <a:r>
+              <a:rPr lang="en-US" altLang="ko-KR" sz="1200" b="0" dirty="0">
+                <a:solidFill>
+                  <a:srgbClr val="D4D4D4"/>
+                </a:solidFill>
+                <a:effectLst/>
+                <a:latin typeface="ubuntu mono derivative powerline" panose="020B0509030602030204" pitchFamily="49" charset="0"/>
+              </a:rPr>
+              <a:t>, </a:t>
+            </a:r>
+            <a:r>
+              <a:rPr lang="en-US" altLang="ko-KR" sz="1200" b="0" dirty="0" err="1">
+                <a:solidFill>
+                  <a:srgbClr val="9CDCFE"/>
+                </a:solidFill>
+                <a:effectLst/>
+                <a:latin typeface="ubuntu mono derivative powerline" panose="020B0509030602030204" pitchFamily="49" charset="0"/>
+              </a:rPr>
+              <a:t>hist_img</a:t>
+            </a:r>
+            <a:r>
+              <a:rPr lang="en-US" altLang="ko-KR" sz="1200" b="0" dirty="0">
+                <a:solidFill>
+                  <a:srgbClr val="D4D4D4"/>
+                </a:solidFill>
+                <a:effectLst/>
+                <a:latin typeface="ubuntu mono derivative powerline" panose="020B0509030602030204" pitchFamily="49" charset="0"/>
+              </a:rPr>
+              <a:t>)</a:t>
+            </a:r>
+          </a:p>
+          <a:p>
+            <a:endParaRPr lang="en-US" altLang="ko-KR" sz="1200" dirty="0">
+              <a:solidFill>
+                <a:srgbClr val="D4D4D4"/>
+              </a:solidFill>
+              <a:latin typeface="ubuntu mono derivative powerline" panose="020B0509030602030204" pitchFamily="49" charset="0"/>
+            </a:endParaRPr>
+          </a:p>
+          <a:p>
+            <a:r>
+              <a:rPr lang="en-US" altLang="ko-KR" sz="1200" b="0" dirty="0" err="1">
+                <a:solidFill>
+                  <a:srgbClr val="9CDCFE"/>
+                </a:solidFill>
+                <a:effectLst/>
+                <a:latin typeface="ubuntu mono derivative powerline" panose="020B0509030602030204" pitchFamily="49" charset="0"/>
+              </a:rPr>
+              <a:t>bin_width</a:t>
+            </a:r>
+            <a:r>
+              <a:rPr lang="en-US" altLang="ko-KR" sz="1200" b="0" dirty="0">
+                <a:solidFill>
+                  <a:srgbClr val="D4D4D4"/>
+                </a:solidFill>
+                <a:effectLst/>
+                <a:latin typeface="ubuntu mono derivative powerline" panose="020B0509030602030204" pitchFamily="49" charset="0"/>
+              </a:rPr>
+              <a:t> = </a:t>
+            </a:r>
+            <a:r>
+              <a:rPr lang="en-US" altLang="ko-KR" sz="1200" b="0" dirty="0">
+                <a:solidFill>
+                  <a:srgbClr val="9CDCFE"/>
+                </a:solidFill>
+                <a:effectLst/>
+                <a:latin typeface="ubuntu mono derivative powerline" panose="020B0509030602030204" pitchFamily="49" charset="0"/>
+              </a:rPr>
+              <a:t>ranges</a:t>
+            </a:r>
+            <a:r>
+              <a:rPr lang="en-US" altLang="ko-KR" sz="1200" b="0" dirty="0">
+                <a:solidFill>
+                  <a:srgbClr val="D4D4D4"/>
+                </a:solidFill>
+                <a:effectLst/>
+                <a:latin typeface="ubuntu mono derivative powerline" panose="020B0509030602030204" pitchFamily="49" charset="0"/>
+              </a:rPr>
+              <a:t>[</a:t>
+            </a:r>
+            <a:r>
+              <a:rPr lang="en-US" altLang="ko-KR" sz="1200" b="0" dirty="0">
+                <a:solidFill>
+                  <a:srgbClr val="B5CEA8"/>
+                </a:solidFill>
+                <a:effectLst/>
+                <a:latin typeface="ubuntu mono derivative powerline" panose="020B0509030602030204" pitchFamily="49" charset="0"/>
+              </a:rPr>
+              <a:t>1</a:t>
+            </a:r>
+            <a:r>
+              <a:rPr lang="en-US" altLang="ko-KR" sz="1200" b="0" dirty="0">
+                <a:solidFill>
+                  <a:srgbClr val="D4D4D4"/>
+                </a:solidFill>
+                <a:effectLst/>
+                <a:latin typeface="ubuntu mono derivative powerline" panose="020B0509030602030204" pitchFamily="49" charset="0"/>
+              </a:rPr>
+              <a:t>] / </a:t>
+            </a:r>
+            <a:r>
+              <a:rPr lang="en-US" altLang="ko-KR" sz="1200" b="0" dirty="0" err="1">
+                <a:solidFill>
+                  <a:srgbClr val="9CDCFE"/>
+                </a:solidFill>
+                <a:effectLst/>
+                <a:latin typeface="ubuntu mono derivative powerline" panose="020B0509030602030204" pitchFamily="49" charset="0"/>
+              </a:rPr>
+              <a:t>bsize</a:t>
+            </a:r>
+            <a:r>
+              <a:rPr lang="en-US" altLang="ko-KR" sz="1200" b="0" dirty="0">
+                <a:solidFill>
+                  <a:srgbClr val="D4D4D4"/>
+                </a:solidFill>
+                <a:effectLst/>
+                <a:latin typeface="ubuntu mono derivative powerline" panose="020B0509030602030204" pitchFamily="49" charset="0"/>
+              </a:rPr>
+              <a:t>[</a:t>
+            </a:r>
+            <a:r>
+              <a:rPr lang="en-US" altLang="ko-KR" sz="1200" b="0" dirty="0">
+                <a:solidFill>
+                  <a:srgbClr val="B5CEA8"/>
+                </a:solidFill>
+                <a:effectLst/>
+                <a:latin typeface="ubuntu mono derivative powerline" panose="020B0509030602030204" pitchFamily="49" charset="0"/>
+              </a:rPr>
+              <a:t>0</a:t>
+            </a:r>
+            <a:r>
+              <a:rPr lang="en-US" altLang="ko-KR" sz="1200" b="0" dirty="0">
+                <a:solidFill>
+                  <a:srgbClr val="D4D4D4"/>
+                </a:solidFill>
+                <a:effectLst/>
+                <a:latin typeface="ubuntu mono derivative powerline" panose="020B0509030602030204" pitchFamily="49" charset="0"/>
+              </a:rPr>
+              <a:t>]</a:t>
+            </a:r>
+          </a:p>
+          <a:p>
+            <a:r>
+              <a:rPr lang="en-US" altLang="ko-KR" sz="1200" b="0" dirty="0">
+                <a:solidFill>
+                  <a:srgbClr val="9CDCFE"/>
+                </a:solidFill>
+                <a:effectLst/>
+                <a:latin typeface="ubuntu mono derivative powerline" panose="020B0509030602030204" pitchFamily="49" charset="0"/>
+              </a:rPr>
+              <a:t>low</a:t>
+            </a:r>
+            <a:r>
+              <a:rPr lang="en-US" altLang="ko-KR" sz="1200" b="0" dirty="0">
+                <a:solidFill>
+                  <a:srgbClr val="D4D4D4"/>
+                </a:solidFill>
+                <a:effectLst/>
+                <a:latin typeface="ubuntu mono derivative powerline" panose="020B0509030602030204" pitchFamily="49" charset="0"/>
+              </a:rPr>
+              <a:t> = </a:t>
+            </a:r>
+            <a:r>
+              <a:rPr lang="en-US" altLang="ko-KR" sz="1200" b="0" dirty="0" err="1">
+                <a:solidFill>
+                  <a:srgbClr val="DCDCAA"/>
+                </a:solidFill>
+                <a:effectLst/>
+                <a:latin typeface="ubuntu mono derivative powerline" panose="020B0509030602030204" pitchFamily="49" charset="0"/>
+              </a:rPr>
+              <a:t>search_value_idx</a:t>
+            </a:r>
+            <a:r>
+              <a:rPr lang="en-US" altLang="ko-KR" sz="1200" b="0" dirty="0">
+                <a:solidFill>
+                  <a:srgbClr val="D4D4D4"/>
+                </a:solidFill>
+                <a:effectLst/>
+                <a:latin typeface="ubuntu mono derivative powerline" panose="020B0509030602030204" pitchFamily="49" charset="0"/>
+              </a:rPr>
+              <a:t>(</a:t>
+            </a:r>
+            <a:r>
+              <a:rPr lang="en-US" altLang="ko-KR" sz="1200" b="0" dirty="0">
+                <a:solidFill>
+                  <a:srgbClr val="9CDCFE"/>
+                </a:solidFill>
+                <a:effectLst/>
+                <a:latin typeface="ubuntu mono derivative powerline" panose="020B0509030602030204" pitchFamily="49" charset="0"/>
+              </a:rPr>
+              <a:t>hist</a:t>
+            </a:r>
+            <a:r>
+              <a:rPr lang="en-US" altLang="ko-KR" sz="1200" b="0" dirty="0">
+                <a:solidFill>
+                  <a:srgbClr val="D4D4D4"/>
+                </a:solidFill>
+                <a:effectLst/>
+                <a:latin typeface="ubuntu mono derivative powerline" panose="020B0509030602030204" pitchFamily="49" charset="0"/>
+              </a:rPr>
+              <a:t>, </a:t>
+            </a:r>
+            <a:r>
+              <a:rPr lang="en-US" altLang="ko-KR" sz="1200" b="0" dirty="0">
+                <a:solidFill>
+                  <a:srgbClr val="B5CEA8"/>
+                </a:solidFill>
+                <a:effectLst/>
+                <a:latin typeface="ubuntu mono derivative powerline" panose="020B0509030602030204" pitchFamily="49" charset="0"/>
+              </a:rPr>
+              <a:t>0</a:t>
+            </a:r>
+            <a:r>
+              <a:rPr lang="en-US" altLang="ko-KR" sz="1200" b="0" dirty="0">
+                <a:solidFill>
+                  <a:srgbClr val="D4D4D4"/>
+                </a:solidFill>
+                <a:effectLst/>
+                <a:latin typeface="ubuntu mono derivative powerline" panose="020B0509030602030204" pitchFamily="49" charset="0"/>
+              </a:rPr>
+              <a:t>) * </a:t>
+            </a:r>
+            <a:r>
+              <a:rPr lang="en-US" altLang="ko-KR" sz="1200" b="0" dirty="0" err="1">
+                <a:solidFill>
+                  <a:srgbClr val="9CDCFE"/>
+                </a:solidFill>
+                <a:effectLst/>
+                <a:latin typeface="ubuntu mono derivative powerline" panose="020B0509030602030204" pitchFamily="49" charset="0"/>
+              </a:rPr>
+              <a:t>bin_width</a:t>
+            </a:r>
             <a:endParaRPr lang="en-US" altLang="ko-KR" sz="1200" b="0" dirty="0">
+              <a:solidFill>
+                <a:srgbClr val="D4D4D4"/>
+              </a:solidFill>
               <a:effectLst/>
               <a:latin typeface="ubuntu mono derivative powerline" panose="020B0509030602030204" pitchFamily="49" charset="0"/>
             </a:endParaRPr>
           </a:p>
           <a:p>
             <a:r>
-              <a:rPr lang="en-US" altLang="ko-KR" sz="1200" dirty="0">
-                <a:solidFill>
-                  <a:srgbClr val="00B050"/>
-                </a:solidFill>
-                <a:latin typeface="ubuntu mono derivative powerline" panose="020B0509030602030204" pitchFamily="49" charset="0"/>
-              </a:rPr>
-              <a:t># item, itemset </a:t>
-            </a:r>
-            <a:r>
-              <a:rPr lang="ko-KR" altLang="en-US" sz="1200" dirty="0">
-                <a:solidFill>
-                  <a:srgbClr val="00B050"/>
-                </a:solidFill>
-                <a:latin typeface="ubuntu mono derivative powerline" panose="020B0509030602030204" pitchFamily="49" charset="0"/>
-              </a:rPr>
-              <a:t>방법</a:t>
-            </a:r>
-            <a:endParaRPr lang="en-US" altLang="ko-KR" sz="1200" dirty="0">
+              <a:rPr lang="en-US" altLang="ko-KR" sz="1200" b="0" dirty="0">
+                <a:solidFill>
+                  <a:srgbClr val="9CDCFE"/>
+                </a:solidFill>
+                <a:effectLst/>
+                <a:latin typeface="ubuntu mono derivative powerline" panose="020B0509030602030204" pitchFamily="49" charset="0"/>
+              </a:rPr>
+              <a:t>high</a:t>
+            </a:r>
+            <a:r>
+              <a:rPr lang="en-US" altLang="ko-KR" sz="1200" b="0" dirty="0">
+                <a:solidFill>
+                  <a:srgbClr val="D4D4D4"/>
+                </a:solidFill>
+                <a:effectLst/>
+                <a:latin typeface="ubuntu mono derivative powerline" panose="020B0509030602030204" pitchFamily="49" charset="0"/>
+              </a:rPr>
+              <a:t> = </a:t>
+            </a:r>
+            <a:r>
+              <a:rPr lang="en-US" altLang="ko-KR" sz="1200" b="0" dirty="0" err="1">
+                <a:solidFill>
+                  <a:srgbClr val="DCDCAA"/>
+                </a:solidFill>
+                <a:effectLst/>
+                <a:latin typeface="ubuntu mono derivative powerline" panose="020B0509030602030204" pitchFamily="49" charset="0"/>
+              </a:rPr>
+              <a:t>search_value_idx</a:t>
+            </a:r>
+            <a:r>
+              <a:rPr lang="en-US" altLang="ko-KR" sz="1200" b="0" dirty="0">
+                <a:solidFill>
+                  <a:srgbClr val="D4D4D4"/>
+                </a:solidFill>
+                <a:effectLst/>
+                <a:latin typeface="ubuntu mono derivative powerline" panose="020B0509030602030204" pitchFamily="49" charset="0"/>
+              </a:rPr>
+              <a:t>(</a:t>
+            </a:r>
+            <a:r>
+              <a:rPr lang="en-US" altLang="ko-KR" sz="1200" b="0" dirty="0">
+                <a:solidFill>
+                  <a:srgbClr val="9CDCFE"/>
+                </a:solidFill>
+                <a:effectLst/>
+                <a:latin typeface="ubuntu mono derivative powerline" panose="020B0509030602030204" pitchFamily="49" charset="0"/>
+              </a:rPr>
+              <a:t>hist</a:t>
+            </a:r>
+            <a:r>
+              <a:rPr lang="en-US" altLang="ko-KR" sz="1200" b="0" dirty="0">
+                <a:solidFill>
+                  <a:srgbClr val="D4D4D4"/>
+                </a:solidFill>
+                <a:effectLst/>
+                <a:latin typeface="ubuntu mono derivative powerline" panose="020B0509030602030204" pitchFamily="49" charset="0"/>
+              </a:rPr>
+              <a:t>, </a:t>
+            </a:r>
+            <a:r>
+              <a:rPr lang="en-US" altLang="ko-KR" sz="1200" b="0" dirty="0" err="1">
+                <a:solidFill>
+                  <a:srgbClr val="9CDCFE"/>
+                </a:solidFill>
+                <a:effectLst/>
+                <a:latin typeface="ubuntu mono derivative powerline" panose="020B0509030602030204" pitchFamily="49" charset="0"/>
+              </a:rPr>
+              <a:t>bsize</a:t>
+            </a:r>
+            <a:r>
+              <a:rPr lang="en-US" altLang="ko-KR" sz="1200" b="0" dirty="0">
+                <a:solidFill>
+                  <a:srgbClr val="D4D4D4"/>
+                </a:solidFill>
+                <a:effectLst/>
+                <a:latin typeface="ubuntu mono derivative powerline" panose="020B0509030602030204" pitchFamily="49" charset="0"/>
+              </a:rPr>
+              <a:t>[</a:t>
+            </a:r>
+            <a:r>
+              <a:rPr lang="en-US" altLang="ko-KR" sz="1200" b="0" dirty="0">
+                <a:solidFill>
+                  <a:srgbClr val="B5CEA8"/>
+                </a:solidFill>
+                <a:effectLst/>
+                <a:latin typeface="ubuntu mono derivative powerline" panose="020B0509030602030204" pitchFamily="49" charset="0"/>
+              </a:rPr>
+              <a:t>0</a:t>
+            </a:r>
+            <a:r>
+              <a:rPr lang="en-US" altLang="ko-KR" sz="1200" b="0" dirty="0">
+                <a:solidFill>
+                  <a:srgbClr val="D4D4D4"/>
+                </a:solidFill>
+                <a:effectLst/>
+                <a:latin typeface="ubuntu mono derivative powerline" panose="020B0509030602030204" pitchFamily="49" charset="0"/>
+              </a:rPr>
+              <a:t>] - </a:t>
+            </a:r>
+            <a:r>
+              <a:rPr lang="en-US" altLang="ko-KR" sz="1200" b="0" dirty="0">
+                <a:solidFill>
+                  <a:srgbClr val="B5CEA8"/>
+                </a:solidFill>
+                <a:effectLst/>
+                <a:latin typeface="ubuntu mono derivative powerline" panose="020B0509030602030204" pitchFamily="49" charset="0"/>
+              </a:rPr>
+              <a:t>1</a:t>
+            </a:r>
+            <a:r>
+              <a:rPr lang="en-US" altLang="ko-KR" sz="1200" b="0" dirty="0">
+                <a:solidFill>
+                  <a:srgbClr val="D4D4D4"/>
+                </a:solidFill>
+                <a:effectLst/>
+                <a:latin typeface="ubuntu mono derivative powerline" panose="020B0509030602030204" pitchFamily="49" charset="0"/>
+              </a:rPr>
+              <a:t>) * </a:t>
+            </a:r>
+            <a:r>
+              <a:rPr lang="en-US" altLang="ko-KR" sz="1200" b="0" dirty="0" err="1">
+                <a:solidFill>
+                  <a:srgbClr val="9CDCFE"/>
+                </a:solidFill>
+                <a:effectLst/>
+                <a:latin typeface="ubuntu mono derivative powerline" panose="020B0509030602030204" pitchFamily="49" charset="0"/>
+              </a:rPr>
+              <a:t>bin_width</a:t>
+            </a:r>
+            <a:endParaRPr lang="en-US" altLang="ko-KR" sz="1200" b="0" dirty="0">
               <a:solidFill>
-                <a:srgbClr val="00B050"/>
+                <a:srgbClr val="D4D4D4"/>
               </a:solidFill>
-              <a:latin typeface="ubuntu mono derivative powerline" panose="020B0509030602030204" pitchFamily="49" charset="0"/>
-            </a:endParaRPr>
-          </a:p>
-          <a:p>
-            <a:r>
-              <a:rPr lang="en-US" altLang="ko-KR" sz="1200" b="0" dirty="0">
-                <a:solidFill>
-                  <a:srgbClr val="0000FF"/>
-                </a:solidFill>
-                <a:effectLst/>
-                <a:latin typeface="ubuntu mono derivative powerline" panose="020B0509030602030204" pitchFamily="49" charset="0"/>
-              </a:rPr>
-              <a:t>def</a:t>
-            </a:r>
-            <a:r>
-              <a:rPr lang="en-US" altLang="ko-KR" sz="1200" b="0" dirty="0">
-                <a:effectLst/>
-                <a:latin typeface="ubuntu mono derivative powerline" panose="020B0509030602030204" pitchFamily="49" charset="0"/>
-              </a:rPr>
-              <a:t> </a:t>
-            </a:r>
-            <a:r>
-              <a:rPr lang="en-US" altLang="ko-KR" sz="1200" b="0" dirty="0">
-                <a:solidFill>
-                  <a:srgbClr val="00B0F0"/>
-                </a:solidFill>
-                <a:effectLst/>
-                <a:latin typeface="ubuntu mono derivative powerline" panose="020B0509030602030204" pitchFamily="49" charset="0"/>
-              </a:rPr>
-              <a:t>mat_access2</a:t>
-            </a:r>
-            <a:r>
-              <a:rPr lang="en-US" altLang="ko-KR" sz="1200" b="0" dirty="0">
-                <a:effectLst/>
-                <a:latin typeface="ubuntu mono derivative powerline" panose="020B0509030602030204" pitchFamily="49" charset="0"/>
-              </a:rPr>
-              <a:t>(mat):</a:t>
-            </a:r>
-          </a:p>
-          <a:p>
-            <a:r>
-              <a:rPr lang="en-US" altLang="ko-KR" sz="1200" b="0" dirty="0">
-                <a:effectLst/>
-                <a:latin typeface="ubuntu mono derivative powerline" panose="020B0509030602030204" pitchFamily="49" charset="0"/>
-              </a:rPr>
-              <a:t>    for </a:t>
-            </a:r>
-            <a:r>
-              <a:rPr lang="en-US" altLang="ko-KR" sz="1200" b="0" dirty="0" err="1">
-                <a:effectLst/>
-                <a:latin typeface="ubuntu mono derivative powerline" panose="020B0509030602030204" pitchFamily="49" charset="0"/>
-              </a:rPr>
-              <a:t>i</a:t>
-            </a:r>
-            <a:r>
-              <a:rPr lang="en-US" altLang="ko-KR" sz="1200" b="0" dirty="0">
-                <a:effectLst/>
-                <a:latin typeface="ubuntu mono derivative powerline" panose="020B0509030602030204" pitchFamily="49" charset="0"/>
-              </a:rPr>
-              <a:t> in range(</a:t>
-            </a:r>
-            <a:r>
-              <a:rPr lang="en-US" altLang="ko-KR" sz="1200" b="0" dirty="0" err="1">
-                <a:effectLst/>
-                <a:latin typeface="ubuntu mono derivative powerline" panose="020B0509030602030204" pitchFamily="49" charset="0"/>
-              </a:rPr>
-              <a:t>mat.</a:t>
-            </a:r>
-            <a:r>
-              <a:rPr lang="en-US" altLang="ko-KR" sz="1200" b="0" dirty="0" err="1">
-                <a:solidFill>
-                  <a:srgbClr val="0000FF"/>
-                </a:solidFill>
-                <a:effectLst/>
-                <a:latin typeface="ubuntu mono derivative powerline" panose="020B0509030602030204" pitchFamily="49" charset="0"/>
-              </a:rPr>
-              <a:t>shape</a:t>
-            </a:r>
-            <a:r>
-              <a:rPr lang="en-US" altLang="ko-KR" sz="1200" b="0" dirty="0">
-                <a:effectLst/>
-                <a:latin typeface="ubuntu mono derivative powerline" panose="020B0509030602030204" pitchFamily="49" charset="0"/>
-              </a:rPr>
-              <a:t>[0]):</a:t>
-            </a:r>
-          </a:p>
-          <a:p>
-            <a:r>
-              <a:rPr lang="en-US" altLang="ko-KR" sz="1200" b="0" dirty="0">
-                <a:effectLst/>
-                <a:latin typeface="ubuntu mono derivative powerline" panose="020B0509030602030204" pitchFamily="49" charset="0"/>
-              </a:rPr>
-              <a:t>        for j in range(</a:t>
-            </a:r>
-            <a:r>
-              <a:rPr lang="en-US" altLang="ko-KR" sz="1200" b="0" dirty="0" err="1">
-                <a:effectLst/>
-                <a:latin typeface="ubuntu mono derivative powerline" panose="020B0509030602030204" pitchFamily="49" charset="0"/>
-              </a:rPr>
-              <a:t>mat.</a:t>
-            </a:r>
-            <a:r>
-              <a:rPr lang="en-US" altLang="ko-KR" sz="1200" b="0" dirty="0" err="1">
-                <a:solidFill>
-                  <a:srgbClr val="0000FF"/>
-                </a:solidFill>
-                <a:effectLst/>
-                <a:latin typeface="ubuntu mono derivative powerline" panose="020B0509030602030204" pitchFamily="49" charset="0"/>
-              </a:rPr>
-              <a:t>shape</a:t>
-            </a:r>
-            <a:r>
-              <a:rPr lang="en-US" altLang="ko-KR" sz="1200" b="0" dirty="0">
-                <a:effectLst/>
-                <a:latin typeface="ubuntu mono derivative powerline" panose="020B0509030602030204" pitchFamily="49" charset="0"/>
-              </a:rPr>
-              <a:t>[1]):</a:t>
-            </a:r>
-          </a:p>
-          <a:p>
-            <a:r>
-              <a:rPr lang="en-US" altLang="ko-KR" sz="1200" b="0" dirty="0">
-                <a:effectLst/>
-                <a:latin typeface="ubuntu mono derivative powerline" panose="020B0509030602030204" pitchFamily="49" charset="0"/>
-              </a:rPr>
-              <a:t>            k = </a:t>
-            </a:r>
-            <a:r>
-              <a:rPr lang="en-US" altLang="ko-KR" sz="1200" b="0" dirty="0" err="1">
-                <a:effectLst/>
-                <a:latin typeface="ubuntu mono derivative powerline" panose="020B0509030602030204" pitchFamily="49" charset="0"/>
-              </a:rPr>
-              <a:t>mat.</a:t>
-            </a:r>
-            <a:r>
-              <a:rPr lang="en-US" altLang="ko-KR" sz="1200" dirty="0" err="1">
-                <a:latin typeface="ubuntu mono derivative powerline" panose="020B0509030602030204" pitchFamily="49" charset="0"/>
-              </a:rPr>
-              <a:t>item</a:t>
-            </a:r>
-            <a:r>
-              <a:rPr lang="en-US" altLang="ko-KR" sz="1200" dirty="0">
-                <a:latin typeface="ubuntu mono derivative powerline" panose="020B0509030602030204" pitchFamily="49" charset="0"/>
-              </a:rPr>
-              <a:t>(</a:t>
-            </a:r>
-            <a:r>
-              <a:rPr lang="en-US" altLang="ko-KR" sz="1200" dirty="0" err="1">
-                <a:latin typeface="ubuntu mono derivative powerline" panose="020B0509030602030204" pitchFamily="49" charset="0"/>
-              </a:rPr>
-              <a:t>i</a:t>
-            </a:r>
-            <a:r>
-              <a:rPr lang="en-US" altLang="ko-KR" sz="1200" dirty="0">
-                <a:latin typeface="ubuntu mono derivative powerline" panose="020B0509030602030204" pitchFamily="49" charset="0"/>
-              </a:rPr>
-              <a:t>, j)</a:t>
-            </a:r>
-            <a:endParaRPr lang="en-US" altLang="ko-KR" sz="1200" b="0" dirty="0">
               <a:effectLst/>
               <a:latin typeface="ubuntu mono derivative powerline" panose="020B0509030602030204" pitchFamily="49" charset="0"/>
             </a:endParaRPr>
           </a:p>
           <a:p>
-            <a:r>
-              <a:rPr lang="en-US" altLang="ko-KR" sz="1200" b="0" dirty="0">
-                <a:effectLst/>
-                <a:latin typeface="ubuntu mono derivative powerline" panose="020B0509030602030204" pitchFamily="49" charset="0"/>
-              </a:rPr>
-              <a:t>            </a:t>
-            </a:r>
+            <a:br>
+              <a:rPr lang="en-US" altLang="ko-KR" sz="1200" b="0" dirty="0">
+                <a:solidFill>
+                  <a:srgbClr val="D4D4D4"/>
+                </a:solidFill>
+                <a:effectLst/>
+                <a:latin typeface="ubuntu mono derivative powerline" panose="020B0509030602030204" pitchFamily="49" charset="0"/>
+              </a:rPr>
+            </a:br>
             <a:r>
               <a:rPr lang="en-US" altLang="ko-KR" sz="1200" b="0" dirty="0" err="1">
-                <a:effectLst/>
-                <a:latin typeface="ubuntu mono derivative powerline" panose="020B0509030602030204" pitchFamily="49" charset="0"/>
-              </a:rPr>
-              <a:t>mat.itemset</a:t>
-            </a:r>
-            <a:r>
-              <a:rPr lang="en-US" altLang="ko-KR" sz="1200" b="0" dirty="0">
-                <a:effectLst/>
-                <a:latin typeface="ubuntu mono derivative powerline" panose="020B0509030602030204" pitchFamily="49" charset="0"/>
-              </a:rPr>
-              <a:t>((</a:t>
+                <a:solidFill>
+                  <a:srgbClr val="9CDCFE"/>
+                </a:solidFill>
+                <a:effectLst/>
+                <a:latin typeface="ubuntu mono derivative powerline" panose="020B0509030602030204" pitchFamily="49" charset="0"/>
+              </a:rPr>
+              <a:t>idx</a:t>
+            </a:r>
+            <a:r>
+              <a:rPr lang="en-US" altLang="ko-KR" sz="1200" b="0" dirty="0">
+                <a:solidFill>
+                  <a:srgbClr val="D4D4D4"/>
+                </a:solidFill>
+                <a:effectLst/>
+                <a:latin typeface="ubuntu mono derivative powerline" panose="020B0509030602030204" pitchFamily="49" charset="0"/>
+              </a:rPr>
+              <a:t> = </a:t>
             </a:r>
             <a:r>
               <a:rPr lang="en-US" altLang="ko-KR" sz="1200" b="0" dirty="0" err="1">
-                <a:effectLst/>
-                <a:latin typeface="ubuntu mono derivative powerline" panose="020B0509030602030204" pitchFamily="49" charset="0"/>
-              </a:rPr>
-              <a:t>i</a:t>
-            </a:r>
-            <a:r>
-              <a:rPr lang="en-US" altLang="ko-KR" sz="1200" b="0" dirty="0">
-                <a:effectLst/>
-                <a:latin typeface="ubuntu mono derivative powerline" panose="020B0509030602030204" pitchFamily="49" charset="0"/>
-              </a:rPr>
-              <a:t>, j), k * 2)</a:t>
-            </a:r>
+                <a:solidFill>
+                  <a:srgbClr val="4EC9B0"/>
+                </a:solidFill>
+                <a:effectLst/>
+                <a:latin typeface="ubuntu mono derivative powerline" panose="020B0509030602030204" pitchFamily="49" charset="0"/>
+              </a:rPr>
+              <a:t>np</a:t>
+            </a:r>
+            <a:r>
+              <a:rPr lang="en-US" altLang="ko-KR" sz="1200" b="0" dirty="0" err="1">
+                <a:solidFill>
+                  <a:srgbClr val="D4D4D4"/>
+                </a:solidFill>
+                <a:effectLst/>
+                <a:latin typeface="ubuntu mono derivative powerline" panose="020B0509030602030204" pitchFamily="49" charset="0"/>
+              </a:rPr>
+              <a:t>.</a:t>
+            </a:r>
+            <a:r>
+              <a:rPr lang="en-US" altLang="ko-KR" sz="1200" b="0" dirty="0" err="1">
+                <a:solidFill>
+                  <a:srgbClr val="DCDCAA"/>
+                </a:solidFill>
+                <a:effectLst/>
+                <a:latin typeface="ubuntu mono derivative powerline" panose="020B0509030602030204" pitchFamily="49" charset="0"/>
+              </a:rPr>
+              <a:t>arange</a:t>
+            </a:r>
+            <a:r>
+              <a:rPr lang="en-US" altLang="ko-KR" sz="1200" b="0" dirty="0">
+                <a:solidFill>
+                  <a:srgbClr val="D4D4D4"/>
+                </a:solidFill>
+                <a:effectLst/>
+                <a:latin typeface="ubuntu mono derivative powerline" panose="020B0509030602030204" pitchFamily="49" charset="0"/>
+              </a:rPr>
+              <a:t>(</a:t>
+            </a:r>
+            <a:r>
+              <a:rPr lang="en-US" altLang="ko-KR" sz="1200" b="0" dirty="0">
+                <a:solidFill>
+                  <a:srgbClr val="B5CEA8"/>
+                </a:solidFill>
+                <a:effectLst/>
+                <a:latin typeface="ubuntu mono derivative powerline" panose="020B0509030602030204" pitchFamily="49" charset="0"/>
+              </a:rPr>
+              <a:t>0</a:t>
+            </a:r>
+            <a:r>
+              <a:rPr lang="en-US" altLang="ko-KR" sz="1200" b="0" dirty="0">
+                <a:solidFill>
+                  <a:srgbClr val="D4D4D4"/>
+                </a:solidFill>
+                <a:effectLst/>
+                <a:latin typeface="ubuntu mono derivative powerline" panose="020B0509030602030204" pitchFamily="49" charset="0"/>
+              </a:rPr>
+              <a:t>, </a:t>
+            </a:r>
+            <a:r>
+              <a:rPr lang="en-US" altLang="ko-KR" sz="1200" b="0" dirty="0">
+                <a:solidFill>
+                  <a:srgbClr val="B5CEA8"/>
+                </a:solidFill>
+                <a:effectLst/>
+                <a:latin typeface="ubuntu mono derivative powerline" panose="020B0509030602030204" pitchFamily="49" charset="0"/>
+              </a:rPr>
+              <a:t>256</a:t>
+            </a:r>
+            <a:r>
+              <a:rPr lang="en-US" altLang="ko-KR" sz="1200" b="0" dirty="0">
+                <a:solidFill>
+                  <a:srgbClr val="D4D4D4"/>
+                </a:solidFill>
+                <a:effectLst/>
+                <a:latin typeface="ubuntu mono derivative powerline" panose="020B0509030602030204" pitchFamily="49" charset="0"/>
+              </a:rPr>
+              <a:t>)</a:t>
+            </a:r>
+          </a:p>
+          <a:p>
+            <a:r>
+              <a:rPr lang="en-US" altLang="ko-KR" sz="1200" b="0" dirty="0" err="1">
+                <a:solidFill>
+                  <a:srgbClr val="9CDCFE"/>
+                </a:solidFill>
+                <a:effectLst/>
+                <a:latin typeface="ubuntu mono derivative powerline" panose="020B0509030602030204" pitchFamily="49" charset="0"/>
+              </a:rPr>
+              <a:t>idx</a:t>
+            </a:r>
+            <a:r>
+              <a:rPr lang="en-US" altLang="ko-KR" sz="1200" b="0" dirty="0">
+                <a:solidFill>
+                  <a:srgbClr val="D4D4D4"/>
+                </a:solidFill>
+                <a:effectLst/>
+                <a:latin typeface="ubuntu mono derivative powerline" panose="020B0509030602030204" pitchFamily="49" charset="0"/>
+              </a:rPr>
+              <a:t> = (</a:t>
+            </a:r>
+            <a:r>
+              <a:rPr lang="en-US" altLang="ko-KR" sz="1200" b="0" dirty="0" err="1">
+                <a:solidFill>
+                  <a:srgbClr val="9CDCFE"/>
+                </a:solidFill>
+                <a:effectLst/>
+                <a:latin typeface="ubuntu mono derivative powerline" panose="020B0509030602030204" pitchFamily="49" charset="0"/>
+              </a:rPr>
+              <a:t>idx</a:t>
+            </a:r>
+            <a:r>
+              <a:rPr lang="en-US" altLang="ko-KR" sz="1200" b="0" dirty="0">
+                <a:solidFill>
+                  <a:srgbClr val="D4D4D4"/>
+                </a:solidFill>
+                <a:effectLst/>
+                <a:latin typeface="ubuntu mono derivative powerline" panose="020B0509030602030204" pitchFamily="49" charset="0"/>
+              </a:rPr>
+              <a:t> - </a:t>
+            </a:r>
+            <a:r>
+              <a:rPr lang="en-US" altLang="ko-KR" sz="1200" b="0" dirty="0">
+                <a:solidFill>
+                  <a:srgbClr val="9CDCFE"/>
+                </a:solidFill>
+                <a:effectLst/>
+                <a:latin typeface="ubuntu mono derivative powerline" panose="020B0509030602030204" pitchFamily="49" charset="0"/>
+              </a:rPr>
+              <a:t>low</a:t>
+            </a:r>
+            <a:r>
+              <a:rPr lang="en-US" altLang="ko-KR" sz="1200" b="0" dirty="0">
+                <a:solidFill>
+                  <a:srgbClr val="D4D4D4"/>
+                </a:solidFill>
+                <a:effectLst/>
+                <a:latin typeface="ubuntu mono derivative powerline" panose="020B0509030602030204" pitchFamily="49" charset="0"/>
+              </a:rPr>
+              <a:t>) / (</a:t>
+            </a:r>
+            <a:r>
+              <a:rPr lang="en-US" altLang="ko-KR" sz="1200" b="0" dirty="0">
+                <a:solidFill>
+                  <a:srgbClr val="9CDCFE"/>
+                </a:solidFill>
+                <a:effectLst/>
+                <a:latin typeface="ubuntu mono derivative powerline" panose="020B0509030602030204" pitchFamily="49" charset="0"/>
+              </a:rPr>
+              <a:t>high</a:t>
+            </a:r>
+            <a:r>
+              <a:rPr lang="en-US" altLang="ko-KR" sz="1200" b="0" dirty="0">
+                <a:solidFill>
+                  <a:srgbClr val="D4D4D4"/>
+                </a:solidFill>
+                <a:effectLst/>
+                <a:latin typeface="ubuntu mono derivative powerline" panose="020B0509030602030204" pitchFamily="49" charset="0"/>
+              </a:rPr>
+              <a:t> - </a:t>
+            </a:r>
+            <a:r>
+              <a:rPr lang="en-US" altLang="ko-KR" sz="1200" b="0" dirty="0">
+                <a:solidFill>
+                  <a:srgbClr val="9CDCFE"/>
+                </a:solidFill>
+                <a:effectLst/>
+                <a:latin typeface="ubuntu mono derivative powerline" panose="020B0509030602030204" pitchFamily="49" charset="0"/>
+              </a:rPr>
+              <a:t>low</a:t>
+            </a:r>
+            <a:r>
+              <a:rPr lang="en-US" altLang="ko-KR" sz="1200" b="0" dirty="0">
+                <a:solidFill>
+                  <a:srgbClr val="D4D4D4"/>
+                </a:solidFill>
+                <a:effectLst/>
+                <a:latin typeface="ubuntu mono derivative powerline" panose="020B0509030602030204" pitchFamily="49" charset="0"/>
+              </a:rPr>
+              <a:t>) * </a:t>
+            </a:r>
+            <a:r>
+              <a:rPr lang="en-US" altLang="ko-KR" sz="1200" b="0" dirty="0">
+                <a:solidFill>
+                  <a:srgbClr val="B5CEA8"/>
+                </a:solidFill>
+                <a:effectLst/>
+                <a:latin typeface="ubuntu mono derivative powerline" panose="020B0509030602030204" pitchFamily="49" charset="0"/>
+              </a:rPr>
+              <a:t>255</a:t>
+            </a:r>
+            <a:endParaRPr lang="en-US" altLang="ko-KR" sz="1200" b="0" dirty="0">
+              <a:solidFill>
+                <a:srgbClr val="D4D4D4"/>
+              </a:solidFill>
+              <a:effectLst/>
+              <a:latin typeface="ubuntu mono derivative powerline" panose="020B0509030602030204" pitchFamily="49" charset="0"/>
+            </a:endParaRPr>
+          </a:p>
+          <a:p>
+            <a:r>
+              <a:rPr lang="en-US" altLang="ko-KR" sz="1200" b="0" dirty="0" err="1">
+                <a:solidFill>
+                  <a:srgbClr val="9CDCFE"/>
+                </a:solidFill>
+                <a:effectLst/>
+                <a:latin typeface="ubuntu mono derivative powerline" panose="020B0509030602030204" pitchFamily="49" charset="0"/>
+              </a:rPr>
+              <a:t>idx</a:t>
+            </a:r>
+            <a:r>
+              <a:rPr lang="en-US" altLang="ko-KR" sz="1200" b="0" dirty="0">
+                <a:solidFill>
+                  <a:srgbClr val="D4D4D4"/>
+                </a:solidFill>
+                <a:effectLst/>
+                <a:latin typeface="ubuntu mono derivative powerline" panose="020B0509030602030204" pitchFamily="49" charset="0"/>
+              </a:rPr>
+              <a:t>[:</a:t>
+            </a:r>
+            <a:r>
+              <a:rPr lang="en-US" altLang="ko-KR" sz="1200" b="0" dirty="0">
+                <a:solidFill>
+                  <a:srgbClr val="4EC9B0"/>
+                </a:solidFill>
+                <a:effectLst/>
+                <a:latin typeface="ubuntu mono derivative powerline" panose="020B0509030602030204" pitchFamily="49" charset="0"/>
+              </a:rPr>
+              <a:t>int</a:t>
+            </a:r>
+            <a:r>
+              <a:rPr lang="en-US" altLang="ko-KR" sz="1200" b="0" dirty="0">
+                <a:solidFill>
+                  <a:srgbClr val="D4D4D4"/>
+                </a:solidFill>
+                <a:effectLst/>
+                <a:latin typeface="ubuntu mono derivative powerline" panose="020B0509030602030204" pitchFamily="49" charset="0"/>
+              </a:rPr>
+              <a:t>(</a:t>
+            </a:r>
+            <a:r>
+              <a:rPr lang="en-US" altLang="ko-KR" sz="1200" b="0" dirty="0">
+                <a:solidFill>
+                  <a:srgbClr val="9CDCFE"/>
+                </a:solidFill>
+                <a:effectLst/>
+                <a:latin typeface="ubuntu mono derivative powerline" panose="020B0509030602030204" pitchFamily="49" charset="0"/>
+              </a:rPr>
+              <a:t>low</a:t>
+            </a:r>
+            <a:r>
+              <a:rPr lang="en-US" altLang="ko-KR" sz="1200" b="0" dirty="0">
+                <a:solidFill>
+                  <a:srgbClr val="D4D4D4"/>
+                </a:solidFill>
+                <a:effectLst/>
+                <a:latin typeface="ubuntu mono derivative powerline" panose="020B0509030602030204" pitchFamily="49" charset="0"/>
+              </a:rPr>
+              <a:t>)] = </a:t>
+            </a:r>
+            <a:r>
+              <a:rPr lang="en-US" altLang="ko-KR" sz="1200" b="0" dirty="0">
+                <a:solidFill>
+                  <a:srgbClr val="B5CEA8"/>
+                </a:solidFill>
+                <a:effectLst/>
+                <a:latin typeface="ubuntu mono derivative powerline" panose="020B0509030602030204" pitchFamily="49" charset="0"/>
+              </a:rPr>
+              <a:t>0</a:t>
+            </a:r>
+            <a:endParaRPr lang="en-US" altLang="ko-KR" sz="1200" b="0" dirty="0">
+              <a:solidFill>
+                <a:srgbClr val="D4D4D4"/>
+              </a:solidFill>
+              <a:effectLst/>
+              <a:latin typeface="ubuntu mono derivative powerline" panose="020B0509030602030204" pitchFamily="49" charset="0"/>
+            </a:endParaRPr>
+          </a:p>
+          <a:p>
+            <a:r>
+              <a:rPr lang="en-US" altLang="ko-KR" sz="1200" b="0" dirty="0" err="1">
+                <a:solidFill>
+                  <a:srgbClr val="9CDCFE"/>
+                </a:solidFill>
+                <a:effectLst/>
+                <a:latin typeface="ubuntu mono derivative powerline" panose="020B0509030602030204" pitchFamily="49" charset="0"/>
+              </a:rPr>
+              <a:t>idx</a:t>
+            </a:r>
+            <a:r>
+              <a:rPr lang="en-US" altLang="ko-KR" sz="1200" b="0" dirty="0">
+                <a:solidFill>
+                  <a:srgbClr val="D4D4D4"/>
+                </a:solidFill>
+                <a:effectLst/>
+                <a:latin typeface="ubuntu mono derivative powerline" panose="020B0509030602030204" pitchFamily="49" charset="0"/>
+              </a:rPr>
+              <a:t>[</a:t>
+            </a:r>
+            <a:r>
+              <a:rPr lang="en-US" altLang="ko-KR" sz="1200" b="0" dirty="0">
+                <a:solidFill>
+                  <a:srgbClr val="4EC9B0"/>
+                </a:solidFill>
+                <a:effectLst/>
+                <a:latin typeface="ubuntu mono derivative powerline" panose="020B0509030602030204" pitchFamily="49" charset="0"/>
+              </a:rPr>
+              <a:t>int</a:t>
+            </a:r>
+            <a:r>
+              <a:rPr lang="en-US" altLang="ko-KR" sz="1200" b="0" dirty="0">
+                <a:solidFill>
+                  <a:srgbClr val="D4D4D4"/>
+                </a:solidFill>
+                <a:effectLst/>
+                <a:latin typeface="ubuntu mono derivative powerline" panose="020B0509030602030204" pitchFamily="49" charset="0"/>
+              </a:rPr>
+              <a:t>(</a:t>
+            </a:r>
+            <a:r>
+              <a:rPr lang="en-US" altLang="ko-KR" sz="1200" b="0" dirty="0">
+                <a:solidFill>
+                  <a:srgbClr val="9CDCFE"/>
+                </a:solidFill>
+                <a:effectLst/>
+                <a:latin typeface="ubuntu mono derivative powerline" panose="020B0509030602030204" pitchFamily="49" charset="0"/>
+              </a:rPr>
+              <a:t>high</a:t>
+            </a:r>
+            <a:r>
+              <a:rPr lang="en-US" altLang="ko-KR" sz="1200" b="0" dirty="0">
+                <a:solidFill>
+                  <a:srgbClr val="D4D4D4"/>
+                </a:solidFill>
+                <a:effectLst/>
+                <a:latin typeface="ubuntu mono derivative powerline" panose="020B0509030602030204" pitchFamily="49" charset="0"/>
+              </a:rPr>
+              <a:t>+</a:t>
+            </a:r>
+            <a:r>
+              <a:rPr lang="en-US" altLang="ko-KR" sz="1200" b="0" dirty="0">
+                <a:solidFill>
+                  <a:srgbClr val="B5CEA8"/>
+                </a:solidFill>
+                <a:effectLst/>
+                <a:latin typeface="ubuntu mono derivative powerline" panose="020B0509030602030204" pitchFamily="49" charset="0"/>
+              </a:rPr>
+              <a:t>1</a:t>
+            </a:r>
+            <a:r>
+              <a:rPr lang="en-US" altLang="ko-KR" sz="1200" b="0" dirty="0">
+                <a:solidFill>
+                  <a:srgbClr val="D4D4D4"/>
+                </a:solidFill>
+                <a:effectLst/>
+                <a:latin typeface="ubuntu mono derivative powerline" panose="020B0509030602030204" pitchFamily="49" charset="0"/>
+              </a:rPr>
+              <a:t>):] = </a:t>
+            </a:r>
+            <a:r>
+              <a:rPr lang="en-US" altLang="ko-KR" sz="1200" b="0" dirty="0">
+                <a:solidFill>
+                  <a:srgbClr val="B5CEA8"/>
+                </a:solidFill>
+                <a:effectLst/>
+                <a:latin typeface="ubuntu mono derivative powerline" panose="020B0509030602030204" pitchFamily="49" charset="0"/>
+              </a:rPr>
+              <a:t>255</a:t>
+            </a:r>
+            <a:endParaRPr lang="en-US" altLang="ko-KR" sz="1200" b="0" dirty="0">
+              <a:solidFill>
+                <a:srgbClr val="D4D4D4"/>
+              </a:solidFill>
+              <a:effectLst/>
+              <a:latin typeface="ubuntu mono derivative powerline" panose="020B0509030602030204" pitchFamily="49" charset="0"/>
+            </a:endParaRPr>
           </a:p>
           <a:p>
             <a:br>
               <a:rPr lang="en-US" altLang="ko-KR" sz="1200" b="0" dirty="0">
+                <a:solidFill>
+                  <a:srgbClr val="D4D4D4"/>
+                </a:solidFill>
                 <a:effectLst/>
                 <a:latin typeface="ubuntu mono derivative powerline" panose="020B0509030602030204" pitchFamily="49" charset="0"/>
               </a:rPr>
             </a:br>
             <a:r>
-              <a:rPr lang="en-US" altLang="ko-KR" sz="1200" b="0" dirty="0">
-                <a:effectLst/>
-                <a:latin typeface="ubuntu mono derivative powerline" panose="020B0509030602030204" pitchFamily="49" charset="0"/>
-              </a:rPr>
-              <a:t>mat2 = </a:t>
-            </a:r>
-            <a:r>
               <a:rPr lang="en-US" altLang="ko-KR" sz="1200" b="0" dirty="0" err="1">
                 <a:solidFill>
-                  <a:srgbClr val="7030A0"/>
+                  <a:srgbClr val="9CDCFE"/>
+                </a:solidFill>
+                <a:effectLst/>
+                <a:latin typeface="ubuntu mono derivative powerline" panose="020B0509030602030204" pitchFamily="49" charset="0"/>
+              </a:rPr>
+              <a:t>dst</a:t>
+            </a:r>
+            <a:r>
+              <a:rPr lang="en-US" altLang="ko-KR" sz="1200" b="0" dirty="0">
+                <a:solidFill>
+                  <a:srgbClr val="D4D4D4"/>
+                </a:solidFill>
+                <a:effectLst/>
+                <a:latin typeface="ubuntu mono derivative powerline" panose="020B0509030602030204" pitchFamily="49" charset="0"/>
+              </a:rPr>
+              <a:t> = </a:t>
+            </a:r>
+            <a:r>
+              <a:rPr lang="en-US" altLang="ko-KR" sz="1200" b="0" dirty="0">
+                <a:solidFill>
+                  <a:srgbClr val="4EC9B0"/>
+                </a:solidFill>
+                <a:effectLst/>
+                <a:latin typeface="ubuntu mono derivative powerline" panose="020B0509030602030204" pitchFamily="49" charset="0"/>
+              </a:rPr>
+              <a:t>cv2</a:t>
+            </a:r>
+            <a:r>
+              <a:rPr lang="en-US" altLang="ko-KR" sz="1200" b="0" dirty="0">
+                <a:solidFill>
+                  <a:srgbClr val="D4D4D4"/>
+                </a:solidFill>
+                <a:effectLst/>
+                <a:latin typeface="ubuntu mono derivative powerline" panose="020B0509030602030204" pitchFamily="49" charset="0"/>
+              </a:rPr>
+              <a:t>.</a:t>
+            </a:r>
+            <a:r>
+              <a:rPr lang="en-US" altLang="ko-KR" sz="1200" b="0" dirty="0">
+                <a:solidFill>
+                  <a:srgbClr val="DCDCAA"/>
+                </a:solidFill>
+                <a:effectLst/>
+                <a:latin typeface="ubuntu mono derivative powerline" panose="020B0509030602030204" pitchFamily="49" charset="0"/>
+              </a:rPr>
+              <a:t>LUT</a:t>
+            </a:r>
+            <a:r>
+              <a:rPr lang="en-US" altLang="ko-KR" sz="1200" b="0" dirty="0">
+                <a:solidFill>
+                  <a:srgbClr val="D4D4D4"/>
+                </a:solidFill>
+                <a:effectLst/>
+                <a:latin typeface="ubuntu mono derivative powerline" panose="020B0509030602030204" pitchFamily="49" charset="0"/>
+              </a:rPr>
+              <a:t>(</a:t>
+            </a:r>
+            <a:r>
+              <a:rPr lang="en-US" altLang="ko-KR" sz="1200" b="0" dirty="0">
+                <a:solidFill>
+                  <a:srgbClr val="9CDCFE"/>
+                </a:solidFill>
+                <a:effectLst/>
+                <a:latin typeface="ubuntu mono derivative powerline" panose="020B0509030602030204" pitchFamily="49" charset="0"/>
+              </a:rPr>
+              <a:t>image</a:t>
+            </a:r>
+            <a:r>
+              <a:rPr lang="en-US" altLang="ko-KR" sz="1200" b="0" dirty="0">
+                <a:solidFill>
+                  <a:srgbClr val="D4D4D4"/>
+                </a:solidFill>
+                <a:effectLst/>
+                <a:latin typeface="ubuntu mono derivative powerline" panose="020B0509030602030204" pitchFamily="49" charset="0"/>
+              </a:rPr>
+              <a:t>, </a:t>
+            </a:r>
+            <a:r>
+              <a:rPr lang="en-US" altLang="ko-KR" sz="1200" b="0" dirty="0" err="1">
+                <a:solidFill>
+                  <a:srgbClr val="9CDCFE"/>
+                </a:solidFill>
+                <a:effectLst/>
+                <a:latin typeface="ubuntu mono derivative powerline" panose="020B0509030602030204" pitchFamily="49" charset="0"/>
+              </a:rPr>
+              <a:t>idx</a:t>
+            </a:r>
+            <a:r>
+              <a:rPr lang="en-US" altLang="ko-KR" sz="1200" b="0" dirty="0" err="1">
+                <a:solidFill>
+                  <a:srgbClr val="D4D4D4"/>
+                </a:solidFill>
+                <a:effectLst/>
+                <a:latin typeface="ubuntu mono derivative powerline" panose="020B0509030602030204" pitchFamily="49" charset="0"/>
+              </a:rPr>
+              <a:t>.astype</a:t>
+            </a:r>
+            <a:r>
+              <a:rPr lang="en-US" altLang="ko-KR" sz="1200" b="0" dirty="0">
+                <a:solidFill>
+                  <a:srgbClr val="D4D4D4"/>
+                </a:solidFill>
+                <a:effectLst/>
+                <a:latin typeface="ubuntu mono derivative powerline" panose="020B0509030602030204" pitchFamily="49" charset="0"/>
+              </a:rPr>
+              <a:t>(</a:t>
+            </a:r>
+            <a:r>
+              <a:rPr lang="en-US" altLang="ko-KR" sz="1200" b="0" dirty="0">
+                <a:solidFill>
+                  <a:srgbClr val="4EC9B0"/>
                 </a:solidFill>
                 <a:effectLst/>
                 <a:latin typeface="ubuntu mono derivative powerline" panose="020B0509030602030204" pitchFamily="49" charset="0"/>
@@ -7995,50 +11219,330 @@
               <a:t>np</a:t>
             </a:r>
             <a:r>
+              <a:rPr lang="en-US" altLang="ko-KR" sz="1200" b="0" dirty="0">
+                <a:solidFill>
+                  <a:srgbClr val="D4D4D4"/>
+                </a:solidFill>
+                <a:effectLst/>
+                <a:latin typeface="ubuntu mono derivative powerline" panose="020B0509030602030204" pitchFamily="49" charset="0"/>
+              </a:rPr>
+              <a:t>.</a:t>
+            </a:r>
+            <a:r>
+              <a:rPr lang="en-US" altLang="ko-KR" sz="1200" b="0" dirty="0">
+                <a:solidFill>
+                  <a:srgbClr val="9CDCFE"/>
+                </a:solidFill>
+                <a:effectLst/>
+                <a:latin typeface="ubuntu mono derivative powerline" panose="020B0509030602030204" pitchFamily="49" charset="0"/>
+              </a:rPr>
+              <a:t>uint8</a:t>
+            </a:r>
+            <a:r>
+              <a:rPr lang="en-US" altLang="ko-KR" sz="1200" b="0" dirty="0">
+                <a:solidFill>
+                  <a:srgbClr val="D4D4D4"/>
+                </a:solidFill>
+                <a:effectLst/>
+                <a:latin typeface="ubuntu mono derivative powerline" panose="020B0509030602030204" pitchFamily="49" charset="0"/>
+              </a:rPr>
+              <a:t>))                 </a:t>
+            </a:r>
+            <a:r>
+              <a:rPr lang="en-US" altLang="ko-KR" sz="1200" b="0" dirty="0">
+                <a:solidFill>
+                  <a:srgbClr val="6A9955"/>
+                </a:solidFill>
+                <a:effectLst/>
+                <a:latin typeface="ubuntu mono derivative powerline" panose="020B0509030602030204" pitchFamily="49" charset="0"/>
+              </a:rPr>
+              <a:t># </a:t>
+            </a:r>
+            <a:r>
+              <a:rPr lang="ko-KR" altLang="en-US" sz="1200" b="0" dirty="0" err="1">
+                <a:solidFill>
+                  <a:srgbClr val="6A9955"/>
+                </a:solidFill>
+                <a:effectLst/>
+                <a:latin typeface="ubuntu mono derivative powerline" panose="020B0509030602030204" pitchFamily="49" charset="0"/>
+              </a:rPr>
+              <a:t>룩업</a:t>
+            </a:r>
+            <a:r>
+              <a:rPr lang="ko-KR" altLang="en-US" sz="1200" b="0" dirty="0">
+                <a:solidFill>
+                  <a:srgbClr val="6A9955"/>
+                </a:solidFill>
+                <a:effectLst/>
+                <a:latin typeface="ubuntu mono derivative powerline" panose="020B0509030602030204" pitchFamily="49" charset="0"/>
+              </a:rPr>
+              <a:t> 테이블</a:t>
+            </a:r>
+            <a:endParaRPr lang="ko-KR" altLang="en-US" sz="1200" b="0" dirty="0">
+              <a:solidFill>
+                <a:srgbClr val="D4D4D4"/>
+              </a:solidFill>
+              <a:effectLst/>
+              <a:latin typeface="ubuntu mono derivative powerline" panose="020B0509030602030204" pitchFamily="49" charset="0"/>
+            </a:endParaRPr>
+          </a:p>
+          <a:p>
+            <a:r>
               <a:rPr lang="en-US" altLang="ko-KR" sz="1200" b="0" dirty="0" err="1">
+                <a:solidFill>
+                  <a:srgbClr val="9CDCFE"/>
+                </a:solidFill>
+                <a:effectLst/>
+                <a:latin typeface="ubuntu mono derivative powerline" panose="020B0509030602030204" pitchFamily="49" charset="0"/>
+              </a:rPr>
+              <a:t>hist_dst</a:t>
+            </a:r>
+            <a:r>
+              <a:rPr lang="en-US" altLang="ko-KR" sz="1200" b="0" dirty="0">
+                <a:solidFill>
+                  <a:srgbClr val="D4D4D4"/>
+                </a:solidFill>
+                <a:effectLst/>
+                <a:latin typeface="ubuntu mono derivative powerline" panose="020B0509030602030204" pitchFamily="49" charset="0"/>
+              </a:rPr>
+              <a:t> = </a:t>
+            </a:r>
+            <a:r>
+              <a:rPr lang="en-US" altLang="ko-KR" sz="1200" b="0" dirty="0">
+                <a:solidFill>
+                  <a:srgbClr val="4EC9B0"/>
+                </a:solidFill>
+                <a:effectLst/>
+                <a:latin typeface="ubuntu mono derivative powerline" panose="020B0509030602030204" pitchFamily="49" charset="0"/>
+              </a:rPr>
+              <a:t>cv2</a:t>
+            </a:r>
+            <a:r>
+              <a:rPr lang="en-US" altLang="ko-KR" sz="1200" b="0" dirty="0">
+                <a:solidFill>
+                  <a:srgbClr val="D4D4D4"/>
+                </a:solidFill>
                 <a:effectLst/>
                 <a:latin typeface="ubuntu mono derivative powerline" panose="020B0509030602030204" pitchFamily="49" charset="0"/>
               </a:rPr>
               <a:t>.</a:t>
             </a:r>
             <a:r>
+              <a:rPr lang="en-US" altLang="ko-KR" sz="1200" b="0" dirty="0">
+                <a:solidFill>
+                  <a:srgbClr val="DCDCAA"/>
+                </a:solidFill>
+                <a:effectLst/>
+                <a:latin typeface="ubuntu mono derivative powerline" panose="020B0509030602030204" pitchFamily="49" charset="0"/>
+              </a:rPr>
+              <a:t>calcHist</a:t>
+            </a:r>
+            <a:r>
+              <a:rPr lang="en-US" altLang="ko-KR" sz="1200" b="0" dirty="0">
+                <a:solidFill>
+                  <a:srgbClr val="D4D4D4"/>
+                </a:solidFill>
+                <a:effectLst/>
+                <a:latin typeface="ubuntu mono derivative powerline" panose="020B0509030602030204" pitchFamily="49" charset="0"/>
+              </a:rPr>
+              <a:t>([</a:t>
+            </a:r>
+            <a:r>
               <a:rPr lang="en-US" altLang="ko-KR" sz="1200" b="0" dirty="0" err="1">
                 <a:solidFill>
-                  <a:srgbClr val="0000FF"/>
-                </a:solidFill>
-                <a:effectLst/>
-                <a:latin typeface="ubuntu mono derivative powerline" panose="020B0509030602030204" pitchFamily="49" charset="0"/>
-              </a:rPr>
-              <a:t>arange</a:t>
-            </a:r>
-            <a:r>
-              <a:rPr lang="en-US" altLang="ko-KR" sz="1200" b="0" dirty="0">
-                <a:effectLst/>
-                <a:latin typeface="ubuntu mono derivative powerline" panose="020B0509030602030204" pitchFamily="49" charset="0"/>
-              </a:rPr>
-              <a:t>(10).</a:t>
-            </a:r>
-            <a:r>
-              <a:rPr lang="en-US" altLang="ko-KR" sz="1200" b="0" dirty="0">
-                <a:solidFill>
-                  <a:srgbClr val="0000FF"/>
-                </a:solidFill>
-                <a:effectLst/>
-                <a:latin typeface="ubuntu mono derivative powerline" panose="020B0509030602030204" pitchFamily="49" charset="0"/>
-              </a:rPr>
-              <a:t>reshape</a:t>
-            </a:r>
-            <a:r>
-              <a:rPr lang="en-US" altLang="ko-KR" sz="1200" b="0" dirty="0">
-                <a:effectLst/>
-                <a:latin typeface="ubuntu mono derivative powerline" panose="020B0509030602030204" pitchFamily="49" charset="0"/>
-              </a:rPr>
-              <a:t>(2, 5)</a:t>
+                  <a:srgbClr val="9CDCFE"/>
+                </a:solidFill>
+                <a:effectLst/>
+                <a:latin typeface="ubuntu mono derivative powerline" panose="020B0509030602030204" pitchFamily="49" charset="0"/>
+              </a:rPr>
+              <a:t>dst</a:t>
+            </a:r>
+            <a:r>
+              <a:rPr lang="en-US" altLang="ko-KR" sz="1200" b="0" dirty="0">
+                <a:solidFill>
+                  <a:srgbClr val="D4D4D4"/>
+                </a:solidFill>
+                <a:effectLst/>
+                <a:latin typeface="ubuntu mono derivative powerline" panose="020B0509030602030204" pitchFamily="49" charset="0"/>
+              </a:rPr>
+              <a:t>], [</a:t>
+            </a:r>
+            <a:r>
+              <a:rPr lang="en-US" altLang="ko-KR" sz="1200" b="0" dirty="0">
+                <a:solidFill>
+                  <a:srgbClr val="B5CEA8"/>
+                </a:solidFill>
+                <a:effectLst/>
+                <a:latin typeface="ubuntu mono derivative powerline" panose="020B0509030602030204" pitchFamily="49" charset="0"/>
+              </a:rPr>
+              <a:t>0</a:t>
+            </a:r>
+            <a:r>
+              <a:rPr lang="en-US" altLang="ko-KR" sz="1200" b="0" dirty="0">
+                <a:solidFill>
+                  <a:srgbClr val="D4D4D4"/>
+                </a:solidFill>
+                <a:effectLst/>
+                <a:latin typeface="ubuntu mono derivative powerline" panose="020B0509030602030204" pitchFamily="49" charset="0"/>
+              </a:rPr>
+              <a:t>], </a:t>
+            </a:r>
+            <a:r>
+              <a:rPr lang="en-US" altLang="ko-KR" sz="1200" b="0" dirty="0">
+                <a:solidFill>
+                  <a:srgbClr val="569CD6"/>
+                </a:solidFill>
+                <a:effectLst/>
+                <a:latin typeface="ubuntu mono derivative powerline" panose="020B0509030602030204" pitchFamily="49" charset="0"/>
+              </a:rPr>
+              <a:t>None</a:t>
+            </a:r>
+            <a:r>
+              <a:rPr lang="en-US" altLang="ko-KR" sz="1200" b="0" dirty="0">
+                <a:solidFill>
+                  <a:srgbClr val="D4D4D4"/>
+                </a:solidFill>
+                <a:effectLst/>
+                <a:latin typeface="ubuntu mono derivative powerline" panose="020B0509030602030204" pitchFamily="49" charset="0"/>
+              </a:rPr>
+              <a:t>, </a:t>
+            </a:r>
+            <a:r>
+              <a:rPr lang="en-US" altLang="ko-KR" sz="1200" b="0" dirty="0" err="1">
+                <a:solidFill>
+                  <a:srgbClr val="9CDCFE"/>
+                </a:solidFill>
+                <a:effectLst/>
+                <a:latin typeface="ubuntu mono derivative powerline" panose="020B0509030602030204" pitchFamily="49" charset="0"/>
+              </a:rPr>
+              <a:t>bsize</a:t>
+            </a:r>
+            <a:r>
+              <a:rPr lang="en-US" altLang="ko-KR" sz="1200" b="0" dirty="0">
+                <a:solidFill>
+                  <a:srgbClr val="D4D4D4"/>
+                </a:solidFill>
+                <a:effectLst/>
+                <a:latin typeface="ubuntu mono derivative powerline" panose="020B0509030602030204" pitchFamily="49" charset="0"/>
+              </a:rPr>
+              <a:t>, </a:t>
+            </a:r>
+            <a:r>
+              <a:rPr lang="en-US" altLang="ko-KR" sz="1200" b="0" dirty="0">
+                <a:solidFill>
+                  <a:srgbClr val="9CDCFE"/>
+                </a:solidFill>
+                <a:effectLst/>
+                <a:latin typeface="ubuntu mono derivative powerline" panose="020B0509030602030204" pitchFamily="49" charset="0"/>
+              </a:rPr>
+              <a:t>ranges</a:t>
+            </a:r>
+            <a:r>
+              <a:rPr lang="en-US" altLang="ko-KR" sz="1200" b="0" dirty="0">
+                <a:solidFill>
+                  <a:srgbClr val="D4D4D4"/>
+                </a:solidFill>
+                <a:effectLst/>
+                <a:latin typeface="ubuntu mono derivative powerline" panose="020B0509030602030204" pitchFamily="49" charset="0"/>
+              </a:rPr>
+              <a:t>)   </a:t>
+            </a:r>
+            <a:r>
+              <a:rPr lang="en-US" altLang="ko-KR" sz="1200" b="0" dirty="0">
+                <a:solidFill>
+                  <a:srgbClr val="6A9955"/>
+                </a:solidFill>
+                <a:effectLst/>
+                <a:latin typeface="ubuntu mono derivative powerline" panose="020B0509030602030204" pitchFamily="49" charset="0"/>
+              </a:rPr>
+              <a:t># </a:t>
+            </a:r>
+            <a:r>
+              <a:rPr lang="ko-KR" altLang="en-US" sz="1200" b="0" dirty="0">
+                <a:solidFill>
+                  <a:srgbClr val="6A9955"/>
+                </a:solidFill>
+                <a:effectLst/>
+                <a:latin typeface="ubuntu mono derivative powerline" panose="020B0509030602030204" pitchFamily="49" charset="0"/>
+              </a:rPr>
+              <a:t>히스토그램 계산</a:t>
+            </a:r>
+            <a:endParaRPr lang="ko-KR" altLang="en-US" sz="1200" b="0" dirty="0">
+              <a:solidFill>
+                <a:srgbClr val="D4D4D4"/>
+              </a:solidFill>
+              <a:effectLst/>
+              <a:latin typeface="ubuntu mono derivative powerline" panose="020B0509030602030204" pitchFamily="49" charset="0"/>
+            </a:endParaRPr>
+          </a:p>
+          <a:p>
+            <a:r>
+              <a:rPr lang="en-US" altLang="ko-KR" sz="1200" b="0" dirty="0" err="1">
+                <a:solidFill>
+                  <a:srgbClr val="9CDCFE"/>
+                </a:solidFill>
+                <a:effectLst/>
+                <a:latin typeface="ubuntu mono derivative powerline" panose="020B0509030602030204" pitchFamily="49" charset="0"/>
+              </a:rPr>
+              <a:t>hist_dst_img</a:t>
+            </a:r>
+            <a:r>
+              <a:rPr lang="en-US" altLang="ko-KR" sz="1200" b="0" dirty="0">
+                <a:solidFill>
+                  <a:srgbClr val="D4D4D4"/>
+                </a:solidFill>
+                <a:effectLst/>
+                <a:latin typeface="ubuntu mono derivative powerline" panose="020B0509030602030204" pitchFamily="49" charset="0"/>
+              </a:rPr>
+              <a:t> = </a:t>
+            </a:r>
+            <a:r>
+              <a:rPr lang="en-US" altLang="ko-KR" sz="1200" b="0" dirty="0" err="1">
+                <a:solidFill>
+                  <a:srgbClr val="DCDCAA"/>
+                </a:solidFill>
+                <a:effectLst/>
+                <a:latin typeface="ubuntu mono derivative powerline" panose="020B0509030602030204" pitchFamily="49" charset="0"/>
+              </a:rPr>
+              <a:t>draw_histo</a:t>
+            </a:r>
+            <a:r>
+              <a:rPr lang="en-US" altLang="ko-KR" sz="1200" b="0" dirty="0">
+                <a:solidFill>
+                  <a:srgbClr val="D4D4D4"/>
+                </a:solidFill>
+                <a:effectLst/>
+                <a:latin typeface="ubuntu mono derivative powerline" panose="020B0509030602030204" pitchFamily="49" charset="0"/>
+              </a:rPr>
+              <a:t>(</a:t>
+            </a:r>
+            <a:r>
+              <a:rPr lang="en-US" altLang="ko-KR" sz="1200" b="0" dirty="0" err="1">
+                <a:solidFill>
+                  <a:srgbClr val="9CDCFE"/>
+                </a:solidFill>
+                <a:effectLst/>
+                <a:latin typeface="ubuntu mono derivative powerline" panose="020B0509030602030204" pitchFamily="49" charset="0"/>
+              </a:rPr>
+              <a:t>hist_dst</a:t>
+            </a:r>
+            <a:r>
+              <a:rPr lang="en-US" altLang="ko-KR" sz="1200" b="0" dirty="0">
+                <a:solidFill>
+                  <a:srgbClr val="D4D4D4"/>
+                </a:solidFill>
+                <a:effectLst/>
+                <a:latin typeface="ubuntu mono derivative powerline" panose="020B0509030602030204" pitchFamily="49" charset="0"/>
+              </a:rPr>
+              <a:t>) </a:t>
             </a:r>
           </a:p>
           <a:p>
             <a:br>
               <a:rPr lang="en-US" altLang="ko-KR" sz="1200" b="0" dirty="0">
+                <a:solidFill>
+                  <a:srgbClr val="D4D4D4"/>
+                </a:solidFill>
                 <a:effectLst/>
                 <a:latin typeface="ubuntu mono derivative powerline" panose="020B0509030602030204" pitchFamily="49" charset="0"/>
               </a:rPr>
@@ -8046,15 +11550,38 @@
             <a:r>
               <a:rPr lang="en-US" altLang="ko-KR" sz="1200" b="0" dirty="0">
                 <a:solidFill>
-                  <a:srgbClr val="0000FF"/>
-                </a:solidFill>
-                <a:effectLst/>
-                <a:latin typeface="ubuntu mono derivative powerline" panose="020B0509030602030204" pitchFamily="49" charset="0"/>
-              </a:rPr>
-              <a:t>print</a:t>
-            </a:r>
-            <a:r>
-              <a:rPr lang="en-US" altLang="ko-KR" sz="1200" b="0" dirty="0">
+                  <a:srgbClr val="4EC9B0"/>
+                </a:solidFill>
+                <a:effectLst/>
+                <a:latin typeface="ubuntu mono derivative powerline" panose="020B0509030602030204" pitchFamily="49" charset="0"/>
+              </a:rPr>
+              <a:t>cv2</a:t>
+            </a:r>
+            <a:r>
+              <a:rPr lang="en-US" altLang="ko-KR" sz="1200" b="0" dirty="0">
+                <a:solidFill>
+                  <a:srgbClr val="D4D4D4"/>
+                </a:solidFill>
+                <a:effectLst/>
+                <a:latin typeface="ubuntu mono derivative powerline" panose="020B0509030602030204" pitchFamily="49" charset="0"/>
+              </a:rPr>
+              <a:t>.</a:t>
+            </a:r>
+            <a:r>
+              <a:rPr lang="en-US" altLang="ko-KR" sz="1200" b="0" dirty="0">
+                <a:solidFill>
+                  <a:srgbClr val="DCDCAA"/>
+                </a:solidFill>
+                <a:effectLst/>
+                <a:latin typeface="ubuntu mono derivative powerline" panose="020B0509030602030204" pitchFamily="49" charset="0"/>
+              </a:rPr>
+              <a:t>imshow</a:t>
+            </a:r>
+            <a:r>
+              <a:rPr lang="en-US" altLang="ko-KR" sz="1200" b="0" dirty="0">
+                <a:solidFill>
+                  <a:srgbClr val="D4D4D4"/>
+                </a:solidFill>
                 <a:effectLst/>
                 <a:latin typeface="ubuntu mono derivative powerline" panose="020B0509030602030204" pitchFamily="49" charset="0"/>
               </a:rPr>
@@ -8063,67 +11590,100 @@
             <a:r>
               <a:rPr lang="en-US" altLang="ko-KR" sz="1200" b="0" dirty="0">
                 <a:solidFill>
-                  <a:srgbClr val="0000FF"/>
-                </a:solidFill>
-                <a:effectLst/>
-                <a:latin typeface="ubuntu mono derivative powerline" panose="020B0509030602030204" pitchFamily="49" charset="0"/>
-              </a:rPr>
-              <a:t>f</a:t>
-            </a:r>
-            <a:r>
-              <a:rPr lang="en-US" altLang="ko-KR" sz="1200" b="0" dirty="0">
-                <a:effectLst/>
-                <a:latin typeface="ubuntu mono derivative powerline" panose="020B0509030602030204" pitchFamily="49" charset="0"/>
-              </a:rPr>
-              <a:t>"</a:t>
-            </a:r>
-            <a:r>
-              <a:rPr lang="ko-KR" altLang="en-US" sz="1200" b="0" dirty="0">
-                <a:effectLst/>
-                <a:latin typeface="ubuntu mono derivative powerline" panose="020B0509030602030204" pitchFamily="49" charset="0"/>
-              </a:rPr>
-              <a:t>원소 처리 전</a:t>
-            </a:r>
-            <a:r>
-              <a:rPr lang="en-US" altLang="ko-KR" sz="1200" b="0" dirty="0">
-                <a:effectLst/>
-                <a:latin typeface="ubuntu mono derivative powerline" panose="020B0509030602030204" pitchFamily="49" charset="0"/>
-              </a:rPr>
-              <a:t>: \n{mat2}\n")</a:t>
-            </a:r>
-          </a:p>
-          <a:p>
-            <a:r>
-              <a:rPr lang="en-US" altLang="ko-KR" sz="1200" b="0" dirty="0">
-                <a:solidFill>
-                  <a:srgbClr val="00B0F0"/>
-                </a:solidFill>
-                <a:effectLst/>
-                <a:latin typeface="ubuntu mono derivative powerline" panose="020B0509030602030204" pitchFamily="49" charset="0"/>
-              </a:rPr>
-              <a:t>mat_access2</a:t>
-            </a:r>
-            <a:r>
-              <a:rPr lang="en-US" altLang="ko-KR" sz="1200" b="0" dirty="0">
-                <a:effectLst/>
-                <a:latin typeface="ubuntu mono derivative powerline" panose="020B0509030602030204" pitchFamily="49" charset="0"/>
-              </a:rPr>
-              <a:t>(mat2)</a:t>
-            </a:r>
-          </a:p>
-          <a:p>
-            <a:r>
-              <a:rPr lang="en-US" altLang="ko-KR" sz="1200" b="0" dirty="0">
-                <a:solidFill>
-                  <a:srgbClr val="0000FF"/>
-                </a:solidFill>
-                <a:effectLst/>
-                <a:latin typeface="ubuntu mono derivative powerline" panose="020B0509030602030204" pitchFamily="49" charset="0"/>
-              </a:rPr>
-              <a:t>print</a:t>
-            </a:r>
-            <a:r>
-              <a:rPr lang="en-US" altLang="ko-KR" sz="1200" b="0" dirty="0">
+                  <a:srgbClr val="CE9178"/>
+                </a:solidFill>
+                <a:effectLst/>
+                <a:latin typeface="ubuntu mono derivative powerline" panose="020B0509030602030204" pitchFamily="49" charset="0"/>
+              </a:rPr>
+              <a:t>'</a:t>
+            </a:r>
+            <a:r>
+              <a:rPr lang="en-US" altLang="ko-KR" sz="1200" b="0" dirty="0" err="1">
+                <a:solidFill>
+                  <a:srgbClr val="CE9178"/>
+                </a:solidFill>
+                <a:effectLst/>
+                <a:latin typeface="ubuntu mono derivative powerline" panose="020B0509030602030204" pitchFamily="49" charset="0"/>
+              </a:rPr>
+              <a:t>dst</a:t>
+            </a:r>
+            <a:r>
+              <a:rPr lang="en-US" altLang="ko-KR" sz="1200" b="0" dirty="0">
+                <a:solidFill>
+                  <a:srgbClr val="CE9178"/>
+                </a:solidFill>
+                <a:effectLst/>
+                <a:latin typeface="ubuntu mono derivative powerline" panose="020B0509030602030204" pitchFamily="49" charset="0"/>
+              </a:rPr>
+              <a:t>'</a:t>
+            </a:r>
+            <a:r>
+              <a:rPr lang="en-US" altLang="ko-KR" sz="1200" b="0" dirty="0">
+                <a:solidFill>
+                  <a:srgbClr val="D4D4D4"/>
+                </a:solidFill>
+                <a:effectLst/>
+                <a:latin typeface="ubuntu mono derivative powerline" panose="020B0509030602030204" pitchFamily="49" charset="0"/>
+              </a:rPr>
+              <a:t>, </a:t>
+            </a:r>
+            <a:r>
+              <a:rPr lang="en-US" altLang="ko-KR" sz="1200" b="0" dirty="0" err="1">
+                <a:solidFill>
+                  <a:srgbClr val="9CDCFE"/>
+                </a:solidFill>
+                <a:effectLst/>
+                <a:latin typeface="ubuntu mono derivative powerline" panose="020B0509030602030204" pitchFamily="49" charset="0"/>
+              </a:rPr>
+              <a:t>dst</a:t>
+            </a:r>
+            <a:r>
+              <a:rPr lang="en-US" altLang="ko-KR" sz="1200" b="0" dirty="0">
+                <a:solidFill>
+                  <a:srgbClr val="D4D4D4"/>
+                </a:solidFill>
+                <a:effectLst/>
+                <a:latin typeface="ubuntu mono derivative powerline" panose="020B0509030602030204" pitchFamily="49" charset="0"/>
+              </a:rPr>
+              <a:t>)</a:t>
+            </a:r>
+          </a:p>
+          <a:p>
+            <a:r>
+              <a:rPr lang="en-US" altLang="ko-KR" sz="1200" b="0" dirty="0">
+                <a:solidFill>
+                  <a:srgbClr val="4EC9B0"/>
+                </a:solidFill>
+                <a:effectLst/>
+                <a:latin typeface="ubuntu mono derivative powerline" panose="020B0509030602030204" pitchFamily="49" charset="0"/>
+              </a:rPr>
+              <a:t>cv2</a:t>
+            </a:r>
+            <a:r>
+              <a:rPr lang="en-US" altLang="ko-KR" sz="1200" b="0" dirty="0">
+                <a:solidFill>
+                  <a:srgbClr val="D4D4D4"/>
+                </a:solidFill>
+                <a:effectLst/>
+                <a:latin typeface="ubuntu mono derivative powerline" panose="020B0509030602030204" pitchFamily="49" charset="0"/>
+              </a:rPr>
+              <a:t>.</a:t>
+            </a:r>
+            <a:r>
+              <a:rPr lang="en-US" altLang="ko-KR" sz="1200" b="0" dirty="0">
+                <a:solidFill>
+                  <a:srgbClr val="DCDCAA"/>
+                </a:solidFill>
+                <a:effectLst/>
+                <a:latin typeface="ubuntu mono derivative powerline" panose="020B0509030602030204" pitchFamily="49" charset="0"/>
+              </a:rPr>
+              <a:t>imshow</a:t>
+            </a:r>
+            <a:r>
+              <a:rPr lang="en-US" altLang="ko-KR" sz="1200" b="0" dirty="0">
+                <a:solidFill>
+                  <a:srgbClr val="D4D4D4"/>
+                </a:solidFill>
                 <a:effectLst/>
                 <a:latin typeface="ubuntu mono derivative powerline" panose="020B0509030602030204" pitchFamily="49" charset="0"/>
               </a:rPr>
@@ -8132,43 +11692,291 @@
             <a:r>
               <a:rPr lang="en-US" altLang="ko-KR" sz="1200" b="0" dirty="0">
                 <a:solidFill>
-                  <a:srgbClr val="0000FF"/>
-                </a:solidFill>
-                <a:effectLst/>
-                <a:latin typeface="ubuntu mono derivative powerline" panose="020B0509030602030204" pitchFamily="49" charset="0"/>
-              </a:rPr>
-              <a:t>f</a:t>
-            </a:r>
-            <a:r>
-              <a:rPr lang="en-US" altLang="ko-KR" sz="1200" b="0" dirty="0">
-                <a:effectLst/>
-                <a:latin typeface="ubuntu mono derivative powerline" panose="020B0509030602030204" pitchFamily="49" charset="0"/>
-              </a:rPr>
-              <a:t>"</a:t>
-            </a:r>
-            <a:r>
-              <a:rPr lang="ko-KR" altLang="en-US" sz="1200" b="0" dirty="0">
-                <a:effectLst/>
-                <a:latin typeface="ubuntu mono derivative powerline" panose="020B0509030602030204" pitchFamily="49" charset="0"/>
-              </a:rPr>
-              <a:t>원소 처리 후</a:t>
-            </a:r>
-            <a:r>
-              <a:rPr lang="en-US" altLang="ko-KR" sz="1200" b="0" dirty="0">
-                <a:effectLst/>
-                <a:latin typeface="ubuntu mono derivative powerline" panose="020B0509030602030204" pitchFamily="49" charset="0"/>
-              </a:rPr>
-              <a:t>: \n{mat2}\n")</a:t>
+                  <a:srgbClr val="CE9178"/>
+                </a:solidFill>
+                <a:effectLst/>
+                <a:latin typeface="ubuntu mono derivative powerline" panose="020B0509030602030204" pitchFamily="49" charset="0"/>
+              </a:rPr>
+              <a:t>'</a:t>
+            </a:r>
+            <a:r>
+              <a:rPr lang="en-US" altLang="ko-KR" sz="1200" b="0" dirty="0" err="1">
+                <a:solidFill>
+                  <a:srgbClr val="CE9178"/>
+                </a:solidFill>
+                <a:effectLst/>
+                <a:latin typeface="ubuntu mono derivative powerline" panose="020B0509030602030204" pitchFamily="49" charset="0"/>
+              </a:rPr>
+              <a:t>hist_dst_img</a:t>
+            </a:r>
+            <a:r>
+              <a:rPr lang="en-US" altLang="ko-KR" sz="1200" b="0" dirty="0">
+                <a:solidFill>
+                  <a:srgbClr val="CE9178"/>
+                </a:solidFill>
+                <a:effectLst/>
+                <a:latin typeface="ubuntu mono derivative powerline" panose="020B0509030602030204" pitchFamily="49" charset="0"/>
+              </a:rPr>
+              <a:t>'</a:t>
+            </a:r>
+            <a:r>
+              <a:rPr lang="en-US" altLang="ko-KR" sz="1200" b="0" dirty="0">
+                <a:solidFill>
+                  <a:srgbClr val="D4D4D4"/>
+                </a:solidFill>
+                <a:effectLst/>
+                <a:latin typeface="ubuntu mono derivative powerline" panose="020B0509030602030204" pitchFamily="49" charset="0"/>
+              </a:rPr>
+              <a:t>, </a:t>
+            </a:r>
+            <a:r>
+              <a:rPr lang="en-US" altLang="ko-KR" sz="1200" b="0" dirty="0" err="1">
+                <a:solidFill>
+                  <a:srgbClr val="9CDCFE"/>
+                </a:solidFill>
+                <a:effectLst/>
+                <a:latin typeface="ubuntu mono derivative powerline" panose="020B0509030602030204" pitchFamily="49" charset="0"/>
+              </a:rPr>
+              <a:t>hist_dst_img</a:t>
+            </a:r>
+            <a:r>
+              <a:rPr lang="en-US" altLang="ko-KR" sz="1200" b="0" dirty="0">
+                <a:solidFill>
+                  <a:srgbClr val="D4D4D4"/>
+                </a:solidFill>
+                <a:effectLst/>
+                <a:latin typeface="ubuntu mono derivative powerline" panose="020B0509030602030204" pitchFamily="49" charset="0"/>
+              </a:rPr>
+              <a:t>)</a:t>
+            </a:r>
+          </a:p>
+          <a:p>
+            <a:r>
+              <a:rPr lang="en-US" altLang="ko-KR" sz="1200" b="0" dirty="0">
+                <a:solidFill>
+                  <a:srgbClr val="4EC9B0"/>
+                </a:solidFill>
+                <a:effectLst/>
+                <a:latin typeface="ubuntu mono derivative powerline" panose="020B0509030602030204" pitchFamily="49" charset="0"/>
+              </a:rPr>
+              <a:t>cv2</a:t>
+            </a:r>
+            <a:r>
+              <a:rPr lang="en-US" altLang="ko-KR" sz="1200" b="0" dirty="0">
+                <a:solidFill>
+                  <a:srgbClr val="D4D4D4"/>
+                </a:solidFill>
+                <a:effectLst/>
+                <a:latin typeface="ubuntu mono derivative powerline" panose="020B0509030602030204" pitchFamily="49" charset="0"/>
+              </a:rPr>
+              <a:t>.</a:t>
+            </a:r>
+            <a:r>
+              <a:rPr lang="en-US" altLang="ko-KR" sz="1200" b="0" dirty="0">
+                <a:solidFill>
+                  <a:srgbClr val="DCDCAA"/>
+                </a:solidFill>
+                <a:effectLst/>
+                <a:latin typeface="ubuntu mono derivative powerline" panose="020B0509030602030204" pitchFamily="49" charset="0"/>
+              </a:rPr>
+              <a:t>waitKey</a:t>
+            </a:r>
+            <a:r>
+              <a:rPr lang="en-US" altLang="ko-KR" sz="1200" b="0" dirty="0">
+                <a:solidFill>
+                  <a:srgbClr val="D4D4D4"/>
+                </a:solidFill>
+                <a:effectLst/>
+                <a:latin typeface="ubuntu mono derivative powerline" panose="020B0509030602030204" pitchFamily="49" charset="0"/>
+              </a:rPr>
+              <a:t>(</a:t>
+            </a:r>
+            <a:r>
+              <a:rPr lang="en-US" altLang="ko-KR" sz="1200" b="0" dirty="0">
+                <a:solidFill>
+                  <a:srgbClr val="B5CEA8"/>
+                </a:solidFill>
+                <a:effectLst/>
+                <a:latin typeface="ubuntu mono derivative powerline" panose="020B0509030602030204" pitchFamily="49" charset="0"/>
+              </a:rPr>
+              <a:t>0</a:t>
+            </a:r>
+            <a:r>
+              <a:rPr lang="en-US" altLang="ko-KR" sz="1200" b="0" dirty="0">
+                <a:solidFill>
+                  <a:srgbClr val="D4D4D4"/>
+                </a:solidFill>
+                <a:effectLst/>
+                <a:latin typeface="ubuntu mono derivative powerline" panose="020B0509030602030204" pitchFamily="49" charset="0"/>
+              </a:rPr>
+              <a:t>)</a:t>
+            </a:r>
+          </a:p>
+        </p:txBody>
+      </p:sp>
+    </p:spTree>
+    <p:extLst>
+      <p:ext uri="{BB962C8B-B14F-4D97-AF65-F5344CB8AC3E}">
+        <p14:creationId xmlns:p14="http://schemas.microsoft.com/office/powerpoint/2010/main" val="3376496553"/>
+      </p:ext>
+    </p:extLst>
+  </p:cSld>
+  <p:clrMapOvr>
+    <a:masterClrMapping/>
+  </p:clrMapOvr>
+</p:sld>
+</file>
+
+<file path=ppt/slides/slide5.xml><?xml version="1.0" encoding="utf-8"?>
+<p:sld xmlns:a="http://schemas.openxmlformats.org/drawingml/2006/main" xmlns:r="http://schemas.openxmlformats.org/officeDocument/2006/relationships" xmlns:p="http://schemas.openxmlformats.org/presentationml/2006/main">
+  <p:cSld>
+    <p:spTree>
+      <p:nvGrpSpPr>
+        <p:cNvPr id="1" name=""/>
+        <p:cNvGrpSpPr/>
+        <p:nvPr/>
+      </p:nvGrpSpPr>
+      <p:grpSpPr>
+        <a:xfrm>
+          <a:off x="0" y="0"/>
+          <a:ext cx="0" cy="0"/>
+          <a:chOff x="0" y="0"/>
+          <a:chExt cx="0" cy="0"/>
+        </a:xfrm>
+      </p:grpSpPr>
+      <p:pic>
+        <p:nvPicPr>
+          <p:cNvPr id="6" name="그림 5">
+            <a:extLst>
+              <a:ext uri="{FF2B5EF4-FFF2-40B4-BE49-F238E27FC236}">
+                <a16:creationId xmlns:a16="http://schemas.microsoft.com/office/drawing/2014/main" id="{B09326E3-40B1-2165-59DF-1233DC617C8B}"/>
+              </a:ext>
+            </a:extLst>
+          </p:cNvPr>
+          <p:cNvPicPr>
+            <a:picLocks noChangeAspect="1"/>
+          </p:cNvPicPr>
+          <p:nvPr/>
+        </p:nvPicPr>
+        <p:blipFill>
+          <a:blip r:embed="rId2"/>
+          <a:stretch>
+            <a:fillRect/>
+          </a:stretch>
+        </p:blipFill>
+        <p:spPr>
+          <a:xfrm>
+            <a:off x="7452320" y="3297855"/>
+            <a:ext cx="1368152" cy="1230276"/>
+          </a:xfrm>
+          <a:prstGeom prst="rect">
+            <a:avLst/>
+          </a:prstGeom>
+        </p:spPr>
+      </p:pic>
+      <p:pic>
+        <p:nvPicPr>
+          <p:cNvPr id="9" name="그림 8">
+            <a:extLst>
+              <a:ext uri="{FF2B5EF4-FFF2-40B4-BE49-F238E27FC236}">
+                <a16:creationId xmlns:a16="http://schemas.microsoft.com/office/drawing/2014/main" id="{C3600C33-31C4-E856-BE2F-DE944E959E46}"/>
+              </a:ext>
+            </a:extLst>
+          </p:cNvPr>
+          <p:cNvPicPr>
+            <a:picLocks noChangeAspect="1"/>
+          </p:cNvPicPr>
+          <p:nvPr/>
+        </p:nvPicPr>
+        <p:blipFill>
+          <a:blip r:embed="rId3"/>
+          <a:stretch>
+            <a:fillRect/>
+          </a:stretch>
+        </p:blipFill>
+        <p:spPr>
+          <a:xfrm>
+            <a:off x="5004048" y="1417340"/>
+            <a:ext cx="2160240" cy="2260615"/>
+          </a:xfrm>
+          <a:prstGeom prst="rect">
+            <a:avLst/>
+          </a:prstGeom>
+        </p:spPr>
+      </p:pic>
+      <p:sp>
+        <p:nvSpPr>
+          <p:cNvPr id="2" name="제목 1"/>
+          <p:cNvSpPr>
+            <a:spLocks noGrp="1"/>
+          </p:cNvSpPr>
+          <p:nvPr>
+            <p:ph type="title"/>
+          </p:nvPr>
+        </p:nvSpPr>
+        <p:spPr/>
+        <p:txBody>
+          <a:bodyPr/>
+          <a:lstStyle/>
+          <a:p>
+            <a:r>
+              <a:rPr lang="en-US" altLang="ko-KR" dirty="0"/>
+              <a:t>6. </a:t>
+            </a:r>
+            <a:r>
+              <a:rPr lang="ko-KR" altLang="en-US" dirty="0"/>
+              <a:t>화소 처리</a:t>
             </a:r>
           </a:p>
         </p:txBody>
       </p:sp>
       <p:sp>
         <p:nvSpPr>
-          <p:cNvPr id="9" name="사각형: 둥근 모서리 8">
+          <p:cNvPr id="3" name="내용 개체 틀 2"/>
+          <p:cNvSpPr>
+            <a:spLocks noGrp="1"/>
+          </p:cNvSpPr>
+          <p:nvPr>
+            <p:ph idx="1"/>
+          </p:nvPr>
+        </p:nvSpPr>
+        <p:spPr/>
+        <p:txBody>
+          <a:bodyPr>
+            <a:normAutofit/>
+          </a:bodyPr>
+          <a:lstStyle/>
+          <a:p>
+            <a:r>
+              <a:rPr lang="en-US" altLang="ko-KR" dirty="0"/>
+              <a:t>6.3 </a:t>
+            </a:r>
+            <a:r>
+              <a:rPr lang="ko-KR" altLang="en-US" dirty="0"/>
+              <a:t>히스토그램</a:t>
+            </a:r>
+            <a:endParaRPr lang="en-US" altLang="ko-KR" dirty="0"/>
+          </a:p>
+          <a:p>
+            <a:pPr lvl="1"/>
+            <a:r>
+              <a:rPr lang="en-US" altLang="ko-KR" dirty="0"/>
+              <a:t>6.3.6 </a:t>
+            </a:r>
+            <a:r>
+              <a:rPr lang="ko-KR" altLang="en-US" dirty="0"/>
+              <a:t>히스토그램 스트레칭</a:t>
+            </a:r>
+            <a:endParaRPr lang="en-US" altLang="ko-KR" dirty="0"/>
+          </a:p>
+        </p:txBody>
+      </p:sp>
+      <p:sp>
+        <p:nvSpPr>
+          <p:cNvPr id="4" name="직사각형 3">
             <a:extLst>
               <a:ext uri="{FF2B5EF4-FFF2-40B4-BE49-F238E27FC236}">
-                <a16:creationId xmlns:a16="http://schemas.microsoft.com/office/drawing/2014/main" id="{B6CCA2C0-A03A-16ED-A269-67D166D67EA3}"/>
+                <a16:creationId xmlns:a16="http://schemas.microsoft.com/office/drawing/2014/main" id="{64FCAE03-D95D-374F-6DE9-F428C178B308}"/>
               </a:ext>
             </a:extLst>
           </p:cNvPr>
@@ -8177,50 +11985,1119 @@
         </p:nvSpPr>
         <p:spPr>
           <a:xfrm>
-            <a:off x="1835696" y="3145532"/>
-            <a:ext cx="1074365" cy="198369"/>
+            <a:off x="880685" y="1993404"/>
+            <a:ext cx="7219707" cy="2123658"/>
           </a:xfrm>
-          <a:prstGeom prst="roundRect">
+          <a:prstGeom prst="rect">
             <a:avLst/>
           </a:prstGeom>
-          <a:noFill/>
-          <a:ln>
+        </p:spPr>
+        <p:txBody>
+          <a:bodyPr wrap="square">
+            <a:spAutoFit/>
+          </a:bodyPr>
+          <a:lstStyle/>
+          <a:p>
+            <a:r>
+              <a:rPr lang="en-US" altLang="ko-KR" sz="1200" b="0" dirty="0">
+                <a:solidFill>
+                  <a:srgbClr val="C586C0"/>
+                </a:solidFill>
+                <a:effectLst/>
+                <a:latin typeface="ubuntu mono derivative powerline" panose="020B0509030602030204" pitchFamily="49" charset="0"/>
+              </a:rPr>
+              <a:t>import</a:t>
+            </a:r>
+            <a:r>
+              <a:rPr lang="en-US" altLang="ko-KR" sz="1200" b="0" dirty="0">
+                <a:solidFill>
+                  <a:srgbClr val="D4D4D4"/>
+                </a:solidFill>
+                <a:effectLst/>
+                <a:latin typeface="ubuntu mono derivative powerline" panose="020B0509030602030204" pitchFamily="49" charset="0"/>
+              </a:rPr>
+              <a:t> </a:t>
+            </a:r>
+            <a:r>
+              <a:rPr lang="en-US" altLang="ko-KR" sz="1200" b="0" dirty="0" err="1">
+                <a:solidFill>
+                  <a:srgbClr val="4EC9B0"/>
+                </a:solidFill>
+                <a:effectLst/>
+                <a:latin typeface="ubuntu mono derivative powerline" panose="020B0509030602030204" pitchFamily="49" charset="0"/>
+              </a:rPr>
+              <a:t>numpy</a:t>
+            </a:r>
+            <a:r>
+              <a:rPr lang="en-US" altLang="ko-KR" sz="1200" b="0" dirty="0">
+                <a:solidFill>
+                  <a:srgbClr val="D4D4D4"/>
+                </a:solidFill>
+                <a:effectLst/>
+                <a:latin typeface="ubuntu mono derivative powerline" panose="020B0509030602030204" pitchFamily="49" charset="0"/>
+              </a:rPr>
+              <a:t> </a:t>
+            </a:r>
+            <a:r>
+              <a:rPr lang="en-US" altLang="ko-KR" sz="1200" b="0" dirty="0">
+                <a:solidFill>
+                  <a:srgbClr val="C586C0"/>
+                </a:solidFill>
+                <a:effectLst/>
+                <a:latin typeface="ubuntu mono derivative powerline" panose="020B0509030602030204" pitchFamily="49" charset="0"/>
+              </a:rPr>
+              <a:t>as</a:t>
+            </a:r>
+            <a:r>
+              <a:rPr lang="en-US" altLang="ko-KR" sz="1200" b="0" dirty="0">
+                <a:solidFill>
+                  <a:srgbClr val="D4D4D4"/>
+                </a:solidFill>
+                <a:effectLst/>
+                <a:latin typeface="ubuntu mono derivative powerline" panose="020B0509030602030204" pitchFamily="49" charset="0"/>
+              </a:rPr>
+              <a:t> </a:t>
+            </a:r>
+            <a:r>
+              <a:rPr lang="en-US" altLang="ko-KR" sz="1200" b="0" dirty="0">
+                <a:solidFill>
+                  <a:srgbClr val="4EC9B0"/>
+                </a:solidFill>
+                <a:effectLst/>
+                <a:latin typeface="ubuntu mono derivative powerline" panose="020B0509030602030204" pitchFamily="49" charset="0"/>
+              </a:rPr>
+              <a:t>np</a:t>
+            </a:r>
+            <a:r>
+              <a:rPr lang="en-US" altLang="ko-KR" sz="1200" b="0" dirty="0">
+                <a:solidFill>
+                  <a:srgbClr val="D4D4D4"/>
+                </a:solidFill>
+                <a:effectLst/>
+                <a:latin typeface="ubuntu mono derivative powerline" panose="020B0509030602030204" pitchFamily="49" charset="0"/>
+              </a:rPr>
+              <a:t>, </a:t>
+            </a:r>
+            <a:r>
+              <a:rPr lang="en-US" altLang="ko-KR" sz="1200" b="0" dirty="0">
+                <a:solidFill>
+                  <a:srgbClr val="4EC9B0"/>
+                </a:solidFill>
+                <a:effectLst/>
+                <a:latin typeface="ubuntu mono derivative powerline" panose="020B0509030602030204" pitchFamily="49" charset="0"/>
+              </a:rPr>
+              <a:t>cv2</a:t>
+            </a:r>
+            <a:endParaRPr lang="en-US" altLang="ko-KR" sz="1200" b="0" dirty="0">
+              <a:solidFill>
+                <a:srgbClr val="D4D4D4"/>
+              </a:solidFill>
+              <a:effectLst/>
+              <a:latin typeface="ubuntu mono derivative powerline" panose="020B0509030602030204" pitchFamily="49" charset="0"/>
+            </a:endParaRPr>
+          </a:p>
+          <a:p>
+            <a:r>
+              <a:rPr lang="en-US" altLang="ko-KR" sz="1200" b="0" dirty="0">
+                <a:solidFill>
+                  <a:srgbClr val="C586C0"/>
+                </a:solidFill>
+                <a:effectLst/>
+                <a:latin typeface="ubuntu mono derivative powerline" panose="020B0509030602030204" pitchFamily="49" charset="0"/>
+              </a:rPr>
+              <a:t>import</a:t>
+            </a:r>
+            <a:r>
+              <a:rPr lang="en-US" altLang="ko-KR" sz="1200" b="0" dirty="0">
+                <a:solidFill>
+                  <a:srgbClr val="D4D4D4"/>
+                </a:solidFill>
+                <a:effectLst/>
+                <a:latin typeface="ubuntu mono derivative powerline" panose="020B0509030602030204" pitchFamily="49" charset="0"/>
+              </a:rPr>
+              <a:t> </a:t>
+            </a:r>
+            <a:r>
+              <a:rPr lang="en-US" altLang="ko-KR" sz="1200" b="0" dirty="0" err="1">
+                <a:solidFill>
+                  <a:srgbClr val="4EC9B0"/>
+                </a:solidFill>
+                <a:effectLst/>
+                <a:latin typeface="ubuntu mono derivative powerline" panose="020B0509030602030204" pitchFamily="49" charset="0"/>
+              </a:rPr>
+              <a:t>matplotlib</a:t>
+            </a:r>
+            <a:r>
+              <a:rPr lang="en-US" altLang="ko-KR" sz="1200" b="0" dirty="0" err="1">
+                <a:solidFill>
+                  <a:srgbClr val="D4D4D4"/>
+                </a:solidFill>
+                <a:effectLst/>
+                <a:latin typeface="ubuntu mono derivative powerline" panose="020B0509030602030204" pitchFamily="49" charset="0"/>
+              </a:rPr>
+              <a:t>.</a:t>
+            </a:r>
+            <a:r>
+              <a:rPr lang="en-US" altLang="ko-KR" sz="1200" b="0" dirty="0" err="1">
+                <a:solidFill>
+                  <a:srgbClr val="4EC9B0"/>
+                </a:solidFill>
+                <a:effectLst/>
+                <a:latin typeface="ubuntu mono derivative powerline" panose="020B0509030602030204" pitchFamily="49" charset="0"/>
+              </a:rPr>
+              <a:t>pyplot</a:t>
+            </a:r>
+            <a:r>
+              <a:rPr lang="en-US" altLang="ko-KR" sz="1200" b="0" dirty="0">
+                <a:solidFill>
+                  <a:srgbClr val="D4D4D4"/>
+                </a:solidFill>
+                <a:effectLst/>
+                <a:latin typeface="ubuntu mono derivative powerline" panose="020B0509030602030204" pitchFamily="49" charset="0"/>
+              </a:rPr>
+              <a:t> </a:t>
+            </a:r>
+            <a:r>
+              <a:rPr lang="en-US" altLang="ko-KR" sz="1200" b="0" dirty="0">
+                <a:solidFill>
+                  <a:srgbClr val="C586C0"/>
+                </a:solidFill>
+                <a:effectLst/>
+                <a:latin typeface="ubuntu mono derivative powerline" panose="020B0509030602030204" pitchFamily="49" charset="0"/>
+              </a:rPr>
+              <a:t>as</a:t>
+            </a:r>
+            <a:r>
+              <a:rPr lang="en-US" altLang="ko-KR" sz="1200" b="0" dirty="0">
+                <a:solidFill>
+                  <a:srgbClr val="D4D4D4"/>
+                </a:solidFill>
+                <a:effectLst/>
+                <a:latin typeface="ubuntu mono derivative powerline" panose="020B0509030602030204" pitchFamily="49" charset="0"/>
+              </a:rPr>
+              <a:t> </a:t>
+            </a:r>
+            <a:r>
+              <a:rPr lang="en-US" altLang="ko-KR" sz="1200" b="0" dirty="0" err="1">
+                <a:solidFill>
+                  <a:srgbClr val="4EC9B0"/>
+                </a:solidFill>
+                <a:effectLst/>
+                <a:latin typeface="ubuntu mono derivative powerline" panose="020B0509030602030204" pitchFamily="49" charset="0"/>
+              </a:rPr>
+              <a:t>plt</a:t>
+            </a:r>
+            <a:endParaRPr lang="en-US" altLang="ko-KR" sz="1200" b="0" dirty="0">
+              <a:solidFill>
+                <a:srgbClr val="4EC9B0"/>
+              </a:solidFill>
+              <a:effectLst/>
+              <a:latin typeface="ubuntu mono derivative powerline" panose="020B0509030602030204" pitchFamily="49" charset="0"/>
+            </a:endParaRPr>
+          </a:p>
+          <a:p>
+            <a:endParaRPr lang="en-US" altLang="ko-KR" sz="1200" b="0" dirty="0">
+              <a:solidFill>
+                <a:srgbClr val="569CD6"/>
+              </a:solidFill>
+              <a:effectLst/>
+              <a:latin typeface="ubuntu mono derivative powerline" panose="020B0509030602030204" pitchFamily="49" charset="0"/>
+            </a:endParaRPr>
+          </a:p>
+          <a:p>
+            <a:r>
+              <a:rPr lang="en-US" altLang="ko-KR" sz="1200" b="0" dirty="0">
+                <a:solidFill>
+                  <a:srgbClr val="569CD6"/>
+                </a:solidFill>
+                <a:effectLst/>
+                <a:latin typeface="ubuntu mono derivative powerline" panose="020B0509030602030204" pitchFamily="49" charset="0"/>
+              </a:rPr>
+              <a:t>def</a:t>
+            </a:r>
+            <a:r>
+              <a:rPr lang="en-US" altLang="ko-KR" sz="1200" b="0" dirty="0">
+                <a:solidFill>
+                  <a:srgbClr val="D4D4D4"/>
+                </a:solidFill>
+                <a:effectLst/>
+                <a:latin typeface="ubuntu mono derivative powerline" panose="020B0509030602030204" pitchFamily="49" charset="0"/>
+              </a:rPr>
+              <a:t> </a:t>
+            </a:r>
+            <a:r>
+              <a:rPr lang="en-US" altLang="ko-KR" sz="1200" b="0" dirty="0" err="1">
+                <a:solidFill>
+                  <a:srgbClr val="DCDCAA"/>
+                </a:solidFill>
+                <a:effectLst/>
+                <a:latin typeface="ubuntu mono derivative powerline" panose="020B0509030602030204" pitchFamily="49" charset="0"/>
+              </a:rPr>
+              <a:t>search_value_idx</a:t>
+            </a:r>
+            <a:r>
+              <a:rPr lang="en-US" altLang="ko-KR" sz="1200" b="0" dirty="0">
+                <a:solidFill>
+                  <a:srgbClr val="D4D4D4"/>
+                </a:solidFill>
+                <a:effectLst/>
+                <a:latin typeface="ubuntu mono derivative powerline" panose="020B0509030602030204" pitchFamily="49" charset="0"/>
+              </a:rPr>
+              <a:t>(</a:t>
+            </a:r>
+            <a:r>
+              <a:rPr lang="en-US" altLang="ko-KR" sz="1200" b="0" dirty="0">
+                <a:solidFill>
+                  <a:srgbClr val="9CDCFE"/>
+                </a:solidFill>
+                <a:effectLst/>
+                <a:latin typeface="ubuntu mono derivative powerline" panose="020B0509030602030204" pitchFamily="49" charset="0"/>
+              </a:rPr>
+              <a:t>hist</a:t>
+            </a:r>
+            <a:r>
+              <a:rPr lang="en-US" altLang="ko-KR" sz="1200" b="0" dirty="0">
+                <a:solidFill>
+                  <a:srgbClr val="D4D4D4"/>
+                </a:solidFill>
+                <a:effectLst/>
+                <a:latin typeface="ubuntu mono derivative powerline" panose="020B0509030602030204" pitchFamily="49" charset="0"/>
+              </a:rPr>
+              <a:t>, </a:t>
+            </a:r>
+            <a:r>
+              <a:rPr lang="en-US" altLang="ko-KR" sz="1200" b="0" dirty="0">
+                <a:solidFill>
+                  <a:srgbClr val="9CDCFE"/>
+                </a:solidFill>
+                <a:effectLst/>
+                <a:latin typeface="ubuntu mono derivative powerline" panose="020B0509030602030204" pitchFamily="49" charset="0"/>
+              </a:rPr>
+              <a:t>bias</a:t>
+            </a:r>
+            <a:r>
+              <a:rPr lang="en-US" altLang="ko-KR" sz="1200" b="0" dirty="0">
+                <a:solidFill>
+                  <a:srgbClr val="D4D4D4"/>
+                </a:solidFill>
+                <a:effectLst/>
+                <a:latin typeface="ubuntu mono derivative powerline" panose="020B0509030602030204" pitchFamily="49" charset="0"/>
+              </a:rPr>
+              <a:t>=</a:t>
+            </a:r>
+            <a:r>
+              <a:rPr lang="en-US" altLang="ko-KR" sz="1200" b="0" dirty="0">
+                <a:solidFill>
+                  <a:srgbClr val="B5CEA8"/>
+                </a:solidFill>
+                <a:effectLst/>
+                <a:latin typeface="ubuntu mono derivative powerline" panose="020B0509030602030204" pitchFamily="49" charset="0"/>
+              </a:rPr>
+              <a:t>0</a:t>
+            </a:r>
+            <a:r>
+              <a:rPr lang="en-US" altLang="ko-KR" sz="1200" b="0" dirty="0">
+                <a:solidFill>
+                  <a:srgbClr val="D4D4D4"/>
+                </a:solidFill>
+                <a:effectLst/>
+                <a:latin typeface="ubuntu mono derivative powerline" panose="020B0509030602030204" pitchFamily="49" charset="0"/>
+              </a:rPr>
+              <a:t>):</a:t>
+            </a:r>
+          </a:p>
+          <a:p>
+            <a:r>
+              <a:rPr lang="en-US" altLang="ko-KR" sz="1200" b="0" dirty="0">
+                <a:solidFill>
+                  <a:srgbClr val="D4D4D4"/>
+                </a:solidFill>
+                <a:effectLst/>
+                <a:latin typeface="ubuntu mono derivative powerline" panose="020B0509030602030204" pitchFamily="49" charset="0"/>
+              </a:rPr>
+              <a:t>    </a:t>
+            </a:r>
+            <a:r>
+              <a:rPr lang="en-US" altLang="ko-KR" sz="1200" b="0" dirty="0">
+                <a:solidFill>
+                  <a:srgbClr val="C586C0"/>
+                </a:solidFill>
+                <a:effectLst/>
+                <a:latin typeface="ubuntu mono derivative powerline" panose="020B0509030602030204" pitchFamily="49" charset="0"/>
+              </a:rPr>
+              <a:t>for</a:t>
+            </a:r>
+            <a:r>
+              <a:rPr lang="en-US" altLang="ko-KR" sz="1200" b="0" dirty="0">
+                <a:solidFill>
+                  <a:srgbClr val="D4D4D4"/>
+                </a:solidFill>
+                <a:effectLst/>
+                <a:latin typeface="ubuntu mono derivative powerline" panose="020B0509030602030204" pitchFamily="49" charset="0"/>
+              </a:rPr>
+              <a:t> </a:t>
+            </a:r>
+            <a:r>
+              <a:rPr lang="en-US" altLang="ko-KR" sz="1200" b="0" dirty="0" err="1">
+                <a:solidFill>
+                  <a:srgbClr val="9CDCFE"/>
+                </a:solidFill>
+                <a:effectLst/>
+                <a:latin typeface="ubuntu mono derivative powerline" panose="020B0509030602030204" pitchFamily="49" charset="0"/>
+              </a:rPr>
+              <a:t>i</a:t>
+            </a:r>
+            <a:r>
+              <a:rPr lang="en-US" altLang="ko-KR" sz="1200" b="0" dirty="0">
+                <a:solidFill>
+                  <a:srgbClr val="D4D4D4"/>
+                </a:solidFill>
+                <a:effectLst/>
+                <a:latin typeface="ubuntu mono derivative powerline" panose="020B0509030602030204" pitchFamily="49" charset="0"/>
+              </a:rPr>
+              <a:t> </a:t>
+            </a:r>
+            <a:r>
+              <a:rPr lang="en-US" altLang="ko-KR" sz="1200" b="0" dirty="0">
+                <a:solidFill>
+                  <a:srgbClr val="C586C0"/>
+                </a:solidFill>
+                <a:effectLst/>
+                <a:latin typeface="ubuntu mono derivative powerline" panose="020B0509030602030204" pitchFamily="49" charset="0"/>
+              </a:rPr>
+              <a:t>in</a:t>
+            </a:r>
+            <a:r>
+              <a:rPr lang="en-US" altLang="ko-KR" sz="1200" b="0" dirty="0">
+                <a:solidFill>
+                  <a:srgbClr val="D4D4D4"/>
+                </a:solidFill>
+                <a:effectLst/>
+                <a:latin typeface="ubuntu mono derivative powerline" panose="020B0509030602030204" pitchFamily="49" charset="0"/>
+              </a:rPr>
+              <a:t> </a:t>
+            </a:r>
+            <a:r>
+              <a:rPr lang="en-US" altLang="ko-KR" sz="1200" b="0" dirty="0">
+                <a:solidFill>
+                  <a:srgbClr val="4EC9B0"/>
+                </a:solidFill>
+                <a:effectLst/>
+                <a:latin typeface="ubuntu mono derivative powerline" panose="020B0509030602030204" pitchFamily="49" charset="0"/>
+              </a:rPr>
+              <a:t>range</a:t>
+            </a:r>
+            <a:r>
+              <a:rPr lang="en-US" altLang="ko-KR" sz="1200" b="0" dirty="0">
+                <a:solidFill>
+                  <a:srgbClr val="D4D4D4"/>
+                </a:solidFill>
+                <a:effectLst/>
+                <a:latin typeface="ubuntu mono derivative powerline" panose="020B0509030602030204" pitchFamily="49" charset="0"/>
+              </a:rPr>
+              <a:t>(</a:t>
+            </a:r>
+            <a:r>
+              <a:rPr lang="en-US" altLang="ko-KR" sz="1200" b="0" dirty="0" err="1">
+                <a:solidFill>
+                  <a:srgbClr val="9CDCFE"/>
+                </a:solidFill>
+                <a:effectLst/>
+                <a:latin typeface="ubuntu mono derivative powerline" panose="020B0509030602030204" pitchFamily="49" charset="0"/>
+              </a:rPr>
+              <a:t>hist</a:t>
+            </a:r>
+            <a:r>
+              <a:rPr lang="en-US" altLang="ko-KR" sz="1200" b="0" dirty="0" err="1">
+                <a:solidFill>
+                  <a:srgbClr val="D4D4D4"/>
+                </a:solidFill>
+                <a:effectLst/>
+                <a:latin typeface="ubuntu mono derivative powerline" panose="020B0509030602030204" pitchFamily="49" charset="0"/>
+              </a:rPr>
+              <a:t>.shape</a:t>
+            </a:r>
+            <a:r>
+              <a:rPr lang="en-US" altLang="ko-KR" sz="1200" b="0" dirty="0">
+                <a:solidFill>
+                  <a:srgbClr val="D4D4D4"/>
+                </a:solidFill>
+                <a:effectLst/>
+                <a:latin typeface="ubuntu mono derivative powerline" panose="020B0509030602030204" pitchFamily="49" charset="0"/>
+              </a:rPr>
+              <a:t>[</a:t>
+            </a:r>
+            <a:r>
+              <a:rPr lang="en-US" altLang="ko-KR" sz="1200" b="0" dirty="0">
+                <a:solidFill>
+                  <a:srgbClr val="B5CEA8"/>
+                </a:solidFill>
+                <a:effectLst/>
+                <a:latin typeface="ubuntu mono derivative powerline" panose="020B0509030602030204" pitchFamily="49" charset="0"/>
+              </a:rPr>
+              <a:t>0</a:t>
+            </a:r>
+            <a:r>
+              <a:rPr lang="en-US" altLang="ko-KR" sz="1200" b="0" dirty="0">
+                <a:solidFill>
+                  <a:srgbClr val="D4D4D4"/>
+                </a:solidFill>
+                <a:effectLst/>
+                <a:latin typeface="ubuntu mono derivative powerline" panose="020B0509030602030204" pitchFamily="49" charset="0"/>
+              </a:rPr>
+              <a:t>]):</a:t>
+            </a:r>
+          </a:p>
+          <a:p>
+            <a:r>
+              <a:rPr lang="en-US" altLang="ko-KR" sz="1200" b="0" dirty="0">
+                <a:solidFill>
+                  <a:srgbClr val="D4D4D4"/>
+                </a:solidFill>
+                <a:effectLst/>
+                <a:latin typeface="ubuntu mono derivative powerline" panose="020B0509030602030204" pitchFamily="49" charset="0"/>
+              </a:rPr>
+              <a:t>        </a:t>
+            </a:r>
+            <a:r>
+              <a:rPr lang="en-US" altLang="ko-KR" sz="1200" b="0" dirty="0" err="1">
+                <a:solidFill>
+                  <a:srgbClr val="9CDCFE"/>
+                </a:solidFill>
+                <a:effectLst/>
+                <a:latin typeface="ubuntu mono derivative powerline" panose="020B0509030602030204" pitchFamily="49" charset="0"/>
+              </a:rPr>
+              <a:t>idx</a:t>
+            </a:r>
+            <a:r>
+              <a:rPr lang="en-US" altLang="ko-KR" sz="1200" b="0" dirty="0">
+                <a:solidFill>
+                  <a:srgbClr val="D4D4D4"/>
+                </a:solidFill>
+                <a:effectLst/>
+                <a:latin typeface="ubuntu mono derivative powerline" panose="020B0509030602030204" pitchFamily="49" charset="0"/>
+              </a:rPr>
+              <a:t> = </a:t>
+            </a:r>
+            <a:r>
+              <a:rPr lang="en-US" altLang="ko-KR" sz="1200" b="0" dirty="0" err="1">
+                <a:solidFill>
+                  <a:srgbClr val="4EC9B0"/>
+                </a:solidFill>
+                <a:effectLst/>
+                <a:latin typeface="ubuntu mono derivative powerline" panose="020B0509030602030204" pitchFamily="49" charset="0"/>
+              </a:rPr>
+              <a:t>np</a:t>
+            </a:r>
+            <a:r>
+              <a:rPr lang="en-US" altLang="ko-KR" sz="1200" b="0" dirty="0" err="1">
+                <a:solidFill>
+                  <a:srgbClr val="D4D4D4"/>
+                </a:solidFill>
+                <a:effectLst/>
+                <a:latin typeface="ubuntu mono derivative powerline" panose="020B0509030602030204" pitchFamily="49" charset="0"/>
+              </a:rPr>
+              <a:t>.</a:t>
+            </a:r>
+            <a:r>
+              <a:rPr lang="en-US" altLang="ko-KR" sz="1200" b="0" dirty="0" err="1">
+                <a:solidFill>
+                  <a:srgbClr val="9CDCFE"/>
+                </a:solidFill>
+                <a:effectLst/>
+                <a:latin typeface="ubuntu mono derivative powerline" panose="020B0509030602030204" pitchFamily="49" charset="0"/>
+              </a:rPr>
+              <a:t>abs</a:t>
+            </a:r>
+            <a:r>
+              <a:rPr lang="en-US" altLang="ko-KR" sz="1200" b="0" dirty="0">
+                <a:solidFill>
+                  <a:srgbClr val="D4D4D4"/>
+                </a:solidFill>
+                <a:effectLst/>
+                <a:latin typeface="ubuntu mono derivative powerline" panose="020B0509030602030204" pitchFamily="49" charset="0"/>
+              </a:rPr>
+              <a:t>(</a:t>
+            </a:r>
+            <a:r>
+              <a:rPr lang="en-US" altLang="ko-KR" sz="1200" b="0" dirty="0">
+                <a:solidFill>
+                  <a:srgbClr val="9CDCFE"/>
+                </a:solidFill>
+                <a:effectLst/>
+                <a:latin typeface="ubuntu mono derivative powerline" panose="020B0509030602030204" pitchFamily="49" charset="0"/>
+              </a:rPr>
+              <a:t>bias</a:t>
+            </a:r>
+            <a:r>
+              <a:rPr lang="en-US" altLang="ko-KR" sz="1200" b="0" dirty="0">
+                <a:solidFill>
+                  <a:srgbClr val="D4D4D4"/>
+                </a:solidFill>
+                <a:effectLst/>
+                <a:latin typeface="ubuntu mono derivative powerline" panose="020B0509030602030204" pitchFamily="49" charset="0"/>
+              </a:rPr>
+              <a:t> - </a:t>
+            </a:r>
+            <a:r>
+              <a:rPr lang="en-US" altLang="ko-KR" sz="1200" b="0" dirty="0" err="1">
+                <a:solidFill>
+                  <a:srgbClr val="9CDCFE"/>
+                </a:solidFill>
+                <a:effectLst/>
+                <a:latin typeface="ubuntu mono derivative powerline" panose="020B0509030602030204" pitchFamily="49" charset="0"/>
+              </a:rPr>
+              <a:t>i</a:t>
+            </a:r>
+            <a:r>
+              <a:rPr lang="en-US" altLang="ko-KR" sz="1200" b="0" dirty="0">
+                <a:solidFill>
+                  <a:srgbClr val="D4D4D4"/>
+                </a:solidFill>
+                <a:effectLst/>
+                <a:latin typeface="ubuntu mono derivative powerline" panose="020B0509030602030204" pitchFamily="49" charset="0"/>
+              </a:rPr>
+              <a:t>)</a:t>
+            </a:r>
+          </a:p>
+          <a:p>
+            <a:r>
+              <a:rPr lang="en-US" altLang="ko-KR" sz="1200" b="0" dirty="0">
+                <a:solidFill>
+                  <a:srgbClr val="D4D4D4"/>
+                </a:solidFill>
+                <a:effectLst/>
+                <a:latin typeface="ubuntu mono derivative powerline" panose="020B0509030602030204" pitchFamily="49" charset="0"/>
+              </a:rPr>
+              <a:t>        </a:t>
+            </a:r>
+            <a:r>
+              <a:rPr lang="en-US" altLang="ko-KR" sz="1200" b="0" dirty="0">
+                <a:solidFill>
+                  <a:srgbClr val="C586C0"/>
+                </a:solidFill>
+                <a:effectLst/>
+                <a:latin typeface="ubuntu mono derivative powerline" panose="020B0509030602030204" pitchFamily="49" charset="0"/>
+              </a:rPr>
+              <a:t>if</a:t>
+            </a:r>
+            <a:r>
+              <a:rPr lang="en-US" altLang="ko-KR" sz="1200" b="0" dirty="0">
+                <a:solidFill>
+                  <a:srgbClr val="D4D4D4"/>
+                </a:solidFill>
+                <a:effectLst/>
+                <a:latin typeface="ubuntu mono derivative powerline" panose="020B0509030602030204" pitchFamily="49" charset="0"/>
+              </a:rPr>
+              <a:t> </a:t>
+            </a:r>
+            <a:r>
+              <a:rPr lang="en-US" altLang="ko-KR" sz="1200" b="0" dirty="0">
+                <a:solidFill>
+                  <a:srgbClr val="9CDCFE"/>
+                </a:solidFill>
+                <a:effectLst/>
+                <a:latin typeface="ubuntu mono derivative powerline" panose="020B0509030602030204" pitchFamily="49" charset="0"/>
+              </a:rPr>
+              <a:t>hist</a:t>
+            </a:r>
+            <a:r>
+              <a:rPr lang="en-US" altLang="ko-KR" sz="1200" b="0" dirty="0">
+                <a:solidFill>
+                  <a:srgbClr val="D4D4D4"/>
+                </a:solidFill>
+                <a:effectLst/>
+                <a:latin typeface="ubuntu mono derivative powerline" panose="020B0509030602030204" pitchFamily="49" charset="0"/>
+              </a:rPr>
+              <a:t>[</a:t>
+            </a:r>
+            <a:r>
+              <a:rPr lang="en-US" altLang="ko-KR" sz="1200" b="0" dirty="0" err="1">
+                <a:solidFill>
+                  <a:srgbClr val="9CDCFE"/>
+                </a:solidFill>
+                <a:effectLst/>
+                <a:latin typeface="ubuntu mono derivative powerline" panose="020B0509030602030204" pitchFamily="49" charset="0"/>
+              </a:rPr>
+              <a:t>idx</a:t>
+            </a:r>
+            <a:r>
+              <a:rPr lang="en-US" altLang="ko-KR" sz="1200" b="0" dirty="0">
+                <a:solidFill>
+                  <a:srgbClr val="D4D4D4"/>
+                </a:solidFill>
+                <a:effectLst/>
+                <a:latin typeface="ubuntu mono derivative powerline" panose="020B0509030602030204" pitchFamily="49" charset="0"/>
+              </a:rPr>
+              <a:t>] &gt; </a:t>
+            </a:r>
+            <a:r>
+              <a:rPr lang="en-US" altLang="ko-KR" sz="1200" b="0" dirty="0">
+                <a:solidFill>
+                  <a:srgbClr val="B5CEA8"/>
+                </a:solidFill>
+                <a:effectLst/>
+                <a:latin typeface="ubuntu mono derivative powerline" panose="020B0509030602030204" pitchFamily="49" charset="0"/>
+              </a:rPr>
+              <a:t>0</a:t>
+            </a:r>
+            <a:r>
+              <a:rPr lang="en-US" altLang="ko-KR" sz="1200" b="0" dirty="0">
+                <a:solidFill>
+                  <a:srgbClr val="D4D4D4"/>
+                </a:solidFill>
+                <a:effectLst/>
+                <a:latin typeface="ubuntu mono derivative powerline" panose="020B0509030602030204" pitchFamily="49" charset="0"/>
+              </a:rPr>
+              <a:t>:</a:t>
+            </a:r>
+          </a:p>
+          <a:p>
+            <a:r>
+              <a:rPr lang="en-US" altLang="ko-KR" sz="1200" b="0" dirty="0">
+                <a:solidFill>
+                  <a:srgbClr val="D4D4D4"/>
+                </a:solidFill>
+                <a:effectLst/>
+                <a:latin typeface="ubuntu mono derivative powerline" panose="020B0509030602030204" pitchFamily="49" charset="0"/>
+              </a:rPr>
+              <a:t>            </a:t>
+            </a:r>
+            <a:r>
+              <a:rPr lang="en-US" altLang="ko-KR" sz="1200" b="0" dirty="0">
+                <a:solidFill>
+                  <a:srgbClr val="C586C0"/>
+                </a:solidFill>
+                <a:effectLst/>
+                <a:latin typeface="ubuntu mono derivative powerline" panose="020B0509030602030204" pitchFamily="49" charset="0"/>
+              </a:rPr>
+              <a:t>return</a:t>
+            </a:r>
+            <a:r>
+              <a:rPr lang="en-US" altLang="ko-KR" sz="1200" b="0" dirty="0">
+                <a:solidFill>
+                  <a:srgbClr val="D4D4D4"/>
+                </a:solidFill>
+                <a:effectLst/>
+                <a:latin typeface="ubuntu mono derivative powerline" panose="020B0509030602030204" pitchFamily="49" charset="0"/>
+              </a:rPr>
+              <a:t> </a:t>
+            </a:r>
+            <a:r>
+              <a:rPr lang="en-US" altLang="ko-KR" sz="1200" b="0" dirty="0" err="1">
+                <a:solidFill>
+                  <a:srgbClr val="9CDCFE"/>
+                </a:solidFill>
+                <a:effectLst/>
+                <a:latin typeface="ubuntu mono derivative powerline" panose="020B0509030602030204" pitchFamily="49" charset="0"/>
+              </a:rPr>
+              <a:t>idx</a:t>
+            </a:r>
+            <a:endParaRPr lang="en-US" altLang="ko-KR" sz="1200" b="0" dirty="0">
+              <a:solidFill>
+                <a:srgbClr val="D4D4D4"/>
+              </a:solidFill>
+              <a:effectLst/>
+              <a:latin typeface="ubuntu mono derivative powerline" panose="020B0509030602030204" pitchFamily="49" charset="0"/>
+            </a:endParaRPr>
+          </a:p>
+          <a:p>
+            <a:endParaRPr lang="en-US" altLang="ko-KR" sz="1200" dirty="0">
+              <a:solidFill>
+                <a:srgbClr val="6A9955"/>
+              </a:solidFill>
+              <a:latin typeface="ubuntu mono derivative powerline" panose="020B0509030602030204" pitchFamily="49" charset="0"/>
+            </a:endParaRPr>
+          </a:p>
+          <a:p>
+            <a:r>
+              <a:rPr lang="en-US" altLang="ko-KR" sz="1200" b="0" dirty="0">
+                <a:solidFill>
+                  <a:srgbClr val="9CDCFE"/>
+                </a:solidFill>
+                <a:effectLst/>
+                <a:latin typeface="ubuntu mono derivative powerline" panose="020B0509030602030204" pitchFamily="49" charset="0"/>
+              </a:rPr>
+              <a:t>image</a:t>
+            </a:r>
+            <a:r>
+              <a:rPr lang="en-US" altLang="ko-KR" sz="1200" b="0" dirty="0">
+                <a:solidFill>
+                  <a:srgbClr val="D4D4D4"/>
+                </a:solidFill>
+                <a:effectLst/>
+                <a:latin typeface="ubuntu mono derivative powerline" panose="020B0509030602030204" pitchFamily="49" charset="0"/>
+              </a:rPr>
+              <a:t> = </a:t>
+            </a:r>
+            <a:r>
+              <a:rPr lang="en-US" altLang="ko-KR" sz="1200" b="0" dirty="0">
+                <a:solidFill>
+                  <a:srgbClr val="4EC9B0"/>
+                </a:solidFill>
+                <a:effectLst/>
+                <a:latin typeface="ubuntu mono derivative powerline" panose="020B0509030602030204" pitchFamily="49" charset="0"/>
+              </a:rPr>
+              <a:t>cv2</a:t>
+            </a:r>
+            <a:r>
+              <a:rPr lang="en-US" altLang="ko-KR" sz="1200" b="0" dirty="0">
+                <a:solidFill>
+                  <a:srgbClr val="D4D4D4"/>
+                </a:solidFill>
+                <a:effectLst/>
+                <a:latin typeface="ubuntu mono derivative powerline" panose="020B0509030602030204" pitchFamily="49" charset="0"/>
+              </a:rPr>
+              <a:t>.</a:t>
+            </a:r>
+            <a:r>
+              <a:rPr lang="en-US" altLang="ko-KR" sz="1200" b="0" dirty="0">
+                <a:solidFill>
+                  <a:srgbClr val="DCDCAA"/>
+                </a:solidFill>
+                <a:effectLst/>
+                <a:latin typeface="ubuntu mono derivative powerline" panose="020B0509030602030204" pitchFamily="49" charset="0"/>
+              </a:rPr>
+              <a:t>imread</a:t>
+            </a:r>
+            <a:r>
+              <a:rPr lang="en-US" altLang="ko-KR" sz="1200" b="0" dirty="0">
+                <a:solidFill>
+                  <a:srgbClr val="D4D4D4"/>
+                </a:solidFill>
+                <a:effectLst/>
+                <a:latin typeface="ubuntu mono derivative powerline" panose="020B0509030602030204" pitchFamily="49" charset="0"/>
+              </a:rPr>
+              <a:t>(</a:t>
+            </a:r>
+            <a:r>
+              <a:rPr lang="en-US" altLang="ko-KR" sz="1200" b="0" dirty="0">
+                <a:solidFill>
+                  <a:srgbClr val="CE9178"/>
+                </a:solidFill>
+                <a:effectLst/>
+                <a:latin typeface="ubuntu mono derivative powerline" panose="020B0509030602030204" pitchFamily="49" charset="0"/>
+              </a:rPr>
+              <a:t>"</a:t>
+            </a:r>
+            <a:r>
+              <a:rPr lang="ko-KR" altLang="en-US" sz="1200" b="0" dirty="0">
+                <a:solidFill>
+                  <a:srgbClr val="CE9178"/>
+                </a:solidFill>
+                <a:effectLst/>
+                <a:latin typeface="ubuntu mono derivative powerline" panose="020B0509030602030204" pitchFamily="49" charset="0"/>
+              </a:rPr>
+              <a:t>이미지 경로</a:t>
+            </a:r>
+            <a:r>
+              <a:rPr lang="en-US" altLang="ko-KR" sz="1200" b="0" dirty="0">
+                <a:solidFill>
+                  <a:srgbClr val="CE9178"/>
+                </a:solidFill>
+                <a:effectLst/>
+                <a:latin typeface="ubuntu mono derivative powerline" panose="020B0509030602030204" pitchFamily="49" charset="0"/>
+              </a:rPr>
+              <a:t>"</a:t>
+            </a:r>
+            <a:r>
+              <a:rPr lang="en-US" altLang="ko-KR" sz="1200" b="0" dirty="0">
+                <a:solidFill>
+                  <a:srgbClr val="D4D4D4"/>
+                </a:solidFill>
+                <a:effectLst/>
+                <a:latin typeface="ubuntu mono derivative powerline" panose="020B0509030602030204" pitchFamily="49" charset="0"/>
+              </a:rPr>
+              <a:t>, </a:t>
+            </a:r>
+            <a:r>
+              <a:rPr lang="en-US" altLang="ko-KR" sz="1200" b="0" dirty="0">
+                <a:solidFill>
+                  <a:srgbClr val="4EC9B0"/>
+                </a:solidFill>
+                <a:effectLst/>
+                <a:latin typeface="ubuntu mono derivative powerline" panose="020B0509030602030204" pitchFamily="49" charset="0"/>
+              </a:rPr>
+              <a:t>cv2</a:t>
+            </a:r>
+            <a:r>
+              <a:rPr lang="en-US" altLang="ko-KR" sz="1200" b="0" dirty="0">
+                <a:solidFill>
+                  <a:srgbClr val="D4D4D4"/>
+                </a:solidFill>
+                <a:effectLst/>
+                <a:latin typeface="ubuntu mono derivative powerline" panose="020B0509030602030204" pitchFamily="49" charset="0"/>
+              </a:rPr>
+              <a:t>.</a:t>
+            </a:r>
+            <a:r>
+              <a:rPr lang="en-US" altLang="ko-KR" sz="1200" b="0" dirty="0">
+                <a:solidFill>
+                  <a:srgbClr val="9CDCFE"/>
+                </a:solidFill>
+                <a:effectLst/>
+                <a:latin typeface="ubuntu mono derivative powerline" panose="020B0509030602030204" pitchFamily="49" charset="0"/>
+              </a:rPr>
+              <a:t>IMREAD_COLOR</a:t>
+            </a:r>
+            <a:r>
+              <a:rPr lang="en-US" altLang="ko-KR" sz="1200" b="0" dirty="0">
+                <a:solidFill>
+                  <a:srgbClr val="D4D4D4"/>
+                </a:solidFill>
+                <a:effectLst/>
+                <a:latin typeface="ubuntu mono derivative powerline" panose="020B0509030602030204" pitchFamily="49" charset="0"/>
+              </a:rPr>
+              <a:t>)</a:t>
+            </a:r>
+          </a:p>
+          <a:p>
+            <a:r>
+              <a:rPr lang="en-US" altLang="ko-KR" sz="1200" b="0" dirty="0">
+                <a:solidFill>
+                  <a:srgbClr val="6A9955"/>
+                </a:solidFill>
+                <a:effectLst/>
+                <a:latin typeface="ubuntu mono derivative powerline" panose="020B0509030602030204" pitchFamily="49" charset="0"/>
+              </a:rPr>
+              <a:t>...</a:t>
+            </a:r>
+            <a:endParaRPr lang="ko-KR" altLang="en-US" sz="1200" b="0" dirty="0">
+              <a:solidFill>
+                <a:srgbClr val="D4D4D4"/>
+              </a:solidFill>
+              <a:effectLst/>
+              <a:latin typeface="ubuntu mono derivative powerline" panose="020B0509030602030204" pitchFamily="49" charset="0"/>
+            </a:endParaRPr>
+          </a:p>
+        </p:txBody>
+      </p:sp>
+      <p:pic>
+        <p:nvPicPr>
+          <p:cNvPr id="10" name="그림 9">
+            <a:extLst>
+              <a:ext uri="{FF2B5EF4-FFF2-40B4-BE49-F238E27FC236}">
+                <a16:creationId xmlns:a16="http://schemas.microsoft.com/office/drawing/2014/main" id="{69D83ADC-7109-B87C-FFD6-72474B46EBF4}"/>
+              </a:ext>
+            </a:extLst>
+          </p:cNvPr>
+          <p:cNvPicPr>
+            <a:picLocks noChangeAspect="1"/>
+          </p:cNvPicPr>
+          <p:nvPr/>
+        </p:nvPicPr>
+        <p:blipFill>
+          <a:blip r:embed="rId4"/>
+          <a:stretch>
+            <a:fillRect/>
+          </a:stretch>
+        </p:blipFill>
+        <p:spPr>
+          <a:xfrm>
+            <a:off x="7452320" y="1203994"/>
+            <a:ext cx="1368152" cy="1230276"/>
+          </a:xfrm>
+          <a:prstGeom prst="rect">
+            <a:avLst/>
+          </a:prstGeom>
+        </p:spPr>
+      </p:pic>
+      <p:cxnSp>
+        <p:nvCxnSpPr>
+          <p:cNvPr id="13" name="직선 연결선 12">
+            <a:extLst>
+              <a:ext uri="{FF2B5EF4-FFF2-40B4-BE49-F238E27FC236}">
+                <a16:creationId xmlns:a16="http://schemas.microsoft.com/office/drawing/2014/main" id="{EFD97087-9AF4-1787-0907-82EDA0F3E2E3}"/>
+              </a:ext>
+            </a:extLst>
+          </p:cNvPr>
+          <p:cNvCxnSpPr>
+            <a:cxnSpLocks/>
+          </p:cNvCxnSpPr>
+          <p:nvPr/>
+        </p:nvCxnSpPr>
+        <p:spPr>
+          <a:xfrm>
+            <a:off x="7452320" y="2434270"/>
+            <a:ext cx="0" cy="863585"/>
+          </a:xfrm>
+          <a:prstGeom prst="line">
+            <a:avLst/>
+          </a:prstGeom>
+          <a:ln w="12700">
             <a:solidFill>
-              <a:schemeClr val="accent2"/>
+              <a:srgbClr val="FF0000"/>
             </a:solidFill>
           </a:ln>
         </p:spPr>
         <p:style>
-          <a:lnRef idx="2">
-            <a:schemeClr val="accent1">
-              <a:shade val="50000"/>
-            </a:schemeClr>
+          <a:lnRef idx="1">
+            <a:schemeClr val="accent1"/>
           </a:lnRef>
-          <a:fillRef idx="1">
+          <a:fillRef idx="0">
             <a:schemeClr val="accent1"/>
           </a:fillRef>
           <a:effectRef idx="0">
             <a:schemeClr val="accent1"/>
           </a:effectRef>
           <a:fontRef idx="minor">
-            <a:schemeClr val="lt1"/>
+            <a:schemeClr val="tx1"/>
           </a:fontRef>
         </p:style>
+      </p:cxnSp>
+      <p:cxnSp>
+        <p:nvCxnSpPr>
+          <p:cNvPr id="15" name="직선 연결선 14">
+            <a:extLst>
+              <a:ext uri="{FF2B5EF4-FFF2-40B4-BE49-F238E27FC236}">
+                <a16:creationId xmlns:a16="http://schemas.microsoft.com/office/drawing/2014/main" id="{2FFB3D60-E60B-4E9D-172B-B5104E7F241D}"/>
+              </a:ext>
+            </a:extLst>
+          </p:cNvPr>
+          <p:cNvCxnSpPr>
+            <a:cxnSpLocks/>
+          </p:cNvCxnSpPr>
+          <p:nvPr/>
+        </p:nvCxnSpPr>
+        <p:spPr>
+          <a:xfrm>
+            <a:off x="7884368" y="2434270"/>
+            <a:ext cx="936104" cy="863585"/>
+          </a:xfrm>
+          <a:prstGeom prst="line">
+            <a:avLst/>
+          </a:prstGeom>
+          <a:ln w="12700">
+            <a:solidFill>
+              <a:srgbClr val="FF0000"/>
+            </a:solidFill>
+          </a:ln>
+        </p:spPr>
+        <p:style>
+          <a:lnRef idx="1">
+            <a:schemeClr val="accent1"/>
+          </a:lnRef>
+          <a:fillRef idx="0">
+            <a:schemeClr val="accent1"/>
+          </a:fillRef>
+          <a:effectRef idx="0">
+            <a:schemeClr val="accent1"/>
+          </a:effectRef>
+          <a:fontRef idx="minor">
+            <a:schemeClr val="tx1"/>
+          </a:fontRef>
+        </p:style>
+      </p:cxnSp>
+    </p:spTree>
+    <p:extLst>
+      <p:ext uri="{BB962C8B-B14F-4D97-AF65-F5344CB8AC3E}">
+        <p14:creationId xmlns:p14="http://schemas.microsoft.com/office/powerpoint/2010/main" val="1765668779"/>
+      </p:ext>
+    </p:extLst>
+  </p:cSld>
+  <p:clrMapOvr>
+    <a:masterClrMapping/>
+  </p:clrMapOvr>
+</p:sld>
+</file>
+
+<file path=ppt/slides/slide6.xml><?xml version="1.0" encoding="utf-8"?>
+<p:sld xmlns:a="http://schemas.openxmlformats.org/drawingml/2006/main" xmlns:r="http://schemas.openxmlformats.org/officeDocument/2006/relationships" xmlns:p="http://schemas.openxmlformats.org/presentationml/2006/main">
+  <p:cSld>
+    <p:spTree>
+      <p:nvGrpSpPr>
+        <p:cNvPr id="1" name=""/>
+        <p:cNvGrpSpPr/>
+        <p:nvPr/>
+      </p:nvGrpSpPr>
+      <p:grpSpPr>
+        <a:xfrm>
+          <a:off x="0" y="0"/>
+          <a:ext cx="0" cy="0"/>
+          <a:chOff x="0" y="0"/>
+          <a:chExt cx="0" cy="0"/>
+        </a:xfrm>
+      </p:grpSpPr>
+      <p:sp>
+        <p:nvSpPr>
+          <p:cNvPr id="3" name="내용 개체 틀 2"/>
+          <p:cNvSpPr>
+            <a:spLocks noGrp="1"/>
+          </p:cNvSpPr>
+          <p:nvPr>
+            <p:ph idx="1"/>
+          </p:nvPr>
+        </p:nvSpPr>
+        <p:spPr/>
         <p:txBody>
-          <a:bodyPr rtlCol="0" anchor="ctr"/>
+          <a:bodyPr>
+            <a:normAutofit/>
+          </a:bodyPr>
           <a:lstStyle/>
           <a:p>
-            <a:pPr algn="ctr"/>
-            <a:endParaRPr lang="ko-KR" altLang="en-US"/>
+            <a:r>
+              <a:rPr lang="en-US" altLang="ko-KR" dirty="0"/>
+              <a:t>6.3 </a:t>
+            </a:r>
+            <a:r>
+              <a:rPr lang="ko-KR" altLang="en-US" dirty="0"/>
+              <a:t>히스토그램</a:t>
+            </a:r>
+            <a:endParaRPr lang="en-US" altLang="ko-KR" dirty="0"/>
+          </a:p>
+          <a:p>
+            <a:pPr lvl="1"/>
+            <a:r>
+              <a:rPr lang="en-US" altLang="ko-KR" dirty="0"/>
+              <a:t>6.3.6 </a:t>
+            </a:r>
+            <a:r>
+              <a:rPr lang="ko-KR" altLang="en-US" dirty="0"/>
+              <a:t>히스토그램 </a:t>
+            </a:r>
+            <a:r>
+              <a:rPr lang="ko-KR" altLang="en-US" dirty="0" err="1"/>
+              <a:t>평활화</a:t>
+            </a:r>
+            <a:r>
+              <a:rPr lang="en-US" altLang="ko-KR" dirty="0"/>
+              <a:t>(Equalize)</a:t>
+            </a:r>
           </a:p>
         </p:txBody>
       </p:sp>
       <p:sp>
         <p:nvSpPr>
-          <p:cNvPr id="12" name="사각형: 둥근 모서리 11">
+          <p:cNvPr id="2" name="제목 1"/>
+          <p:cNvSpPr>
+            <a:spLocks noGrp="1"/>
+          </p:cNvSpPr>
+          <p:nvPr>
+            <p:ph type="title"/>
+          </p:nvPr>
+        </p:nvSpPr>
+        <p:spPr/>
+        <p:txBody>
+          <a:bodyPr/>
+          <a:lstStyle/>
+          <a:p>
+            <a:r>
+              <a:rPr lang="en-US" altLang="ko-KR" dirty="0"/>
+              <a:t>6. </a:t>
+            </a:r>
+            <a:r>
+              <a:rPr lang="ko-KR" altLang="en-US" dirty="0"/>
+              <a:t>화소 처리</a:t>
+            </a:r>
+          </a:p>
+        </p:txBody>
+      </p:sp>
+      <p:sp>
+        <p:nvSpPr>
+          <p:cNvPr id="4" name="직사각형 3">
             <a:extLst>
               <a:ext uri="{FF2B5EF4-FFF2-40B4-BE49-F238E27FC236}">
-                <a16:creationId xmlns:a16="http://schemas.microsoft.com/office/drawing/2014/main" id="{2BF5C32D-346A-783D-C7DB-C02123124819}"/>
+                <a16:creationId xmlns:a16="http://schemas.microsoft.com/office/drawing/2014/main" id="{64FCAE03-D95D-374F-6DE9-F428C178B308}"/>
               </a:ext>
             </a:extLst>
           </p:cNvPr>
@@ -8229,50 +13106,976 @@
         </p:nvSpPr>
         <p:spPr>
           <a:xfrm>
-            <a:off x="6618721" y="3134615"/>
-            <a:ext cx="1464041" cy="209286"/>
+            <a:off x="880685" y="1993404"/>
+            <a:ext cx="7219707" cy="2123658"/>
           </a:xfrm>
-          <a:prstGeom prst="roundRect">
+          <a:prstGeom prst="rect">
             <a:avLst/>
           </a:prstGeom>
-          <a:noFill/>
-          <a:ln>
-            <a:solidFill>
-              <a:schemeClr val="accent2"/>
-            </a:solidFill>
-          </a:ln>
         </p:spPr>
-        <p:style>
-          <a:lnRef idx="2">
-            <a:schemeClr val="accent1">
-              <a:shade val="50000"/>
-            </a:schemeClr>
-          </a:lnRef>
-          <a:fillRef idx="1">
-            <a:schemeClr val="accent1"/>
-          </a:fillRef>
-          <a:effectRef idx="0">
-            <a:schemeClr val="accent1"/>
-          </a:effectRef>
-          <a:fontRef idx="minor">
-            <a:schemeClr val="lt1"/>
-          </a:fontRef>
-        </p:style>
         <p:txBody>
-          <a:bodyPr rtlCol="0" anchor="ctr"/>
+          <a:bodyPr wrap="square">
+            <a:spAutoFit/>
+          </a:bodyPr>
           <a:lstStyle/>
           <a:p>
-            <a:pPr algn="ctr"/>
-            <a:endParaRPr lang="ko-KR" altLang="en-US"/>
+            <a:r>
+              <a:rPr lang="en-US" altLang="ko-KR" sz="1200" b="0" dirty="0">
+                <a:solidFill>
+                  <a:srgbClr val="4EC9B0"/>
+                </a:solidFill>
+                <a:effectLst/>
+                <a:latin typeface="ubuntu mono derivative powerline" panose="020B0509030602030204" pitchFamily="49" charset="0"/>
+              </a:rPr>
+              <a:t>...</a:t>
+            </a:r>
+          </a:p>
+          <a:p>
+            <a:r>
+              <a:rPr lang="en-US" altLang="ko-KR" sz="1200" b="0" dirty="0">
+                <a:solidFill>
+                  <a:srgbClr val="4EC9B0"/>
+                </a:solidFill>
+                <a:effectLst/>
+                <a:latin typeface="ubuntu mono derivative powerline" panose="020B0509030602030204" pitchFamily="49" charset="0"/>
+              </a:rPr>
+              <a:t>cv2</a:t>
+            </a:r>
+            <a:r>
+              <a:rPr lang="en-US" altLang="ko-KR" sz="1200" b="0" dirty="0">
+                <a:solidFill>
+                  <a:srgbClr val="D4D4D4"/>
+                </a:solidFill>
+                <a:effectLst/>
+                <a:latin typeface="ubuntu mono derivative powerline" panose="020B0509030602030204" pitchFamily="49" charset="0"/>
+              </a:rPr>
+              <a:t>.</a:t>
+            </a:r>
+            <a:r>
+              <a:rPr lang="en-US" altLang="ko-KR" sz="1200" b="0" dirty="0">
+                <a:solidFill>
+                  <a:srgbClr val="DCDCAA"/>
+                </a:solidFill>
+                <a:effectLst/>
+                <a:latin typeface="ubuntu mono derivative powerline" panose="020B0509030602030204" pitchFamily="49" charset="0"/>
+              </a:rPr>
+              <a:t>imshow</a:t>
+            </a:r>
+            <a:r>
+              <a:rPr lang="en-US" altLang="ko-KR" sz="1200" b="0" dirty="0">
+                <a:solidFill>
+                  <a:srgbClr val="D4D4D4"/>
+                </a:solidFill>
+                <a:effectLst/>
+                <a:latin typeface="ubuntu mono derivative powerline" panose="020B0509030602030204" pitchFamily="49" charset="0"/>
+              </a:rPr>
+              <a:t>(</a:t>
+            </a:r>
+            <a:r>
+              <a:rPr lang="en-US" altLang="ko-KR" sz="1200" b="0" dirty="0">
+                <a:solidFill>
+                  <a:srgbClr val="CE9178"/>
+                </a:solidFill>
+                <a:effectLst/>
+                <a:latin typeface="ubuntu mono derivative powerline" panose="020B0509030602030204" pitchFamily="49" charset="0"/>
+              </a:rPr>
+              <a:t>'</a:t>
+            </a:r>
+            <a:r>
+              <a:rPr lang="en-US" altLang="ko-KR" sz="1200" b="0" dirty="0" err="1">
+                <a:solidFill>
+                  <a:srgbClr val="CE9178"/>
+                </a:solidFill>
+                <a:effectLst/>
+                <a:latin typeface="ubuntu mono derivative powerline" panose="020B0509030602030204" pitchFamily="49" charset="0"/>
+              </a:rPr>
+              <a:t>hist_dst_img</a:t>
+            </a:r>
+            <a:r>
+              <a:rPr lang="en-US" altLang="ko-KR" sz="1200" b="0" dirty="0">
+                <a:solidFill>
+                  <a:srgbClr val="CE9178"/>
+                </a:solidFill>
+                <a:effectLst/>
+                <a:latin typeface="ubuntu mono derivative powerline" panose="020B0509030602030204" pitchFamily="49" charset="0"/>
+              </a:rPr>
+              <a:t>'</a:t>
+            </a:r>
+            <a:r>
+              <a:rPr lang="en-US" altLang="ko-KR" sz="1200" b="0" dirty="0">
+                <a:solidFill>
+                  <a:srgbClr val="D4D4D4"/>
+                </a:solidFill>
+                <a:effectLst/>
+                <a:latin typeface="ubuntu mono derivative powerline" panose="020B0509030602030204" pitchFamily="49" charset="0"/>
+              </a:rPr>
+              <a:t>, </a:t>
+            </a:r>
+            <a:r>
+              <a:rPr lang="en-US" altLang="ko-KR" sz="1200" b="0" dirty="0" err="1">
+                <a:solidFill>
+                  <a:srgbClr val="9CDCFE"/>
+                </a:solidFill>
+                <a:effectLst/>
+                <a:latin typeface="ubuntu mono derivative powerline" panose="020B0509030602030204" pitchFamily="49" charset="0"/>
+              </a:rPr>
+              <a:t>hist_dst_img</a:t>
+            </a:r>
+            <a:r>
+              <a:rPr lang="en-US" altLang="ko-KR" sz="1200" b="0" dirty="0">
+                <a:solidFill>
+                  <a:srgbClr val="D4D4D4"/>
+                </a:solidFill>
+                <a:effectLst/>
+                <a:latin typeface="ubuntu mono derivative powerline" panose="020B0509030602030204" pitchFamily="49" charset="0"/>
+              </a:rPr>
+              <a:t>)</a:t>
+            </a:r>
+          </a:p>
+          <a:p>
+            <a:br>
+              <a:rPr lang="en-US" altLang="ko-KR" sz="1200" b="0" dirty="0">
+                <a:solidFill>
+                  <a:srgbClr val="D4D4D4"/>
+                </a:solidFill>
+                <a:effectLst/>
+                <a:latin typeface="ubuntu mono derivative powerline" panose="020B0509030602030204" pitchFamily="49" charset="0"/>
+              </a:rPr>
+            </a:br>
+            <a:r>
+              <a:rPr lang="en-US" altLang="ko-KR" sz="1200" b="0" dirty="0" err="1">
+                <a:solidFill>
+                  <a:srgbClr val="9CDCFE"/>
+                </a:solidFill>
+                <a:effectLst/>
+                <a:latin typeface="ubuntu mono derivative powerline" panose="020B0509030602030204" pitchFamily="49" charset="0"/>
+              </a:rPr>
+              <a:t>image_gray</a:t>
+            </a:r>
+            <a:r>
+              <a:rPr lang="en-US" altLang="ko-KR" sz="1200" b="0" dirty="0">
+                <a:solidFill>
+                  <a:srgbClr val="D4D4D4"/>
+                </a:solidFill>
+                <a:effectLst/>
+                <a:latin typeface="ubuntu mono derivative powerline" panose="020B0509030602030204" pitchFamily="49" charset="0"/>
+              </a:rPr>
+              <a:t> = </a:t>
+            </a:r>
+            <a:r>
+              <a:rPr lang="en-US" altLang="ko-KR" sz="1200" b="0" dirty="0">
+                <a:solidFill>
+                  <a:srgbClr val="4EC9B0"/>
+                </a:solidFill>
+                <a:effectLst/>
+                <a:latin typeface="ubuntu mono derivative powerline" panose="020B0509030602030204" pitchFamily="49" charset="0"/>
+              </a:rPr>
+              <a:t>cv2</a:t>
+            </a:r>
+            <a:r>
+              <a:rPr lang="en-US" altLang="ko-KR" sz="1200" b="0" dirty="0">
+                <a:solidFill>
+                  <a:srgbClr val="D4D4D4"/>
+                </a:solidFill>
+                <a:effectLst/>
+                <a:latin typeface="ubuntu mono derivative powerline" panose="020B0509030602030204" pitchFamily="49" charset="0"/>
+              </a:rPr>
+              <a:t>.</a:t>
+            </a:r>
+            <a:r>
+              <a:rPr lang="en-US" altLang="ko-KR" sz="1200" b="0" dirty="0">
+                <a:solidFill>
+                  <a:srgbClr val="DCDCAA"/>
+                </a:solidFill>
+                <a:effectLst/>
+                <a:latin typeface="ubuntu mono derivative powerline" panose="020B0509030602030204" pitchFamily="49" charset="0"/>
+              </a:rPr>
+              <a:t>cvtColor</a:t>
+            </a:r>
+            <a:r>
+              <a:rPr lang="en-US" altLang="ko-KR" sz="1200" b="0" dirty="0">
+                <a:solidFill>
+                  <a:srgbClr val="D4D4D4"/>
+                </a:solidFill>
+                <a:effectLst/>
+                <a:latin typeface="ubuntu mono derivative powerline" panose="020B0509030602030204" pitchFamily="49" charset="0"/>
+              </a:rPr>
+              <a:t>(</a:t>
+            </a:r>
+            <a:r>
+              <a:rPr lang="en-US" altLang="ko-KR" sz="1200" b="0" dirty="0">
+                <a:solidFill>
+                  <a:srgbClr val="9CDCFE"/>
+                </a:solidFill>
+                <a:effectLst/>
+                <a:latin typeface="ubuntu mono derivative powerline" panose="020B0509030602030204" pitchFamily="49" charset="0"/>
+              </a:rPr>
+              <a:t>image</a:t>
+            </a:r>
+            <a:r>
+              <a:rPr lang="en-US" altLang="ko-KR" sz="1200" b="0" dirty="0">
+                <a:solidFill>
+                  <a:srgbClr val="D4D4D4"/>
+                </a:solidFill>
+                <a:effectLst/>
+                <a:latin typeface="ubuntu mono derivative powerline" panose="020B0509030602030204" pitchFamily="49" charset="0"/>
+              </a:rPr>
+              <a:t>, </a:t>
+            </a:r>
+            <a:r>
+              <a:rPr lang="en-US" altLang="ko-KR" sz="1200" b="0" dirty="0">
+                <a:solidFill>
+                  <a:srgbClr val="4EC9B0"/>
+                </a:solidFill>
+                <a:effectLst/>
+                <a:latin typeface="ubuntu mono derivative powerline" panose="020B0509030602030204" pitchFamily="49" charset="0"/>
+              </a:rPr>
+              <a:t>cv2</a:t>
+            </a:r>
+            <a:r>
+              <a:rPr lang="en-US" altLang="ko-KR" sz="1200" b="0" dirty="0">
+                <a:solidFill>
+                  <a:srgbClr val="D4D4D4"/>
+                </a:solidFill>
+                <a:effectLst/>
+                <a:latin typeface="ubuntu mono derivative powerline" panose="020B0509030602030204" pitchFamily="49" charset="0"/>
+              </a:rPr>
+              <a:t>.</a:t>
+            </a:r>
+            <a:r>
+              <a:rPr lang="en-US" altLang="ko-KR" sz="1200" b="0" dirty="0">
+                <a:solidFill>
+                  <a:srgbClr val="9CDCFE"/>
+                </a:solidFill>
+                <a:effectLst/>
+                <a:latin typeface="ubuntu mono derivative powerline" panose="020B0509030602030204" pitchFamily="49" charset="0"/>
+              </a:rPr>
+              <a:t>COLOR_BGR2GRAY</a:t>
+            </a:r>
+            <a:r>
+              <a:rPr lang="en-US" altLang="ko-KR" sz="1200" b="0" dirty="0">
+                <a:solidFill>
+                  <a:srgbClr val="D4D4D4"/>
+                </a:solidFill>
+                <a:effectLst/>
+                <a:latin typeface="ubuntu mono derivative powerline" panose="020B0509030602030204" pitchFamily="49" charset="0"/>
+              </a:rPr>
+              <a:t>)</a:t>
+            </a:r>
+          </a:p>
+          <a:p>
+            <a:r>
+              <a:rPr lang="en-US" altLang="ko-KR" sz="1200" b="0" dirty="0">
+                <a:solidFill>
+                  <a:srgbClr val="9CDCFE"/>
+                </a:solidFill>
+                <a:effectLst/>
+                <a:latin typeface="ubuntu mono derivative powerline" panose="020B0509030602030204" pitchFamily="49" charset="0"/>
+              </a:rPr>
+              <a:t>dst2</a:t>
+            </a:r>
+            <a:r>
+              <a:rPr lang="en-US" altLang="ko-KR" sz="1200" b="0" dirty="0">
+                <a:solidFill>
+                  <a:srgbClr val="D4D4D4"/>
+                </a:solidFill>
+                <a:effectLst/>
+                <a:latin typeface="ubuntu mono derivative powerline" panose="020B0509030602030204" pitchFamily="49" charset="0"/>
+              </a:rPr>
+              <a:t> = </a:t>
+            </a:r>
+            <a:r>
+              <a:rPr lang="en-US" altLang="ko-KR" sz="1200" b="0" dirty="0">
+                <a:solidFill>
+                  <a:srgbClr val="4EC9B0"/>
+                </a:solidFill>
+                <a:effectLst/>
+                <a:latin typeface="ubuntu mono derivative powerline" panose="020B0509030602030204" pitchFamily="49" charset="0"/>
+              </a:rPr>
+              <a:t>cv2</a:t>
+            </a:r>
+            <a:r>
+              <a:rPr lang="en-US" altLang="ko-KR" sz="1200" b="0" dirty="0">
+                <a:solidFill>
+                  <a:srgbClr val="D4D4D4"/>
+                </a:solidFill>
+                <a:effectLst/>
+                <a:latin typeface="ubuntu mono derivative powerline" panose="020B0509030602030204" pitchFamily="49" charset="0"/>
+              </a:rPr>
+              <a:t>.</a:t>
+            </a:r>
+            <a:r>
+              <a:rPr lang="en-US" altLang="ko-KR" sz="1200" b="0" dirty="0">
+                <a:solidFill>
+                  <a:srgbClr val="DCDCAA"/>
+                </a:solidFill>
+                <a:effectLst/>
+                <a:latin typeface="ubuntu mono derivative powerline" panose="020B0509030602030204" pitchFamily="49" charset="0"/>
+              </a:rPr>
+              <a:t>equalizeHist</a:t>
+            </a:r>
+            <a:r>
+              <a:rPr lang="en-US" altLang="ko-KR" sz="1200" b="0" dirty="0">
+                <a:solidFill>
+                  <a:srgbClr val="D4D4D4"/>
+                </a:solidFill>
+                <a:effectLst/>
+                <a:latin typeface="ubuntu mono derivative powerline" panose="020B0509030602030204" pitchFamily="49" charset="0"/>
+              </a:rPr>
+              <a:t>(</a:t>
+            </a:r>
+            <a:r>
+              <a:rPr lang="en-US" altLang="ko-KR" sz="1200" b="0" dirty="0" err="1">
+                <a:solidFill>
+                  <a:srgbClr val="9CDCFE"/>
+                </a:solidFill>
+                <a:effectLst/>
+                <a:latin typeface="ubuntu mono derivative powerline" panose="020B0509030602030204" pitchFamily="49" charset="0"/>
+              </a:rPr>
+              <a:t>image_gray</a:t>
+            </a:r>
+            <a:r>
+              <a:rPr lang="en-US" altLang="ko-KR" sz="1200" b="0" dirty="0">
+                <a:solidFill>
+                  <a:srgbClr val="D4D4D4"/>
+                </a:solidFill>
+                <a:effectLst/>
+                <a:latin typeface="ubuntu mono derivative powerline" panose="020B0509030602030204" pitchFamily="49" charset="0"/>
+              </a:rPr>
+              <a:t>)</a:t>
+            </a:r>
+          </a:p>
+          <a:p>
+            <a:r>
+              <a:rPr lang="en-US" altLang="ko-KR" sz="1200" b="0" dirty="0">
+                <a:solidFill>
+                  <a:srgbClr val="9CDCFE"/>
+                </a:solidFill>
+                <a:effectLst/>
+                <a:latin typeface="ubuntu mono derivative powerline" panose="020B0509030602030204" pitchFamily="49" charset="0"/>
+              </a:rPr>
+              <a:t>hist_dst2</a:t>
+            </a:r>
+            <a:r>
+              <a:rPr lang="en-US" altLang="ko-KR" sz="1200" b="0" dirty="0">
+                <a:solidFill>
+                  <a:srgbClr val="D4D4D4"/>
+                </a:solidFill>
+                <a:effectLst/>
+                <a:latin typeface="ubuntu mono derivative powerline" panose="020B0509030602030204" pitchFamily="49" charset="0"/>
+              </a:rPr>
+              <a:t> = </a:t>
+            </a:r>
+            <a:r>
+              <a:rPr lang="en-US" altLang="ko-KR" sz="1200" b="0" dirty="0">
+                <a:solidFill>
+                  <a:srgbClr val="4EC9B0"/>
+                </a:solidFill>
+                <a:effectLst/>
+                <a:latin typeface="ubuntu mono derivative powerline" panose="020B0509030602030204" pitchFamily="49" charset="0"/>
+              </a:rPr>
+              <a:t>cv2</a:t>
+            </a:r>
+            <a:r>
+              <a:rPr lang="en-US" altLang="ko-KR" sz="1200" b="0" dirty="0">
+                <a:solidFill>
+                  <a:srgbClr val="D4D4D4"/>
+                </a:solidFill>
+                <a:effectLst/>
+                <a:latin typeface="ubuntu mono derivative powerline" panose="020B0509030602030204" pitchFamily="49" charset="0"/>
+              </a:rPr>
+              <a:t>.</a:t>
+            </a:r>
+            <a:r>
+              <a:rPr lang="en-US" altLang="ko-KR" sz="1200" b="0" dirty="0">
+                <a:solidFill>
+                  <a:srgbClr val="DCDCAA"/>
+                </a:solidFill>
+                <a:effectLst/>
+                <a:latin typeface="ubuntu mono derivative powerline" panose="020B0509030602030204" pitchFamily="49" charset="0"/>
+              </a:rPr>
+              <a:t>calcHist</a:t>
+            </a:r>
+            <a:r>
+              <a:rPr lang="en-US" altLang="ko-KR" sz="1200" b="0" dirty="0">
+                <a:solidFill>
+                  <a:srgbClr val="D4D4D4"/>
+                </a:solidFill>
+                <a:effectLst/>
+                <a:latin typeface="ubuntu mono derivative powerline" panose="020B0509030602030204" pitchFamily="49" charset="0"/>
+              </a:rPr>
+              <a:t>([</a:t>
+            </a:r>
+            <a:r>
+              <a:rPr lang="en-US" altLang="ko-KR" sz="1200" b="0" dirty="0">
+                <a:solidFill>
+                  <a:srgbClr val="9CDCFE"/>
+                </a:solidFill>
+                <a:effectLst/>
+                <a:latin typeface="ubuntu mono derivative powerline" panose="020B0509030602030204" pitchFamily="49" charset="0"/>
+              </a:rPr>
+              <a:t>dst2</a:t>
+            </a:r>
+            <a:r>
+              <a:rPr lang="en-US" altLang="ko-KR" sz="1200" b="0" dirty="0">
+                <a:solidFill>
+                  <a:srgbClr val="D4D4D4"/>
+                </a:solidFill>
+                <a:effectLst/>
+                <a:latin typeface="ubuntu mono derivative powerline" panose="020B0509030602030204" pitchFamily="49" charset="0"/>
+              </a:rPr>
+              <a:t>], [</a:t>
+            </a:r>
+            <a:r>
+              <a:rPr lang="en-US" altLang="ko-KR" sz="1200" b="0" dirty="0">
+                <a:solidFill>
+                  <a:srgbClr val="B5CEA8"/>
+                </a:solidFill>
+                <a:effectLst/>
+                <a:latin typeface="ubuntu mono derivative powerline" panose="020B0509030602030204" pitchFamily="49" charset="0"/>
+              </a:rPr>
+              <a:t>0</a:t>
+            </a:r>
+            <a:r>
+              <a:rPr lang="en-US" altLang="ko-KR" sz="1200" b="0" dirty="0">
+                <a:solidFill>
+                  <a:srgbClr val="D4D4D4"/>
+                </a:solidFill>
+                <a:effectLst/>
+                <a:latin typeface="ubuntu mono derivative powerline" panose="020B0509030602030204" pitchFamily="49" charset="0"/>
+              </a:rPr>
+              <a:t>], </a:t>
+            </a:r>
+            <a:r>
+              <a:rPr lang="en-US" altLang="ko-KR" sz="1200" b="0" dirty="0">
+                <a:solidFill>
+                  <a:srgbClr val="569CD6"/>
+                </a:solidFill>
+                <a:effectLst/>
+                <a:latin typeface="ubuntu mono derivative powerline" panose="020B0509030602030204" pitchFamily="49" charset="0"/>
+              </a:rPr>
+              <a:t>None</a:t>
+            </a:r>
+            <a:r>
+              <a:rPr lang="en-US" altLang="ko-KR" sz="1200" b="0" dirty="0">
+                <a:solidFill>
+                  <a:srgbClr val="D4D4D4"/>
+                </a:solidFill>
+                <a:effectLst/>
+                <a:latin typeface="ubuntu mono derivative powerline" panose="020B0509030602030204" pitchFamily="49" charset="0"/>
+              </a:rPr>
+              <a:t>, </a:t>
+            </a:r>
+            <a:r>
+              <a:rPr lang="en-US" altLang="ko-KR" sz="1200" b="0" dirty="0" err="1">
+                <a:solidFill>
+                  <a:srgbClr val="9CDCFE"/>
+                </a:solidFill>
+                <a:effectLst/>
+                <a:latin typeface="ubuntu mono derivative powerline" panose="020B0509030602030204" pitchFamily="49" charset="0"/>
+              </a:rPr>
+              <a:t>bsize</a:t>
+            </a:r>
+            <a:r>
+              <a:rPr lang="en-US" altLang="ko-KR" sz="1200" b="0" dirty="0">
+                <a:solidFill>
+                  <a:srgbClr val="D4D4D4"/>
+                </a:solidFill>
+                <a:effectLst/>
+                <a:latin typeface="ubuntu mono derivative powerline" panose="020B0509030602030204" pitchFamily="49" charset="0"/>
+              </a:rPr>
+              <a:t>, </a:t>
+            </a:r>
+            <a:r>
+              <a:rPr lang="en-US" altLang="ko-KR" sz="1200" b="0" dirty="0">
+                <a:solidFill>
+                  <a:srgbClr val="9CDCFE"/>
+                </a:solidFill>
+                <a:effectLst/>
+                <a:latin typeface="ubuntu mono derivative powerline" panose="020B0509030602030204" pitchFamily="49" charset="0"/>
+              </a:rPr>
+              <a:t>ranges</a:t>
+            </a:r>
+            <a:r>
+              <a:rPr lang="en-US" altLang="ko-KR" sz="1200" b="0" dirty="0">
+                <a:solidFill>
+                  <a:srgbClr val="D4D4D4"/>
+                </a:solidFill>
+                <a:effectLst/>
+                <a:latin typeface="ubuntu mono derivative powerline" panose="020B0509030602030204" pitchFamily="49" charset="0"/>
+              </a:rPr>
+              <a:t>)</a:t>
+            </a:r>
+            <a:endParaRPr lang="ko-KR" altLang="en-US" sz="1200" b="0" dirty="0">
+              <a:solidFill>
+                <a:srgbClr val="D4D4D4"/>
+              </a:solidFill>
+              <a:effectLst/>
+              <a:latin typeface="ubuntu mono derivative powerline" panose="020B0509030602030204" pitchFamily="49" charset="0"/>
+            </a:endParaRPr>
+          </a:p>
+          <a:p>
+            <a:r>
+              <a:rPr lang="en-US" altLang="ko-KR" sz="1200" b="0" dirty="0">
+                <a:solidFill>
+                  <a:srgbClr val="9CDCFE"/>
+                </a:solidFill>
+                <a:effectLst/>
+                <a:latin typeface="ubuntu mono derivative powerline" panose="020B0509030602030204" pitchFamily="49" charset="0"/>
+              </a:rPr>
+              <a:t>hist_dst2_img</a:t>
+            </a:r>
+            <a:r>
+              <a:rPr lang="en-US" altLang="ko-KR" sz="1200" b="0" dirty="0">
+                <a:solidFill>
+                  <a:srgbClr val="D4D4D4"/>
+                </a:solidFill>
+                <a:effectLst/>
+                <a:latin typeface="ubuntu mono derivative powerline" panose="020B0509030602030204" pitchFamily="49" charset="0"/>
+              </a:rPr>
+              <a:t> = </a:t>
+            </a:r>
+            <a:r>
+              <a:rPr lang="en-US" altLang="ko-KR" sz="1200" b="0" dirty="0" err="1">
+                <a:solidFill>
+                  <a:srgbClr val="DCDCAA"/>
+                </a:solidFill>
+                <a:effectLst/>
+                <a:latin typeface="ubuntu mono derivative powerline" panose="020B0509030602030204" pitchFamily="49" charset="0"/>
+              </a:rPr>
+              <a:t>draw_histo</a:t>
+            </a:r>
+            <a:r>
+              <a:rPr lang="en-US" altLang="ko-KR" sz="1200" b="0" dirty="0">
+                <a:solidFill>
+                  <a:srgbClr val="D4D4D4"/>
+                </a:solidFill>
+                <a:effectLst/>
+                <a:latin typeface="ubuntu mono derivative powerline" panose="020B0509030602030204" pitchFamily="49" charset="0"/>
+              </a:rPr>
+              <a:t>(</a:t>
+            </a:r>
+            <a:r>
+              <a:rPr lang="en-US" altLang="ko-KR" sz="1200" b="0" dirty="0">
+                <a:solidFill>
+                  <a:srgbClr val="9CDCFE"/>
+                </a:solidFill>
+                <a:effectLst/>
+                <a:latin typeface="ubuntu mono derivative powerline" panose="020B0509030602030204" pitchFamily="49" charset="0"/>
+              </a:rPr>
+              <a:t>hist_dst2</a:t>
+            </a:r>
+            <a:r>
+              <a:rPr lang="en-US" altLang="ko-KR" sz="1200" b="0" dirty="0">
+                <a:solidFill>
+                  <a:srgbClr val="D4D4D4"/>
+                </a:solidFill>
+                <a:effectLst/>
+                <a:latin typeface="ubuntu mono derivative powerline" panose="020B0509030602030204" pitchFamily="49" charset="0"/>
+              </a:rPr>
+              <a:t>)</a:t>
+            </a:r>
+          </a:p>
+          <a:p>
+            <a:br>
+              <a:rPr lang="en-US" altLang="ko-KR" sz="1200" b="0" dirty="0">
+                <a:solidFill>
+                  <a:srgbClr val="D4D4D4"/>
+                </a:solidFill>
+                <a:effectLst/>
+                <a:latin typeface="ubuntu mono derivative powerline" panose="020B0509030602030204" pitchFamily="49" charset="0"/>
+              </a:rPr>
+            </a:br>
+            <a:r>
+              <a:rPr lang="en-US" altLang="ko-KR" sz="1200" b="0" dirty="0">
+                <a:solidFill>
+                  <a:srgbClr val="4EC9B0"/>
+                </a:solidFill>
+                <a:effectLst/>
+                <a:latin typeface="ubuntu mono derivative powerline" panose="020B0509030602030204" pitchFamily="49" charset="0"/>
+              </a:rPr>
+              <a:t>cv2</a:t>
+            </a:r>
+            <a:r>
+              <a:rPr lang="en-US" altLang="ko-KR" sz="1200" b="0" dirty="0">
+                <a:solidFill>
+                  <a:srgbClr val="D4D4D4"/>
+                </a:solidFill>
+                <a:effectLst/>
+                <a:latin typeface="ubuntu mono derivative powerline" panose="020B0509030602030204" pitchFamily="49" charset="0"/>
+              </a:rPr>
+              <a:t>.</a:t>
+            </a:r>
+            <a:r>
+              <a:rPr lang="en-US" altLang="ko-KR" sz="1200" b="0" dirty="0">
+                <a:solidFill>
+                  <a:srgbClr val="DCDCAA"/>
+                </a:solidFill>
+                <a:effectLst/>
+                <a:latin typeface="ubuntu mono derivative powerline" panose="020B0509030602030204" pitchFamily="49" charset="0"/>
+              </a:rPr>
+              <a:t>imshow</a:t>
+            </a:r>
+            <a:r>
+              <a:rPr lang="en-US" altLang="ko-KR" sz="1200" b="0" dirty="0">
+                <a:solidFill>
+                  <a:srgbClr val="D4D4D4"/>
+                </a:solidFill>
+                <a:effectLst/>
+                <a:latin typeface="ubuntu mono derivative powerline" panose="020B0509030602030204" pitchFamily="49" charset="0"/>
+              </a:rPr>
+              <a:t>(</a:t>
+            </a:r>
+            <a:r>
+              <a:rPr lang="en-US" altLang="ko-KR" sz="1200" b="0" dirty="0">
+                <a:solidFill>
+                  <a:srgbClr val="CE9178"/>
+                </a:solidFill>
+                <a:effectLst/>
+                <a:latin typeface="ubuntu mono derivative powerline" panose="020B0509030602030204" pitchFamily="49" charset="0"/>
+              </a:rPr>
+              <a:t>'dst2'</a:t>
+            </a:r>
+            <a:r>
+              <a:rPr lang="en-US" altLang="ko-KR" sz="1200" b="0" dirty="0">
+                <a:solidFill>
+                  <a:srgbClr val="D4D4D4"/>
+                </a:solidFill>
+                <a:effectLst/>
+                <a:latin typeface="ubuntu mono derivative powerline" panose="020B0509030602030204" pitchFamily="49" charset="0"/>
+              </a:rPr>
+              <a:t>, </a:t>
+            </a:r>
+            <a:r>
+              <a:rPr lang="en-US" altLang="ko-KR" sz="1200" b="0" dirty="0">
+                <a:solidFill>
+                  <a:srgbClr val="9CDCFE"/>
+                </a:solidFill>
+                <a:effectLst/>
+                <a:latin typeface="ubuntu mono derivative powerline" panose="020B0509030602030204" pitchFamily="49" charset="0"/>
+              </a:rPr>
+              <a:t>dst2</a:t>
+            </a:r>
+            <a:r>
+              <a:rPr lang="en-US" altLang="ko-KR" sz="1200" b="0" dirty="0">
+                <a:solidFill>
+                  <a:srgbClr val="D4D4D4"/>
+                </a:solidFill>
+                <a:effectLst/>
+                <a:latin typeface="ubuntu mono derivative powerline" panose="020B0509030602030204" pitchFamily="49" charset="0"/>
+              </a:rPr>
+              <a:t>)</a:t>
+            </a:r>
+          </a:p>
+          <a:p>
+            <a:r>
+              <a:rPr lang="en-US" altLang="ko-KR" sz="1200" b="0" dirty="0">
+                <a:solidFill>
+                  <a:srgbClr val="4EC9B0"/>
+                </a:solidFill>
+                <a:effectLst/>
+                <a:latin typeface="ubuntu mono derivative powerline" panose="020B0509030602030204" pitchFamily="49" charset="0"/>
+              </a:rPr>
+              <a:t>cv2</a:t>
+            </a:r>
+            <a:r>
+              <a:rPr lang="en-US" altLang="ko-KR" sz="1200" b="0" dirty="0">
+                <a:solidFill>
+                  <a:srgbClr val="D4D4D4"/>
+                </a:solidFill>
+                <a:effectLst/>
+                <a:latin typeface="ubuntu mono derivative powerline" panose="020B0509030602030204" pitchFamily="49" charset="0"/>
+              </a:rPr>
+              <a:t>.</a:t>
+            </a:r>
+            <a:r>
+              <a:rPr lang="en-US" altLang="ko-KR" sz="1200" b="0" dirty="0">
+                <a:solidFill>
+                  <a:srgbClr val="DCDCAA"/>
+                </a:solidFill>
+                <a:effectLst/>
+                <a:latin typeface="ubuntu mono derivative powerline" panose="020B0509030602030204" pitchFamily="49" charset="0"/>
+              </a:rPr>
+              <a:t>imshow</a:t>
+            </a:r>
+            <a:r>
+              <a:rPr lang="en-US" altLang="ko-KR" sz="1200" b="0" dirty="0">
+                <a:solidFill>
+                  <a:srgbClr val="D4D4D4"/>
+                </a:solidFill>
+                <a:effectLst/>
+                <a:latin typeface="ubuntu mono derivative powerline" panose="020B0509030602030204" pitchFamily="49" charset="0"/>
+              </a:rPr>
+              <a:t>(</a:t>
+            </a:r>
+            <a:r>
+              <a:rPr lang="en-US" altLang="ko-KR" sz="1200" b="0" dirty="0">
+                <a:solidFill>
+                  <a:srgbClr val="CE9178"/>
+                </a:solidFill>
+                <a:effectLst/>
+                <a:latin typeface="ubuntu mono derivative powerline" panose="020B0509030602030204" pitchFamily="49" charset="0"/>
+              </a:rPr>
+              <a:t>'hist_dst2_img'</a:t>
+            </a:r>
+            <a:r>
+              <a:rPr lang="en-US" altLang="ko-KR" sz="1200" b="0" dirty="0">
+                <a:solidFill>
+                  <a:srgbClr val="D4D4D4"/>
+                </a:solidFill>
+                <a:effectLst/>
+                <a:latin typeface="ubuntu mono derivative powerline" panose="020B0509030602030204" pitchFamily="49" charset="0"/>
+              </a:rPr>
+              <a:t>, </a:t>
+            </a:r>
+            <a:r>
+              <a:rPr lang="en-US" altLang="ko-KR" sz="1200" b="0" dirty="0">
+                <a:solidFill>
+                  <a:srgbClr val="9CDCFE"/>
+                </a:solidFill>
+                <a:effectLst/>
+                <a:latin typeface="ubuntu mono derivative powerline" panose="020B0509030602030204" pitchFamily="49" charset="0"/>
+              </a:rPr>
+              <a:t>hist_dst2_img</a:t>
+            </a:r>
+            <a:r>
+              <a:rPr lang="en-US" altLang="ko-KR" sz="1200" b="0" dirty="0">
+                <a:solidFill>
+                  <a:srgbClr val="D4D4D4"/>
+                </a:solidFill>
+                <a:effectLst/>
+                <a:latin typeface="ubuntu mono derivative powerline" panose="020B0509030602030204" pitchFamily="49" charset="0"/>
+              </a:rPr>
+              <a:t>)</a:t>
+            </a:r>
+          </a:p>
+          <a:p>
+            <a:r>
+              <a:rPr lang="en-US" altLang="ko-KR" sz="1200" b="0" dirty="0">
+                <a:solidFill>
+                  <a:srgbClr val="4EC9B0"/>
+                </a:solidFill>
+                <a:effectLst/>
+                <a:latin typeface="ubuntu mono derivative powerline" panose="020B0509030602030204" pitchFamily="49" charset="0"/>
+              </a:rPr>
+              <a:t>cv2</a:t>
+            </a:r>
+            <a:r>
+              <a:rPr lang="en-US" altLang="ko-KR" sz="1200" b="0" dirty="0">
+                <a:solidFill>
+                  <a:srgbClr val="D4D4D4"/>
+                </a:solidFill>
+                <a:effectLst/>
+                <a:latin typeface="ubuntu mono derivative powerline" panose="020B0509030602030204" pitchFamily="49" charset="0"/>
+              </a:rPr>
+              <a:t>.</a:t>
+            </a:r>
+            <a:r>
+              <a:rPr lang="en-US" altLang="ko-KR" sz="1200" b="0" dirty="0">
+                <a:solidFill>
+                  <a:srgbClr val="DCDCAA"/>
+                </a:solidFill>
+                <a:effectLst/>
+                <a:latin typeface="ubuntu mono derivative powerline" panose="020B0509030602030204" pitchFamily="49" charset="0"/>
+              </a:rPr>
+              <a:t>waitKey</a:t>
+            </a:r>
+            <a:r>
+              <a:rPr lang="en-US" altLang="ko-KR" sz="1200" b="0" dirty="0">
+                <a:solidFill>
+                  <a:srgbClr val="D4D4D4"/>
+                </a:solidFill>
+                <a:effectLst/>
+                <a:latin typeface="ubuntu mono derivative powerline" panose="020B0509030602030204" pitchFamily="49" charset="0"/>
+              </a:rPr>
+              <a:t>(</a:t>
+            </a:r>
+            <a:r>
+              <a:rPr lang="en-US" altLang="ko-KR" sz="1200" b="0" dirty="0">
+                <a:solidFill>
+                  <a:srgbClr val="B5CEA8"/>
+                </a:solidFill>
+                <a:effectLst/>
+                <a:latin typeface="ubuntu mono derivative powerline" panose="020B0509030602030204" pitchFamily="49" charset="0"/>
+              </a:rPr>
+              <a:t>0</a:t>
+            </a:r>
+            <a:r>
+              <a:rPr lang="en-US" altLang="ko-KR" sz="1200" b="0" dirty="0">
+                <a:solidFill>
+                  <a:srgbClr val="D4D4D4"/>
+                </a:solidFill>
+                <a:effectLst/>
+                <a:latin typeface="ubuntu mono derivative powerline" panose="020B0509030602030204" pitchFamily="49" charset="0"/>
+              </a:rPr>
+              <a:t>)</a:t>
+            </a:r>
+          </a:p>
+        </p:txBody>
+      </p:sp>
+      <p:pic>
+        <p:nvPicPr>
+          <p:cNvPr id="7" name="그림 6">
+            <a:extLst>
+              <a:ext uri="{FF2B5EF4-FFF2-40B4-BE49-F238E27FC236}">
+                <a16:creationId xmlns:a16="http://schemas.microsoft.com/office/drawing/2014/main" id="{E9B68843-0EFA-D3BD-F5A9-0AAB94303363}"/>
+              </a:ext>
+            </a:extLst>
+          </p:cNvPr>
+          <p:cNvPicPr>
+            <a:picLocks noChangeAspect="1"/>
+          </p:cNvPicPr>
+          <p:nvPr/>
+        </p:nvPicPr>
+        <p:blipFill>
+          <a:blip r:embed="rId2"/>
+          <a:stretch>
+            <a:fillRect/>
+          </a:stretch>
+        </p:blipFill>
+        <p:spPr>
+          <a:xfrm>
+            <a:off x="6059623" y="1366967"/>
+            <a:ext cx="2448272" cy="2562031"/>
+          </a:xfrm>
+          <a:prstGeom prst="rect">
+            <a:avLst/>
+          </a:prstGeom>
+        </p:spPr>
+      </p:pic>
+      <p:pic>
+        <p:nvPicPr>
+          <p:cNvPr id="11" name="그림 10">
+            <a:extLst>
+              <a:ext uri="{FF2B5EF4-FFF2-40B4-BE49-F238E27FC236}">
+                <a16:creationId xmlns:a16="http://schemas.microsoft.com/office/drawing/2014/main" id="{5F1ABA4F-0F3D-EACB-D2DF-1C9C2C34129F}"/>
+              </a:ext>
+            </a:extLst>
+          </p:cNvPr>
+          <p:cNvPicPr>
+            <a:picLocks noChangeAspect="1"/>
+          </p:cNvPicPr>
+          <p:nvPr/>
+        </p:nvPicPr>
+        <p:blipFill>
+          <a:blip r:embed="rId3"/>
+          <a:stretch>
+            <a:fillRect/>
+          </a:stretch>
+        </p:blipFill>
+        <p:spPr>
+          <a:xfrm>
+            <a:off x="6561299" y="4212559"/>
+            <a:ext cx="1444921" cy="1299309"/>
+          </a:xfrm>
+          <a:prstGeom prst="rect">
+            <a:avLst/>
+          </a:prstGeom>
+        </p:spPr>
+      </p:pic>
+    </p:spTree>
+    <p:extLst>
+      <p:ext uri="{BB962C8B-B14F-4D97-AF65-F5344CB8AC3E}">
+        <p14:creationId xmlns:p14="http://schemas.microsoft.com/office/powerpoint/2010/main" val="4132510597"/>
+      </p:ext>
+    </p:extLst>
+  </p:cSld>
+  <p:clrMapOvr>
+    <a:masterClrMapping/>
+  </p:clrMapOvr>
+</p:sld>
+</file>
+
+<file path=ppt/slides/slide7.xml><?xml version="1.0" encoding="utf-8"?>
+<p:sld xmlns:a="http://schemas.openxmlformats.org/drawingml/2006/main" xmlns:r="http://schemas.openxmlformats.org/officeDocument/2006/relationships" xmlns:p="http://schemas.openxmlformats.org/presentationml/2006/main">
+  <p:cSld>
+    <p:spTree>
+      <p:nvGrpSpPr>
+        <p:cNvPr id="1" name=""/>
+        <p:cNvGrpSpPr/>
+        <p:nvPr/>
+      </p:nvGrpSpPr>
+      <p:grpSpPr>
+        <a:xfrm>
+          <a:off x="0" y="0"/>
+          <a:ext cx="0" cy="0"/>
+          <a:chOff x="0" y="0"/>
+          <a:chExt cx="0" cy="0"/>
+        </a:xfrm>
+      </p:grpSpPr>
+      <p:sp>
+        <p:nvSpPr>
+          <p:cNvPr id="3" name="내용 개체 틀 2"/>
+          <p:cNvSpPr>
+            <a:spLocks noGrp="1"/>
+          </p:cNvSpPr>
+          <p:nvPr>
+            <p:ph idx="1"/>
+          </p:nvPr>
+        </p:nvSpPr>
+        <p:spPr/>
+        <p:txBody>
+          <a:bodyPr>
+            <a:normAutofit/>
+          </a:bodyPr>
+          <a:lstStyle/>
+          <a:p>
+            <a:r>
+              <a:rPr lang="en-US" altLang="ko-KR" dirty="0"/>
+              <a:t>6.3 </a:t>
+            </a:r>
+            <a:r>
+              <a:rPr lang="ko-KR" altLang="en-US" dirty="0"/>
+              <a:t>히스토그램</a:t>
+            </a:r>
+            <a:endParaRPr lang="en-US" altLang="ko-KR" dirty="0"/>
+          </a:p>
+          <a:p>
+            <a:pPr lvl="1"/>
+            <a:r>
+              <a:rPr lang="en-US" altLang="ko-KR" dirty="0"/>
+              <a:t>6.3.6 </a:t>
+            </a:r>
+            <a:r>
+              <a:rPr lang="ko-KR" altLang="en-US" dirty="0"/>
+              <a:t>히스토그램 한번에 그리기</a:t>
+            </a:r>
+            <a:endParaRPr lang="en-US" altLang="ko-KR" dirty="0"/>
           </a:p>
         </p:txBody>
       </p:sp>
       <p:sp>
         <p:nvSpPr>
-          <p:cNvPr id="14" name="사각형: 둥근 모서리 13">
+          <p:cNvPr id="2" name="제목 1"/>
+          <p:cNvSpPr>
+            <a:spLocks noGrp="1"/>
+          </p:cNvSpPr>
+          <p:nvPr>
+            <p:ph type="title"/>
+          </p:nvPr>
+        </p:nvSpPr>
+        <p:spPr/>
+        <p:txBody>
+          <a:bodyPr/>
+          <a:lstStyle/>
+          <a:p>
+            <a:r>
+              <a:rPr lang="en-US" altLang="ko-KR" dirty="0"/>
+              <a:t>6. </a:t>
+            </a:r>
+            <a:r>
+              <a:rPr lang="ko-KR" altLang="en-US" dirty="0"/>
+              <a:t>화소 처리</a:t>
+            </a:r>
+          </a:p>
+        </p:txBody>
+      </p:sp>
+      <p:sp>
+        <p:nvSpPr>
+          <p:cNvPr id="4" name="직사각형 3">
             <a:extLst>
               <a:ext uri="{FF2B5EF4-FFF2-40B4-BE49-F238E27FC236}">
-                <a16:creationId xmlns:a16="http://schemas.microsoft.com/office/drawing/2014/main" id="{882FD27C-0831-C389-0124-512AFCD33F3B}"/>
+                <a16:creationId xmlns:a16="http://schemas.microsoft.com/office/drawing/2014/main" id="{64FCAE03-D95D-374F-6DE9-F428C178B308}"/>
               </a:ext>
             </a:extLst>
           </p:cNvPr>
@@ -8281,354 +14084,1058 @@
         </p:nvSpPr>
         <p:spPr>
           <a:xfrm>
-            <a:off x="1835695" y="3343901"/>
-            <a:ext cx="1388066" cy="194435"/>
+            <a:off x="880685" y="1993404"/>
+            <a:ext cx="7219707" cy="2862322"/>
           </a:xfrm>
-          <a:prstGeom prst="roundRect">
+          <a:prstGeom prst="rect">
             <a:avLst/>
           </a:prstGeom>
-          <a:noFill/>
-          <a:ln>
-            <a:solidFill>
-              <a:srgbClr val="0000FF"/>
-            </a:solidFill>
-          </a:ln>
         </p:spPr>
-        <p:style>
-          <a:lnRef idx="2">
-            <a:schemeClr val="accent1">
-              <a:shade val="50000"/>
-            </a:schemeClr>
-          </a:lnRef>
-          <a:fillRef idx="1">
-            <a:schemeClr val="accent1"/>
-          </a:fillRef>
-          <a:effectRef idx="0">
-            <a:schemeClr val="accent1"/>
-          </a:effectRef>
-          <a:fontRef idx="minor">
-            <a:schemeClr val="lt1"/>
-          </a:fontRef>
-        </p:style>
         <p:txBody>
-          <a:bodyPr rtlCol="0" anchor="ctr"/>
+          <a:bodyPr wrap="square">
+            <a:spAutoFit/>
+          </a:bodyPr>
           <a:lstStyle/>
           <a:p>
-            <a:pPr algn="ctr"/>
-            <a:endParaRPr lang="ko-KR" altLang="en-US"/>
+            <a:r>
+              <a:rPr lang="en-US" altLang="ko-KR" sz="1200" b="0" dirty="0">
+                <a:solidFill>
+                  <a:srgbClr val="9CDCFE"/>
+                </a:solidFill>
+                <a:effectLst/>
+                <a:latin typeface="ubuntu mono derivative powerline" panose="020B0509030602030204" pitchFamily="49" charset="0"/>
+              </a:rPr>
+              <a:t>...</a:t>
+            </a:r>
+          </a:p>
+          <a:p>
+            <a:r>
+              <a:rPr lang="en-US" altLang="ko-KR" sz="1200" b="0" dirty="0">
+                <a:solidFill>
+                  <a:srgbClr val="9CDCFE"/>
+                </a:solidFill>
+                <a:effectLst/>
+                <a:latin typeface="ubuntu mono derivative powerline" panose="020B0509030602030204" pitchFamily="49" charset="0"/>
+              </a:rPr>
+              <a:t>hist_dst2_img</a:t>
+            </a:r>
+            <a:r>
+              <a:rPr lang="en-US" altLang="ko-KR" sz="1200" b="0" dirty="0">
+                <a:solidFill>
+                  <a:srgbClr val="D4D4D4"/>
+                </a:solidFill>
+                <a:effectLst/>
+                <a:latin typeface="ubuntu mono derivative powerline" panose="020B0509030602030204" pitchFamily="49" charset="0"/>
+              </a:rPr>
+              <a:t> = </a:t>
+            </a:r>
+            <a:r>
+              <a:rPr lang="en-US" altLang="ko-KR" sz="1200" b="0" dirty="0" err="1">
+                <a:solidFill>
+                  <a:srgbClr val="DCDCAA"/>
+                </a:solidFill>
+                <a:effectLst/>
+                <a:latin typeface="ubuntu mono derivative powerline" panose="020B0509030602030204" pitchFamily="49" charset="0"/>
+              </a:rPr>
+              <a:t>draw_histo</a:t>
+            </a:r>
+            <a:r>
+              <a:rPr lang="en-US" altLang="ko-KR" sz="1200" b="0" dirty="0">
+                <a:solidFill>
+                  <a:srgbClr val="D4D4D4"/>
+                </a:solidFill>
+                <a:effectLst/>
+                <a:latin typeface="ubuntu mono derivative powerline" panose="020B0509030602030204" pitchFamily="49" charset="0"/>
+              </a:rPr>
+              <a:t>(</a:t>
+            </a:r>
+            <a:r>
+              <a:rPr lang="en-US" altLang="ko-KR" sz="1200" b="0" dirty="0">
+                <a:solidFill>
+                  <a:srgbClr val="9CDCFE"/>
+                </a:solidFill>
+                <a:effectLst/>
+                <a:latin typeface="ubuntu mono derivative powerline" panose="020B0509030602030204" pitchFamily="49" charset="0"/>
+              </a:rPr>
+              <a:t>hist_dst2</a:t>
+            </a:r>
+            <a:r>
+              <a:rPr lang="en-US" altLang="ko-KR" sz="1200" b="0" dirty="0">
+                <a:solidFill>
+                  <a:srgbClr val="D4D4D4"/>
+                </a:solidFill>
+                <a:effectLst/>
+                <a:latin typeface="ubuntu mono derivative powerline" panose="020B0509030602030204" pitchFamily="49" charset="0"/>
+              </a:rPr>
+              <a:t>)</a:t>
+            </a:r>
+          </a:p>
+          <a:p>
+            <a:br>
+              <a:rPr lang="en-US" altLang="ko-KR" sz="1200" b="0" dirty="0">
+                <a:solidFill>
+                  <a:srgbClr val="D4D4D4"/>
+                </a:solidFill>
+                <a:effectLst/>
+                <a:latin typeface="ubuntu mono derivative powerline" panose="020B0509030602030204" pitchFamily="49" charset="0"/>
+              </a:rPr>
+            </a:br>
+            <a:r>
+              <a:rPr lang="en-US" altLang="ko-KR" sz="1200" b="0" dirty="0">
+                <a:solidFill>
+                  <a:srgbClr val="9CDCFE"/>
+                </a:solidFill>
+                <a:effectLst/>
+                <a:latin typeface="ubuntu mono derivative powerline" panose="020B0509030602030204" pitchFamily="49" charset="0"/>
+              </a:rPr>
+              <a:t>titles</a:t>
+            </a:r>
+            <a:r>
+              <a:rPr lang="en-US" altLang="ko-KR" sz="1200" b="0" dirty="0">
+                <a:solidFill>
+                  <a:srgbClr val="D4D4D4"/>
+                </a:solidFill>
+                <a:effectLst/>
+                <a:latin typeface="ubuntu mono derivative powerline" panose="020B0509030602030204" pitchFamily="49" charset="0"/>
+              </a:rPr>
+              <a:t> = [</a:t>
+            </a:r>
+            <a:r>
+              <a:rPr lang="en-US" altLang="ko-KR" sz="1200" b="0" dirty="0">
+                <a:solidFill>
+                  <a:srgbClr val="CE9178"/>
+                </a:solidFill>
+                <a:effectLst/>
+                <a:latin typeface="ubuntu mono derivative powerline" panose="020B0509030602030204" pitchFamily="49" charset="0"/>
+              </a:rPr>
+              <a:t>"image"</a:t>
+            </a:r>
+            <a:r>
+              <a:rPr lang="en-US" altLang="ko-KR" sz="1200" b="0" dirty="0">
+                <a:solidFill>
+                  <a:srgbClr val="D4D4D4"/>
+                </a:solidFill>
+                <a:effectLst/>
+                <a:latin typeface="ubuntu mono derivative powerline" panose="020B0509030602030204" pitchFamily="49" charset="0"/>
+              </a:rPr>
+              <a:t>, </a:t>
+            </a:r>
+            <a:r>
+              <a:rPr lang="en-US" altLang="ko-KR" sz="1200" b="0" dirty="0">
+                <a:solidFill>
+                  <a:srgbClr val="CE9178"/>
+                </a:solidFill>
+                <a:effectLst/>
+                <a:latin typeface="ubuntu mono derivative powerline" panose="020B0509030602030204" pitchFamily="49" charset="0"/>
+              </a:rPr>
+              <a:t>"</a:t>
+            </a:r>
+            <a:r>
+              <a:rPr lang="en-US" altLang="ko-KR" sz="1200" b="0" dirty="0" err="1">
+                <a:solidFill>
+                  <a:srgbClr val="CE9178"/>
+                </a:solidFill>
+                <a:effectLst/>
+                <a:latin typeface="ubuntu mono derivative powerline" panose="020B0509030602030204" pitchFamily="49" charset="0"/>
+              </a:rPr>
+              <a:t>hist_img</a:t>
+            </a:r>
+            <a:r>
+              <a:rPr lang="en-US" altLang="ko-KR" sz="1200" b="0" dirty="0">
+                <a:solidFill>
+                  <a:srgbClr val="CE9178"/>
+                </a:solidFill>
+                <a:effectLst/>
+                <a:latin typeface="ubuntu mono derivative powerline" panose="020B0509030602030204" pitchFamily="49" charset="0"/>
+              </a:rPr>
+              <a:t>"</a:t>
+            </a:r>
+            <a:r>
+              <a:rPr lang="en-US" altLang="ko-KR" sz="1200" b="0" dirty="0">
+                <a:solidFill>
+                  <a:srgbClr val="D4D4D4"/>
+                </a:solidFill>
+                <a:effectLst/>
+                <a:latin typeface="ubuntu mono derivative powerline" panose="020B0509030602030204" pitchFamily="49" charset="0"/>
+              </a:rPr>
+              <a:t>, </a:t>
+            </a:r>
+            <a:r>
+              <a:rPr lang="en-US" altLang="ko-KR" sz="1200" b="0" dirty="0">
+                <a:solidFill>
+                  <a:srgbClr val="CE9178"/>
+                </a:solidFill>
+                <a:effectLst/>
+                <a:latin typeface="ubuntu mono derivative powerline" panose="020B0509030602030204" pitchFamily="49" charset="0"/>
+              </a:rPr>
+              <a:t>"</a:t>
+            </a:r>
+            <a:r>
+              <a:rPr lang="en-US" altLang="ko-KR" sz="1200" b="0" dirty="0" err="1">
+                <a:solidFill>
+                  <a:srgbClr val="CE9178"/>
+                </a:solidFill>
+                <a:effectLst/>
+                <a:latin typeface="ubuntu mono derivative powerline" panose="020B0509030602030204" pitchFamily="49" charset="0"/>
+              </a:rPr>
+              <a:t>dst</a:t>
+            </a:r>
+            <a:r>
+              <a:rPr lang="en-US" altLang="ko-KR" sz="1200" b="0" dirty="0">
+                <a:solidFill>
+                  <a:srgbClr val="CE9178"/>
+                </a:solidFill>
+                <a:effectLst/>
+                <a:latin typeface="ubuntu mono derivative powerline" panose="020B0509030602030204" pitchFamily="49" charset="0"/>
+              </a:rPr>
+              <a:t>"</a:t>
+            </a:r>
+            <a:r>
+              <a:rPr lang="en-US" altLang="ko-KR" sz="1200" b="0" dirty="0">
+                <a:solidFill>
+                  <a:srgbClr val="D4D4D4"/>
+                </a:solidFill>
+                <a:effectLst/>
+                <a:latin typeface="ubuntu mono derivative powerline" panose="020B0509030602030204" pitchFamily="49" charset="0"/>
+              </a:rPr>
+              <a:t>,</a:t>
+            </a:r>
+          </a:p>
+          <a:p>
+            <a:r>
+              <a:rPr lang="en-US" altLang="ko-KR" sz="1200" b="0" dirty="0">
+                <a:solidFill>
+                  <a:srgbClr val="D4D4D4"/>
+                </a:solidFill>
+                <a:effectLst/>
+                <a:latin typeface="ubuntu mono derivative powerline" panose="020B0509030602030204" pitchFamily="49" charset="0"/>
+              </a:rPr>
+              <a:t>          </a:t>
+            </a:r>
+            <a:r>
+              <a:rPr lang="en-US" altLang="ko-KR" sz="1200" b="0" dirty="0">
+                <a:solidFill>
+                  <a:srgbClr val="CE9178"/>
+                </a:solidFill>
+                <a:effectLst/>
+                <a:latin typeface="ubuntu mono derivative powerline" panose="020B0509030602030204" pitchFamily="49" charset="0"/>
+              </a:rPr>
+              <a:t>"</a:t>
+            </a:r>
+            <a:r>
+              <a:rPr lang="en-US" altLang="ko-KR" sz="1200" b="0" dirty="0" err="1">
+                <a:solidFill>
+                  <a:srgbClr val="CE9178"/>
+                </a:solidFill>
+                <a:effectLst/>
+                <a:latin typeface="ubuntu mono derivative powerline" panose="020B0509030602030204" pitchFamily="49" charset="0"/>
+              </a:rPr>
+              <a:t>hist_dst_img</a:t>
+            </a:r>
+            <a:r>
+              <a:rPr lang="en-US" altLang="ko-KR" sz="1200" b="0" dirty="0">
+                <a:solidFill>
+                  <a:srgbClr val="CE9178"/>
+                </a:solidFill>
+                <a:effectLst/>
+                <a:latin typeface="ubuntu mono derivative powerline" panose="020B0509030602030204" pitchFamily="49" charset="0"/>
+              </a:rPr>
+              <a:t>"</a:t>
+            </a:r>
+            <a:r>
+              <a:rPr lang="en-US" altLang="ko-KR" sz="1200" b="0" dirty="0">
+                <a:solidFill>
+                  <a:srgbClr val="D4D4D4"/>
+                </a:solidFill>
+                <a:effectLst/>
+                <a:latin typeface="ubuntu mono derivative powerline" panose="020B0509030602030204" pitchFamily="49" charset="0"/>
+              </a:rPr>
+              <a:t>, </a:t>
+            </a:r>
+            <a:r>
+              <a:rPr lang="en-US" altLang="ko-KR" sz="1200" b="0" dirty="0">
+                <a:solidFill>
+                  <a:srgbClr val="CE9178"/>
+                </a:solidFill>
+                <a:effectLst/>
+                <a:latin typeface="ubuntu mono derivative powerline" panose="020B0509030602030204" pitchFamily="49" charset="0"/>
+              </a:rPr>
+              <a:t>"dst2"</a:t>
+            </a:r>
+            <a:r>
+              <a:rPr lang="en-US" altLang="ko-KR" sz="1200" b="0" dirty="0">
+                <a:solidFill>
+                  <a:srgbClr val="D4D4D4"/>
+                </a:solidFill>
+                <a:effectLst/>
+                <a:latin typeface="ubuntu mono derivative powerline" panose="020B0509030602030204" pitchFamily="49" charset="0"/>
+              </a:rPr>
+              <a:t>, </a:t>
+            </a:r>
+            <a:r>
+              <a:rPr lang="en-US" altLang="ko-KR" sz="1200" b="0" dirty="0">
+                <a:solidFill>
+                  <a:srgbClr val="CE9178"/>
+                </a:solidFill>
+                <a:effectLst/>
+                <a:latin typeface="ubuntu mono derivative powerline" panose="020B0509030602030204" pitchFamily="49" charset="0"/>
+              </a:rPr>
+              <a:t>"hist_dst2_img"</a:t>
+            </a:r>
+            <a:r>
+              <a:rPr lang="en-US" altLang="ko-KR" sz="1200" b="0" dirty="0">
+                <a:solidFill>
+                  <a:srgbClr val="D4D4D4"/>
+                </a:solidFill>
+                <a:effectLst/>
+                <a:latin typeface="ubuntu mono derivative powerline" panose="020B0509030602030204" pitchFamily="49" charset="0"/>
+              </a:rPr>
+              <a:t>]</a:t>
+            </a:r>
+          </a:p>
+          <a:p>
+            <a:br>
+              <a:rPr lang="en-US" altLang="ko-KR" sz="1200" b="0" dirty="0">
+                <a:solidFill>
+                  <a:srgbClr val="D4D4D4"/>
+                </a:solidFill>
+                <a:effectLst/>
+                <a:latin typeface="ubuntu mono derivative powerline" panose="020B0509030602030204" pitchFamily="49" charset="0"/>
+              </a:rPr>
+            </a:br>
+            <a:r>
+              <a:rPr lang="en-US" altLang="ko-KR" sz="1200" b="0" dirty="0" err="1">
+                <a:solidFill>
+                  <a:srgbClr val="4EC9B0"/>
+                </a:solidFill>
+                <a:effectLst/>
+                <a:latin typeface="ubuntu mono derivative powerline" panose="020B0509030602030204" pitchFamily="49" charset="0"/>
+              </a:rPr>
+              <a:t>plt</a:t>
+            </a:r>
+            <a:r>
+              <a:rPr lang="en-US" altLang="ko-KR" sz="1200" b="0" dirty="0" err="1">
+                <a:solidFill>
+                  <a:srgbClr val="D4D4D4"/>
+                </a:solidFill>
+                <a:effectLst/>
+                <a:latin typeface="ubuntu mono derivative powerline" panose="020B0509030602030204" pitchFamily="49" charset="0"/>
+              </a:rPr>
+              <a:t>.</a:t>
+            </a:r>
+            <a:r>
+              <a:rPr lang="en-US" altLang="ko-KR" sz="1200" b="0" dirty="0" err="1">
+                <a:solidFill>
+                  <a:srgbClr val="DCDCAA"/>
+                </a:solidFill>
+                <a:effectLst/>
+                <a:latin typeface="ubuntu mono derivative powerline" panose="020B0509030602030204" pitchFamily="49" charset="0"/>
+              </a:rPr>
+              <a:t>figure</a:t>
+            </a:r>
+            <a:r>
+              <a:rPr lang="en-US" altLang="ko-KR" sz="1200" b="0" dirty="0">
+                <a:solidFill>
+                  <a:srgbClr val="D4D4D4"/>
+                </a:solidFill>
+                <a:effectLst/>
+                <a:latin typeface="ubuntu mono derivative powerline" panose="020B0509030602030204" pitchFamily="49" charset="0"/>
+              </a:rPr>
+              <a:t>(</a:t>
+            </a:r>
+            <a:r>
+              <a:rPr lang="en-US" altLang="ko-KR" sz="1200" b="0" dirty="0" err="1">
+                <a:solidFill>
+                  <a:srgbClr val="9CDCFE"/>
+                </a:solidFill>
+                <a:effectLst/>
+                <a:latin typeface="ubuntu mono derivative powerline" panose="020B0509030602030204" pitchFamily="49" charset="0"/>
+              </a:rPr>
+              <a:t>figsize</a:t>
+            </a:r>
+            <a:r>
+              <a:rPr lang="en-US" altLang="ko-KR" sz="1200" b="0" dirty="0">
+                <a:solidFill>
+                  <a:srgbClr val="D4D4D4"/>
+                </a:solidFill>
+                <a:effectLst/>
+                <a:latin typeface="ubuntu mono derivative powerline" panose="020B0509030602030204" pitchFamily="49" charset="0"/>
+              </a:rPr>
+              <a:t>=(</a:t>
+            </a:r>
+            <a:r>
+              <a:rPr lang="en-US" altLang="ko-KR" sz="1200" b="0" dirty="0">
+                <a:solidFill>
+                  <a:srgbClr val="B5CEA8"/>
+                </a:solidFill>
+                <a:effectLst/>
+                <a:latin typeface="ubuntu mono derivative powerline" panose="020B0509030602030204" pitchFamily="49" charset="0"/>
+              </a:rPr>
+              <a:t>10</a:t>
+            </a:r>
+            <a:r>
+              <a:rPr lang="en-US" altLang="ko-KR" sz="1200" b="0" dirty="0">
+                <a:solidFill>
+                  <a:srgbClr val="D4D4D4"/>
+                </a:solidFill>
+                <a:effectLst/>
+                <a:latin typeface="ubuntu mono derivative powerline" panose="020B0509030602030204" pitchFamily="49" charset="0"/>
+              </a:rPr>
+              <a:t>, </a:t>
+            </a:r>
+            <a:r>
+              <a:rPr lang="en-US" altLang="ko-KR" sz="1200" b="0" dirty="0">
+                <a:solidFill>
+                  <a:srgbClr val="B5CEA8"/>
+                </a:solidFill>
+                <a:effectLst/>
+                <a:latin typeface="ubuntu mono derivative powerline" panose="020B0509030602030204" pitchFamily="49" charset="0"/>
+              </a:rPr>
+              <a:t>12</a:t>
+            </a:r>
+            <a:r>
+              <a:rPr lang="en-US" altLang="ko-KR" sz="1200" b="0" dirty="0">
+                <a:solidFill>
+                  <a:srgbClr val="D4D4D4"/>
+                </a:solidFill>
+                <a:effectLst/>
+                <a:latin typeface="ubuntu mono derivative powerline" panose="020B0509030602030204" pitchFamily="49" charset="0"/>
+              </a:rPr>
+              <a:t>))</a:t>
+            </a:r>
+          </a:p>
+          <a:p>
+            <a:br>
+              <a:rPr lang="en-US" altLang="ko-KR" sz="1200" b="0" dirty="0">
+                <a:solidFill>
+                  <a:srgbClr val="D4D4D4"/>
+                </a:solidFill>
+                <a:effectLst/>
+                <a:latin typeface="ubuntu mono derivative powerline" panose="020B0509030602030204" pitchFamily="49" charset="0"/>
+              </a:rPr>
+            </a:br>
+            <a:r>
+              <a:rPr lang="en-US" altLang="ko-KR" sz="1200" b="0" dirty="0">
+                <a:solidFill>
+                  <a:srgbClr val="C586C0"/>
+                </a:solidFill>
+                <a:effectLst/>
+                <a:latin typeface="ubuntu mono derivative powerline" panose="020B0509030602030204" pitchFamily="49" charset="0"/>
+              </a:rPr>
+              <a:t>for</a:t>
+            </a:r>
+            <a:r>
+              <a:rPr lang="en-US" altLang="ko-KR" sz="1200" b="0" dirty="0">
+                <a:solidFill>
+                  <a:srgbClr val="D4D4D4"/>
+                </a:solidFill>
+                <a:effectLst/>
+                <a:latin typeface="ubuntu mono derivative powerline" panose="020B0509030602030204" pitchFamily="49" charset="0"/>
+              </a:rPr>
+              <a:t> </a:t>
+            </a:r>
+            <a:r>
+              <a:rPr lang="en-US" altLang="ko-KR" sz="1200" b="0" dirty="0" err="1">
+                <a:solidFill>
+                  <a:srgbClr val="9CDCFE"/>
+                </a:solidFill>
+                <a:effectLst/>
+                <a:latin typeface="ubuntu mono derivative powerline" panose="020B0509030602030204" pitchFamily="49" charset="0"/>
+              </a:rPr>
+              <a:t>idx</a:t>
+            </a:r>
+            <a:r>
+              <a:rPr lang="en-US" altLang="ko-KR" sz="1200" b="0" dirty="0">
+                <a:solidFill>
+                  <a:srgbClr val="D4D4D4"/>
+                </a:solidFill>
+                <a:effectLst/>
+                <a:latin typeface="ubuntu mono derivative powerline" panose="020B0509030602030204" pitchFamily="49" charset="0"/>
+              </a:rPr>
+              <a:t>, </a:t>
+            </a:r>
+            <a:r>
+              <a:rPr lang="en-US" altLang="ko-KR" sz="1200" b="0" dirty="0">
+                <a:solidFill>
+                  <a:srgbClr val="9CDCFE"/>
+                </a:solidFill>
+                <a:effectLst/>
+                <a:latin typeface="ubuntu mono derivative powerline" panose="020B0509030602030204" pitchFamily="49" charset="0"/>
+              </a:rPr>
+              <a:t>title</a:t>
+            </a:r>
+            <a:r>
+              <a:rPr lang="en-US" altLang="ko-KR" sz="1200" b="0" dirty="0">
+                <a:solidFill>
+                  <a:srgbClr val="D4D4D4"/>
+                </a:solidFill>
+                <a:effectLst/>
+                <a:latin typeface="ubuntu mono derivative powerline" panose="020B0509030602030204" pitchFamily="49" charset="0"/>
+              </a:rPr>
+              <a:t> </a:t>
+            </a:r>
+            <a:r>
+              <a:rPr lang="en-US" altLang="ko-KR" sz="1200" b="0" dirty="0">
+                <a:solidFill>
+                  <a:srgbClr val="C586C0"/>
+                </a:solidFill>
+                <a:effectLst/>
+                <a:latin typeface="ubuntu mono derivative powerline" panose="020B0509030602030204" pitchFamily="49" charset="0"/>
+              </a:rPr>
+              <a:t>in</a:t>
+            </a:r>
+            <a:r>
+              <a:rPr lang="en-US" altLang="ko-KR" sz="1200" b="0" dirty="0">
+                <a:solidFill>
+                  <a:srgbClr val="D4D4D4"/>
+                </a:solidFill>
+                <a:effectLst/>
+                <a:latin typeface="ubuntu mono derivative powerline" panose="020B0509030602030204" pitchFamily="49" charset="0"/>
+              </a:rPr>
+              <a:t> </a:t>
+            </a:r>
+            <a:r>
+              <a:rPr lang="en-US" altLang="ko-KR" sz="1200" b="0" dirty="0">
+                <a:solidFill>
+                  <a:srgbClr val="4EC9B0"/>
+                </a:solidFill>
+                <a:effectLst/>
+                <a:latin typeface="ubuntu mono derivative powerline" panose="020B0509030602030204" pitchFamily="49" charset="0"/>
+              </a:rPr>
+              <a:t>enumerate</a:t>
+            </a:r>
+            <a:r>
+              <a:rPr lang="en-US" altLang="ko-KR" sz="1200" b="0" dirty="0">
+                <a:solidFill>
+                  <a:srgbClr val="D4D4D4"/>
+                </a:solidFill>
+                <a:effectLst/>
+                <a:latin typeface="ubuntu mono derivative powerline" panose="020B0509030602030204" pitchFamily="49" charset="0"/>
+              </a:rPr>
+              <a:t>(</a:t>
+            </a:r>
+            <a:r>
+              <a:rPr lang="en-US" altLang="ko-KR" sz="1200" b="0" dirty="0">
+                <a:solidFill>
+                  <a:srgbClr val="9CDCFE"/>
+                </a:solidFill>
+                <a:effectLst/>
+                <a:latin typeface="ubuntu mono derivative powerline" panose="020B0509030602030204" pitchFamily="49" charset="0"/>
+              </a:rPr>
+              <a:t>titles</a:t>
+            </a:r>
+            <a:r>
+              <a:rPr lang="en-US" altLang="ko-KR" sz="1200" b="0" dirty="0">
+                <a:solidFill>
+                  <a:srgbClr val="D4D4D4"/>
+                </a:solidFill>
+                <a:effectLst/>
+                <a:latin typeface="ubuntu mono derivative powerline" panose="020B0509030602030204" pitchFamily="49" charset="0"/>
+              </a:rPr>
+              <a:t>):</a:t>
+            </a:r>
+          </a:p>
+          <a:p>
+            <a:r>
+              <a:rPr lang="en-US" altLang="ko-KR" sz="1200" b="0" dirty="0">
+                <a:solidFill>
+                  <a:srgbClr val="D4D4D4"/>
+                </a:solidFill>
+                <a:effectLst/>
+                <a:latin typeface="ubuntu mono derivative powerline" panose="020B0509030602030204" pitchFamily="49" charset="0"/>
+              </a:rPr>
+              <a:t>    </a:t>
+            </a:r>
+            <a:r>
+              <a:rPr lang="en-US" altLang="ko-KR" sz="1200" b="0" dirty="0" err="1">
+                <a:solidFill>
+                  <a:srgbClr val="4EC9B0"/>
+                </a:solidFill>
+                <a:effectLst/>
+                <a:latin typeface="ubuntu mono derivative powerline" panose="020B0509030602030204" pitchFamily="49" charset="0"/>
+              </a:rPr>
+              <a:t>plt</a:t>
+            </a:r>
+            <a:r>
+              <a:rPr lang="en-US" altLang="ko-KR" sz="1200" b="0" dirty="0" err="1">
+                <a:solidFill>
+                  <a:srgbClr val="D4D4D4"/>
+                </a:solidFill>
+                <a:effectLst/>
+                <a:latin typeface="ubuntu mono derivative powerline" panose="020B0509030602030204" pitchFamily="49" charset="0"/>
+              </a:rPr>
+              <a:t>.</a:t>
+            </a:r>
+            <a:r>
+              <a:rPr lang="en-US" altLang="ko-KR" sz="1200" b="0" dirty="0" err="1">
+                <a:solidFill>
+                  <a:srgbClr val="DCDCAA"/>
+                </a:solidFill>
+                <a:effectLst/>
+                <a:latin typeface="ubuntu mono derivative powerline" panose="020B0509030602030204" pitchFamily="49" charset="0"/>
+              </a:rPr>
+              <a:t>subplot</a:t>
+            </a:r>
+            <a:r>
+              <a:rPr lang="en-US" altLang="ko-KR" sz="1200" b="0" dirty="0">
+                <a:solidFill>
+                  <a:srgbClr val="D4D4D4"/>
+                </a:solidFill>
+                <a:effectLst/>
+                <a:latin typeface="ubuntu mono derivative powerline" panose="020B0509030602030204" pitchFamily="49" charset="0"/>
+              </a:rPr>
+              <a:t>(</a:t>
+            </a:r>
+            <a:r>
+              <a:rPr lang="en-US" altLang="ko-KR" sz="1200" b="0" dirty="0">
+                <a:solidFill>
+                  <a:srgbClr val="B5CEA8"/>
+                </a:solidFill>
+                <a:effectLst/>
+                <a:latin typeface="ubuntu mono derivative powerline" panose="020B0509030602030204" pitchFamily="49" charset="0"/>
+              </a:rPr>
+              <a:t>3</a:t>
+            </a:r>
+            <a:r>
+              <a:rPr lang="en-US" altLang="ko-KR" sz="1200" b="0" dirty="0">
+                <a:solidFill>
+                  <a:srgbClr val="D4D4D4"/>
+                </a:solidFill>
+                <a:effectLst/>
+                <a:latin typeface="ubuntu mono derivative powerline" panose="020B0509030602030204" pitchFamily="49" charset="0"/>
+              </a:rPr>
+              <a:t>, </a:t>
+            </a:r>
+            <a:r>
+              <a:rPr lang="en-US" altLang="ko-KR" sz="1200" b="0" dirty="0">
+                <a:solidFill>
+                  <a:srgbClr val="B5CEA8"/>
+                </a:solidFill>
+                <a:effectLst/>
+                <a:latin typeface="ubuntu mono derivative powerline" panose="020B0509030602030204" pitchFamily="49" charset="0"/>
+              </a:rPr>
+              <a:t>2</a:t>
+            </a:r>
+            <a:r>
+              <a:rPr lang="en-US" altLang="ko-KR" sz="1200" b="0" dirty="0">
+                <a:solidFill>
+                  <a:srgbClr val="D4D4D4"/>
+                </a:solidFill>
+                <a:effectLst/>
+                <a:latin typeface="ubuntu mono derivative powerline" panose="020B0509030602030204" pitchFamily="49" charset="0"/>
+              </a:rPr>
+              <a:t>, </a:t>
+            </a:r>
+            <a:r>
+              <a:rPr lang="en-US" altLang="ko-KR" sz="1200" b="0" dirty="0">
+                <a:solidFill>
+                  <a:srgbClr val="9CDCFE"/>
+                </a:solidFill>
+                <a:effectLst/>
+                <a:latin typeface="ubuntu mono derivative powerline" panose="020B0509030602030204" pitchFamily="49" charset="0"/>
+              </a:rPr>
+              <a:t>idx</a:t>
+            </a:r>
+            <a:r>
+              <a:rPr lang="en-US" altLang="ko-KR" sz="1200" b="0" dirty="0">
+                <a:solidFill>
+                  <a:srgbClr val="D4D4D4"/>
+                </a:solidFill>
+                <a:effectLst/>
+                <a:latin typeface="ubuntu mono derivative powerline" panose="020B0509030602030204" pitchFamily="49" charset="0"/>
+              </a:rPr>
+              <a:t>+</a:t>
+            </a:r>
+            <a:r>
+              <a:rPr lang="en-US" altLang="ko-KR" sz="1200" b="0" dirty="0">
+                <a:solidFill>
+                  <a:srgbClr val="B5CEA8"/>
+                </a:solidFill>
+                <a:effectLst/>
+                <a:latin typeface="ubuntu mono derivative powerline" panose="020B0509030602030204" pitchFamily="49" charset="0"/>
+              </a:rPr>
+              <a:t>1</a:t>
+            </a:r>
+            <a:r>
+              <a:rPr lang="en-US" altLang="ko-KR" sz="1200" b="0" dirty="0">
+                <a:solidFill>
+                  <a:srgbClr val="D4D4D4"/>
+                </a:solidFill>
+                <a:effectLst/>
+                <a:latin typeface="ubuntu mono derivative powerline" panose="020B0509030602030204" pitchFamily="49" charset="0"/>
+              </a:rPr>
+              <a:t>)</a:t>
+            </a:r>
+          </a:p>
+          <a:p>
+            <a:r>
+              <a:rPr lang="en-US" altLang="ko-KR" sz="1200" b="0" dirty="0">
+                <a:solidFill>
+                  <a:srgbClr val="D4D4D4"/>
+                </a:solidFill>
+                <a:effectLst/>
+                <a:latin typeface="ubuntu mono derivative powerline" panose="020B0509030602030204" pitchFamily="49" charset="0"/>
+              </a:rPr>
+              <a:t>    </a:t>
+            </a:r>
+            <a:r>
+              <a:rPr lang="en-US" altLang="ko-KR" sz="1200" b="0" dirty="0" err="1">
+                <a:solidFill>
+                  <a:srgbClr val="4EC9B0"/>
+                </a:solidFill>
+                <a:effectLst/>
+                <a:latin typeface="ubuntu mono derivative powerline" panose="020B0509030602030204" pitchFamily="49" charset="0"/>
+              </a:rPr>
+              <a:t>plt</a:t>
+            </a:r>
+            <a:r>
+              <a:rPr lang="en-US" altLang="ko-KR" sz="1200" b="0" dirty="0" err="1">
+                <a:solidFill>
+                  <a:srgbClr val="D4D4D4"/>
+                </a:solidFill>
+                <a:effectLst/>
+                <a:latin typeface="ubuntu mono derivative powerline" panose="020B0509030602030204" pitchFamily="49" charset="0"/>
+              </a:rPr>
+              <a:t>.</a:t>
+            </a:r>
+            <a:r>
+              <a:rPr lang="en-US" altLang="ko-KR" sz="1200" b="0" dirty="0" err="1">
+                <a:solidFill>
+                  <a:srgbClr val="DCDCAA"/>
+                </a:solidFill>
+                <a:effectLst/>
+                <a:latin typeface="ubuntu mono derivative powerline" panose="020B0509030602030204" pitchFamily="49" charset="0"/>
+              </a:rPr>
+              <a:t>axis</a:t>
+            </a:r>
+            <a:r>
+              <a:rPr lang="en-US" altLang="ko-KR" sz="1200" b="0" dirty="0">
+                <a:solidFill>
+                  <a:srgbClr val="D4D4D4"/>
+                </a:solidFill>
+                <a:effectLst/>
+                <a:latin typeface="ubuntu mono derivative powerline" panose="020B0509030602030204" pitchFamily="49" charset="0"/>
+              </a:rPr>
+              <a:t>(</a:t>
+            </a:r>
+            <a:r>
+              <a:rPr lang="en-US" altLang="ko-KR" sz="1200" b="0" dirty="0">
+                <a:solidFill>
+                  <a:srgbClr val="CE9178"/>
+                </a:solidFill>
+                <a:effectLst/>
+                <a:latin typeface="ubuntu mono derivative powerline" panose="020B0509030602030204" pitchFamily="49" charset="0"/>
+              </a:rPr>
+              <a:t>'off'</a:t>
+            </a:r>
+            <a:r>
+              <a:rPr lang="en-US" altLang="ko-KR" sz="1200" b="0" dirty="0">
+                <a:solidFill>
+                  <a:srgbClr val="D4D4D4"/>
+                </a:solidFill>
+                <a:effectLst/>
+                <a:latin typeface="ubuntu mono derivative powerline" panose="020B0509030602030204" pitchFamily="49" charset="0"/>
+              </a:rPr>
+              <a:t>)</a:t>
+            </a:r>
+          </a:p>
+          <a:p>
+            <a:r>
+              <a:rPr lang="en-US" altLang="ko-KR" sz="1200" b="0" dirty="0">
+                <a:solidFill>
+                  <a:srgbClr val="D4D4D4"/>
+                </a:solidFill>
+                <a:effectLst/>
+                <a:latin typeface="ubuntu mono derivative powerline" panose="020B0509030602030204" pitchFamily="49" charset="0"/>
+              </a:rPr>
+              <a:t>    </a:t>
+            </a:r>
+            <a:r>
+              <a:rPr lang="en-US" altLang="ko-KR" sz="1200" b="0" dirty="0" err="1">
+                <a:solidFill>
+                  <a:srgbClr val="4EC9B0"/>
+                </a:solidFill>
+                <a:effectLst/>
+                <a:latin typeface="ubuntu mono derivative powerline" panose="020B0509030602030204" pitchFamily="49" charset="0"/>
+              </a:rPr>
+              <a:t>plt</a:t>
+            </a:r>
+            <a:r>
+              <a:rPr lang="en-US" altLang="ko-KR" sz="1200" b="0" dirty="0" err="1">
+                <a:solidFill>
+                  <a:srgbClr val="D4D4D4"/>
+                </a:solidFill>
+                <a:effectLst/>
+                <a:latin typeface="ubuntu mono derivative powerline" panose="020B0509030602030204" pitchFamily="49" charset="0"/>
+              </a:rPr>
+              <a:t>.</a:t>
+            </a:r>
+            <a:r>
+              <a:rPr lang="en-US" altLang="ko-KR" sz="1200" b="0" dirty="0" err="1">
+                <a:solidFill>
+                  <a:srgbClr val="DCDCAA"/>
+                </a:solidFill>
+                <a:effectLst/>
+                <a:latin typeface="ubuntu mono derivative powerline" panose="020B0509030602030204" pitchFamily="49" charset="0"/>
+              </a:rPr>
+              <a:t>title</a:t>
+            </a:r>
+            <a:r>
+              <a:rPr lang="en-US" altLang="ko-KR" sz="1200" b="0" dirty="0">
+                <a:solidFill>
+                  <a:srgbClr val="D4D4D4"/>
+                </a:solidFill>
+                <a:effectLst/>
+                <a:latin typeface="ubuntu mono derivative powerline" panose="020B0509030602030204" pitchFamily="49" charset="0"/>
+              </a:rPr>
+              <a:t>(</a:t>
+            </a:r>
+            <a:r>
+              <a:rPr lang="en-US" altLang="ko-KR" sz="1200" b="0" dirty="0">
+                <a:solidFill>
+                  <a:srgbClr val="9CDCFE"/>
+                </a:solidFill>
+                <a:effectLst/>
+                <a:latin typeface="ubuntu mono derivative powerline" panose="020B0509030602030204" pitchFamily="49" charset="0"/>
+              </a:rPr>
+              <a:t>title</a:t>
+            </a:r>
+            <a:r>
+              <a:rPr lang="en-US" altLang="ko-KR" sz="1200" b="0" dirty="0">
+                <a:solidFill>
+                  <a:srgbClr val="D4D4D4"/>
+                </a:solidFill>
+                <a:effectLst/>
+                <a:latin typeface="ubuntu mono derivative powerline" panose="020B0509030602030204" pitchFamily="49" charset="0"/>
+              </a:rPr>
+              <a:t>)</a:t>
+            </a:r>
+          </a:p>
+          <a:p>
+            <a:r>
+              <a:rPr lang="en-US" altLang="ko-KR" sz="1200" b="0" dirty="0">
+                <a:solidFill>
+                  <a:srgbClr val="D4D4D4"/>
+                </a:solidFill>
+                <a:effectLst/>
+                <a:latin typeface="ubuntu mono derivative powerline" panose="020B0509030602030204" pitchFamily="49" charset="0"/>
+              </a:rPr>
+              <a:t>    </a:t>
+            </a:r>
+            <a:r>
+              <a:rPr lang="en-US" altLang="ko-KR" sz="1200" b="0" dirty="0" err="1">
+                <a:solidFill>
+                  <a:srgbClr val="4EC9B0"/>
+                </a:solidFill>
+                <a:effectLst/>
+                <a:latin typeface="ubuntu mono derivative powerline" panose="020B0509030602030204" pitchFamily="49" charset="0"/>
+              </a:rPr>
+              <a:t>plt</a:t>
+            </a:r>
+            <a:r>
+              <a:rPr lang="en-US" altLang="ko-KR" sz="1200" b="0" dirty="0" err="1">
+                <a:solidFill>
+                  <a:srgbClr val="D4D4D4"/>
+                </a:solidFill>
+                <a:effectLst/>
+                <a:latin typeface="ubuntu mono derivative powerline" panose="020B0509030602030204" pitchFamily="49" charset="0"/>
+              </a:rPr>
+              <a:t>.</a:t>
+            </a:r>
+            <a:r>
+              <a:rPr lang="en-US" altLang="ko-KR" sz="1200" b="0" dirty="0" err="1">
+                <a:solidFill>
+                  <a:srgbClr val="DCDCAA"/>
+                </a:solidFill>
+                <a:effectLst/>
+                <a:latin typeface="ubuntu mono derivative powerline" panose="020B0509030602030204" pitchFamily="49" charset="0"/>
+              </a:rPr>
+              <a:t>imshow</a:t>
+            </a:r>
+            <a:r>
+              <a:rPr lang="en-US" altLang="ko-KR" sz="1200" b="0" dirty="0">
+                <a:solidFill>
+                  <a:srgbClr val="D4D4D4"/>
+                </a:solidFill>
+                <a:effectLst/>
+                <a:latin typeface="ubuntu mono derivative powerline" panose="020B0509030602030204" pitchFamily="49" charset="0"/>
+              </a:rPr>
+              <a:t>(</a:t>
+            </a:r>
+            <a:r>
+              <a:rPr lang="en-US" altLang="ko-KR" sz="1200" b="0" dirty="0">
+                <a:solidFill>
+                  <a:srgbClr val="DCDCAA"/>
+                </a:solidFill>
+                <a:effectLst/>
+                <a:latin typeface="ubuntu mono derivative powerline" panose="020B0509030602030204" pitchFamily="49" charset="0"/>
+              </a:rPr>
+              <a:t>eval</a:t>
+            </a:r>
+            <a:r>
+              <a:rPr lang="en-US" altLang="ko-KR" sz="1200" b="0" dirty="0">
+                <a:solidFill>
+                  <a:srgbClr val="D4D4D4"/>
+                </a:solidFill>
+                <a:effectLst/>
+                <a:latin typeface="ubuntu mono derivative powerline" panose="020B0509030602030204" pitchFamily="49" charset="0"/>
+              </a:rPr>
+              <a:t>(</a:t>
+            </a:r>
+            <a:r>
+              <a:rPr lang="en-US" altLang="ko-KR" sz="1200" b="0" dirty="0">
+                <a:solidFill>
+                  <a:srgbClr val="9CDCFE"/>
+                </a:solidFill>
+                <a:effectLst/>
+                <a:latin typeface="ubuntu mono derivative powerline" panose="020B0509030602030204" pitchFamily="49" charset="0"/>
+              </a:rPr>
+              <a:t>title</a:t>
+            </a:r>
+            <a:r>
+              <a:rPr lang="en-US" altLang="ko-KR" sz="1200" b="0" dirty="0">
+                <a:solidFill>
+                  <a:srgbClr val="D4D4D4"/>
+                </a:solidFill>
+                <a:effectLst/>
+                <a:latin typeface="ubuntu mono derivative powerline" panose="020B0509030602030204" pitchFamily="49" charset="0"/>
+              </a:rPr>
+              <a:t>), </a:t>
+            </a:r>
+            <a:r>
+              <a:rPr lang="en-US" altLang="ko-KR" sz="1200" b="0" dirty="0" err="1">
+                <a:solidFill>
+                  <a:srgbClr val="9CDCFE"/>
+                </a:solidFill>
+                <a:effectLst/>
+                <a:latin typeface="ubuntu mono derivative powerline" panose="020B0509030602030204" pitchFamily="49" charset="0"/>
+              </a:rPr>
+              <a:t>cmap</a:t>
+            </a:r>
+            <a:r>
+              <a:rPr lang="en-US" altLang="ko-KR" sz="1200" b="0" dirty="0">
+                <a:solidFill>
+                  <a:srgbClr val="D4D4D4"/>
+                </a:solidFill>
+                <a:effectLst/>
+                <a:latin typeface="ubuntu mono derivative powerline" panose="020B0509030602030204" pitchFamily="49" charset="0"/>
+              </a:rPr>
+              <a:t>=</a:t>
+            </a:r>
+            <a:r>
+              <a:rPr lang="en-US" altLang="ko-KR" sz="1200" b="0" dirty="0">
+                <a:solidFill>
+                  <a:srgbClr val="CE9178"/>
+                </a:solidFill>
+                <a:effectLst/>
+                <a:latin typeface="ubuntu mono derivative powerline" panose="020B0509030602030204" pitchFamily="49" charset="0"/>
+              </a:rPr>
+              <a:t>'gray'</a:t>
+            </a:r>
+            <a:r>
+              <a:rPr lang="en-US" altLang="ko-KR" sz="1200" b="0" dirty="0">
+                <a:solidFill>
+                  <a:srgbClr val="D4D4D4"/>
+                </a:solidFill>
+                <a:effectLst/>
+                <a:latin typeface="ubuntu mono derivative powerline" panose="020B0509030602030204" pitchFamily="49" charset="0"/>
+              </a:rPr>
+              <a:t>)</a:t>
+            </a:r>
+          </a:p>
+          <a:p>
+            <a:br>
+              <a:rPr lang="en-US" altLang="ko-KR" sz="1200" b="0" dirty="0">
+                <a:solidFill>
+                  <a:srgbClr val="D4D4D4"/>
+                </a:solidFill>
+                <a:effectLst/>
+                <a:latin typeface="ubuntu mono derivative powerline" panose="020B0509030602030204" pitchFamily="49" charset="0"/>
+              </a:rPr>
+            </a:br>
+            <a:r>
+              <a:rPr lang="en-US" altLang="ko-KR" sz="1200" b="0" dirty="0" err="1">
+                <a:solidFill>
+                  <a:srgbClr val="4EC9B0"/>
+                </a:solidFill>
+                <a:effectLst/>
+                <a:latin typeface="ubuntu mono derivative powerline" panose="020B0509030602030204" pitchFamily="49" charset="0"/>
+              </a:rPr>
+              <a:t>plt</a:t>
+            </a:r>
+            <a:r>
+              <a:rPr lang="en-US" altLang="ko-KR" sz="1200" b="0" dirty="0" err="1">
+                <a:solidFill>
+                  <a:srgbClr val="D4D4D4"/>
+                </a:solidFill>
+                <a:effectLst/>
+                <a:latin typeface="ubuntu mono derivative powerline" panose="020B0509030602030204" pitchFamily="49" charset="0"/>
+              </a:rPr>
+              <a:t>.</a:t>
+            </a:r>
+            <a:r>
+              <a:rPr lang="en-US" altLang="ko-KR" sz="1200" b="0" dirty="0" err="1">
+                <a:solidFill>
+                  <a:srgbClr val="DCDCAA"/>
+                </a:solidFill>
+                <a:effectLst/>
+                <a:latin typeface="ubuntu mono derivative powerline" panose="020B0509030602030204" pitchFamily="49" charset="0"/>
+              </a:rPr>
+              <a:t>show</a:t>
+            </a:r>
+            <a:r>
+              <a:rPr lang="en-US" altLang="ko-KR" sz="1200" b="0" dirty="0">
+                <a:solidFill>
+                  <a:srgbClr val="D4D4D4"/>
+                </a:solidFill>
+                <a:effectLst/>
+                <a:latin typeface="ubuntu mono derivative powerline" panose="020B0509030602030204" pitchFamily="49" charset="0"/>
+              </a:rPr>
+              <a:t>()</a:t>
+            </a:r>
           </a:p>
         </p:txBody>
       </p:sp>
-      <p:sp>
-        <p:nvSpPr>
-          <p:cNvPr id="15" name="사각형: 둥근 모서리 14">
+      <p:pic>
+        <p:nvPicPr>
+          <p:cNvPr id="6" name="그림 5">
             <a:extLst>
               <a:ext uri="{FF2B5EF4-FFF2-40B4-BE49-F238E27FC236}">
-                <a16:creationId xmlns:a16="http://schemas.microsoft.com/office/drawing/2014/main" id="{FDB6B042-454A-B2B1-7843-1BFA9A42DA38}"/>
+                <a16:creationId xmlns:a16="http://schemas.microsoft.com/office/drawing/2014/main" id="{3488CD52-AA16-6DB2-60DC-737014A6495F}"/>
               </a:ext>
             </a:extLst>
           </p:cNvPr>
-          <p:cNvSpPr/>
+          <p:cNvPicPr>
+            <a:picLocks noChangeAspect="1"/>
+          </p:cNvPicPr>
           <p:nvPr/>
-        </p:nvSpPr>
+        </p:nvPicPr>
+        <p:blipFill>
+          <a:blip r:embed="rId2"/>
+          <a:stretch>
+            <a:fillRect/>
+          </a:stretch>
+        </p:blipFill>
         <p:spPr>
           <a:xfrm>
-            <a:off x="6614271" y="3347209"/>
-            <a:ext cx="2075865" cy="198369"/>
+            <a:off x="5364088" y="1194815"/>
+            <a:ext cx="3523988" cy="4459499"/>
           </a:xfrm>
-          <a:prstGeom prst="roundRect">
+          <a:prstGeom prst="rect">
             <a:avLst/>
           </a:prstGeom>
-          <a:noFill/>
-          <a:ln>
-            <a:solidFill>
-              <a:srgbClr val="0000FF"/>
-            </a:solidFill>
-          </a:ln>
         </p:spPr>
-        <p:style>
-          <a:lnRef idx="2">
-            <a:schemeClr val="accent1">
-              <a:shade val="50000"/>
-            </a:schemeClr>
-          </a:lnRef>
-          <a:fillRef idx="1">
-            <a:schemeClr val="accent1"/>
-          </a:fillRef>
-          <a:effectRef idx="0">
-            <a:schemeClr val="accent1"/>
-          </a:effectRef>
-          <a:fontRef idx="minor">
-            <a:schemeClr val="lt1"/>
-          </a:fontRef>
-        </p:style>
-        <p:txBody>
-          <a:bodyPr rtlCol="0" anchor="ctr"/>
-          <a:lstStyle/>
-          <a:p>
-            <a:pPr algn="ctr"/>
-            <a:endParaRPr lang="ko-KR" altLang="en-US"/>
-          </a:p>
-        </p:txBody>
-      </p:sp>
+      </p:pic>
     </p:spTree>
     <p:extLst>
       <p:ext uri="{BB962C8B-B14F-4D97-AF65-F5344CB8AC3E}">
-        <p14:creationId xmlns:p14="http://schemas.microsoft.com/office/powerpoint/2010/main" val="1847696111"/>
+        <p14:creationId xmlns:p14="http://schemas.microsoft.com/office/powerpoint/2010/main" val="1099868990"/>
       </p:ext>
     </p:extLst>
   </p:cSld>
   <p:clrMapOvr>
     <a:masterClrMapping/>
   </p:clrMapOvr>
-  <p:timing>
-    <p:tnLst>
-      <p:par>
-        <p:cTn id="1" dur="indefinite" restart="never" nodeType="tmRoot">
-          <p:childTnLst>
-            <p:seq concurrent="1" nextAc="seek">
-              <p:cTn id="2" dur="indefinite" nodeType="mainSeq">
-                <p:childTnLst>
-                  <p:par>
-                    <p:cTn id="3" fill="hold">
-                      <p:stCondLst>
-                        <p:cond delay="indefinite"/>
-                      </p:stCondLst>
-                      <p:childTnLst>
-                        <p:par>
-                          <p:cTn id="4" fill="hold">
-                            <p:stCondLst>
-                              <p:cond delay="0"/>
-                            </p:stCondLst>
-                            <p:childTnLst>
-                              <p:par>
-                                <p:cTn id="5" presetID="10" presetClass="entr" presetSubtype="0" fill="hold" grpId="0" nodeType="clickEffect">
-                                  <p:stCondLst>
-                                    <p:cond delay="0"/>
-                                  </p:stCondLst>
-                                  <p:childTnLst>
-                                    <p:set>
-                                      <p:cBhvr>
-                                        <p:cTn id="6" dur="1" fill="hold">
-                                          <p:stCondLst>
-                                            <p:cond delay="0"/>
-                                          </p:stCondLst>
-                                        </p:cTn>
-                                        <p:tgtEl>
-                                          <p:spTgt spid="7"/>
-                                        </p:tgtEl>
-                                        <p:attrNameLst>
-                                          <p:attrName>style.visibility</p:attrName>
-                                        </p:attrNameLst>
-                                      </p:cBhvr>
-                                      <p:to>
-                                        <p:strVal val="visible"/>
-                                      </p:to>
-                                    </p:set>
-                                    <p:animEffect transition="in" filter="fade">
-                                      <p:cBhvr>
-                                        <p:cTn id="7" dur="500"/>
-                                        <p:tgtEl>
-                                          <p:spTgt spid="7"/>
-                                        </p:tgtEl>
-                                      </p:cBhvr>
-                                    </p:animEffect>
-                                  </p:childTnLst>
-                                </p:cTn>
-                              </p:par>
-                            </p:childTnLst>
-                          </p:cTn>
-                        </p:par>
-                      </p:childTnLst>
-                    </p:cTn>
-                  </p:par>
-                  <p:par>
-                    <p:cTn id="8" fill="hold">
-                      <p:stCondLst>
-                        <p:cond delay="indefinite"/>
-                      </p:stCondLst>
-                      <p:childTnLst>
-                        <p:par>
-                          <p:cTn id="9" fill="hold">
-                            <p:stCondLst>
-                              <p:cond delay="0"/>
-                            </p:stCondLst>
-                            <p:childTnLst>
-                              <p:par>
-                                <p:cTn id="10" presetID="10" presetClass="entr" presetSubtype="0" fill="hold" grpId="0" nodeType="clickEffect">
-                                  <p:stCondLst>
-                                    <p:cond delay="0"/>
-                                  </p:stCondLst>
-                                  <p:childTnLst>
-                                    <p:set>
-                                      <p:cBhvr>
-                                        <p:cTn id="11" dur="1" fill="hold">
-                                          <p:stCondLst>
-                                            <p:cond delay="0"/>
-                                          </p:stCondLst>
-                                        </p:cTn>
-                                        <p:tgtEl>
-                                          <p:spTgt spid="9"/>
-                                        </p:tgtEl>
-                                        <p:attrNameLst>
-                                          <p:attrName>style.visibility</p:attrName>
-                                        </p:attrNameLst>
-                                      </p:cBhvr>
-                                      <p:to>
-                                        <p:strVal val="visible"/>
-                                      </p:to>
-                                    </p:set>
-                                    <p:animEffect transition="in" filter="fade">
-                                      <p:cBhvr>
-                                        <p:cTn id="12" dur="500"/>
-                                        <p:tgtEl>
-                                          <p:spTgt spid="9"/>
-                                        </p:tgtEl>
-                                      </p:cBhvr>
-                                    </p:animEffect>
-                                  </p:childTnLst>
-                                </p:cTn>
-                              </p:par>
-                              <p:par>
-                                <p:cTn id="13" presetID="10" presetClass="entr" presetSubtype="0" fill="hold" grpId="0" nodeType="withEffect">
-                                  <p:stCondLst>
-                                    <p:cond delay="0"/>
-                                  </p:stCondLst>
-                                  <p:childTnLst>
-                                    <p:set>
-                                      <p:cBhvr>
-                                        <p:cTn id="14" dur="1" fill="hold">
-                                          <p:stCondLst>
-                                            <p:cond delay="0"/>
-                                          </p:stCondLst>
-                                        </p:cTn>
-                                        <p:tgtEl>
-                                          <p:spTgt spid="12"/>
-                                        </p:tgtEl>
-                                        <p:attrNameLst>
-                                          <p:attrName>style.visibility</p:attrName>
-                                        </p:attrNameLst>
-                                      </p:cBhvr>
-                                      <p:to>
-                                        <p:strVal val="visible"/>
-                                      </p:to>
-                                    </p:set>
-                                    <p:animEffect transition="in" filter="fade">
-                                      <p:cBhvr>
-                                        <p:cTn id="15" dur="500"/>
-                                        <p:tgtEl>
-                                          <p:spTgt spid="12"/>
-                                        </p:tgtEl>
-                                      </p:cBhvr>
-                                    </p:animEffect>
-                                  </p:childTnLst>
-                                </p:cTn>
-                              </p:par>
-                              <p:par>
-                                <p:cTn id="16" presetID="10" presetClass="entr" presetSubtype="0" fill="hold" grpId="0" nodeType="withEffect">
-                                  <p:stCondLst>
-                                    <p:cond delay="0"/>
-                                  </p:stCondLst>
-                                  <p:childTnLst>
-                                    <p:set>
-                                      <p:cBhvr>
-                                        <p:cTn id="17" dur="1" fill="hold">
-                                          <p:stCondLst>
-                                            <p:cond delay="0"/>
-                                          </p:stCondLst>
-                                        </p:cTn>
-                                        <p:tgtEl>
-                                          <p:spTgt spid="14"/>
-                                        </p:tgtEl>
-                                        <p:attrNameLst>
-                                          <p:attrName>style.visibility</p:attrName>
-                                        </p:attrNameLst>
-                                      </p:cBhvr>
-                                      <p:to>
-                                        <p:strVal val="visible"/>
-                                      </p:to>
-                                    </p:set>
-                                    <p:animEffect transition="in" filter="fade">
-                                      <p:cBhvr>
-                                        <p:cTn id="18" dur="500"/>
-                                        <p:tgtEl>
-                                          <p:spTgt spid="14"/>
-                                        </p:tgtEl>
-                                      </p:cBhvr>
-                                    </p:animEffect>
-                                  </p:childTnLst>
-                                </p:cTn>
-                              </p:par>
-                              <p:par>
-                                <p:cTn id="19" presetID="10" presetClass="entr" presetSubtype="0" fill="hold" grpId="0" nodeType="withEffect">
-                                  <p:stCondLst>
-                                    <p:cond delay="0"/>
-                                  </p:stCondLst>
-                                  <p:childTnLst>
-                                    <p:set>
-                                      <p:cBhvr>
-                                        <p:cTn id="20" dur="1" fill="hold">
-                                          <p:stCondLst>
-                                            <p:cond delay="0"/>
-                                          </p:stCondLst>
-                                        </p:cTn>
-                                        <p:tgtEl>
-                                          <p:spTgt spid="15"/>
-                                        </p:tgtEl>
-                                        <p:attrNameLst>
-                                          <p:attrName>style.visibility</p:attrName>
-                                        </p:attrNameLst>
-                                      </p:cBhvr>
-                                      <p:to>
-                                        <p:strVal val="visible"/>
-                                      </p:to>
-                                    </p:set>
-                                    <p:animEffect transition="in" filter="fade">
-                                      <p:cBhvr>
-                                        <p:cTn id="21" dur="500"/>
-                                        <p:tgtEl>
-                                          <p:spTgt spid="15"/>
-                                        </p:tgtEl>
-                                      </p:cBhvr>
-                                    </p:animEffect>
-                                  </p:childTnLst>
-                                </p:cTn>
-                              </p:par>
-                            </p:childTnLst>
-                          </p:cTn>
-                        </p:par>
-                      </p:childTnLst>
-                    </p:cTn>
-                  </p:par>
-                </p:childTnLst>
-              </p:cTn>
-              <p:prevCondLst>
-                <p:cond evt="onPrev" delay="0">
-                  <p:tgtEl>
-                    <p:sldTgt/>
-                  </p:tgtEl>
-                </p:cond>
-              </p:prevCondLst>
-              <p:nextCondLst>
-                <p:cond evt="onNext" delay="0">
-                  <p:tgtEl>
-                    <p:sldTgt/>
-                  </p:tgtEl>
-                </p:cond>
-              </p:nextCondLst>
-            </p:seq>
-          </p:childTnLst>
-        </p:cTn>
-      </p:par>
-    </p:tnLst>
-    <p:bldLst>
-      <p:bldP spid="7" grpId="0"/>
-      <p:bldP spid="9" grpId="0" animBg="1"/>
-      <p:bldP spid="12" grpId="0" animBg="1"/>
-      <p:bldP spid="14" grpId="0" animBg="1"/>
-      <p:bldP spid="15" grpId="0" animBg="1"/>
-    </p:bldLst>
-  </p:timing>
 </p:sld>
 </file>
 

--- a/2022-11-08/documents/CH_06 화소 처리.pptx
+++ b/2022-11-08/documents/CH_06 화소 처리.pptx
@@ -7112,23 +7112,23 @@
           <a:lstStyle/>
           <a:p>
             <a:r>
-              <a:rPr lang="en-US" altLang="ko-KR"/>
+              <a:rPr lang="en-US" altLang="ko-KR" dirty="0"/>
               <a:t>6.3 </a:t>
             </a:r>
             <a:r>
-              <a:rPr lang="ko-KR" altLang="en-US"/>
+              <a:rPr lang="ko-KR" altLang="en-US" dirty="0"/>
               <a:t>히스토그램</a:t>
             </a:r>
-            <a:endParaRPr lang="en-US" altLang="ko-KR"/>
+            <a:endParaRPr lang="en-US" altLang="ko-KR" dirty="0"/>
           </a:p>
           <a:p>
             <a:pPr lvl="1"/>
             <a:r>
-              <a:rPr lang="en-US" altLang="ko-KR"/>
+              <a:rPr lang="en-US" altLang="ko-KR" dirty="0"/>
               <a:t>6.3.6 </a:t>
             </a:r>
             <a:r>
-              <a:rPr lang="ko-KR" altLang="en-US"/>
+              <a:rPr lang="ko-KR" altLang="en-US" dirty="0"/>
               <a:t>히스토그램 그리기</a:t>
             </a:r>
             <a:endParaRPr lang="en-US" altLang="ko-KR" dirty="0"/>
@@ -7980,7 +7980,7 @@
         </p:blipFill>
         <p:spPr>
           <a:xfrm>
-            <a:off x="4860032" y="2199734"/>
+            <a:off x="4860032" y="2549618"/>
             <a:ext cx="4154397" cy="2308766"/>
           </a:xfrm>
           <a:prstGeom prst="rect">
@@ -8002,8 +8002,8 @@
         </p:nvSpPr>
         <p:spPr>
           <a:xfrm>
-            <a:off x="1691680" y="3505572"/>
-            <a:ext cx="612091" cy="168183"/>
+            <a:off x="1486309" y="3515691"/>
+            <a:ext cx="493404" cy="168183"/>
           </a:xfrm>
           <a:prstGeom prst="rect">
             <a:avLst/>
@@ -8169,6 +8169,297 @@
               </a:rPr>
               <a:t>히스토그램을 막대 그래프로 출력</a:t>
             </a:r>
+          </a:p>
+        </p:txBody>
+      </p:sp>
+      <p:sp>
+        <p:nvSpPr>
+          <p:cNvPr id="5" name="TextBox 4">
+            <a:extLst>
+              <a:ext uri="{FF2B5EF4-FFF2-40B4-BE49-F238E27FC236}">
+                <a16:creationId xmlns:a16="http://schemas.microsoft.com/office/drawing/2014/main" id="{05C07955-3361-DFA9-557B-413429AFE2EE}"/>
+              </a:ext>
+            </a:extLst>
+          </p:cNvPr>
+          <p:cNvSpPr txBox="1"/>
+          <p:nvPr/>
+        </p:nvSpPr>
+        <p:spPr>
+          <a:xfrm>
+            <a:off x="4950452" y="1342515"/>
+            <a:ext cx="3922869" cy="938719"/>
+          </a:xfrm>
+          <a:prstGeom prst="rect">
+            <a:avLst/>
+          </a:prstGeom>
+          <a:noFill/>
+          <a:ln w="19050">
+            <a:solidFill>
+              <a:srgbClr val="FF0000"/>
+            </a:solidFill>
+            <a:prstDash val="dash"/>
+          </a:ln>
+        </p:spPr>
+        <p:txBody>
+          <a:bodyPr wrap="none" rtlCol="0">
+            <a:spAutoFit/>
+          </a:bodyPr>
+          <a:lstStyle/>
+          <a:p>
+            <a:r>
+              <a:rPr lang="en-US" altLang="ko-KR" sz="1100" b="0" dirty="0">
+                <a:solidFill>
+                  <a:srgbClr val="7030A0"/>
+                </a:solidFill>
+                <a:effectLst/>
+                <a:latin typeface="ubuntu mono derivative powerline" panose="020B0509030602030204" pitchFamily="49" charset="0"/>
+              </a:rPr>
+              <a:t>cv2</a:t>
+            </a:r>
+            <a:r>
+              <a:rPr lang="en-US" altLang="ko-KR" sz="1100" b="0" dirty="0">
+                <a:effectLst/>
+                <a:latin typeface="ubuntu mono derivative powerline" panose="020B0509030602030204" pitchFamily="49" charset="0"/>
+              </a:rPr>
+              <a:t>.</a:t>
+            </a:r>
+            <a:r>
+              <a:rPr lang="en-US" altLang="ko-KR" sz="1100" b="0" dirty="0">
+                <a:solidFill>
+                  <a:srgbClr val="0000FF"/>
+                </a:solidFill>
+                <a:effectLst/>
+                <a:latin typeface="ubuntu mono derivative powerline" panose="020B0509030602030204" pitchFamily="49" charset="0"/>
+              </a:rPr>
+              <a:t>calcHist</a:t>
+            </a:r>
+            <a:r>
+              <a:rPr lang="en-US" altLang="ko-KR" sz="1100" b="0" dirty="0">
+                <a:effectLst/>
+                <a:latin typeface="ubuntu mono derivative powerline" panose="020B0509030602030204" pitchFamily="49" charset="0"/>
+              </a:rPr>
+              <a:t>(image, channel, mask, </a:t>
+            </a:r>
+            <a:r>
+              <a:rPr lang="en-US" altLang="ko-KR" sz="1100" b="0" dirty="0" err="1">
+                <a:effectLst/>
+                <a:latin typeface="ubuntu mono derivative powerline" panose="020B0509030602030204" pitchFamily="49" charset="0"/>
+              </a:rPr>
+              <a:t>histSize</a:t>
+            </a:r>
+            <a:r>
+              <a:rPr lang="en-US" altLang="ko-KR" sz="1100" b="0" dirty="0">
+                <a:effectLst/>
+                <a:latin typeface="ubuntu mono derivative powerline" panose="020B0509030602030204" pitchFamily="49" charset="0"/>
+              </a:rPr>
+              <a:t>, ranges)</a:t>
+            </a:r>
+          </a:p>
+          <a:p>
+            <a:r>
+              <a:rPr lang="en-US" altLang="ko-KR" sz="1100" dirty="0">
+                <a:solidFill>
+                  <a:srgbClr val="00B050"/>
+                </a:solidFill>
+                <a:latin typeface="ubuntu mono derivative powerline" panose="020B0509030602030204" pitchFamily="49" charset="0"/>
+              </a:rPr>
+              <a:t># </a:t>
+            </a:r>
+            <a:r>
+              <a:rPr lang="ko-KR" altLang="en-US" sz="1100" dirty="0">
+                <a:solidFill>
+                  <a:srgbClr val="00B050"/>
+                </a:solidFill>
+                <a:latin typeface="ubuntu mono derivative powerline" panose="020B0509030602030204" pitchFamily="49" charset="0"/>
+              </a:rPr>
+              <a:t>이미지</a:t>
+            </a:r>
+            <a:r>
+              <a:rPr lang="en-US" altLang="ko-KR" sz="1100" dirty="0">
+                <a:solidFill>
+                  <a:srgbClr val="00B050"/>
+                </a:solidFill>
+                <a:latin typeface="ubuntu mono derivative powerline" panose="020B0509030602030204" pitchFamily="49" charset="0"/>
+              </a:rPr>
+              <a:t>, </a:t>
+            </a:r>
+            <a:r>
+              <a:rPr lang="ko-KR" altLang="en-US" sz="1100" dirty="0">
+                <a:solidFill>
+                  <a:srgbClr val="00B050"/>
+                </a:solidFill>
+                <a:latin typeface="ubuntu mono derivative powerline" panose="020B0509030602030204" pitchFamily="49" charset="0"/>
+              </a:rPr>
+              <a:t>채널</a:t>
+            </a:r>
+            <a:r>
+              <a:rPr lang="en-US" altLang="ko-KR" sz="1100" dirty="0">
+                <a:solidFill>
+                  <a:srgbClr val="00B050"/>
+                </a:solidFill>
+                <a:latin typeface="ubuntu mono derivative powerline" panose="020B0509030602030204" pitchFamily="49" charset="0"/>
+              </a:rPr>
+              <a:t>, </a:t>
+            </a:r>
+            <a:r>
+              <a:rPr lang="ko-KR" altLang="en-US" sz="1100" dirty="0">
+                <a:solidFill>
+                  <a:srgbClr val="00B050"/>
+                </a:solidFill>
+                <a:latin typeface="ubuntu mono derivative powerline" panose="020B0509030602030204" pitchFamily="49" charset="0"/>
+              </a:rPr>
+              <a:t>마스크</a:t>
+            </a:r>
+            <a:r>
+              <a:rPr lang="en-US" altLang="ko-KR" sz="1100" dirty="0">
+                <a:solidFill>
+                  <a:srgbClr val="00B050"/>
+                </a:solidFill>
+                <a:latin typeface="ubuntu mono derivative powerline" panose="020B0509030602030204" pitchFamily="49" charset="0"/>
+              </a:rPr>
+              <a:t>, </a:t>
+            </a:r>
+            <a:r>
+              <a:rPr lang="ko-KR" altLang="en-US" sz="1100" dirty="0">
+                <a:solidFill>
+                  <a:srgbClr val="00B050"/>
+                </a:solidFill>
+                <a:latin typeface="ubuntu mono derivative powerline" panose="020B0509030602030204" pitchFamily="49" charset="0"/>
+              </a:rPr>
+              <a:t>히스토그램크기</a:t>
+            </a:r>
+            <a:r>
+              <a:rPr lang="en-US" altLang="ko-KR" sz="1100" dirty="0">
+                <a:solidFill>
+                  <a:srgbClr val="00B050"/>
+                </a:solidFill>
+                <a:latin typeface="ubuntu mono derivative powerline" panose="020B0509030602030204" pitchFamily="49" charset="0"/>
+              </a:rPr>
+              <a:t>, </a:t>
+            </a:r>
+            <a:r>
+              <a:rPr lang="ko-KR" altLang="en-US" sz="1100" dirty="0" err="1">
+                <a:solidFill>
+                  <a:srgbClr val="00B050"/>
+                </a:solidFill>
+                <a:latin typeface="ubuntu mono derivative powerline" panose="020B0509030602030204" pitchFamily="49" charset="0"/>
+              </a:rPr>
+              <a:t>화소범위</a:t>
+            </a:r>
+            <a:endParaRPr lang="en-US" altLang="ko-KR" sz="1100" dirty="0">
+              <a:solidFill>
+                <a:srgbClr val="00B050"/>
+              </a:solidFill>
+              <a:latin typeface="ubuntu mono derivative powerline" panose="020B0509030602030204" pitchFamily="49" charset="0"/>
+            </a:endParaRPr>
+          </a:p>
+          <a:p>
+            <a:endParaRPr lang="en-US" altLang="ko-KR" sz="1100" b="0" dirty="0">
+              <a:solidFill>
+                <a:srgbClr val="7030A0"/>
+              </a:solidFill>
+              <a:effectLst/>
+              <a:latin typeface="ubuntu mono derivative powerline" panose="020B0509030602030204" pitchFamily="49" charset="0"/>
+            </a:endParaRPr>
+          </a:p>
+          <a:p>
+            <a:r>
+              <a:rPr lang="en-US" altLang="ko-KR" sz="1100" b="0" dirty="0" err="1">
+                <a:solidFill>
+                  <a:srgbClr val="7030A0"/>
+                </a:solidFill>
+                <a:effectLst/>
+                <a:latin typeface="ubuntu mono derivative powerline" panose="020B0509030602030204" pitchFamily="49" charset="0"/>
+              </a:rPr>
+              <a:t>plt</a:t>
+            </a:r>
+            <a:r>
+              <a:rPr lang="en-US" altLang="ko-KR" sz="1100" b="0" dirty="0" err="1">
+                <a:effectLst/>
+                <a:latin typeface="ubuntu mono derivative powerline" panose="020B0509030602030204" pitchFamily="49" charset="0"/>
+              </a:rPr>
+              <a:t>.</a:t>
+            </a:r>
+            <a:r>
+              <a:rPr lang="en-US" altLang="ko-KR" sz="1100" b="0" dirty="0" err="1">
+                <a:solidFill>
+                  <a:srgbClr val="0000FF"/>
+                </a:solidFill>
+                <a:effectLst/>
+                <a:latin typeface="ubuntu mono derivative powerline" panose="020B0509030602030204" pitchFamily="49" charset="0"/>
+              </a:rPr>
+              <a:t>bar</a:t>
+            </a:r>
+            <a:r>
+              <a:rPr lang="en-US" altLang="ko-KR" sz="1100" b="0" dirty="0">
+                <a:effectLst/>
+                <a:latin typeface="ubuntu mono derivative powerline" panose="020B0509030602030204" pitchFamily="49" charset="0"/>
+              </a:rPr>
+              <a:t>(x, y, bottom=None, align=‘center’, color=‘k’)</a:t>
+            </a:r>
+          </a:p>
+          <a:p>
+            <a:r>
+              <a:rPr lang="en-US" altLang="ko-KR" sz="1100" dirty="0">
+                <a:solidFill>
+                  <a:srgbClr val="00B050"/>
+                </a:solidFill>
+                <a:latin typeface="ubuntu mono derivative powerline" panose="020B0509030602030204" pitchFamily="49" charset="0"/>
+              </a:rPr>
+              <a:t># </a:t>
+            </a:r>
+            <a:r>
+              <a:rPr lang="ko-KR" altLang="en-US" sz="1100" dirty="0">
+                <a:solidFill>
+                  <a:srgbClr val="00B050"/>
+                </a:solidFill>
+                <a:latin typeface="ubuntu mono derivative powerline" panose="020B0509030602030204" pitchFamily="49" charset="0"/>
+              </a:rPr>
+              <a:t>가로크기</a:t>
+            </a:r>
+            <a:r>
+              <a:rPr lang="en-US" altLang="ko-KR" sz="1100" dirty="0">
+                <a:solidFill>
+                  <a:srgbClr val="00B050"/>
+                </a:solidFill>
+                <a:latin typeface="ubuntu mono derivative powerline" panose="020B0509030602030204" pitchFamily="49" charset="0"/>
+              </a:rPr>
+              <a:t>, </a:t>
+            </a:r>
+            <a:r>
+              <a:rPr lang="ko-KR" altLang="en-US" sz="1100" dirty="0">
+                <a:solidFill>
+                  <a:srgbClr val="00B050"/>
+                </a:solidFill>
+                <a:latin typeface="ubuntu mono derivative powerline" panose="020B0509030602030204" pitchFamily="49" charset="0"/>
+              </a:rPr>
+              <a:t>세로크기</a:t>
+            </a:r>
+            <a:r>
+              <a:rPr lang="en-US" altLang="ko-KR" sz="1100" dirty="0">
+                <a:solidFill>
+                  <a:srgbClr val="00B050"/>
+                </a:solidFill>
+                <a:latin typeface="ubuntu mono derivative powerline" panose="020B0509030602030204" pitchFamily="49" charset="0"/>
+              </a:rPr>
+              <a:t>, bottom, align, </a:t>
+            </a:r>
+            <a:r>
+              <a:rPr lang="ko-KR" altLang="en-US" sz="1100" dirty="0">
+                <a:solidFill>
+                  <a:srgbClr val="00B050"/>
+                </a:solidFill>
+                <a:latin typeface="ubuntu mono derivative powerline" panose="020B0509030602030204" pitchFamily="49" charset="0"/>
+              </a:rPr>
+              <a:t>색상</a:t>
+            </a:r>
+            <a:endParaRPr lang="en-US" altLang="ko-KR" sz="1100" b="0" dirty="0">
+              <a:solidFill>
+                <a:srgbClr val="00B050"/>
+              </a:solidFill>
+              <a:effectLst/>
+              <a:latin typeface="ubuntu mono derivative powerline" panose="020B0509030602030204" pitchFamily="49" charset="0"/>
+            </a:endParaRPr>
           </a:p>
         </p:txBody>
       </p:sp>
@@ -8896,8 +9187,8 @@
         </p:nvSpPr>
         <p:spPr>
           <a:xfrm>
-            <a:off x="2176344" y="2788435"/>
-            <a:ext cx="734873" cy="174479"/>
+            <a:off x="1981459" y="2788435"/>
+            <a:ext cx="646326" cy="174479"/>
           </a:xfrm>
           <a:prstGeom prst="rect">
             <a:avLst/>
@@ -9102,6 +9393,237 @@
           </a:p>
         </p:txBody>
       </p:sp>
+      <p:sp>
+        <p:nvSpPr>
+          <p:cNvPr id="5" name="TextBox 4">
+            <a:extLst>
+              <a:ext uri="{FF2B5EF4-FFF2-40B4-BE49-F238E27FC236}">
+                <a16:creationId xmlns:a16="http://schemas.microsoft.com/office/drawing/2014/main" id="{763319A9-A3B0-5E2F-4241-C0F97CE38780}"/>
+              </a:ext>
+            </a:extLst>
+          </p:cNvPr>
+          <p:cNvSpPr txBox="1"/>
+          <p:nvPr/>
+        </p:nvSpPr>
+        <p:spPr>
+          <a:xfrm>
+            <a:off x="2483768" y="4891692"/>
+            <a:ext cx="3570208" cy="600164"/>
+          </a:xfrm>
+          <a:prstGeom prst="rect">
+            <a:avLst/>
+          </a:prstGeom>
+          <a:noFill/>
+          <a:ln w="19050">
+            <a:solidFill>
+              <a:srgbClr val="FF0000"/>
+            </a:solidFill>
+            <a:prstDash val="dash"/>
+          </a:ln>
+        </p:spPr>
+        <p:txBody>
+          <a:bodyPr wrap="none" rtlCol="0">
+            <a:spAutoFit/>
+          </a:bodyPr>
+          <a:lstStyle/>
+          <a:p>
+            <a:r>
+              <a:rPr lang="en-US" altLang="ko-KR" sz="1100" b="0" dirty="0">
+                <a:solidFill>
+                  <a:srgbClr val="7030A0"/>
+                </a:solidFill>
+                <a:effectLst/>
+                <a:latin typeface="ubuntu mono derivative powerline" panose="020B0509030602030204" pitchFamily="49" charset="0"/>
+              </a:rPr>
+              <a:t>cv2</a:t>
+            </a:r>
+            <a:r>
+              <a:rPr lang="en-US" altLang="ko-KR" sz="1100" b="0" dirty="0">
+                <a:effectLst/>
+                <a:latin typeface="ubuntu mono derivative powerline" panose="020B0509030602030204" pitchFamily="49" charset="0"/>
+              </a:rPr>
+              <a:t>.</a:t>
+            </a:r>
+            <a:r>
+              <a:rPr lang="en-US" altLang="ko-KR" sz="1100" b="0" dirty="0">
+                <a:solidFill>
+                  <a:srgbClr val="0000FF"/>
+                </a:solidFill>
+                <a:effectLst/>
+                <a:latin typeface="ubuntu mono derivative powerline" panose="020B0509030602030204" pitchFamily="49" charset="0"/>
+              </a:rPr>
+              <a:t>normalize</a:t>
+            </a:r>
+            <a:r>
+              <a:rPr lang="en-US" altLang="ko-KR" sz="1100" b="0" dirty="0">
+                <a:effectLst/>
+                <a:latin typeface="ubuntu mono derivative powerline" panose="020B0509030602030204" pitchFamily="49" charset="0"/>
+              </a:rPr>
+              <a:t>(image, </a:t>
+            </a:r>
+            <a:r>
+              <a:rPr lang="en-US" altLang="ko-KR" sz="1100" dirty="0" err="1">
+                <a:latin typeface="ubuntu mono derivative powerline" panose="020B0509030602030204" pitchFamily="49" charset="0"/>
+              </a:rPr>
+              <a:t>dst</a:t>
+            </a:r>
+            <a:r>
+              <a:rPr lang="en-US" altLang="ko-KR" sz="1100" b="0" dirty="0">
+                <a:effectLst/>
+                <a:latin typeface="ubuntu mono derivative powerline" panose="020B0509030602030204" pitchFamily="49" charset="0"/>
+              </a:rPr>
+              <a:t>, alpha, beta, </a:t>
+            </a:r>
+            <a:r>
+              <a:rPr lang="en-US" altLang="ko-KR" sz="1100" b="0" dirty="0" err="1">
+                <a:effectLst/>
+                <a:latin typeface="ubuntu mono derivative powerline" panose="020B0509030602030204" pitchFamily="49" charset="0"/>
+              </a:rPr>
+              <a:t>normtype</a:t>
+            </a:r>
+            <a:r>
+              <a:rPr lang="en-US" altLang="ko-KR" sz="1100" b="0" dirty="0">
+                <a:effectLst/>
+                <a:latin typeface="ubuntu mono derivative powerline" panose="020B0509030602030204" pitchFamily="49" charset="0"/>
+              </a:rPr>
+              <a:t>)</a:t>
+            </a:r>
+          </a:p>
+          <a:p>
+            <a:r>
+              <a:rPr lang="en-US" altLang="ko-KR" sz="1100" dirty="0">
+                <a:solidFill>
+                  <a:srgbClr val="00B050"/>
+                </a:solidFill>
+                <a:latin typeface="ubuntu mono derivative powerline" panose="020B0509030602030204" pitchFamily="49" charset="0"/>
+              </a:rPr>
+              <a:t># </a:t>
+            </a:r>
+            <a:r>
+              <a:rPr lang="ko-KR" altLang="en-US" sz="1100" dirty="0">
+                <a:solidFill>
+                  <a:srgbClr val="00B050"/>
+                </a:solidFill>
+                <a:latin typeface="ubuntu mono derivative powerline" panose="020B0509030602030204" pitchFamily="49" charset="0"/>
+              </a:rPr>
+              <a:t>이미지</a:t>
+            </a:r>
+            <a:r>
+              <a:rPr lang="en-US" altLang="ko-KR" sz="1100" dirty="0">
+                <a:solidFill>
+                  <a:srgbClr val="00B050"/>
+                </a:solidFill>
+                <a:latin typeface="ubuntu mono derivative powerline" panose="020B0509030602030204" pitchFamily="49" charset="0"/>
+              </a:rPr>
+              <a:t>, </a:t>
+            </a:r>
+            <a:r>
+              <a:rPr lang="en-US" altLang="ko-KR" sz="1100" dirty="0" err="1">
+                <a:solidFill>
+                  <a:srgbClr val="00B050"/>
+                </a:solidFill>
+                <a:latin typeface="ubuntu mono derivative powerline" panose="020B0509030602030204" pitchFamily="49" charset="0"/>
+              </a:rPr>
+              <a:t>dst</a:t>
+            </a:r>
+            <a:r>
+              <a:rPr lang="en-US" altLang="ko-KR" sz="1100" dirty="0">
+                <a:solidFill>
+                  <a:srgbClr val="00B050"/>
+                </a:solidFill>
+                <a:latin typeface="ubuntu mono derivative powerline" panose="020B0509030602030204" pitchFamily="49" charset="0"/>
+              </a:rPr>
+              <a:t>, alpha, beta, </a:t>
+            </a:r>
+            <a:r>
+              <a:rPr lang="ko-KR" altLang="en-US" sz="1100" dirty="0" err="1">
+                <a:solidFill>
+                  <a:srgbClr val="00B050"/>
+                </a:solidFill>
+                <a:latin typeface="ubuntu mono derivative powerline" panose="020B0509030602030204" pitchFamily="49" charset="0"/>
+              </a:rPr>
+              <a:t>정규화타입</a:t>
+            </a:r>
+            <a:endParaRPr lang="en-US" altLang="ko-KR" sz="1100" dirty="0">
+              <a:solidFill>
+                <a:srgbClr val="00B050"/>
+              </a:solidFill>
+              <a:latin typeface="ubuntu mono derivative powerline" panose="020B0509030602030204" pitchFamily="49" charset="0"/>
+            </a:endParaRPr>
+          </a:p>
+          <a:p>
+            <a:r>
+              <a:rPr lang="en-US" altLang="ko-KR" sz="1100" dirty="0">
+                <a:solidFill>
+                  <a:srgbClr val="00B050"/>
+                </a:solidFill>
+                <a:latin typeface="ubuntu mono derivative powerline" panose="020B0509030602030204" pitchFamily="49" charset="0"/>
+              </a:rPr>
+              <a:t># </a:t>
+            </a:r>
+            <a:r>
+              <a:rPr lang="en-US" altLang="ko-KR" sz="1100" dirty="0" err="1">
+                <a:solidFill>
+                  <a:srgbClr val="00B050"/>
+                </a:solidFill>
+                <a:latin typeface="ubuntu mono derivative powerline" panose="020B0509030602030204" pitchFamily="49" charset="0"/>
+              </a:rPr>
+              <a:t>dst</a:t>
+            </a:r>
+            <a:r>
+              <a:rPr lang="ko-KR" altLang="en-US" sz="1100" dirty="0">
+                <a:solidFill>
+                  <a:srgbClr val="00B050"/>
+                </a:solidFill>
+                <a:latin typeface="ubuntu mono derivative powerline" panose="020B0509030602030204" pitchFamily="49" charset="0"/>
+              </a:rPr>
+              <a:t>는 </a:t>
+            </a:r>
+            <a:r>
+              <a:rPr lang="en-US" altLang="ko-KR" sz="1100" dirty="0">
+                <a:solidFill>
+                  <a:srgbClr val="00B050"/>
+                </a:solidFill>
+                <a:latin typeface="ubuntu mono derivative powerline" panose="020B0509030602030204" pitchFamily="49" charset="0"/>
+              </a:rPr>
+              <a:t>None</a:t>
+            </a:r>
+            <a:r>
+              <a:rPr lang="ko-KR" altLang="en-US" sz="1100" dirty="0">
+                <a:solidFill>
+                  <a:srgbClr val="00B050"/>
+                </a:solidFill>
+                <a:latin typeface="ubuntu mono derivative powerline" panose="020B0509030602030204" pitchFamily="49" charset="0"/>
+              </a:rPr>
+              <a:t>을 주면 결과값 </a:t>
+            </a:r>
+            <a:r>
+              <a:rPr lang="en-US" altLang="ko-KR" sz="1100" dirty="0">
+                <a:solidFill>
+                  <a:srgbClr val="00B050"/>
+                </a:solidFill>
+                <a:latin typeface="ubuntu mono derivative powerline" panose="020B0509030602030204" pitchFamily="49" charset="0"/>
+              </a:rPr>
+              <a:t>return</a:t>
+            </a:r>
+            <a:r>
+              <a:rPr lang="ko-KR" altLang="en-US" sz="1100" dirty="0">
+                <a:solidFill>
+                  <a:srgbClr val="00B050"/>
+                </a:solidFill>
+                <a:latin typeface="ubuntu mono derivative powerline" panose="020B0509030602030204" pitchFamily="49" charset="0"/>
+              </a:rPr>
+              <a:t> </a:t>
+            </a:r>
+            <a:endParaRPr lang="en-US" altLang="ko-KR" sz="1100" dirty="0">
+              <a:solidFill>
+                <a:srgbClr val="00B050"/>
+              </a:solidFill>
+              <a:latin typeface="ubuntu mono derivative powerline" panose="020B0509030602030204" pitchFamily="49" charset="0"/>
+            </a:endParaRPr>
+          </a:p>
+        </p:txBody>
+      </p:sp>
     </p:spTree>
     <p:extLst>
       <p:ext uri="{BB962C8B-B14F-4D97-AF65-F5344CB8AC3E}">
@@ -9813,8 +10335,8 @@
         </p:nvSpPr>
         <p:spPr>
           <a:xfrm>
-            <a:off x="2166651" y="2972607"/>
-            <a:ext cx="957818" cy="174479"/>
+            <a:off x="1979712" y="2956453"/>
+            <a:ext cx="792088" cy="174479"/>
           </a:xfrm>
           <a:prstGeom prst="rect">
             <a:avLst/>
@@ -9924,8 +10446,8 @@
         </p:nvCxnSpPr>
         <p:spPr>
           <a:xfrm rot="16200000" flipH="1">
-            <a:off x="2796980" y="2995666"/>
-            <a:ext cx="500617" cy="803456"/>
+            <a:off x="2654001" y="2852687"/>
+            <a:ext cx="516771" cy="1073260"/>
           </a:xfrm>
           <a:prstGeom prst="bentConnector2">
             <a:avLst/>
@@ -10266,6 +10788,204 @@
           </a:fontRef>
         </p:style>
       </p:cxnSp>
+      <p:sp>
+        <p:nvSpPr>
+          <p:cNvPr id="5" name="TextBox 4">
+            <a:extLst>
+              <a:ext uri="{FF2B5EF4-FFF2-40B4-BE49-F238E27FC236}">
+                <a16:creationId xmlns:a16="http://schemas.microsoft.com/office/drawing/2014/main" id="{C205A28F-F40F-9228-B61F-48AEBE87D32F}"/>
+              </a:ext>
+            </a:extLst>
+          </p:cNvPr>
+          <p:cNvSpPr txBox="1"/>
+          <p:nvPr/>
+        </p:nvSpPr>
+        <p:spPr>
+          <a:xfrm>
+            <a:off x="2555776" y="4962733"/>
+            <a:ext cx="2582758" cy="600164"/>
+          </a:xfrm>
+          <a:prstGeom prst="rect">
+            <a:avLst/>
+          </a:prstGeom>
+          <a:noFill/>
+          <a:ln w="19050">
+            <a:solidFill>
+              <a:srgbClr val="FF0000"/>
+            </a:solidFill>
+            <a:prstDash val="dash"/>
+          </a:ln>
+        </p:spPr>
+        <p:txBody>
+          <a:bodyPr wrap="none" rtlCol="0">
+            <a:spAutoFit/>
+          </a:bodyPr>
+          <a:lstStyle/>
+          <a:p>
+            <a:r>
+              <a:rPr lang="en-US" altLang="ko-KR" sz="1100" b="0" dirty="0">
+                <a:solidFill>
+                  <a:srgbClr val="7030A0"/>
+                </a:solidFill>
+                <a:effectLst/>
+                <a:latin typeface="ubuntu mono derivative powerline" panose="020B0509030602030204" pitchFamily="49" charset="0"/>
+              </a:rPr>
+              <a:t>cv2</a:t>
+            </a:r>
+            <a:r>
+              <a:rPr lang="en-US" altLang="ko-KR" sz="1100" b="0" dirty="0">
+                <a:effectLst/>
+                <a:latin typeface="ubuntu mono derivative powerline" panose="020B0509030602030204" pitchFamily="49" charset="0"/>
+              </a:rPr>
+              <a:t>.</a:t>
+            </a:r>
+            <a:r>
+              <a:rPr lang="en-US" altLang="ko-KR" sz="1100" b="0" dirty="0">
+                <a:solidFill>
+                  <a:srgbClr val="0000FF"/>
+                </a:solidFill>
+                <a:effectLst/>
+                <a:latin typeface="ubuntu mono derivative powerline" panose="020B0509030602030204" pitchFamily="49" charset="0"/>
+              </a:rPr>
+              <a:t>equalizeHist</a:t>
+            </a:r>
+            <a:r>
+              <a:rPr lang="en-US" altLang="ko-KR" sz="1100" b="0" dirty="0">
+                <a:effectLst/>
+                <a:latin typeface="ubuntu mono derivative powerline" panose="020B0509030602030204" pitchFamily="49" charset="0"/>
+              </a:rPr>
+              <a:t>(image, </a:t>
+            </a:r>
+            <a:r>
+              <a:rPr lang="en-US" altLang="ko-KR" sz="1100" dirty="0" err="1">
+                <a:latin typeface="ubuntu mono derivative powerline" panose="020B0509030602030204" pitchFamily="49" charset="0"/>
+              </a:rPr>
+              <a:t>dst</a:t>
+            </a:r>
+            <a:r>
+              <a:rPr lang="en-US" altLang="ko-KR" sz="1100" dirty="0">
+                <a:latin typeface="ubuntu mono derivative powerline" panose="020B0509030602030204" pitchFamily="49" charset="0"/>
+              </a:rPr>
+              <a:t>)</a:t>
+            </a:r>
+          </a:p>
+          <a:p>
+            <a:r>
+              <a:rPr lang="en-US" altLang="ko-KR" sz="1100" dirty="0">
+                <a:solidFill>
+                  <a:srgbClr val="00B050"/>
+                </a:solidFill>
+                <a:latin typeface="ubuntu mono derivative powerline" panose="020B0509030602030204" pitchFamily="49" charset="0"/>
+              </a:rPr>
+              <a:t># </a:t>
+            </a:r>
+            <a:r>
+              <a:rPr lang="ko-KR" altLang="en-US" sz="1100" dirty="0">
+                <a:solidFill>
+                  <a:srgbClr val="00B050"/>
+                </a:solidFill>
+                <a:latin typeface="ubuntu mono derivative powerline" panose="020B0509030602030204" pitchFamily="49" charset="0"/>
+              </a:rPr>
+              <a:t>이미지</a:t>
+            </a:r>
+            <a:r>
+              <a:rPr lang="en-US" altLang="ko-KR" sz="1100" dirty="0">
+                <a:solidFill>
+                  <a:srgbClr val="00B050"/>
+                </a:solidFill>
+                <a:latin typeface="ubuntu mono derivative powerline" panose="020B0509030602030204" pitchFamily="49" charset="0"/>
+              </a:rPr>
+              <a:t>, </a:t>
+            </a:r>
+            <a:r>
+              <a:rPr lang="en-US" altLang="ko-KR" sz="1100" dirty="0" err="1">
+                <a:solidFill>
+                  <a:srgbClr val="00B050"/>
+                </a:solidFill>
+                <a:latin typeface="ubuntu mono derivative powerline" panose="020B0509030602030204" pitchFamily="49" charset="0"/>
+              </a:rPr>
+              <a:t>dst</a:t>
+            </a:r>
+            <a:endParaRPr lang="en-US" altLang="ko-KR" sz="1100" dirty="0">
+              <a:solidFill>
+                <a:srgbClr val="00B050"/>
+              </a:solidFill>
+              <a:latin typeface="ubuntu mono derivative powerline" panose="020B0509030602030204" pitchFamily="49" charset="0"/>
+            </a:endParaRPr>
+          </a:p>
+          <a:p>
+            <a:r>
+              <a:rPr lang="en-US" altLang="ko-KR" sz="1100" dirty="0">
+                <a:solidFill>
+                  <a:srgbClr val="00B050"/>
+                </a:solidFill>
+                <a:latin typeface="ubuntu mono derivative powerline" panose="020B0509030602030204" pitchFamily="49" charset="0"/>
+              </a:rPr>
+              <a:t># </a:t>
+            </a:r>
+            <a:r>
+              <a:rPr lang="en-US" altLang="ko-KR" sz="1100" dirty="0" err="1">
+                <a:solidFill>
+                  <a:srgbClr val="00B050"/>
+                </a:solidFill>
+                <a:latin typeface="ubuntu mono derivative powerline" panose="020B0509030602030204" pitchFamily="49" charset="0"/>
+              </a:rPr>
+              <a:t>dst</a:t>
+            </a:r>
+            <a:r>
+              <a:rPr lang="ko-KR" altLang="en-US" sz="1100" dirty="0">
+                <a:solidFill>
+                  <a:srgbClr val="00B050"/>
+                </a:solidFill>
+                <a:latin typeface="ubuntu mono derivative powerline" panose="020B0509030602030204" pitchFamily="49" charset="0"/>
+              </a:rPr>
+              <a:t>는 </a:t>
+            </a:r>
+            <a:r>
+              <a:rPr lang="en-US" altLang="ko-KR" sz="1100" dirty="0">
+                <a:solidFill>
+                  <a:srgbClr val="00B050"/>
+                </a:solidFill>
+                <a:latin typeface="ubuntu mono derivative powerline" panose="020B0509030602030204" pitchFamily="49" charset="0"/>
+              </a:rPr>
+              <a:t>None</a:t>
+            </a:r>
+            <a:r>
+              <a:rPr lang="ko-KR" altLang="en-US" sz="1100" dirty="0">
+                <a:solidFill>
+                  <a:srgbClr val="00B050"/>
+                </a:solidFill>
+                <a:latin typeface="ubuntu mono derivative powerline" panose="020B0509030602030204" pitchFamily="49" charset="0"/>
+              </a:rPr>
+              <a:t>을 주면 결과값 </a:t>
+            </a:r>
+            <a:r>
+              <a:rPr lang="en-US" altLang="ko-KR" sz="1100" dirty="0">
+                <a:solidFill>
+                  <a:srgbClr val="00B050"/>
+                </a:solidFill>
+                <a:latin typeface="ubuntu mono derivative powerline" panose="020B0509030602030204" pitchFamily="49" charset="0"/>
+              </a:rPr>
+              <a:t>return</a:t>
+            </a:r>
+            <a:r>
+              <a:rPr lang="ko-KR" altLang="en-US" sz="1100" dirty="0">
+                <a:solidFill>
+                  <a:srgbClr val="00B050"/>
+                </a:solidFill>
+                <a:latin typeface="ubuntu mono derivative powerline" panose="020B0509030602030204" pitchFamily="49" charset="0"/>
+              </a:rPr>
+              <a:t> </a:t>
+            </a:r>
+            <a:endParaRPr lang="en-US" altLang="ko-KR" sz="1100" dirty="0">
+              <a:solidFill>
+                <a:srgbClr val="00B050"/>
+              </a:solidFill>
+              <a:latin typeface="ubuntu mono derivative powerline" panose="020B0509030602030204" pitchFamily="49" charset="0"/>
+            </a:endParaRPr>
+          </a:p>
+        </p:txBody>
+      </p:sp>
     </p:spTree>
     <p:extLst>
       <p:ext uri="{BB962C8B-B14F-4D97-AF65-F5344CB8AC3E}">
@@ -10378,7 +11098,7 @@
         <p:spPr>
           <a:xfrm>
             <a:off x="880685" y="1993404"/>
-            <a:ext cx="7219707" cy="3647152"/>
+            <a:ext cx="7219707" cy="3308598"/>
           </a:xfrm>
           <a:prstGeom prst="rect">
             <a:avLst/>
@@ -10408,296 +11128,366 @@
               <a:t> </a:t>
             </a:r>
             <a:r>
-              <a:rPr lang="en-US" altLang="ko-KR" sz="1100" dirty="0" err="1">
+              <a:rPr lang="en-US" altLang="ko-KR" sz="1100" b="0" dirty="0" err="1">
                 <a:solidFill>
                   <a:srgbClr val="7030A0"/>
                 </a:solidFill>
+                <a:effectLst/>
                 <a:latin typeface="ubuntu mono derivative powerline" panose="020B0509030602030204" pitchFamily="49" charset="0"/>
               </a:rPr>
               <a:t>numpy</a:t>
             </a:r>
             <a:r>
-              <a:rPr lang="ko-KR" altLang="en-US" sz="1100" dirty="0">
+              <a:rPr lang="en-US" altLang="ko-KR" sz="1100" b="0" dirty="0">
+                <a:effectLst/>
                 <a:latin typeface="ubuntu mono derivative powerline" panose="020B0509030602030204" pitchFamily="49" charset="0"/>
               </a:rPr>
               <a:t> </a:t>
             </a:r>
             <a:r>
-              <a:rPr lang="en-US" altLang="ko-KR" sz="1100" dirty="0">
+              <a:rPr lang="en-US" altLang="ko-KR" sz="1100" b="0" dirty="0">
                 <a:solidFill>
                   <a:srgbClr val="CC9B00"/>
                 </a:solidFill>
+                <a:effectLst/>
                 <a:latin typeface="ubuntu mono derivative powerline" panose="020B0509030602030204" pitchFamily="49" charset="0"/>
               </a:rPr>
               <a:t>as</a:t>
             </a:r>
             <a:r>
-              <a:rPr lang="ko-KR" altLang="en-US" sz="1100" dirty="0">
+              <a:rPr lang="en-US" altLang="ko-KR" sz="1100" b="0" dirty="0">
+                <a:effectLst/>
                 <a:latin typeface="ubuntu mono derivative powerline" panose="020B0509030602030204" pitchFamily="49" charset="0"/>
               </a:rPr>
               <a:t> </a:t>
             </a:r>
             <a:r>
-              <a:rPr lang="en-US" altLang="ko-KR" sz="1100" dirty="0">
+              <a:rPr lang="en-US" altLang="ko-KR" sz="1100" b="0" dirty="0">
                 <a:solidFill>
                   <a:srgbClr val="7030A0"/>
                 </a:solidFill>
+                <a:effectLst/>
                 <a:latin typeface="ubuntu mono derivative powerline" panose="020B0509030602030204" pitchFamily="49" charset="0"/>
               </a:rPr>
               <a:t>np</a:t>
             </a:r>
             <a:r>
-              <a:rPr lang="en-US" altLang="ko-KR" sz="1100" dirty="0">
-                <a:latin typeface="ubuntu mono derivative powerline" panose="020B0509030602030204" pitchFamily="49" charset="0"/>
-              </a:rPr>
-              <a:t>,</a:t>
-            </a:r>
-            <a:r>
-              <a:rPr lang="ko-KR" altLang="en-US" sz="1100" dirty="0">
+              <a:rPr lang="en-US" altLang="ko-KR" sz="1100" b="0" dirty="0">
+                <a:effectLst/>
+                <a:latin typeface="ubuntu mono derivative powerline" panose="020B0509030602030204" pitchFamily="49" charset="0"/>
+              </a:rPr>
+              <a:t>, </a:t>
+            </a:r>
+            <a:r>
+              <a:rPr lang="en-US" altLang="ko-KR" sz="1100" b="0" dirty="0">
+                <a:solidFill>
+                  <a:srgbClr val="7030A0"/>
+                </a:solidFill>
+                <a:effectLst/>
+                <a:latin typeface="ubuntu mono derivative powerline" panose="020B0509030602030204" pitchFamily="49" charset="0"/>
+              </a:rPr>
+              <a:t>cv2</a:t>
+            </a:r>
+          </a:p>
+          <a:p>
+            <a:r>
+              <a:rPr lang="en-US" altLang="ko-KR" sz="1100" b="0" dirty="0">
+                <a:solidFill>
+                  <a:srgbClr val="CC9B00"/>
+                </a:solidFill>
+                <a:effectLst/>
+                <a:latin typeface="ubuntu mono derivative powerline" panose="020B0509030602030204" pitchFamily="49" charset="0"/>
+              </a:rPr>
+              <a:t>import</a:t>
+            </a:r>
+            <a:r>
+              <a:rPr lang="en-US" altLang="ko-KR" sz="1100" b="0" dirty="0">
+                <a:effectLst/>
                 <a:latin typeface="ubuntu mono derivative powerline" panose="020B0509030602030204" pitchFamily="49" charset="0"/>
               </a:rPr>
               <a:t> </a:t>
             </a:r>
             <a:r>
-              <a:rPr lang="en-US" altLang="ko-KR" sz="1100" b="0" dirty="0">
+              <a:rPr lang="en-US" altLang="ko-KR" sz="1100" b="0" dirty="0" err="1">
                 <a:solidFill>
                   <a:srgbClr val="7030A0"/>
                 </a:solidFill>
                 <a:effectLst/>
                 <a:latin typeface="ubuntu mono derivative powerline" panose="020B0509030602030204" pitchFamily="49" charset="0"/>
               </a:rPr>
-              <a:t>cv2</a:t>
-            </a:r>
-          </a:p>
-          <a:p>
-            <a:br>
-              <a:rPr lang="en-US" altLang="ko-KR" sz="1100" b="0" dirty="0">
-                <a:effectLst/>
-                <a:latin typeface="ubuntu mono derivative powerline" panose="020B0509030602030204" pitchFamily="49" charset="0"/>
-              </a:rPr>
-            </a:br>
-            <a:r>
-              <a:rPr lang="en-US" altLang="ko-KR" sz="1100" b="0" dirty="0">
-                <a:effectLst/>
-                <a:latin typeface="ubuntu mono derivative powerline" panose="020B0509030602030204" pitchFamily="49" charset="0"/>
-              </a:rPr>
-              <a:t>image1 = </a:t>
-            </a:r>
-            <a:r>
-              <a:rPr lang="en-US" altLang="ko-KR" sz="1100" b="0" dirty="0">
+              <a:t>matplotlib.pyplot</a:t>
+            </a:r>
+            <a:r>
+              <a:rPr lang="en-US" altLang="ko-KR" sz="1100" b="0" dirty="0">
+                <a:effectLst/>
+                <a:latin typeface="ubuntu mono derivative powerline" panose="020B0509030602030204" pitchFamily="49" charset="0"/>
+              </a:rPr>
+              <a:t> </a:t>
+            </a:r>
+            <a:r>
+              <a:rPr lang="en-US" altLang="ko-KR" sz="1100" b="0" dirty="0">
+                <a:solidFill>
+                  <a:srgbClr val="CC9B00"/>
+                </a:solidFill>
+                <a:effectLst/>
+                <a:latin typeface="ubuntu mono derivative powerline" panose="020B0509030602030204" pitchFamily="49" charset="0"/>
+              </a:rPr>
+              <a:t>as</a:t>
+            </a:r>
+            <a:r>
+              <a:rPr lang="en-US" altLang="ko-KR" sz="1100" b="0" dirty="0">
+                <a:effectLst/>
+                <a:latin typeface="ubuntu mono derivative powerline" panose="020B0509030602030204" pitchFamily="49" charset="0"/>
+              </a:rPr>
+              <a:t> </a:t>
+            </a:r>
+            <a:r>
+              <a:rPr lang="en-US" altLang="ko-KR" sz="1100" b="0" dirty="0" err="1">
                 <a:solidFill>
                   <a:srgbClr val="7030A0"/>
                 </a:solidFill>
                 <a:effectLst/>
                 <a:latin typeface="ubuntu mono derivative powerline" panose="020B0509030602030204" pitchFamily="49" charset="0"/>
               </a:rPr>
-              <a:t>cv2</a:t>
-            </a:r>
-            <a:r>
-              <a:rPr lang="en-US" altLang="ko-KR" sz="1100" b="0" dirty="0">
-                <a:effectLst/>
-                <a:latin typeface="ubuntu mono derivative powerline" panose="020B0509030602030204" pitchFamily="49" charset="0"/>
-              </a:rPr>
-              <a:t>.</a:t>
-            </a:r>
-            <a:r>
-              <a:rPr lang="en-US" altLang="ko-KR" sz="1100" b="0" dirty="0">
-                <a:solidFill>
-                  <a:srgbClr val="0000FF"/>
-                </a:solidFill>
-                <a:effectLst/>
-                <a:latin typeface="ubuntu mono derivative powerline" panose="020B0509030602030204" pitchFamily="49" charset="0"/>
-              </a:rPr>
-              <a:t>imread</a:t>
-            </a:r>
-            <a:r>
-              <a:rPr lang="en-US" altLang="ko-KR" sz="1100" b="0" dirty="0">
-                <a:effectLst/>
-                <a:latin typeface="ubuntu mono derivative powerline" panose="020B0509030602030204" pitchFamily="49" charset="0"/>
-              </a:rPr>
-              <a:t>(‘</a:t>
-            </a:r>
-            <a:r>
-              <a:rPr lang="ko-KR" altLang="en-US" sz="1100" b="0" dirty="0">
-                <a:effectLst/>
-                <a:latin typeface="ubuntu mono derivative powerline" panose="020B0509030602030204" pitchFamily="49" charset="0"/>
-              </a:rPr>
-              <a:t>이미지</a:t>
-            </a:r>
-            <a:r>
-              <a:rPr lang="en-US" altLang="ko-KR" sz="1100" b="0" dirty="0">
-                <a:effectLst/>
-                <a:latin typeface="ubuntu mono derivative powerline" panose="020B0509030602030204" pitchFamily="49" charset="0"/>
-              </a:rPr>
-              <a:t>1 </a:t>
-            </a:r>
-            <a:r>
-              <a:rPr lang="ko-KR" altLang="en-US" sz="1100" b="0" dirty="0">
-                <a:effectLst/>
-                <a:latin typeface="ubuntu mono derivative powerline" panose="020B0509030602030204" pitchFamily="49" charset="0"/>
-              </a:rPr>
-              <a:t>경로</a:t>
-            </a:r>
-            <a:r>
-              <a:rPr lang="en-US" altLang="ko-KR" sz="1100" b="0" dirty="0">
-                <a:effectLst/>
-                <a:latin typeface="ubuntu mono derivative powerline" panose="020B0509030602030204" pitchFamily="49" charset="0"/>
-              </a:rPr>
-              <a:t>’, </a:t>
-            </a:r>
-            <a:r>
-              <a:rPr lang="en-US" altLang="ko-KR" sz="1100" b="0" dirty="0">
-                <a:solidFill>
-                  <a:srgbClr val="7030A0"/>
-                </a:solidFill>
-                <a:effectLst/>
-                <a:latin typeface="ubuntu mono derivative powerline" panose="020B0509030602030204" pitchFamily="49" charset="0"/>
-              </a:rPr>
-              <a:t>cv2</a:t>
-            </a:r>
-            <a:r>
-              <a:rPr lang="en-US" altLang="ko-KR" sz="1100" b="0" dirty="0">
-                <a:effectLst/>
-                <a:latin typeface="ubuntu mono derivative powerline" panose="020B0509030602030204" pitchFamily="49" charset="0"/>
-              </a:rPr>
-              <a:t>.</a:t>
-            </a:r>
-            <a:r>
-              <a:rPr lang="en-US" altLang="ko-KR" sz="1100" b="0" dirty="0">
-                <a:solidFill>
-                  <a:srgbClr val="0000FF"/>
-                </a:solidFill>
-                <a:effectLst/>
-                <a:latin typeface="ubuntu mono derivative powerline" panose="020B0509030602030204" pitchFamily="49" charset="0"/>
-              </a:rPr>
-              <a:t>IMREAD_GRAYSCALE</a:t>
-            </a:r>
-            <a:r>
-              <a:rPr lang="en-US" altLang="ko-KR" sz="1100" b="0" dirty="0">
-                <a:effectLst/>
-                <a:latin typeface="ubuntu mono derivative powerline" panose="020B0509030602030204" pitchFamily="49" charset="0"/>
-              </a:rPr>
-              <a:t>)</a:t>
-            </a:r>
-          </a:p>
-          <a:p>
-            <a:r>
-              <a:rPr lang="en-US" altLang="ko-KR" sz="1100" b="0" dirty="0">
-                <a:effectLst/>
-                <a:latin typeface="ubuntu mono derivative powerline" panose="020B0509030602030204" pitchFamily="49" charset="0"/>
-              </a:rPr>
-              <a:t>image2 = </a:t>
-            </a:r>
-            <a:r>
-              <a:rPr lang="en-US" altLang="ko-KR" sz="1100" b="0" dirty="0">
-                <a:solidFill>
-                  <a:srgbClr val="7030A0"/>
-                </a:solidFill>
-                <a:effectLst/>
-                <a:latin typeface="ubuntu mono derivative powerline" panose="020B0509030602030204" pitchFamily="49" charset="0"/>
-              </a:rPr>
-              <a:t>cv2</a:t>
-            </a:r>
-            <a:r>
-              <a:rPr lang="en-US" altLang="ko-KR" sz="1100" b="0" dirty="0">
-                <a:effectLst/>
-                <a:latin typeface="ubuntu mono derivative powerline" panose="020B0509030602030204" pitchFamily="49" charset="0"/>
-              </a:rPr>
-              <a:t>.</a:t>
-            </a:r>
-            <a:r>
-              <a:rPr lang="en-US" altLang="ko-KR" sz="1100" b="0" dirty="0">
-                <a:solidFill>
-                  <a:srgbClr val="0000FF"/>
-                </a:solidFill>
-                <a:effectLst/>
-                <a:latin typeface="ubuntu mono derivative powerline" panose="020B0509030602030204" pitchFamily="49" charset="0"/>
-              </a:rPr>
-              <a:t>imread</a:t>
-            </a:r>
-            <a:r>
-              <a:rPr lang="en-US" altLang="ko-KR" sz="1100" b="0" dirty="0">
-                <a:effectLst/>
-                <a:latin typeface="ubuntu mono derivative powerline" panose="020B0509030602030204" pitchFamily="49" charset="0"/>
-              </a:rPr>
-              <a:t>(‘</a:t>
-            </a:r>
-            <a:r>
-              <a:rPr lang="ko-KR" altLang="en-US" sz="1100" b="0" dirty="0">
-                <a:effectLst/>
-                <a:latin typeface="ubuntu mono derivative powerline" panose="020B0509030602030204" pitchFamily="49" charset="0"/>
-              </a:rPr>
-              <a:t>이미지</a:t>
-            </a:r>
-            <a:r>
-              <a:rPr lang="en-US" altLang="ko-KR" sz="1100" b="0" dirty="0">
-                <a:effectLst/>
-                <a:latin typeface="ubuntu mono derivative powerline" panose="020B0509030602030204" pitchFamily="49" charset="0"/>
-              </a:rPr>
-              <a:t>2 </a:t>
-            </a:r>
-            <a:r>
-              <a:rPr lang="ko-KR" altLang="en-US" sz="1100" b="0" dirty="0">
-                <a:effectLst/>
-                <a:latin typeface="ubuntu mono derivative powerline" panose="020B0509030602030204" pitchFamily="49" charset="0"/>
-              </a:rPr>
-              <a:t>경로</a:t>
-            </a:r>
-            <a:r>
-              <a:rPr lang="en-US" altLang="ko-KR" sz="1100" dirty="0">
-                <a:latin typeface="ubuntu mono derivative powerline" panose="020B0509030602030204" pitchFamily="49" charset="0"/>
-              </a:rPr>
-              <a:t>’</a:t>
-            </a:r>
-            <a:r>
-              <a:rPr lang="en-US" altLang="ko-KR" sz="1100" b="0" dirty="0">
-                <a:effectLst/>
-                <a:latin typeface="ubuntu mono derivative powerline" panose="020B0509030602030204" pitchFamily="49" charset="0"/>
-              </a:rPr>
-              <a:t>, </a:t>
-            </a:r>
-            <a:r>
-              <a:rPr lang="en-US" altLang="ko-KR" sz="1100" b="0" dirty="0">
-                <a:solidFill>
-                  <a:srgbClr val="7030A0"/>
-                </a:solidFill>
-                <a:effectLst/>
-                <a:latin typeface="ubuntu mono derivative powerline" panose="020B0509030602030204" pitchFamily="49" charset="0"/>
-              </a:rPr>
-              <a:t>cv2</a:t>
-            </a:r>
-            <a:r>
-              <a:rPr lang="en-US" altLang="ko-KR" sz="1100" b="0" dirty="0">
-                <a:effectLst/>
-                <a:latin typeface="ubuntu mono derivative powerline" panose="020B0509030602030204" pitchFamily="49" charset="0"/>
-              </a:rPr>
-              <a:t>.</a:t>
-            </a:r>
-            <a:r>
-              <a:rPr lang="en-US" altLang="ko-KR" sz="1100" b="0" dirty="0">
-                <a:solidFill>
-                  <a:srgbClr val="0000FF"/>
-                </a:solidFill>
-                <a:effectLst/>
-                <a:latin typeface="ubuntu mono derivative powerline" panose="020B0509030602030204" pitchFamily="49" charset="0"/>
-              </a:rPr>
-              <a:t>IMREAD_GRAYSCALE</a:t>
-            </a:r>
-            <a:r>
-              <a:rPr lang="en-US" altLang="ko-KR" sz="1100" b="0" dirty="0">
-                <a:effectLst/>
-                <a:latin typeface="ubuntu mono derivative powerline" panose="020B0509030602030204" pitchFamily="49" charset="0"/>
-              </a:rPr>
-              <a:t>)</a:t>
-            </a:r>
-          </a:p>
-          <a:p>
-            <a:endParaRPr lang="ko-KR" altLang="en-US" sz="1100" b="0" dirty="0">
+              <a:t>plt</a:t>
+            </a:r>
+            <a:endParaRPr lang="en-US" altLang="ko-KR" sz="1100" b="0" dirty="0">
+              <a:solidFill>
+                <a:srgbClr val="7030A0"/>
+              </a:solidFill>
               <a:effectLst/>
               <a:latin typeface="ubuntu mono derivative powerline" panose="020B0509030602030204" pitchFamily="49" charset="0"/>
             </a:endParaRPr>
           </a:p>
           <a:p>
+            <a:endParaRPr lang="en-US" altLang="ko-KR" sz="1100" b="0" dirty="0">
+              <a:effectLst/>
+              <a:latin typeface="ubuntu mono derivative powerline" panose="020B0509030602030204" pitchFamily="49" charset="0"/>
+            </a:endParaRPr>
+          </a:p>
+          <a:p>
+            <a:r>
+              <a:rPr lang="en-US" altLang="ko-KR" sz="1100" b="0" dirty="0">
+                <a:effectLst/>
+                <a:latin typeface="ubuntu mono derivative powerline" panose="020B0509030602030204" pitchFamily="49" charset="0"/>
+              </a:rPr>
+              <a:t>image1 = </a:t>
+            </a:r>
+            <a:r>
+              <a:rPr lang="en-US" altLang="ko-KR" sz="1100" b="0" dirty="0">
+                <a:solidFill>
+                  <a:srgbClr val="7030A0"/>
+                </a:solidFill>
+                <a:effectLst/>
+                <a:latin typeface="ubuntu mono derivative powerline" panose="020B0509030602030204" pitchFamily="49" charset="0"/>
+              </a:rPr>
+              <a:t>cv2</a:t>
+            </a:r>
+            <a:r>
+              <a:rPr lang="en-US" altLang="ko-KR" sz="1100" b="0" dirty="0">
+                <a:effectLst/>
+                <a:latin typeface="ubuntu mono derivative powerline" panose="020B0509030602030204" pitchFamily="49" charset="0"/>
+              </a:rPr>
+              <a:t>.</a:t>
+            </a:r>
+            <a:r>
+              <a:rPr lang="en-US" altLang="ko-KR" sz="1100" b="0" dirty="0">
+                <a:solidFill>
+                  <a:srgbClr val="0000FF"/>
+                </a:solidFill>
+                <a:effectLst/>
+                <a:latin typeface="ubuntu mono derivative powerline" panose="020B0509030602030204" pitchFamily="49" charset="0"/>
+              </a:rPr>
+              <a:t>imread</a:t>
+            </a:r>
+            <a:r>
+              <a:rPr lang="en-US" altLang="ko-KR" sz="1100" b="0" dirty="0">
+                <a:effectLst/>
+                <a:latin typeface="ubuntu mono derivative powerline" panose="020B0509030602030204" pitchFamily="49" charset="0"/>
+              </a:rPr>
+              <a:t>(‘</a:t>
+            </a:r>
+            <a:r>
+              <a:rPr lang="ko-KR" altLang="en-US" sz="1100" b="0" dirty="0">
+                <a:effectLst/>
+                <a:latin typeface="ubuntu mono derivative powerline" panose="020B0509030602030204" pitchFamily="49" charset="0"/>
+              </a:rPr>
+              <a:t>이미지 경로</a:t>
+            </a:r>
+            <a:r>
+              <a:rPr lang="en-US" altLang="ko-KR" sz="1100" b="0" dirty="0">
+                <a:effectLst/>
+                <a:latin typeface="ubuntu mono derivative powerline" panose="020B0509030602030204" pitchFamily="49" charset="0"/>
+              </a:rPr>
+              <a:t>’, </a:t>
+            </a:r>
+            <a:r>
+              <a:rPr lang="en-US" altLang="ko-KR" sz="1100" b="0" dirty="0">
+                <a:solidFill>
+                  <a:srgbClr val="7030A0"/>
+                </a:solidFill>
+                <a:effectLst/>
+                <a:latin typeface="ubuntu mono derivative powerline" panose="020B0509030602030204" pitchFamily="49" charset="0"/>
+              </a:rPr>
+              <a:t>cv2</a:t>
+            </a:r>
+            <a:r>
+              <a:rPr lang="en-US" altLang="ko-KR" sz="1100" b="0" dirty="0">
+                <a:effectLst/>
+                <a:latin typeface="ubuntu mono derivative powerline" panose="020B0509030602030204" pitchFamily="49" charset="0"/>
+              </a:rPr>
+              <a:t>.</a:t>
+            </a:r>
+            <a:r>
+              <a:rPr lang="en-US" altLang="ko-KR" sz="1100" b="0" dirty="0">
+                <a:solidFill>
+                  <a:srgbClr val="0000FF"/>
+                </a:solidFill>
+                <a:effectLst/>
+                <a:latin typeface="ubuntu mono derivative powerline" panose="020B0509030602030204" pitchFamily="49" charset="0"/>
+              </a:rPr>
+              <a:t>IMREAD_GRAYSCALE</a:t>
+            </a:r>
+            <a:r>
+              <a:rPr lang="en-US" altLang="ko-KR" sz="1100" b="0" dirty="0">
+                <a:effectLst/>
+                <a:latin typeface="ubuntu mono derivative powerline" panose="020B0509030602030204" pitchFamily="49" charset="0"/>
+              </a:rPr>
+              <a:t>)</a:t>
+            </a:r>
+          </a:p>
+          <a:p>
+            <a:r>
+              <a:rPr lang="en-US" altLang="ko-KR" sz="1100" b="0" dirty="0">
+                <a:effectLst/>
+                <a:latin typeface="ubuntu mono derivative powerline" panose="020B0509030602030204" pitchFamily="49" charset="0"/>
+              </a:rPr>
+              <a:t>image2 = </a:t>
+            </a:r>
+            <a:r>
+              <a:rPr lang="en-US" altLang="ko-KR" sz="1100" b="0" dirty="0">
+                <a:solidFill>
+                  <a:srgbClr val="7030A0"/>
+                </a:solidFill>
+                <a:effectLst/>
+                <a:latin typeface="ubuntu mono derivative powerline" panose="020B0509030602030204" pitchFamily="49" charset="0"/>
+              </a:rPr>
+              <a:t>cv2</a:t>
+            </a:r>
+            <a:r>
+              <a:rPr lang="en-US" altLang="ko-KR" sz="1100" b="0" dirty="0">
+                <a:effectLst/>
+                <a:latin typeface="ubuntu mono derivative powerline" panose="020B0509030602030204" pitchFamily="49" charset="0"/>
+              </a:rPr>
+              <a:t>.</a:t>
+            </a:r>
+            <a:r>
+              <a:rPr lang="en-US" altLang="ko-KR" sz="1100" b="0" dirty="0">
+                <a:solidFill>
+                  <a:srgbClr val="0000FF"/>
+                </a:solidFill>
+                <a:effectLst/>
+                <a:latin typeface="ubuntu mono derivative powerline" panose="020B0509030602030204" pitchFamily="49" charset="0"/>
+              </a:rPr>
+              <a:t>imread</a:t>
+            </a:r>
+            <a:r>
+              <a:rPr lang="en-US" altLang="ko-KR" sz="1100" b="0" dirty="0">
+                <a:effectLst/>
+                <a:latin typeface="ubuntu mono derivative powerline" panose="020B0509030602030204" pitchFamily="49" charset="0"/>
+              </a:rPr>
+              <a:t>(</a:t>
+            </a:r>
+            <a:r>
+              <a:rPr lang="en-US" altLang="ko-KR" sz="1100" dirty="0">
+                <a:latin typeface="ubuntu mono derivative powerline" panose="020B0509030602030204" pitchFamily="49" charset="0"/>
+              </a:rPr>
+              <a:t>‘</a:t>
+            </a:r>
+            <a:r>
+              <a:rPr lang="ko-KR" altLang="en-US" sz="1100" b="0" dirty="0">
+                <a:effectLst/>
+                <a:latin typeface="ubuntu mono derivative powerline" panose="020B0509030602030204" pitchFamily="49" charset="0"/>
+              </a:rPr>
+              <a:t>이미지 경로</a:t>
+            </a:r>
+            <a:r>
+              <a:rPr lang="en-US" altLang="ko-KR" sz="1100" dirty="0">
+                <a:latin typeface="ubuntu mono derivative powerline" panose="020B0509030602030204" pitchFamily="49" charset="0"/>
+              </a:rPr>
+              <a:t>’</a:t>
+            </a:r>
+            <a:r>
+              <a:rPr lang="en-US" altLang="ko-KR" sz="1100" b="0" dirty="0">
+                <a:effectLst/>
+                <a:latin typeface="ubuntu mono derivative powerline" panose="020B0509030602030204" pitchFamily="49" charset="0"/>
+              </a:rPr>
+              <a:t>, </a:t>
+            </a:r>
+            <a:r>
+              <a:rPr lang="en-US" altLang="ko-KR" sz="1100" b="0" dirty="0">
+                <a:solidFill>
+                  <a:srgbClr val="7030A0"/>
+                </a:solidFill>
+                <a:effectLst/>
+                <a:latin typeface="ubuntu mono derivative powerline" panose="020B0509030602030204" pitchFamily="49" charset="0"/>
+              </a:rPr>
+              <a:t>cv2</a:t>
+            </a:r>
+            <a:r>
+              <a:rPr lang="en-US" altLang="ko-KR" sz="1100" b="0" dirty="0">
+                <a:effectLst/>
+                <a:latin typeface="ubuntu mono derivative powerline" panose="020B0509030602030204" pitchFamily="49" charset="0"/>
+              </a:rPr>
+              <a:t>.</a:t>
+            </a:r>
+            <a:r>
+              <a:rPr lang="en-US" altLang="ko-KR" sz="1100" b="0" dirty="0">
+                <a:solidFill>
+                  <a:srgbClr val="0000FF"/>
+                </a:solidFill>
+                <a:effectLst/>
+                <a:latin typeface="ubuntu mono derivative powerline" panose="020B0509030602030204" pitchFamily="49" charset="0"/>
+              </a:rPr>
+              <a:t>IMREAD_GRAYSCALE</a:t>
+            </a:r>
+            <a:r>
+              <a:rPr lang="en-US" altLang="ko-KR" sz="1100" b="0" dirty="0">
+                <a:effectLst/>
+                <a:latin typeface="ubuntu mono derivative powerline" panose="020B0509030602030204" pitchFamily="49" charset="0"/>
+              </a:rPr>
+              <a:t>)</a:t>
+            </a:r>
+          </a:p>
+          <a:p>
+            <a:br>
+              <a:rPr lang="en-US" altLang="ko-KR" sz="1100" b="0" dirty="0">
+                <a:effectLst/>
+                <a:latin typeface="ubuntu mono derivative powerline" panose="020B0509030602030204" pitchFamily="49" charset="0"/>
+              </a:rPr>
+            </a:br>
+            <a:r>
+              <a:rPr lang="en-US" altLang="ko-KR" sz="1100" b="0" dirty="0">
+                <a:solidFill>
+                  <a:srgbClr val="00B050"/>
+                </a:solidFill>
+                <a:effectLst/>
+                <a:latin typeface="ubuntu mono derivative powerline" panose="020B0509030602030204" pitchFamily="49" charset="0"/>
+              </a:rPr>
+              <a:t># </a:t>
+            </a:r>
+            <a:r>
+              <a:rPr lang="ko-KR" altLang="en-US" sz="1100" b="0" dirty="0">
+                <a:solidFill>
+                  <a:srgbClr val="00B050"/>
+                </a:solidFill>
+                <a:effectLst/>
+                <a:latin typeface="ubuntu mono derivative powerline" panose="020B0509030602030204" pitchFamily="49" charset="0"/>
+              </a:rPr>
+              <a:t>이미지 사이즈 조정</a:t>
+            </a:r>
+          </a:p>
+          <a:p>
             <a:r>
               <a:rPr lang="en-US" altLang="ko-KR" sz="1100" b="0" dirty="0">
                 <a:effectLst/>
@@ -10713,6 +11503,29 @@
                 <a:latin typeface="ubuntu mono derivative powerline" panose="020B0509030602030204" pitchFamily="49" charset="0"/>
               </a:rPr>
             </a:br>
+            <a:br>
+              <a:rPr lang="en-US" altLang="ko-KR" sz="1100" b="0" dirty="0">
+                <a:effectLst/>
+                <a:latin typeface="ubuntu mono derivative powerline" panose="020B0509030602030204" pitchFamily="49" charset="0"/>
+              </a:rPr>
+            </a:br>
+            <a:r>
+              <a:rPr lang="en-US" altLang="ko-KR" sz="1100" b="0" dirty="0">
+                <a:solidFill>
+                  <a:srgbClr val="7030A0"/>
+                </a:solidFill>
+                <a:effectLst/>
+                <a:latin typeface="ubuntu mono derivative powerline" panose="020B0509030602030204" pitchFamily="49" charset="0"/>
+              </a:rPr>
+              <a:t>cv2</a:t>
+            </a:r>
+            <a:r>
+              <a:rPr lang="en-US" altLang="ko-KR" sz="1100" b="0" dirty="0">
+                <a:effectLst/>
+                <a:latin typeface="ubuntu mono derivative powerline" panose="020B0509030602030204" pitchFamily="49" charset="0"/>
+              </a:rPr>
+              <a:t>.</a:t>
+            </a:r>
             <a:r>
               <a:rPr lang="en-US" altLang="ko-KR" sz="1100" b="0" dirty="0">
                 <a:solidFill>
@@ -10721,17 +11534,90 @@
                 <a:effectLst/>
                 <a:latin typeface="ubuntu mono derivative powerline" panose="020B0509030602030204" pitchFamily="49" charset="0"/>
               </a:rPr>
-              <a:t>def</a:t>
-            </a:r>
-            <a:r>
-              <a:rPr lang="en-US" altLang="ko-KR" sz="1100" b="0" dirty="0">
-                <a:effectLst/>
-                <a:latin typeface="ubuntu mono derivative powerline" panose="020B0509030602030204" pitchFamily="49" charset="0"/>
-              </a:rPr>
-              <a:t> </a:t>
+              <a:t>namedWindow</a:t>
+            </a:r>
+            <a:r>
+              <a:rPr lang="en-US" altLang="ko-KR" sz="1100" b="0" dirty="0">
+                <a:effectLst/>
+                <a:latin typeface="ubuntu mono derivative powerline" panose="020B0509030602030204" pitchFamily="49" charset="0"/>
+              </a:rPr>
+              <a:t>('image', </a:t>
+            </a:r>
+            <a:r>
+              <a:rPr lang="en-US" altLang="ko-KR" sz="1100" b="0" dirty="0">
+                <a:solidFill>
+                  <a:srgbClr val="7030A0"/>
+                </a:solidFill>
+                <a:effectLst/>
+                <a:latin typeface="ubuntu mono derivative powerline" panose="020B0509030602030204" pitchFamily="49" charset="0"/>
+              </a:rPr>
+              <a:t>cv2</a:t>
+            </a:r>
+            <a:r>
+              <a:rPr lang="en-US" altLang="ko-KR" sz="1100" b="0" dirty="0">
+                <a:effectLst/>
+                <a:latin typeface="ubuntu mono derivative powerline" panose="020B0509030602030204" pitchFamily="49" charset="0"/>
+              </a:rPr>
+              <a:t>.</a:t>
+            </a:r>
+            <a:r>
+              <a:rPr lang="en-US" altLang="ko-KR" sz="1100" b="0" dirty="0">
+                <a:solidFill>
+                  <a:srgbClr val="0000FF"/>
+                </a:solidFill>
+                <a:effectLst/>
+                <a:latin typeface="ubuntu mono derivative powerline" panose="020B0509030602030204" pitchFamily="49" charset="0"/>
+              </a:rPr>
+              <a:t>WINDOW_AUTOSIZE</a:t>
+            </a:r>
+            <a:r>
+              <a:rPr lang="en-US" altLang="ko-KR" sz="1100" b="0" dirty="0">
+                <a:effectLst/>
+                <a:latin typeface="ubuntu mono derivative powerline" panose="020B0509030602030204" pitchFamily="49" charset="0"/>
+              </a:rPr>
+              <a:t>)</a:t>
+            </a:r>
+          </a:p>
+          <a:p>
+            <a:r>
+              <a:rPr lang="en-US" altLang="ko-KR" sz="1100" b="0" dirty="0">
+                <a:solidFill>
+                  <a:srgbClr val="7030A0"/>
+                </a:solidFill>
+                <a:effectLst/>
+                <a:latin typeface="ubuntu mono derivative powerline" panose="020B0509030602030204" pitchFamily="49" charset="0"/>
+              </a:rPr>
+              <a:t>cv2</a:t>
+            </a:r>
+            <a:r>
+              <a:rPr lang="en-US" altLang="ko-KR" sz="1100" b="0" dirty="0">
+                <a:effectLst/>
+                <a:latin typeface="ubuntu mono derivative powerline" panose="020B0509030602030204" pitchFamily="49" charset="0"/>
+              </a:rPr>
+              <a:t>.</a:t>
+            </a:r>
+            <a:r>
+              <a:rPr lang="en-US" altLang="ko-KR" sz="1100" b="0" dirty="0">
+                <a:solidFill>
+                  <a:srgbClr val="0000FF"/>
+                </a:solidFill>
+                <a:effectLst/>
+                <a:latin typeface="ubuntu mono derivative powerline" panose="020B0509030602030204" pitchFamily="49" charset="0"/>
+              </a:rPr>
+              <a:t>createTrackbar</a:t>
+            </a:r>
+            <a:r>
+              <a:rPr lang="en-US" altLang="ko-KR" sz="1100" b="0" dirty="0">
+                <a:effectLst/>
+                <a:latin typeface="ubuntu mono derivative powerline" panose="020B0509030602030204" pitchFamily="49" charset="0"/>
+              </a:rPr>
+              <a:t>('image1', 'image', 0, 100, </a:t>
             </a:r>
             <a:r>
               <a:rPr lang="en-US" altLang="ko-KR" sz="1100" b="0" dirty="0" err="1">
+                <a:solidFill>
+                  <a:srgbClr val="0000FF"/>
+                </a:solidFill>
                 <a:effectLst/>
                 <a:latin typeface="ubuntu mono derivative powerline" panose="020B0509030602030204" pitchFamily="49" charset="0"/>
               </a:rPr>
@@ -10742,16 +11628,26 @@
                 <a:effectLst/>
                 <a:latin typeface="ubuntu mono derivative powerline" panose="020B0509030602030204" pitchFamily="49" charset="0"/>
               </a:rPr>
-              <a:t>(x):</a:t>
-            </a:r>
-          </a:p>
-          <a:p>
-            <a:r>
-              <a:rPr lang="en-US" altLang="ko-KR" sz="1100" b="0" dirty="0">
-                <a:effectLst/>
-                <a:latin typeface="ubuntu mono derivative powerline" panose="020B0509030602030204" pitchFamily="49" charset="0"/>
-              </a:rPr>
-              <a:t>    </a:t>
+              <a:t>)</a:t>
+            </a:r>
+          </a:p>
+          <a:p>
+            <a:r>
+              <a:rPr lang="en-US" altLang="ko-KR" sz="1100" b="0" dirty="0">
+                <a:solidFill>
+                  <a:srgbClr val="7030A0"/>
+                </a:solidFill>
+                <a:effectLst/>
+                <a:latin typeface="ubuntu mono derivative powerline" panose="020B0509030602030204" pitchFamily="49" charset="0"/>
+              </a:rPr>
+              <a:t>cv2</a:t>
+            </a:r>
+            <a:r>
+              <a:rPr lang="en-US" altLang="ko-KR" sz="1100" b="0" dirty="0">
+                <a:effectLst/>
+                <a:latin typeface="ubuntu mono derivative powerline" panose="020B0509030602030204" pitchFamily="49" charset="0"/>
+              </a:rPr>
+              <a:t>.</a:t>
             </a:r>
             <a:r>
               <a:rPr lang="en-US" altLang="ko-KR" sz="1100" b="0" dirty="0">
@@ -10761,7 +11657,31 @@
                 <a:effectLst/>
                 <a:latin typeface="ubuntu mono derivative powerline" panose="020B0509030602030204" pitchFamily="49" charset="0"/>
               </a:rPr>
-              <a:t>pass</a:t>
+              <a:t>createTrackbar</a:t>
+            </a:r>
+            <a:r>
+              <a:rPr lang="en-US" altLang="ko-KR" sz="1100" b="0" dirty="0">
+                <a:effectLst/>
+                <a:latin typeface="ubuntu mono derivative powerline" panose="020B0509030602030204" pitchFamily="49" charset="0"/>
+              </a:rPr>
+              <a:t>('image2', 'image', 0, 100, </a:t>
+            </a:r>
+            <a:r>
+              <a:rPr lang="en-US" altLang="ko-KR" sz="1100" b="0" dirty="0" err="1">
+                <a:solidFill>
+                  <a:srgbClr val="0000FF"/>
+                </a:solidFill>
+                <a:effectLst/>
+                <a:latin typeface="ubuntu mono derivative powerline" panose="020B0509030602030204" pitchFamily="49" charset="0"/>
+              </a:rPr>
+              <a:t>onChange</a:t>
+            </a:r>
+            <a:r>
+              <a:rPr lang="en-US" altLang="ko-KR" sz="1100" b="0" dirty="0">
+                <a:effectLst/>
+                <a:latin typeface="ubuntu mono derivative powerline" panose="020B0509030602030204" pitchFamily="49" charset="0"/>
+              </a:rPr>
+              <a:t>)</a:t>
             </a:r>
           </a:p>
           <a:p>
@@ -10773,12 +11693,181 @@
             </a:br>
             <a:r>
               <a:rPr lang="en-US" altLang="ko-KR" sz="1100" b="0" dirty="0">
+                <a:effectLst/>
+                <a:latin typeface="ubuntu mono derivative powerline" panose="020B0509030602030204" pitchFamily="49" charset="0"/>
+              </a:rPr>
+              <a:t>figure = </a:t>
+            </a:r>
+            <a:r>
+              <a:rPr lang="en-US" altLang="ko-KR" sz="1100" b="0" dirty="0" err="1">
                 <a:solidFill>
                   <a:srgbClr val="7030A0"/>
                 </a:solidFill>
                 <a:effectLst/>
                 <a:latin typeface="ubuntu mono derivative powerline" panose="020B0509030602030204" pitchFamily="49" charset="0"/>
               </a:rPr>
+              <a:t>plt</a:t>
+            </a:r>
+            <a:r>
+              <a:rPr lang="en-US" altLang="ko-KR" sz="1100" b="0" dirty="0" err="1">
+                <a:effectLst/>
+                <a:latin typeface="ubuntu mono derivative powerline" panose="020B0509030602030204" pitchFamily="49" charset="0"/>
+              </a:rPr>
+              <a:t>.</a:t>
+            </a:r>
+            <a:r>
+              <a:rPr lang="en-US" altLang="ko-KR" sz="1100" b="0" dirty="0" err="1">
+                <a:solidFill>
+                  <a:srgbClr val="0000FF"/>
+                </a:solidFill>
+                <a:effectLst/>
+                <a:latin typeface="ubuntu mono derivative powerline" panose="020B0509030602030204" pitchFamily="49" charset="0"/>
+              </a:rPr>
+              <a:t>figure</a:t>
+            </a:r>
+            <a:r>
+              <a:rPr lang="en-US" altLang="ko-KR" sz="1100" b="0" dirty="0">
+                <a:effectLst/>
+                <a:latin typeface="ubuntu mono derivative powerline" panose="020B0509030602030204" pitchFamily="49" charset="0"/>
+              </a:rPr>
+              <a:t>(</a:t>
+            </a:r>
+            <a:r>
+              <a:rPr lang="en-US" altLang="ko-KR" sz="1100" b="0" dirty="0" err="1">
+                <a:effectLst/>
+                <a:latin typeface="ubuntu mono derivative powerline" panose="020B0509030602030204" pitchFamily="49" charset="0"/>
+              </a:rPr>
+              <a:t>figsize</a:t>
+            </a:r>
+            <a:r>
+              <a:rPr lang="en-US" altLang="ko-KR" sz="1100" b="0" dirty="0">
+                <a:effectLst/>
+                <a:latin typeface="ubuntu mono derivative powerline" panose="020B0509030602030204" pitchFamily="49" charset="0"/>
+              </a:rPr>
+              <a:t>=(4,3))</a:t>
+            </a:r>
+          </a:p>
+          <a:p>
+            <a:r>
+              <a:rPr lang="en-US" altLang="ko-KR" sz="1100" b="0" dirty="0" err="1">
+                <a:solidFill>
+                  <a:srgbClr val="7030A0"/>
+                </a:solidFill>
+                <a:effectLst/>
+                <a:latin typeface="ubuntu mono derivative powerline" panose="020B0509030602030204" pitchFamily="49" charset="0"/>
+              </a:rPr>
+              <a:t>plt</a:t>
+            </a:r>
+            <a:r>
+              <a:rPr lang="en-US" altLang="ko-KR" sz="1100" b="0" dirty="0" err="1">
+                <a:effectLst/>
+                <a:latin typeface="ubuntu mono derivative powerline" panose="020B0509030602030204" pitchFamily="49" charset="0"/>
+              </a:rPr>
+              <a:t>.</a:t>
+            </a:r>
+            <a:r>
+              <a:rPr lang="en-US" altLang="ko-KR" sz="1100" b="0" dirty="0" err="1">
+                <a:solidFill>
+                  <a:srgbClr val="0000FF"/>
+                </a:solidFill>
+                <a:effectLst/>
+                <a:latin typeface="ubuntu mono derivative powerline" panose="020B0509030602030204" pitchFamily="49" charset="0"/>
+              </a:rPr>
+              <a:t>bar</a:t>
+            </a:r>
+            <a:r>
+              <a:rPr lang="en-US" altLang="ko-KR" sz="1100" b="0" dirty="0">
+                <a:effectLst/>
+                <a:latin typeface="ubuntu mono derivative powerline" panose="020B0509030602030204" pitchFamily="49" charset="0"/>
+              </a:rPr>
+              <a:t>(</a:t>
+            </a:r>
+            <a:r>
+              <a:rPr lang="en-US" altLang="ko-KR" sz="1100" b="0" dirty="0" err="1">
+                <a:solidFill>
+                  <a:srgbClr val="7030A0"/>
+                </a:solidFill>
+                <a:effectLst/>
+                <a:latin typeface="ubuntu mono derivative powerline" panose="020B0509030602030204" pitchFamily="49" charset="0"/>
+              </a:rPr>
+              <a:t>np</a:t>
+            </a:r>
+            <a:r>
+              <a:rPr lang="en-US" altLang="ko-KR" sz="1100" b="0" dirty="0" err="1">
+                <a:effectLst/>
+                <a:latin typeface="ubuntu mono derivative powerline" panose="020B0509030602030204" pitchFamily="49" charset="0"/>
+              </a:rPr>
+              <a:t>.</a:t>
+            </a:r>
+            <a:r>
+              <a:rPr lang="en-US" altLang="ko-KR" sz="1100" b="0" dirty="0" err="1">
+                <a:solidFill>
+                  <a:srgbClr val="0000FF"/>
+                </a:solidFill>
+                <a:effectLst/>
+                <a:latin typeface="ubuntu mono derivative powerline" panose="020B0509030602030204" pitchFamily="49" charset="0"/>
+              </a:rPr>
+              <a:t>arange</a:t>
+            </a:r>
+            <a:r>
+              <a:rPr lang="en-US" altLang="ko-KR" sz="1100" b="0" dirty="0">
+                <a:effectLst/>
+                <a:latin typeface="ubuntu mono derivative powerline" panose="020B0509030602030204" pitchFamily="49" charset="0"/>
+              </a:rPr>
+              <a:t>(64), [0]*64, color='b')</a:t>
+            </a:r>
+          </a:p>
+          <a:p>
+            <a:r>
+              <a:rPr lang="en-US" altLang="ko-KR" sz="1100" b="0" dirty="0" err="1">
+                <a:solidFill>
+                  <a:srgbClr val="7030A0"/>
+                </a:solidFill>
+                <a:effectLst/>
+                <a:latin typeface="ubuntu mono derivative powerline" panose="020B0509030602030204" pitchFamily="49" charset="0"/>
+              </a:rPr>
+              <a:t>plt</a:t>
+            </a:r>
+            <a:r>
+              <a:rPr lang="en-US" altLang="ko-KR" sz="1100" b="0" dirty="0" err="1">
+                <a:effectLst/>
+                <a:latin typeface="ubuntu mono derivative powerline" panose="020B0509030602030204" pitchFamily="49" charset="0"/>
+              </a:rPr>
+              <a:t>.</a:t>
+            </a:r>
+            <a:r>
+              <a:rPr lang="en-US" altLang="ko-KR" sz="1100" b="0" dirty="0" err="1">
+                <a:solidFill>
+                  <a:srgbClr val="0000FF"/>
+                </a:solidFill>
+                <a:effectLst/>
+                <a:latin typeface="ubuntu mono derivative powerline" panose="020B0509030602030204" pitchFamily="49" charset="0"/>
+              </a:rPr>
+              <a:t>show</a:t>
+            </a:r>
+            <a:r>
+              <a:rPr lang="en-US" altLang="ko-KR" sz="1100" b="0" dirty="0">
+                <a:effectLst/>
+                <a:latin typeface="ubuntu mono derivative powerline" panose="020B0509030602030204" pitchFamily="49" charset="0"/>
+              </a:rPr>
+              <a:t>()</a:t>
+            </a:r>
+          </a:p>
+          <a:p>
+            <a:br>
+              <a:rPr lang="en-US" altLang="ko-KR" sz="1100" b="0" dirty="0">
+                <a:effectLst/>
+                <a:latin typeface="ubuntu mono derivative powerline" panose="020B0509030602030204" pitchFamily="49" charset="0"/>
+              </a:rPr>
+            </a:br>
+            <a:r>
+              <a:rPr lang="en-US" altLang="ko-KR" sz="1100" b="0" dirty="0">
+                <a:solidFill>
+                  <a:srgbClr val="7030A0"/>
+                </a:solidFill>
+                <a:effectLst/>
+                <a:latin typeface="ubuntu mono derivative powerline" panose="020B0509030602030204" pitchFamily="49" charset="0"/>
+              </a:rPr>
               <a:t>cv2</a:t>
             </a:r>
             <a:r>
@@ -10796,431 +11885,6 @@
                 <a:effectLst/>
                 <a:latin typeface="ubuntu mono derivative powerline" panose="020B0509030602030204" pitchFamily="49" charset="0"/>
               </a:rPr>
-              <a:t>namedWindow</a:t>
-            </a:r>
-            <a:r>
-              <a:rPr lang="en-US" altLang="ko-KR" sz="1100" b="0" dirty="0">
-                <a:effectLst/>
-                <a:latin typeface="ubuntu mono derivative powerline" panose="020B0509030602030204" pitchFamily="49" charset="0"/>
-              </a:rPr>
-              <a:t>('image', </a:t>
-            </a:r>
-            <a:r>
-              <a:rPr lang="en-US" altLang="ko-KR" sz="1100" b="0" dirty="0">
-                <a:solidFill>
-                  <a:srgbClr val="7030A0"/>
-                </a:solidFill>
-                <a:effectLst/>
-                <a:latin typeface="ubuntu mono derivative powerline" panose="020B0509030602030204" pitchFamily="49" charset="0"/>
-              </a:rPr>
-              <a:t>cv2</a:t>
-            </a:r>
-            <a:r>
-              <a:rPr lang="en-US" altLang="ko-KR" sz="1100" b="0" dirty="0">
-                <a:effectLst/>
-                <a:latin typeface="ubuntu mono derivative powerline" panose="020B0509030602030204" pitchFamily="49" charset="0"/>
-              </a:rPr>
-              <a:t>.</a:t>
-            </a:r>
-            <a:r>
-              <a:rPr lang="en-US" altLang="ko-KR" sz="1100" b="0" dirty="0">
-                <a:solidFill>
-                  <a:srgbClr val="0000FF"/>
-                </a:solidFill>
-                <a:effectLst/>
-                <a:latin typeface="ubuntu mono derivative powerline" panose="020B0509030602030204" pitchFamily="49" charset="0"/>
-              </a:rPr>
-              <a:t>WINDOW_AUTOSIZE</a:t>
-            </a:r>
-            <a:r>
-              <a:rPr lang="en-US" altLang="ko-KR" sz="1100" b="0" dirty="0">
-                <a:effectLst/>
-                <a:latin typeface="ubuntu mono derivative powerline" panose="020B0509030602030204" pitchFamily="49" charset="0"/>
-              </a:rPr>
-              <a:t>)</a:t>
-            </a:r>
-          </a:p>
-          <a:p>
-            <a:r>
-              <a:rPr lang="en-US" altLang="ko-KR" sz="1100" b="0" dirty="0">
-                <a:solidFill>
-                  <a:srgbClr val="7030A0"/>
-                </a:solidFill>
-                <a:effectLst/>
-                <a:latin typeface="ubuntu mono derivative powerline" panose="020B0509030602030204" pitchFamily="49" charset="0"/>
-              </a:rPr>
-              <a:t>cv2</a:t>
-            </a:r>
-            <a:r>
-              <a:rPr lang="en-US" altLang="ko-KR" sz="1100" b="0" dirty="0">
-                <a:effectLst/>
-                <a:latin typeface="ubuntu mono derivative powerline" panose="020B0509030602030204" pitchFamily="49" charset="0"/>
-              </a:rPr>
-              <a:t>.</a:t>
-            </a:r>
-            <a:r>
-              <a:rPr lang="en-US" altLang="ko-KR" sz="1100" b="0" dirty="0">
-                <a:solidFill>
-                  <a:srgbClr val="0000FF"/>
-                </a:solidFill>
-                <a:effectLst/>
-                <a:latin typeface="ubuntu mono derivative powerline" panose="020B0509030602030204" pitchFamily="49" charset="0"/>
-              </a:rPr>
-              <a:t>createTrackbar</a:t>
-            </a:r>
-            <a:r>
-              <a:rPr lang="en-US" altLang="ko-KR" sz="1100" b="0" dirty="0">
-                <a:effectLst/>
-                <a:latin typeface="ubuntu mono derivative powerline" panose="020B0509030602030204" pitchFamily="49" charset="0"/>
-              </a:rPr>
-              <a:t>('image1', 'image', 0, 100, </a:t>
-            </a:r>
-            <a:r>
-              <a:rPr lang="en-US" altLang="ko-KR" sz="1100" b="0" dirty="0" err="1">
-                <a:effectLst/>
-                <a:latin typeface="ubuntu mono derivative powerline" panose="020B0509030602030204" pitchFamily="49" charset="0"/>
-              </a:rPr>
-              <a:t>onChange</a:t>
-            </a:r>
-            <a:r>
-              <a:rPr lang="en-US" altLang="ko-KR" sz="1100" b="0" dirty="0">
-                <a:effectLst/>
-                <a:latin typeface="ubuntu mono derivative powerline" panose="020B0509030602030204" pitchFamily="49" charset="0"/>
-              </a:rPr>
-              <a:t>)</a:t>
-            </a:r>
-          </a:p>
-          <a:p>
-            <a:r>
-              <a:rPr lang="en-US" altLang="ko-KR" sz="1100" b="0" dirty="0">
-                <a:solidFill>
-                  <a:srgbClr val="7030A0"/>
-                </a:solidFill>
-                <a:effectLst/>
-                <a:latin typeface="ubuntu mono derivative powerline" panose="020B0509030602030204" pitchFamily="49" charset="0"/>
-              </a:rPr>
-              <a:t>cv2</a:t>
-            </a:r>
-            <a:r>
-              <a:rPr lang="en-US" altLang="ko-KR" sz="1100" b="0" dirty="0">
-                <a:effectLst/>
-                <a:latin typeface="ubuntu mono derivative powerline" panose="020B0509030602030204" pitchFamily="49" charset="0"/>
-              </a:rPr>
-              <a:t>.</a:t>
-            </a:r>
-            <a:r>
-              <a:rPr lang="en-US" altLang="ko-KR" sz="1100" b="0" dirty="0">
-                <a:solidFill>
-                  <a:srgbClr val="0000FF"/>
-                </a:solidFill>
-                <a:effectLst/>
-                <a:latin typeface="ubuntu mono derivative powerline" panose="020B0509030602030204" pitchFamily="49" charset="0"/>
-              </a:rPr>
-              <a:t>createTrackbar</a:t>
-            </a:r>
-            <a:r>
-              <a:rPr lang="en-US" altLang="ko-KR" sz="1100" b="0" dirty="0">
-                <a:effectLst/>
-                <a:latin typeface="ubuntu mono derivative powerline" panose="020B0509030602030204" pitchFamily="49" charset="0"/>
-              </a:rPr>
-              <a:t>('image2', 'image', 0, 100, </a:t>
-            </a:r>
-            <a:r>
-              <a:rPr lang="en-US" altLang="ko-KR" sz="1100" b="0" dirty="0" err="1">
-                <a:effectLst/>
-                <a:latin typeface="ubuntu mono derivative powerline" panose="020B0509030602030204" pitchFamily="49" charset="0"/>
-              </a:rPr>
-              <a:t>onChange</a:t>
-            </a:r>
-            <a:r>
-              <a:rPr lang="en-US" altLang="ko-KR" sz="1100" b="0" dirty="0">
-                <a:effectLst/>
-                <a:latin typeface="ubuntu mono derivative powerline" panose="020B0509030602030204" pitchFamily="49" charset="0"/>
-              </a:rPr>
-              <a:t>)</a:t>
-            </a:r>
-          </a:p>
-          <a:p>
-            <a:br>
-              <a:rPr lang="en-US" altLang="ko-KR" sz="1100" b="0" dirty="0">
-                <a:effectLst/>
-                <a:latin typeface="ubuntu mono derivative powerline" panose="020B0509030602030204" pitchFamily="49" charset="0"/>
-              </a:rPr>
-            </a:br>
-            <a:r>
-              <a:rPr lang="en-US" altLang="ko-KR" sz="1100" b="0" dirty="0">
-                <a:solidFill>
-                  <a:srgbClr val="0000FF"/>
-                </a:solidFill>
-                <a:effectLst/>
-                <a:latin typeface="ubuntu mono derivative powerline" panose="020B0509030602030204" pitchFamily="49" charset="0"/>
-              </a:rPr>
-              <a:t>while</a:t>
-            </a:r>
-            <a:r>
-              <a:rPr lang="en-US" altLang="ko-KR" sz="1100" b="0" dirty="0">
-                <a:effectLst/>
-                <a:latin typeface="ubuntu mono derivative powerline" panose="020B0509030602030204" pitchFamily="49" charset="0"/>
-              </a:rPr>
-              <a:t> </a:t>
-            </a:r>
-            <a:r>
-              <a:rPr lang="en-US" altLang="ko-KR" sz="1100" b="0" dirty="0">
-                <a:solidFill>
-                  <a:srgbClr val="0000FF"/>
-                </a:solidFill>
-                <a:effectLst/>
-                <a:latin typeface="ubuntu mono derivative powerline" panose="020B0509030602030204" pitchFamily="49" charset="0"/>
-              </a:rPr>
-              <a:t>True</a:t>
-            </a:r>
-            <a:r>
-              <a:rPr lang="en-US" altLang="ko-KR" sz="1100" b="0" dirty="0">
-                <a:effectLst/>
-                <a:latin typeface="ubuntu mono derivative powerline" panose="020B0509030602030204" pitchFamily="49" charset="0"/>
-              </a:rPr>
-              <a:t>:</a:t>
-            </a:r>
-          </a:p>
-          <a:p>
-            <a:r>
-              <a:rPr lang="en-US" altLang="ko-KR" sz="1100" b="0" dirty="0">
-                <a:effectLst/>
-                <a:latin typeface="ubuntu mono derivative powerline" panose="020B0509030602030204" pitchFamily="49" charset="0"/>
-              </a:rPr>
-              <a:t>    alpha = </a:t>
-            </a:r>
-            <a:r>
-              <a:rPr lang="en-US" altLang="ko-KR" sz="1100" b="0" dirty="0">
-                <a:solidFill>
-                  <a:srgbClr val="7030A0"/>
-                </a:solidFill>
-                <a:effectLst/>
-                <a:latin typeface="ubuntu mono derivative powerline" panose="020B0509030602030204" pitchFamily="49" charset="0"/>
-              </a:rPr>
-              <a:t>cv2</a:t>
-            </a:r>
-            <a:r>
-              <a:rPr lang="en-US" altLang="ko-KR" sz="1100" b="0" dirty="0">
-                <a:effectLst/>
-                <a:latin typeface="ubuntu mono derivative powerline" panose="020B0509030602030204" pitchFamily="49" charset="0"/>
-              </a:rPr>
-              <a:t>.</a:t>
-            </a:r>
-            <a:r>
-              <a:rPr lang="en-US" altLang="ko-KR" sz="1100" b="0" dirty="0">
-                <a:solidFill>
-                  <a:srgbClr val="0000FF"/>
-                </a:solidFill>
-                <a:effectLst/>
-                <a:latin typeface="ubuntu mono derivative powerline" panose="020B0509030602030204" pitchFamily="49" charset="0"/>
-              </a:rPr>
-              <a:t>getTrackbarPos</a:t>
-            </a:r>
-            <a:r>
-              <a:rPr lang="en-US" altLang="ko-KR" sz="1100" b="0" dirty="0">
-                <a:effectLst/>
-                <a:latin typeface="ubuntu mono derivative powerline" panose="020B0509030602030204" pitchFamily="49" charset="0"/>
-              </a:rPr>
-              <a:t>('image1', 'image') / 100</a:t>
-            </a:r>
-          </a:p>
-          <a:p>
-            <a:r>
-              <a:rPr lang="en-US" altLang="ko-KR" sz="1100" b="0" dirty="0">
-                <a:effectLst/>
-                <a:latin typeface="ubuntu mono derivative powerline" panose="020B0509030602030204" pitchFamily="49" charset="0"/>
-              </a:rPr>
-              <a:t>    beta = </a:t>
-            </a:r>
-            <a:r>
-              <a:rPr lang="en-US" altLang="ko-KR" sz="1100" b="0" dirty="0">
-                <a:solidFill>
-                  <a:srgbClr val="7030A0"/>
-                </a:solidFill>
-                <a:effectLst/>
-                <a:latin typeface="ubuntu mono derivative powerline" panose="020B0509030602030204" pitchFamily="49" charset="0"/>
-              </a:rPr>
-              <a:t>cv2</a:t>
-            </a:r>
-            <a:r>
-              <a:rPr lang="en-US" altLang="ko-KR" sz="1100" b="0" dirty="0">
-                <a:effectLst/>
-                <a:latin typeface="ubuntu mono derivative powerline" panose="020B0509030602030204" pitchFamily="49" charset="0"/>
-              </a:rPr>
-              <a:t>.</a:t>
-            </a:r>
-            <a:r>
-              <a:rPr lang="en-US" altLang="ko-KR" sz="1100" b="0" dirty="0">
-                <a:solidFill>
-                  <a:srgbClr val="0000FF"/>
-                </a:solidFill>
-                <a:effectLst/>
-                <a:latin typeface="ubuntu mono derivative powerline" panose="020B0509030602030204" pitchFamily="49" charset="0"/>
-              </a:rPr>
-              <a:t>getTrackbarPos</a:t>
-            </a:r>
-            <a:r>
-              <a:rPr lang="en-US" altLang="ko-KR" sz="1100" b="0" dirty="0">
-                <a:effectLst/>
-                <a:latin typeface="ubuntu mono derivative powerline" panose="020B0509030602030204" pitchFamily="49" charset="0"/>
-              </a:rPr>
-              <a:t>('image2', 'image') / 100</a:t>
-            </a:r>
-          </a:p>
-          <a:p>
-            <a:br>
-              <a:rPr lang="en-US" altLang="ko-KR" sz="1100" b="0" dirty="0">
-                <a:effectLst/>
-                <a:latin typeface="ubuntu mono derivative powerline" panose="020B0509030602030204" pitchFamily="49" charset="0"/>
-              </a:rPr>
-            </a:br>
-            <a:r>
-              <a:rPr lang="en-US" altLang="ko-KR" sz="1100" b="0" dirty="0">
-                <a:effectLst/>
-                <a:latin typeface="ubuntu mono derivative powerline" panose="020B0509030602030204" pitchFamily="49" charset="0"/>
-              </a:rPr>
-              <a:t>    </a:t>
-            </a:r>
-            <a:r>
-              <a:rPr lang="en-US" altLang="ko-KR" sz="1100" b="0" dirty="0" err="1">
-                <a:effectLst/>
-                <a:latin typeface="ubuntu mono derivative powerline" panose="020B0509030602030204" pitchFamily="49" charset="0"/>
-              </a:rPr>
-              <a:t>mul_img</a:t>
-            </a:r>
-            <a:r>
-              <a:rPr lang="en-US" altLang="ko-KR" sz="1100" b="0" dirty="0">
-                <a:effectLst/>
-                <a:latin typeface="ubuntu mono derivative powerline" panose="020B0509030602030204" pitchFamily="49" charset="0"/>
-              </a:rPr>
-              <a:t> = </a:t>
-            </a:r>
-            <a:r>
-              <a:rPr lang="en-US" altLang="ko-KR" sz="1100" b="0" dirty="0">
-                <a:solidFill>
-                  <a:srgbClr val="7030A0"/>
-                </a:solidFill>
-                <a:effectLst/>
-                <a:latin typeface="ubuntu mono derivative powerline" panose="020B0509030602030204" pitchFamily="49" charset="0"/>
-              </a:rPr>
-              <a:t>cv2</a:t>
-            </a:r>
-            <a:r>
-              <a:rPr lang="en-US" altLang="ko-KR" sz="1100" b="0" dirty="0">
-                <a:effectLst/>
-                <a:latin typeface="ubuntu mono derivative powerline" panose="020B0509030602030204" pitchFamily="49" charset="0"/>
-              </a:rPr>
-              <a:t>.</a:t>
-            </a:r>
-            <a:r>
-              <a:rPr lang="en-US" altLang="ko-KR" sz="1100" b="0" dirty="0">
-                <a:solidFill>
-                  <a:srgbClr val="0000FF"/>
-                </a:solidFill>
-                <a:effectLst/>
-                <a:latin typeface="ubuntu mono derivative powerline" panose="020B0509030602030204" pitchFamily="49" charset="0"/>
-              </a:rPr>
-              <a:t>addWeighted</a:t>
-            </a:r>
-            <a:r>
-              <a:rPr lang="en-US" altLang="ko-KR" sz="1100" b="0" dirty="0">
-                <a:effectLst/>
-                <a:latin typeface="ubuntu mono derivative powerline" panose="020B0509030602030204" pitchFamily="49" charset="0"/>
-              </a:rPr>
-              <a:t>(image1, alpha, image2, beta, 0)</a:t>
-            </a:r>
-          </a:p>
-          <a:p>
-            <a:r>
-              <a:rPr lang="en-US" altLang="ko-KR" sz="1100" b="0" dirty="0">
-                <a:effectLst/>
-                <a:latin typeface="ubuntu mono derivative powerline" panose="020B0509030602030204" pitchFamily="49" charset="0"/>
-              </a:rPr>
-              <a:t>    </a:t>
-            </a:r>
-            <a:r>
-              <a:rPr lang="en-US" altLang="ko-KR" sz="1100" b="0" dirty="0">
-                <a:solidFill>
-                  <a:srgbClr val="7030A0"/>
-                </a:solidFill>
-                <a:effectLst/>
-                <a:latin typeface="ubuntu mono derivative powerline" panose="020B0509030602030204" pitchFamily="49" charset="0"/>
-              </a:rPr>
-              <a:t>cv2</a:t>
-            </a:r>
-            <a:r>
-              <a:rPr lang="en-US" altLang="ko-KR" sz="1100" b="0" dirty="0">
-                <a:effectLst/>
-                <a:latin typeface="ubuntu mono derivative powerline" panose="020B0509030602030204" pitchFamily="49" charset="0"/>
-              </a:rPr>
-              <a:t>.</a:t>
-            </a:r>
-            <a:r>
-              <a:rPr lang="en-US" altLang="ko-KR" sz="1100" b="0" dirty="0">
-                <a:solidFill>
-                  <a:srgbClr val="0000FF"/>
-                </a:solidFill>
-                <a:effectLst/>
-                <a:latin typeface="ubuntu mono derivative powerline" panose="020B0509030602030204" pitchFamily="49" charset="0"/>
-              </a:rPr>
-              <a:t>imshow</a:t>
-            </a:r>
-            <a:r>
-              <a:rPr lang="en-US" altLang="ko-KR" sz="1100" b="0" dirty="0">
-                <a:effectLst/>
-                <a:latin typeface="ubuntu mono derivative powerline" panose="020B0509030602030204" pitchFamily="49" charset="0"/>
-              </a:rPr>
-              <a:t>('image', </a:t>
-            </a:r>
-            <a:r>
-              <a:rPr lang="en-US" altLang="ko-KR" sz="1100" b="0" dirty="0" err="1">
-                <a:effectLst/>
-                <a:latin typeface="ubuntu mono derivative powerline" panose="020B0509030602030204" pitchFamily="49" charset="0"/>
-              </a:rPr>
-              <a:t>mul_img</a:t>
-            </a:r>
-            <a:r>
-              <a:rPr lang="en-US" altLang="ko-KR" sz="1100" b="0" dirty="0">
-                <a:effectLst/>
-                <a:latin typeface="ubuntu mono derivative powerline" panose="020B0509030602030204" pitchFamily="49" charset="0"/>
-              </a:rPr>
-              <a:t>)</a:t>
-            </a:r>
-          </a:p>
-          <a:p>
-            <a:r>
-              <a:rPr lang="en-US" altLang="ko-KR" sz="1100" b="0" dirty="0">
-                <a:effectLst/>
-                <a:latin typeface="ubuntu mono derivative powerline" panose="020B0509030602030204" pitchFamily="49" charset="0"/>
-              </a:rPr>
-              <a:t>    </a:t>
-            </a:r>
-            <a:r>
-              <a:rPr lang="en-US" altLang="ko-KR" sz="1100" b="0" dirty="0">
-                <a:solidFill>
-                  <a:srgbClr val="7030A0"/>
-                </a:solidFill>
-                <a:effectLst/>
-                <a:latin typeface="ubuntu mono derivative powerline" panose="020B0509030602030204" pitchFamily="49" charset="0"/>
-              </a:rPr>
-              <a:t>cv2</a:t>
-            </a:r>
-            <a:r>
-              <a:rPr lang="en-US" altLang="ko-KR" sz="1100" b="0" dirty="0">
-                <a:effectLst/>
-                <a:latin typeface="ubuntu mono derivative powerline" panose="020B0509030602030204" pitchFamily="49" charset="0"/>
-              </a:rPr>
-              <a:t>.</a:t>
-            </a:r>
-            <a:r>
-              <a:rPr lang="en-US" altLang="ko-KR" sz="1100" b="0" dirty="0">
-                <a:solidFill>
-                  <a:srgbClr val="0000FF"/>
-                </a:solidFill>
-                <a:effectLst/>
-                <a:latin typeface="ubuntu mono derivative powerline" panose="020B0509030602030204" pitchFamily="49" charset="0"/>
-              </a:rPr>
               <a:t>waitKey</a:t>
             </a:r>
             <a:r>
@@ -11228,7 +11892,7 @@
                 <a:effectLst/>
                 <a:latin typeface="ubuntu mono derivative powerline" panose="020B0509030602030204" pitchFamily="49" charset="0"/>
               </a:rPr>
-              <a:t>(1)</a:t>
+              <a:t>()</a:t>
             </a:r>
           </a:p>
         </p:txBody>
@@ -11255,7 +11919,7 @@
         </p:blipFill>
         <p:spPr>
           <a:xfrm>
-            <a:off x="6084168" y="1993404"/>
+            <a:off x="6588224" y="1993404"/>
             <a:ext cx="2012121" cy="2690909"/>
           </a:xfrm>
           <a:prstGeom prst="rect">
@@ -11383,7 +12047,7 @@
         <p:spPr>
           <a:xfrm>
             <a:off x="867761" y="1957862"/>
-            <a:ext cx="7219707" cy="3647152"/>
+            <a:ext cx="7219707" cy="3308598"/>
           </a:xfrm>
           <a:prstGeom prst="rect">
             <a:avLst/>
@@ -11403,713 +12067,20 @@
                 <a:effectLst/>
                 <a:latin typeface="ubuntu mono derivative powerline" panose="020B0509030602030204" pitchFamily="49" charset="0"/>
               </a:rPr>
-              <a:t>def</a:t>
-            </a:r>
-            <a:r>
-              <a:rPr lang="en-US" altLang="ko-KR" sz="1100" b="0" dirty="0">
-                <a:effectLst/>
-                <a:latin typeface="ubuntu mono derivative powerline" panose="020B0509030602030204" pitchFamily="49" charset="0"/>
-              </a:rPr>
-              <a:t> </a:t>
-            </a:r>
-            <a:r>
-              <a:rPr lang="en-US" altLang="ko-KR" sz="1100" b="0" dirty="0" err="1">
-                <a:solidFill>
-                  <a:srgbClr val="FF0000"/>
-                </a:solidFill>
-                <a:effectLst/>
-                <a:latin typeface="ubuntu mono derivative powerline" panose="020B0509030602030204" pitchFamily="49" charset="0"/>
-              </a:rPr>
-              <a:t>draw_histo</a:t>
-            </a:r>
-            <a:r>
-              <a:rPr lang="en-US" altLang="ko-KR" sz="1100" b="0" dirty="0">
-                <a:effectLst/>
-                <a:latin typeface="ubuntu mono derivative powerline" panose="020B0509030602030204" pitchFamily="49" charset="0"/>
-              </a:rPr>
-              <a:t>(hist, shape=(200, 256)):</a:t>
-            </a:r>
-          </a:p>
-          <a:p>
-            <a:r>
-              <a:rPr lang="en-US" altLang="ko-KR" sz="1100" b="0" dirty="0">
-                <a:effectLst/>
-                <a:latin typeface="ubuntu mono derivative powerline" panose="020B0509030602030204" pitchFamily="49" charset="0"/>
-              </a:rPr>
-              <a:t>    </a:t>
-            </a:r>
-            <a:r>
-              <a:rPr lang="en-US" altLang="ko-KR" sz="1100" b="0" dirty="0" err="1">
-                <a:effectLst/>
-                <a:latin typeface="ubuntu mono derivative powerline" panose="020B0509030602030204" pitchFamily="49" charset="0"/>
-              </a:rPr>
-              <a:t>hist_img</a:t>
-            </a:r>
-            <a:r>
-              <a:rPr lang="en-US" altLang="ko-KR" sz="1100" b="0" dirty="0">
-                <a:effectLst/>
-                <a:latin typeface="ubuntu mono derivative powerline" panose="020B0509030602030204" pitchFamily="49" charset="0"/>
-              </a:rPr>
-              <a:t> = </a:t>
-            </a:r>
-            <a:r>
-              <a:rPr lang="en-US" altLang="ko-KR" sz="1100" b="0" dirty="0" err="1">
-                <a:solidFill>
-                  <a:srgbClr val="7030A0"/>
-                </a:solidFill>
-                <a:effectLst/>
-                <a:latin typeface="ubuntu mono derivative powerline" panose="020B0509030602030204" pitchFamily="49" charset="0"/>
-              </a:rPr>
-              <a:t>np</a:t>
-            </a:r>
-            <a:r>
-              <a:rPr lang="en-US" altLang="ko-KR" sz="1100" b="0" dirty="0" err="1">
-                <a:effectLst/>
-                <a:latin typeface="ubuntu mono derivative powerline" panose="020B0509030602030204" pitchFamily="49" charset="0"/>
-              </a:rPr>
-              <a:t>.</a:t>
-            </a:r>
-            <a:r>
-              <a:rPr lang="en-US" altLang="ko-KR" sz="1100" b="0" dirty="0" err="1">
-                <a:solidFill>
-                  <a:srgbClr val="0000FF"/>
-                </a:solidFill>
-                <a:effectLst/>
-                <a:latin typeface="ubuntu mono derivative powerline" panose="020B0509030602030204" pitchFamily="49" charset="0"/>
-              </a:rPr>
-              <a:t>full</a:t>
-            </a:r>
-            <a:r>
-              <a:rPr lang="en-US" altLang="ko-KR" sz="1100" b="0" dirty="0">
-                <a:effectLst/>
-                <a:latin typeface="ubuntu mono derivative powerline" panose="020B0509030602030204" pitchFamily="49" charset="0"/>
-              </a:rPr>
-              <a:t>(shape, 255, </a:t>
-            </a:r>
-            <a:r>
-              <a:rPr lang="en-US" altLang="ko-KR" sz="1100" b="0" dirty="0">
-                <a:solidFill>
-                  <a:srgbClr val="7030A0"/>
-                </a:solidFill>
-                <a:effectLst/>
-                <a:latin typeface="ubuntu mono derivative powerline" panose="020B0509030602030204" pitchFamily="49" charset="0"/>
-              </a:rPr>
-              <a:t>np</a:t>
-            </a:r>
-            <a:r>
-              <a:rPr lang="en-US" altLang="ko-KR" sz="1100" b="0" dirty="0">
-                <a:effectLst/>
-                <a:latin typeface="ubuntu mono derivative powerline" panose="020B0509030602030204" pitchFamily="49" charset="0"/>
-              </a:rPr>
-              <a:t>.</a:t>
-            </a:r>
-            <a:r>
-              <a:rPr lang="en-US" altLang="ko-KR" sz="1100" b="0" dirty="0">
-                <a:solidFill>
-                  <a:srgbClr val="0000FF"/>
-                </a:solidFill>
-                <a:effectLst/>
-                <a:latin typeface="ubuntu mono derivative powerline" panose="020B0509030602030204" pitchFamily="49" charset="0"/>
-              </a:rPr>
-              <a:t>uint8</a:t>
-            </a:r>
-            <a:r>
-              <a:rPr lang="en-US" altLang="ko-KR" sz="1100" b="0" dirty="0">
-                <a:effectLst/>
-                <a:latin typeface="ubuntu mono derivative powerline" panose="020B0509030602030204" pitchFamily="49" charset="0"/>
-              </a:rPr>
-              <a:t>)</a:t>
-            </a:r>
-          </a:p>
-          <a:p>
-            <a:r>
-              <a:rPr lang="en-US" altLang="ko-KR" sz="1100" b="0" dirty="0">
-                <a:effectLst/>
-                <a:latin typeface="ubuntu mono derivative powerline" panose="020B0509030602030204" pitchFamily="49" charset="0"/>
-              </a:rPr>
-              <a:t>    </a:t>
-            </a:r>
-            <a:r>
-              <a:rPr lang="en-US" altLang="ko-KR" sz="1100" b="0" dirty="0">
-                <a:solidFill>
-                  <a:srgbClr val="7030A0"/>
-                </a:solidFill>
-                <a:effectLst/>
-                <a:latin typeface="ubuntu mono derivative powerline" panose="020B0509030602030204" pitchFamily="49" charset="0"/>
-              </a:rPr>
-              <a:t>cv2</a:t>
-            </a:r>
-            <a:r>
-              <a:rPr lang="en-US" altLang="ko-KR" sz="1100" b="0" dirty="0">
-                <a:effectLst/>
-                <a:latin typeface="ubuntu mono derivative powerline" panose="020B0509030602030204" pitchFamily="49" charset="0"/>
-              </a:rPr>
-              <a:t>.</a:t>
-            </a:r>
-            <a:r>
-              <a:rPr lang="en-US" altLang="ko-KR" sz="1100" b="0" dirty="0">
-                <a:solidFill>
-                  <a:srgbClr val="0000FF"/>
-                </a:solidFill>
-                <a:effectLst/>
-                <a:latin typeface="ubuntu mono derivative powerline" panose="020B0509030602030204" pitchFamily="49" charset="0"/>
-              </a:rPr>
-              <a:t>normalize</a:t>
-            </a:r>
-            <a:r>
-              <a:rPr lang="en-US" altLang="ko-KR" sz="1100" b="0" dirty="0">
-                <a:effectLst/>
-                <a:latin typeface="ubuntu mono derivative powerline" panose="020B0509030602030204" pitchFamily="49" charset="0"/>
-              </a:rPr>
-              <a:t>(hist, hist, 0, shape[0], </a:t>
-            </a:r>
-            <a:r>
-              <a:rPr lang="en-US" altLang="ko-KR" sz="1100" b="0" dirty="0">
-                <a:solidFill>
-                  <a:srgbClr val="7030A0"/>
-                </a:solidFill>
-                <a:effectLst/>
-                <a:latin typeface="ubuntu mono derivative powerline" panose="020B0509030602030204" pitchFamily="49" charset="0"/>
-              </a:rPr>
-              <a:t>cv2</a:t>
-            </a:r>
-            <a:r>
-              <a:rPr lang="en-US" altLang="ko-KR" sz="1100" b="0" dirty="0">
-                <a:effectLst/>
-                <a:latin typeface="ubuntu mono derivative powerline" panose="020B0509030602030204" pitchFamily="49" charset="0"/>
-              </a:rPr>
-              <a:t>.</a:t>
-            </a:r>
-            <a:r>
-              <a:rPr lang="en-US" altLang="ko-KR" sz="1100" b="0" dirty="0">
-                <a:solidFill>
-                  <a:srgbClr val="0000FF"/>
-                </a:solidFill>
-                <a:effectLst/>
-                <a:latin typeface="ubuntu mono derivative powerline" panose="020B0509030602030204" pitchFamily="49" charset="0"/>
-              </a:rPr>
-              <a:t>NORM_MINMAX</a:t>
-            </a:r>
-            <a:r>
-              <a:rPr lang="en-US" altLang="ko-KR" sz="1100" b="0" dirty="0">
-                <a:effectLst/>
-                <a:latin typeface="ubuntu mono derivative powerline" panose="020B0509030602030204" pitchFamily="49" charset="0"/>
-              </a:rPr>
-              <a:t>) </a:t>
-            </a:r>
-            <a:r>
-              <a:rPr lang="en-US" altLang="ko-KR" sz="1100" b="0" dirty="0">
-                <a:solidFill>
-                  <a:srgbClr val="00B050"/>
-                </a:solidFill>
-                <a:effectLst/>
-                <a:latin typeface="ubuntu mono derivative powerline" panose="020B0509030602030204" pitchFamily="49" charset="0"/>
-              </a:rPr>
-              <a:t># </a:t>
-            </a:r>
-            <a:r>
-              <a:rPr lang="ko-KR" altLang="en-US" sz="1100" b="0" dirty="0">
-                <a:solidFill>
-                  <a:srgbClr val="00B050"/>
-                </a:solidFill>
-                <a:effectLst/>
-                <a:latin typeface="ubuntu mono derivative powerline" panose="020B0509030602030204" pitchFamily="49" charset="0"/>
-              </a:rPr>
-              <a:t>정규화</a:t>
-            </a:r>
-          </a:p>
-          <a:p>
-            <a:r>
-              <a:rPr lang="ko-KR" altLang="en-US" sz="1100" b="0" dirty="0">
-                <a:effectLst/>
-                <a:latin typeface="ubuntu mono derivative powerline" panose="020B0509030602030204" pitchFamily="49" charset="0"/>
-              </a:rPr>
-              <a:t>    </a:t>
-            </a:r>
-            <a:r>
-              <a:rPr lang="en-US" altLang="ko-KR" sz="1100" b="0" dirty="0">
-                <a:effectLst/>
-                <a:latin typeface="ubuntu mono derivative powerline" panose="020B0509030602030204" pitchFamily="49" charset="0"/>
-              </a:rPr>
-              <a:t>gap = </a:t>
-            </a:r>
-            <a:r>
-              <a:rPr lang="en-US" altLang="ko-KR" sz="1100" b="0" dirty="0" err="1">
-                <a:effectLst/>
-                <a:latin typeface="ubuntu mono derivative powerline" panose="020B0509030602030204" pitchFamily="49" charset="0"/>
-              </a:rPr>
-              <a:t>hist_img.shape</a:t>
-            </a:r>
-            <a:r>
-              <a:rPr lang="en-US" altLang="ko-KR" sz="1100" b="0" dirty="0">
-                <a:effectLst/>
-                <a:latin typeface="ubuntu mono derivative powerline" panose="020B0509030602030204" pitchFamily="49" charset="0"/>
-              </a:rPr>
-              <a:t>[1] / </a:t>
-            </a:r>
-            <a:r>
-              <a:rPr lang="en-US" altLang="ko-KR" sz="1100" b="0" dirty="0" err="1">
-                <a:effectLst/>
-                <a:latin typeface="ubuntu mono derivative powerline" panose="020B0509030602030204" pitchFamily="49" charset="0"/>
-              </a:rPr>
-              <a:t>hist.shape</a:t>
-            </a:r>
-            <a:r>
-              <a:rPr lang="en-US" altLang="ko-KR" sz="1100" b="0" dirty="0">
-                <a:effectLst/>
-                <a:latin typeface="ubuntu mono derivative powerline" panose="020B0509030602030204" pitchFamily="49" charset="0"/>
-              </a:rPr>
-              <a:t>[0]                 </a:t>
-            </a:r>
-            <a:r>
-              <a:rPr lang="en-US" altLang="ko-KR" sz="1100" b="0" dirty="0">
-                <a:solidFill>
-                  <a:srgbClr val="00B050"/>
-                </a:solidFill>
-                <a:effectLst/>
-                <a:latin typeface="ubuntu mono derivative powerline" panose="020B0509030602030204" pitchFamily="49" charset="0"/>
-              </a:rPr>
-              <a:t># </a:t>
-            </a:r>
-            <a:r>
-              <a:rPr lang="ko-KR" altLang="en-US" sz="1100" b="0" dirty="0">
-                <a:solidFill>
-                  <a:srgbClr val="00B050"/>
-                </a:solidFill>
-                <a:effectLst/>
-                <a:latin typeface="ubuntu mono derivative powerline" panose="020B0509030602030204" pitchFamily="49" charset="0"/>
-              </a:rPr>
-              <a:t>막대 너비</a:t>
-            </a:r>
-          </a:p>
-          <a:p>
-            <a:br>
-              <a:rPr lang="ko-KR" altLang="en-US" sz="1100" b="0" dirty="0">
-                <a:effectLst/>
-                <a:latin typeface="ubuntu mono derivative powerline" panose="020B0509030602030204" pitchFamily="49" charset="0"/>
-              </a:rPr>
-            </a:br>
-            <a:r>
-              <a:rPr lang="ko-KR" altLang="en-US" sz="1100" b="0" dirty="0">
-                <a:effectLst/>
-                <a:latin typeface="ubuntu mono derivative powerline" panose="020B0509030602030204" pitchFamily="49" charset="0"/>
-              </a:rPr>
-              <a:t>    </a:t>
-            </a:r>
-            <a:r>
-              <a:rPr lang="en-US" altLang="ko-KR" sz="1100" b="0" dirty="0">
-                <a:solidFill>
-                  <a:srgbClr val="0000FF"/>
-                </a:solidFill>
-                <a:effectLst/>
-                <a:latin typeface="ubuntu mono derivative powerline" panose="020B0509030602030204" pitchFamily="49" charset="0"/>
-              </a:rPr>
-              <a:t>for</a:t>
-            </a:r>
-            <a:r>
-              <a:rPr lang="en-US" altLang="ko-KR" sz="1100" b="0" dirty="0">
-                <a:effectLst/>
-                <a:latin typeface="ubuntu mono derivative powerline" panose="020B0509030602030204" pitchFamily="49" charset="0"/>
-              </a:rPr>
-              <a:t> </a:t>
-            </a:r>
-            <a:r>
-              <a:rPr lang="en-US" altLang="ko-KR" sz="1100" b="0" dirty="0" err="1">
-                <a:effectLst/>
-                <a:latin typeface="ubuntu mono derivative powerline" panose="020B0509030602030204" pitchFamily="49" charset="0"/>
-              </a:rPr>
-              <a:t>i</a:t>
-            </a:r>
-            <a:r>
-              <a:rPr lang="en-US" altLang="ko-KR" sz="1100" b="0" dirty="0">
-                <a:effectLst/>
-                <a:latin typeface="ubuntu mono derivative powerline" panose="020B0509030602030204" pitchFamily="49" charset="0"/>
-              </a:rPr>
-              <a:t>, h </a:t>
-            </a:r>
-            <a:r>
-              <a:rPr lang="en-US" altLang="ko-KR" sz="1100" b="0" dirty="0">
-                <a:solidFill>
-                  <a:srgbClr val="0000FF"/>
-                </a:solidFill>
-                <a:effectLst/>
-                <a:latin typeface="ubuntu mono derivative powerline" panose="020B0509030602030204" pitchFamily="49" charset="0"/>
-              </a:rPr>
-              <a:t>in</a:t>
-            </a:r>
-            <a:r>
-              <a:rPr lang="en-US" altLang="ko-KR" sz="1100" b="0" dirty="0">
-                <a:effectLst/>
-                <a:latin typeface="ubuntu mono derivative powerline" panose="020B0509030602030204" pitchFamily="49" charset="0"/>
-              </a:rPr>
-              <a:t> </a:t>
-            </a:r>
-            <a:r>
-              <a:rPr lang="en-US" altLang="ko-KR" sz="1100" b="0" dirty="0">
-                <a:solidFill>
-                  <a:srgbClr val="0000FF"/>
-                </a:solidFill>
-                <a:effectLst/>
-                <a:latin typeface="ubuntu mono derivative powerline" panose="020B0509030602030204" pitchFamily="49" charset="0"/>
-              </a:rPr>
-              <a:t>enumerate</a:t>
-            </a:r>
-            <a:r>
-              <a:rPr lang="en-US" altLang="ko-KR" sz="1100" b="0" dirty="0">
-                <a:effectLst/>
-                <a:latin typeface="ubuntu mono derivative powerline" panose="020B0509030602030204" pitchFamily="49" charset="0"/>
-              </a:rPr>
-              <a:t>(hist):</a:t>
-            </a:r>
-          </a:p>
-          <a:p>
-            <a:r>
-              <a:rPr lang="en-US" altLang="ko-KR" sz="1100" b="0" dirty="0">
-                <a:effectLst/>
-                <a:latin typeface="ubuntu mono derivative powerline" panose="020B0509030602030204" pitchFamily="49" charset="0"/>
-              </a:rPr>
-              <a:t>        x = </a:t>
-            </a:r>
-            <a:r>
-              <a:rPr lang="en-US" altLang="ko-KR" sz="1100" b="0" dirty="0">
-                <a:solidFill>
-                  <a:srgbClr val="0000FF"/>
-                </a:solidFill>
-                <a:effectLst/>
-                <a:latin typeface="ubuntu mono derivative powerline" panose="020B0509030602030204" pitchFamily="49" charset="0"/>
-              </a:rPr>
-              <a:t>int</a:t>
-            </a:r>
-            <a:r>
-              <a:rPr lang="en-US" altLang="ko-KR" sz="1100" b="0" dirty="0">
-                <a:effectLst/>
-                <a:latin typeface="ubuntu mono derivative powerline" panose="020B0509030602030204" pitchFamily="49" charset="0"/>
-              </a:rPr>
-              <a:t>(</a:t>
-            </a:r>
-            <a:r>
-              <a:rPr lang="en-US" altLang="ko-KR" sz="1100" b="0" dirty="0">
-                <a:solidFill>
-                  <a:srgbClr val="0000FF"/>
-                </a:solidFill>
-                <a:effectLst/>
-                <a:latin typeface="ubuntu mono derivative powerline" panose="020B0509030602030204" pitchFamily="49" charset="0"/>
-              </a:rPr>
-              <a:t>round</a:t>
-            </a:r>
-            <a:r>
-              <a:rPr lang="en-US" altLang="ko-KR" sz="1100" b="0" dirty="0">
-                <a:effectLst/>
-                <a:latin typeface="ubuntu mono derivative powerline" panose="020B0509030602030204" pitchFamily="49" charset="0"/>
-              </a:rPr>
-              <a:t>(</a:t>
-            </a:r>
-            <a:r>
-              <a:rPr lang="en-US" altLang="ko-KR" sz="1100" b="0" dirty="0" err="1">
-                <a:effectLst/>
-                <a:latin typeface="ubuntu mono derivative powerline" panose="020B0509030602030204" pitchFamily="49" charset="0"/>
-              </a:rPr>
-              <a:t>i</a:t>
-            </a:r>
-            <a:r>
-              <a:rPr lang="en-US" altLang="ko-KR" sz="1100" b="0" dirty="0">
-                <a:effectLst/>
-                <a:latin typeface="ubuntu mono derivative powerline" panose="020B0509030602030204" pitchFamily="49" charset="0"/>
-              </a:rPr>
-              <a:t> * gap))                             </a:t>
-            </a:r>
-            <a:r>
-              <a:rPr lang="en-US" altLang="ko-KR" sz="1100" b="0" dirty="0">
-                <a:solidFill>
-                  <a:srgbClr val="00B050"/>
-                </a:solidFill>
-                <a:effectLst/>
-                <a:latin typeface="ubuntu mono derivative powerline" panose="020B0509030602030204" pitchFamily="49" charset="0"/>
-              </a:rPr>
-              <a:t># </a:t>
-            </a:r>
-            <a:r>
-              <a:rPr lang="ko-KR" altLang="en-US" sz="1100" b="0" dirty="0">
-                <a:solidFill>
-                  <a:srgbClr val="00B050"/>
-                </a:solidFill>
-                <a:effectLst/>
-                <a:latin typeface="ubuntu mono derivative powerline" panose="020B0509030602030204" pitchFamily="49" charset="0"/>
-              </a:rPr>
-              <a:t>막대 시작 좌표</a:t>
-            </a:r>
-          </a:p>
-          <a:p>
-            <a:r>
-              <a:rPr lang="ko-KR" altLang="en-US" sz="1100" b="0" dirty="0">
-                <a:effectLst/>
-                <a:latin typeface="ubuntu mono derivative powerline" panose="020B0509030602030204" pitchFamily="49" charset="0"/>
-              </a:rPr>
-              <a:t>        </a:t>
-            </a:r>
-            <a:r>
-              <a:rPr lang="en-US" altLang="ko-KR" sz="1100" b="0" dirty="0">
-                <a:effectLst/>
-                <a:latin typeface="ubuntu mono derivative powerline" panose="020B0509030602030204" pitchFamily="49" charset="0"/>
-              </a:rPr>
-              <a:t>w = </a:t>
-            </a:r>
-            <a:r>
-              <a:rPr lang="en-US" altLang="ko-KR" sz="1100" b="0" dirty="0">
-                <a:solidFill>
-                  <a:srgbClr val="0000FF"/>
-                </a:solidFill>
-                <a:effectLst/>
-                <a:latin typeface="ubuntu mono derivative powerline" panose="020B0509030602030204" pitchFamily="49" charset="0"/>
-              </a:rPr>
-              <a:t>int</a:t>
-            </a:r>
-            <a:r>
-              <a:rPr lang="en-US" altLang="ko-KR" sz="1100" b="0" dirty="0">
-                <a:effectLst/>
-                <a:latin typeface="ubuntu mono derivative powerline" panose="020B0509030602030204" pitchFamily="49" charset="0"/>
-              </a:rPr>
-              <a:t>(</a:t>
-            </a:r>
-            <a:r>
-              <a:rPr lang="en-US" altLang="ko-KR" sz="1100" b="0" dirty="0">
-                <a:solidFill>
-                  <a:srgbClr val="0000FF"/>
-                </a:solidFill>
-                <a:effectLst/>
-                <a:latin typeface="ubuntu mono derivative powerline" panose="020B0509030602030204" pitchFamily="49" charset="0"/>
-              </a:rPr>
-              <a:t>round</a:t>
-            </a:r>
-            <a:r>
-              <a:rPr lang="en-US" altLang="ko-KR" sz="1100" b="0" dirty="0">
-                <a:effectLst/>
-                <a:latin typeface="ubuntu mono derivative powerline" panose="020B0509030602030204" pitchFamily="49" charset="0"/>
-              </a:rPr>
-              <a:t>(gap))</a:t>
-            </a:r>
-          </a:p>
-          <a:p>
-            <a:r>
-              <a:rPr lang="en-US" altLang="ko-KR" sz="1100" b="0" dirty="0">
-                <a:effectLst/>
-                <a:latin typeface="ubuntu mono derivative powerline" panose="020B0509030602030204" pitchFamily="49" charset="0"/>
-              </a:rPr>
-              <a:t>        </a:t>
-            </a:r>
-            <a:r>
-              <a:rPr lang="en-US" altLang="ko-KR" sz="1100" b="0" dirty="0">
-                <a:solidFill>
-                  <a:srgbClr val="7030A0"/>
-                </a:solidFill>
-                <a:effectLst/>
-                <a:latin typeface="ubuntu mono derivative powerline" panose="020B0509030602030204" pitchFamily="49" charset="0"/>
-              </a:rPr>
-              <a:t>cv2</a:t>
-            </a:r>
-            <a:r>
-              <a:rPr lang="en-US" altLang="ko-KR" sz="1100" b="0" dirty="0">
-                <a:effectLst/>
-                <a:latin typeface="ubuntu mono derivative powerline" panose="020B0509030602030204" pitchFamily="49" charset="0"/>
-              </a:rPr>
-              <a:t>.</a:t>
-            </a:r>
-            <a:r>
-              <a:rPr lang="en-US" altLang="ko-KR" sz="1100" b="0" dirty="0">
-                <a:solidFill>
-                  <a:srgbClr val="0000FF"/>
-                </a:solidFill>
-                <a:effectLst/>
-                <a:latin typeface="ubuntu mono derivative powerline" panose="020B0509030602030204" pitchFamily="49" charset="0"/>
-              </a:rPr>
-              <a:t>rectangle</a:t>
-            </a:r>
-            <a:r>
-              <a:rPr lang="en-US" altLang="ko-KR" sz="1100" b="0" dirty="0">
-                <a:effectLst/>
-                <a:latin typeface="ubuntu mono derivative powerline" panose="020B0509030602030204" pitchFamily="49" charset="0"/>
-              </a:rPr>
-              <a:t>(</a:t>
-            </a:r>
-            <a:r>
-              <a:rPr lang="en-US" altLang="ko-KR" sz="1100" b="0" dirty="0" err="1">
-                <a:effectLst/>
-                <a:latin typeface="ubuntu mono derivative powerline" panose="020B0509030602030204" pitchFamily="49" charset="0"/>
-              </a:rPr>
-              <a:t>hist_img</a:t>
-            </a:r>
-            <a:r>
-              <a:rPr lang="en-US" altLang="ko-KR" sz="1100" b="0" dirty="0">
-                <a:effectLst/>
-                <a:latin typeface="ubuntu mono derivative powerline" panose="020B0509030602030204" pitchFamily="49" charset="0"/>
-              </a:rPr>
-              <a:t>, (x, 0, w, </a:t>
-            </a:r>
-            <a:r>
-              <a:rPr lang="en-US" altLang="ko-KR" sz="1100" b="0" dirty="0">
-                <a:solidFill>
-                  <a:srgbClr val="0000FF"/>
-                </a:solidFill>
-                <a:effectLst/>
-                <a:latin typeface="ubuntu mono derivative powerline" panose="020B0509030602030204" pitchFamily="49" charset="0"/>
-              </a:rPr>
-              <a:t>int</a:t>
-            </a:r>
-            <a:r>
-              <a:rPr lang="en-US" altLang="ko-KR" sz="1100" b="0" dirty="0">
-                <a:effectLst/>
-                <a:latin typeface="ubuntu mono derivative powerline" panose="020B0509030602030204" pitchFamily="49" charset="0"/>
-              </a:rPr>
-              <a:t>(h)), 0, </a:t>
-            </a:r>
-            <a:r>
-              <a:rPr lang="en-US" altLang="ko-KR" sz="1100" b="0" dirty="0">
-                <a:solidFill>
-                  <a:srgbClr val="7030A0"/>
-                </a:solidFill>
-                <a:effectLst/>
-                <a:latin typeface="ubuntu mono derivative powerline" panose="020B0509030602030204" pitchFamily="49" charset="0"/>
-              </a:rPr>
-              <a:t>cv2</a:t>
-            </a:r>
-            <a:r>
-              <a:rPr lang="en-US" altLang="ko-KR" sz="1100" b="0" dirty="0">
-                <a:effectLst/>
-                <a:latin typeface="ubuntu mono derivative powerline" panose="020B0509030602030204" pitchFamily="49" charset="0"/>
-              </a:rPr>
-              <a:t>.</a:t>
-            </a:r>
-            <a:r>
-              <a:rPr lang="en-US" altLang="ko-KR" sz="1100" b="0" dirty="0">
-                <a:solidFill>
-                  <a:srgbClr val="0000FF"/>
-                </a:solidFill>
-                <a:effectLst/>
-                <a:latin typeface="ubuntu mono derivative powerline" panose="020B0509030602030204" pitchFamily="49" charset="0"/>
-              </a:rPr>
-              <a:t>FILLED</a:t>
-            </a:r>
-            <a:r>
-              <a:rPr lang="en-US" altLang="ko-KR" sz="1100" b="0" dirty="0">
-                <a:effectLst/>
-                <a:latin typeface="ubuntu mono derivative powerline" panose="020B0509030602030204" pitchFamily="49" charset="0"/>
-              </a:rPr>
-              <a:t>)</a:t>
-            </a:r>
-          </a:p>
-          <a:p>
-            <a:r>
-              <a:rPr lang="en-US" altLang="ko-KR" sz="1100" b="0" dirty="0">
-                <a:effectLst/>
-                <a:latin typeface="ubuntu mono derivative powerline" panose="020B0509030602030204" pitchFamily="49" charset="0"/>
-              </a:rPr>
-              <a:t>    </a:t>
-            </a:r>
-            <a:r>
-              <a:rPr lang="en-US" altLang="ko-KR" sz="1100" b="0" dirty="0">
-                <a:solidFill>
-                  <a:srgbClr val="0000FF"/>
-                </a:solidFill>
-                <a:effectLst/>
-                <a:latin typeface="ubuntu mono derivative powerline" panose="020B0509030602030204" pitchFamily="49" charset="0"/>
-              </a:rPr>
-              <a:t>return</a:t>
-            </a:r>
-            <a:r>
-              <a:rPr lang="en-US" altLang="ko-KR" sz="1100" b="0" dirty="0">
-                <a:effectLst/>
-                <a:latin typeface="ubuntu mono derivative powerline" panose="020B0509030602030204" pitchFamily="49" charset="0"/>
-              </a:rPr>
-              <a:t> </a:t>
-            </a:r>
-            <a:r>
-              <a:rPr lang="en-US" altLang="ko-KR" sz="1100" b="0" dirty="0">
-                <a:solidFill>
-                  <a:srgbClr val="7030A0"/>
-                </a:solidFill>
-                <a:effectLst/>
-                <a:latin typeface="ubuntu mono derivative powerline" panose="020B0509030602030204" pitchFamily="49" charset="0"/>
-              </a:rPr>
-              <a:t>cv2</a:t>
-            </a:r>
-            <a:r>
-              <a:rPr lang="en-US" altLang="ko-KR" sz="1100" b="0" dirty="0">
-                <a:effectLst/>
-                <a:latin typeface="ubuntu mono derivative powerline" panose="020B0509030602030204" pitchFamily="49" charset="0"/>
-              </a:rPr>
-              <a:t>.</a:t>
-            </a:r>
-            <a:r>
-              <a:rPr lang="en-US" altLang="ko-KR" sz="1100" b="0" dirty="0">
-                <a:solidFill>
-                  <a:srgbClr val="0000FF"/>
-                </a:solidFill>
-                <a:effectLst/>
-                <a:latin typeface="ubuntu mono derivative powerline" panose="020B0509030602030204" pitchFamily="49" charset="0"/>
-              </a:rPr>
-              <a:t>flip</a:t>
-            </a:r>
-            <a:r>
-              <a:rPr lang="en-US" altLang="ko-KR" sz="1100" b="0" dirty="0">
-                <a:effectLst/>
-                <a:latin typeface="ubuntu mono derivative powerline" panose="020B0509030602030204" pitchFamily="49" charset="0"/>
-              </a:rPr>
-              <a:t>(</a:t>
-            </a:r>
-            <a:r>
-              <a:rPr lang="en-US" altLang="ko-KR" sz="1100" b="0" dirty="0" err="1">
-                <a:effectLst/>
-                <a:latin typeface="ubuntu mono derivative powerline" panose="020B0509030602030204" pitchFamily="49" charset="0"/>
-              </a:rPr>
-              <a:t>hist_img</a:t>
-            </a:r>
-            <a:r>
-              <a:rPr lang="en-US" altLang="ko-KR" sz="1100" b="0" dirty="0">
-                <a:effectLst/>
-                <a:latin typeface="ubuntu mono derivative powerline" panose="020B0509030602030204" pitchFamily="49" charset="0"/>
-              </a:rPr>
-              <a:t>, 0)                            </a:t>
-            </a:r>
-            <a:r>
-              <a:rPr lang="en-US" altLang="ko-KR" sz="1100" b="0" dirty="0">
-                <a:solidFill>
-                  <a:srgbClr val="00B050"/>
-                </a:solidFill>
-                <a:effectLst/>
-                <a:latin typeface="ubuntu mono derivative powerline" panose="020B0509030602030204" pitchFamily="49" charset="0"/>
-              </a:rPr>
-              <a:t># </a:t>
-            </a:r>
-            <a:r>
-              <a:rPr lang="ko-KR" altLang="en-US" sz="1100" b="0" dirty="0">
-                <a:solidFill>
-                  <a:srgbClr val="00B050"/>
-                </a:solidFill>
-                <a:effectLst/>
-                <a:latin typeface="ubuntu mono derivative powerline" panose="020B0509030602030204" pitchFamily="49" charset="0"/>
-              </a:rPr>
-              <a:t>영상 좌우</a:t>
-            </a:r>
-            <a:r>
-              <a:rPr lang="en-US" altLang="ko-KR" sz="1100" b="0" dirty="0">
-                <a:solidFill>
-                  <a:srgbClr val="00B050"/>
-                </a:solidFill>
-                <a:effectLst/>
-                <a:latin typeface="ubuntu mono derivative powerline" panose="020B0509030602030204" pitchFamily="49" charset="0"/>
-              </a:rPr>
-              <a:t>, </a:t>
-            </a:r>
-            <a:r>
-              <a:rPr lang="ko-KR" altLang="en-US" sz="1100" b="0" dirty="0">
-                <a:solidFill>
-                  <a:srgbClr val="00B050"/>
-                </a:solidFill>
-                <a:effectLst/>
-                <a:latin typeface="ubuntu mono derivative powerline" panose="020B0509030602030204" pitchFamily="49" charset="0"/>
-              </a:rPr>
-              <a:t>상하 반전 </a:t>
-            </a:r>
+              <a:t>...</a:t>
+            </a:r>
+          </a:p>
+          <a:p>
+            <a:r>
+              <a:rPr lang="en-US" altLang="ko-KR" sz="1100" b="0" dirty="0">
+                <a:effectLst/>
+                <a:latin typeface="ubuntu mono derivative powerline" panose="020B0509030602030204" pitchFamily="49" charset="0"/>
+              </a:rPr>
+              <a:t>image1 = image1[:image2.shape[0], :image2.shape[1]]</a:t>
+            </a:r>
+            <a:endParaRPr lang="en-US" altLang="ko-KR" sz="1100" dirty="0">
+              <a:latin typeface="ubuntu mono derivative powerline" panose="020B0509030602030204" pitchFamily="49" charset="0"/>
+            </a:endParaRPr>
           </a:p>
           <a:p>
             <a:endParaRPr lang="en-US" altLang="ko-KR" sz="1100" b="0" dirty="0">
@@ -12120,388 +12091,640 @@
           <a:p>
             <a:r>
               <a:rPr lang="en-US" altLang="ko-KR" sz="1100" b="0" dirty="0">
-                <a:effectLst/>
+                <a:solidFill>
+                  <a:srgbClr val="0000FF"/>
+                </a:solidFill>
+                <a:effectLst/>
+                <a:latin typeface="ubuntu mono derivative powerline" panose="020B0509030602030204" pitchFamily="49" charset="0"/>
+              </a:rPr>
+              <a:t>def</a:t>
+            </a:r>
+            <a:r>
+              <a:rPr lang="en-US" altLang="ko-KR" sz="1100" b="0" dirty="0">
+                <a:effectLst/>
+                <a:latin typeface="ubuntu mono derivative powerline" panose="020B0509030602030204" pitchFamily="49" charset="0"/>
+              </a:rPr>
+              <a:t> </a:t>
+            </a:r>
+            <a:r>
+              <a:rPr lang="en-US" altLang="ko-KR" sz="1100" b="0" dirty="0" err="1">
+                <a:solidFill>
+                  <a:srgbClr val="0000FF"/>
+                </a:solidFill>
+                <a:effectLst/>
+                <a:latin typeface="ubuntu mono derivative powerline" panose="020B0509030602030204" pitchFamily="49" charset="0"/>
+              </a:rPr>
+              <a:t>onChange</a:t>
+            </a:r>
+            <a:r>
+              <a:rPr lang="en-US" altLang="ko-KR" sz="1100" b="0" dirty="0">
+                <a:effectLst/>
+                <a:latin typeface="ubuntu mono derivative powerline" panose="020B0509030602030204" pitchFamily="49" charset="0"/>
+              </a:rPr>
+              <a:t>(x):</a:t>
+            </a:r>
+          </a:p>
+          <a:p>
+            <a:r>
+              <a:rPr lang="en-US" altLang="ko-KR" sz="1100" b="0" dirty="0">
+                <a:effectLst/>
+                <a:latin typeface="ubuntu mono derivative powerline" panose="020B0509030602030204" pitchFamily="49" charset="0"/>
+              </a:rPr>
+              <a:t>    alpha = </a:t>
+            </a:r>
+            <a:r>
+              <a:rPr lang="en-US" altLang="ko-KR" sz="1100" b="0" dirty="0">
+                <a:solidFill>
+                  <a:srgbClr val="7030A0"/>
+                </a:solidFill>
+                <a:effectLst/>
+                <a:latin typeface="ubuntu mono derivative powerline" panose="020B0509030602030204" pitchFamily="49" charset="0"/>
+              </a:rPr>
+              <a:t>cv2</a:t>
+            </a:r>
+            <a:r>
+              <a:rPr lang="en-US" altLang="ko-KR" sz="1100" b="0" dirty="0">
+                <a:effectLst/>
+                <a:latin typeface="ubuntu mono derivative powerline" panose="020B0509030602030204" pitchFamily="49" charset="0"/>
+              </a:rPr>
+              <a:t>.</a:t>
+            </a:r>
+            <a:r>
+              <a:rPr lang="en-US" altLang="ko-KR" sz="1100" b="0" dirty="0">
+                <a:solidFill>
+                  <a:srgbClr val="0000FF"/>
+                </a:solidFill>
+                <a:effectLst/>
+                <a:latin typeface="ubuntu mono derivative powerline" panose="020B0509030602030204" pitchFamily="49" charset="0"/>
+              </a:rPr>
+              <a:t>getTrackbarPos</a:t>
+            </a:r>
+            <a:r>
+              <a:rPr lang="en-US" altLang="ko-KR" sz="1100" b="0" dirty="0">
+                <a:effectLst/>
+                <a:latin typeface="ubuntu mono derivative powerline" panose="020B0509030602030204" pitchFamily="49" charset="0"/>
+              </a:rPr>
+              <a:t>('image1', 'image') / 100</a:t>
+            </a:r>
+          </a:p>
+          <a:p>
+            <a:r>
+              <a:rPr lang="en-US" altLang="ko-KR" sz="1100" b="0" dirty="0">
+                <a:effectLst/>
+                <a:latin typeface="ubuntu mono derivative powerline" panose="020B0509030602030204" pitchFamily="49" charset="0"/>
+              </a:rPr>
+              <a:t>    beta = </a:t>
+            </a:r>
+            <a:r>
+              <a:rPr lang="en-US" altLang="ko-KR" sz="1100" b="0" dirty="0">
+                <a:solidFill>
+                  <a:srgbClr val="7030A0"/>
+                </a:solidFill>
+                <a:effectLst/>
+                <a:latin typeface="ubuntu mono derivative powerline" panose="020B0509030602030204" pitchFamily="49" charset="0"/>
+              </a:rPr>
+              <a:t>cv2</a:t>
+            </a:r>
+            <a:r>
+              <a:rPr lang="en-US" altLang="ko-KR" sz="1100" b="0" dirty="0">
+                <a:effectLst/>
+                <a:latin typeface="ubuntu mono derivative powerline" panose="020B0509030602030204" pitchFamily="49" charset="0"/>
+              </a:rPr>
+              <a:t>.</a:t>
+            </a:r>
+            <a:r>
+              <a:rPr lang="en-US" altLang="ko-KR" sz="1100" b="0" dirty="0">
+                <a:solidFill>
+                  <a:srgbClr val="0000FF"/>
+                </a:solidFill>
+                <a:effectLst/>
+                <a:latin typeface="ubuntu mono derivative powerline" panose="020B0509030602030204" pitchFamily="49" charset="0"/>
+              </a:rPr>
+              <a:t>getTrackbarPos</a:t>
+            </a:r>
+            <a:r>
+              <a:rPr lang="en-US" altLang="ko-KR" sz="1100" b="0" dirty="0">
+                <a:effectLst/>
+                <a:latin typeface="ubuntu mono derivative powerline" panose="020B0509030602030204" pitchFamily="49" charset="0"/>
+              </a:rPr>
+              <a:t>('image2', 'image') / 100</a:t>
+            </a:r>
+          </a:p>
+          <a:p>
+            <a:br>
+              <a:rPr lang="en-US" altLang="ko-KR" sz="1100" b="0" dirty="0">
+                <a:effectLst/>
+                <a:latin typeface="ubuntu mono derivative powerline" panose="020B0509030602030204" pitchFamily="49" charset="0"/>
+              </a:rPr>
+            </a:br>
+            <a:r>
+              <a:rPr lang="en-US" altLang="ko-KR" sz="1100" b="0" dirty="0">
+                <a:effectLst/>
+                <a:latin typeface="ubuntu mono derivative powerline" panose="020B0509030602030204" pitchFamily="49" charset="0"/>
+              </a:rPr>
+              <a:t>    </a:t>
+            </a:r>
+            <a:r>
+              <a:rPr lang="en-US" altLang="ko-KR" sz="1100" b="0" dirty="0" err="1">
+                <a:effectLst/>
+                <a:latin typeface="ubuntu mono derivative powerline" panose="020B0509030602030204" pitchFamily="49" charset="0"/>
+              </a:rPr>
+              <a:t>mul_img</a:t>
+            </a:r>
+            <a:r>
+              <a:rPr lang="en-US" altLang="ko-KR" sz="1100" b="0" dirty="0">
+                <a:effectLst/>
+                <a:latin typeface="ubuntu mono derivative powerline" panose="020B0509030602030204" pitchFamily="49" charset="0"/>
+              </a:rPr>
+              <a:t> = </a:t>
+            </a:r>
+            <a:r>
+              <a:rPr lang="en-US" altLang="ko-KR" sz="1100" b="0" dirty="0">
+                <a:solidFill>
+                  <a:srgbClr val="7030A0"/>
+                </a:solidFill>
+                <a:effectLst/>
+                <a:latin typeface="ubuntu mono derivative powerline" panose="020B0509030602030204" pitchFamily="49" charset="0"/>
+              </a:rPr>
+              <a:t>cv2</a:t>
+            </a:r>
+            <a:r>
+              <a:rPr lang="en-US" altLang="ko-KR" sz="1100" b="0" dirty="0">
+                <a:effectLst/>
+                <a:latin typeface="ubuntu mono derivative powerline" panose="020B0509030602030204" pitchFamily="49" charset="0"/>
+              </a:rPr>
+              <a:t>.</a:t>
+            </a:r>
+            <a:r>
+              <a:rPr lang="en-US" altLang="ko-KR" sz="1100" b="0" dirty="0">
+                <a:solidFill>
+                  <a:srgbClr val="0000FF"/>
+                </a:solidFill>
+                <a:effectLst/>
+                <a:latin typeface="ubuntu mono derivative powerline" panose="020B0509030602030204" pitchFamily="49" charset="0"/>
+              </a:rPr>
+              <a:t>addWeighted</a:t>
+            </a:r>
+            <a:r>
+              <a:rPr lang="en-US" altLang="ko-KR" sz="1100" b="0" dirty="0">
+                <a:effectLst/>
+                <a:latin typeface="ubuntu mono derivative powerline" panose="020B0509030602030204" pitchFamily="49" charset="0"/>
+              </a:rPr>
+              <a:t>(image1, alpha, image2, beta, 0)</a:t>
+            </a:r>
+          </a:p>
+          <a:p>
+            <a:br>
+              <a:rPr lang="en-US" altLang="ko-KR" sz="1100" b="0" dirty="0">
+                <a:effectLst/>
+                <a:latin typeface="ubuntu mono derivative powerline" panose="020B0509030602030204" pitchFamily="49" charset="0"/>
+              </a:rPr>
+            </a:br>
+            <a:r>
+              <a:rPr lang="en-US" altLang="ko-KR" sz="1100" b="0" dirty="0">
+                <a:effectLst/>
+                <a:latin typeface="ubuntu mono derivative powerline" panose="020B0509030602030204" pitchFamily="49" charset="0"/>
+              </a:rPr>
+              <a:t>    hist = </a:t>
+            </a:r>
+            <a:r>
+              <a:rPr lang="en-US" altLang="ko-KR" sz="1100" b="0" dirty="0">
+                <a:solidFill>
+                  <a:srgbClr val="7030A0"/>
+                </a:solidFill>
+                <a:effectLst/>
+                <a:latin typeface="ubuntu mono derivative powerline" panose="020B0509030602030204" pitchFamily="49" charset="0"/>
+              </a:rPr>
+              <a:t>cv2</a:t>
+            </a:r>
+            <a:r>
+              <a:rPr lang="en-US" altLang="ko-KR" sz="1100" b="0" dirty="0">
+                <a:effectLst/>
+                <a:latin typeface="ubuntu mono derivative powerline" panose="020B0509030602030204" pitchFamily="49" charset="0"/>
+              </a:rPr>
+              <a:t>.</a:t>
+            </a:r>
+            <a:r>
+              <a:rPr lang="en-US" altLang="ko-KR" sz="1100" b="0" dirty="0">
+                <a:solidFill>
+                  <a:srgbClr val="0000FF"/>
+                </a:solidFill>
+                <a:effectLst/>
+                <a:latin typeface="ubuntu mono derivative powerline" panose="020B0509030602030204" pitchFamily="49" charset="0"/>
+              </a:rPr>
+              <a:t>calcHist</a:t>
+            </a:r>
+            <a:r>
+              <a:rPr lang="en-US" altLang="ko-KR" sz="1100" b="0" dirty="0">
+                <a:effectLst/>
+                <a:latin typeface="ubuntu mono derivative powerline" panose="020B0509030602030204" pitchFamily="49" charset="0"/>
+              </a:rPr>
+              <a:t>([</a:t>
+            </a:r>
+            <a:r>
+              <a:rPr lang="en-US" altLang="ko-KR" sz="1100" b="0" dirty="0" err="1">
+                <a:effectLst/>
+                <a:latin typeface="ubuntu mono derivative powerline" panose="020B0509030602030204" pitchFamily="49" charset="0"/>
+              </a:rPr>
+              <a:t>mul_img</a:t>
+            </a:r>
+            <a:r>
+              <a:rPr lang="en-US" altLang="ko-KR" sz="1100" b="0" dirty="0">
+                <a:effectLst/>
+                <a:latin typeface="ubuntu mono derivative powerline" panose="020B0509030602030204" pitchFamily="49" charset="0"/>
+              </a:rPr>
+              <a:t>], [0], None, [64], [0, 256])   # </a:t>
+            </a:r>
+            <a:r>
+              <a:rPr lang="ko-KR" altLang="en-US" sz="1100" b="0" dirty="0">
+                <a:effectLst/>
+                <a:latin typeface="ubuntu mono derivative powerline" panose="020B0509030602030204" pitchFamily="49" charset="0"/>
+              </a:rPr>
+              <a:t>히스토그램 계산</a:t>
+            </a:r>
+          </a:p>
+          <a:p>
+            <a:br>
+              <a:rPr lang="ko-KR" altLang="en-US" sz="1100" b="0" dirty="0">
+                <a:effectLst/>
+                <a:latin typeface="ubuntu mono derivative powerline" panose="020B0509030602030204" pitchFamily="49" charset="0"/>
+              </a:rPr>
+            </a:br>
+            <a:r>
+              <a:rPr lang="ko-KR" altLang="en-US" sz="1100" b="0" dirty="0">
+                <a:effectLst/>
+                <a:latin typeface="ubuntu mono derivative powerline" panose="020B0509030602030204" pitchFamily="49" charset="0"/>
+              </a:rPr>
+              <a:t>    </a:t>
+            </a:r>
+            <a:r>
+              <a:rPr lang="en-US" altLang="ko-KR" sz="1100" b="0" dirty="0" err="1">
+                <a:solidFill>
+                  <a:srgbClr val="7030A0"/>
+                </a:solidFill>
+                <a:effectLst/>
+                <a:latin typeface="ubuntu mono derivative powerline" panose="020B0509030602030204" pitchFamily="49" charset="0"/>
+              </a:rPr>
+              <a:t>plt</a:t>
+            </a:r>
+            <a:r>
+              <a:rPr lang="en-US" altLang="ko-KR" sz="1100" b="0" dirty="0" err="1">
+                <a:effectLst/>
+                <a:latin typeface="ubuntu mono derivative powerline" panose="020B0509030602030204" pitchFamily="49" charset="0"/>
+              </a:rPr>
+              <a:t>.</a:t>
+            </a:r>
+            <a:r>
+              <a:rPr lang="en-US" altLang="ko-KR" sz="1100" b="0" dirty="0" err="1">
+                <a:solidFill>
+                  <a:srgbClr val="0000FF"/>
+                </a:solidFill>
+                <a:effectLst/>
+                <a:latin typeface="ubuntu mono derivative powerline" panose="020B0509030602030204" pitchFamily="49" charset="0"/>
+              </a:rPr>
+              <a:t>cla</a:t>
+            </a:r>
+            <a:r>
+              <a:rPr lang="en-US" altLang="ko-KR" sz="1100" b="0" dirty="0">
+                <a:effectLst/>
+                <a:latin typeface="ubuntu mono derivative powerline" panose="020B0509030602030204" pitchFamily="49" charset="0"/>
+              </a:rPr>
+              <a:t>()</a:t>
+            </a:r>
+          </a:p>
+          <a:p>
+            <a:r>
+              <a:rPr lang="en-US" altLang="ko-KR" sz="1100" b="0" dirty="0">
+                <a:effectLst/>
+                <a:latin typeface="ubuntu mono derivative powerline" panose="020B0509030602030204" pitchFamily="49" charset="0"/>
+              </a:rPr>
+              <a:t>    </a:t>
+            </a:r>
+            <a:r>
+              <a:rPr lang="en-US" altLang="ko-KR" sz="1100" b="0" dirty="0" err="1">
+                <a:solidFill>
+                  <a:srgbClr val="7030A0"/>
+                </a:solidFill>
+                <a:effectLst/>
+                <a:latin typeface="ubuntu mono derivative powerline" panose="020B0509030602030204" pitchFamily="49" charset="0"/>
+              </a:rPr>
+              <a:t>plt</a:t>
+            </a:r>
+            <a:r>
+              <a:rPr lang="en-US" altLang="ko-KR" sz="1100" b="0" dirty="0" err="1">
+                <a:effectLst/>
+                <a:latin typeface="ubuntu mono derivative powerline" panose="020B0509030602030204" pitchFamily="49" charset="0"/>
+              </a:rPr>
+              <a:t>.</a:t>
+            </a:r>
+            <a:r>
+              <a:rPr lang="en-US" altLang="ko-KR" sz="1100" b="0" dirty="0" err="1">
+                <a:solidFill>
+                  <a:srgbClr val="0000FF"/>
+                </a:solidFill>
+                <a:effectLst/>
+                <a:latin typeface="ubuntu mono derivative powerline" panose="020B0509030602030204" pitchFamily="49" charset="0"/>
+              </a:rPr>
+              <a:t>bar</a:t>
+            </a:r>
+            <a:r>
+              <a:rPr lang="en-US" altLang="ko-KR" sz="1100" b="0" dirty="0">
+                <a:effectLst/>
+                <a:latin typeface="ubuntu mono derivative powerline" panose="020B0509030602030204" pitchFamily="49" charset="0"/>
+              </a:rPr>
+              <a:t>(</a:t>
+            </a:r>
+            <a:r>
+              <a:rPr lang="en-US" altLang="ko-KR" sz="1100" b="0" dirty="0" err="1">
+                <a:solidFill>
+                  <a:srgbClr val="7030A0"/>
+                </a:solidFill>
+                <a:effectLst/>
+                <a:latin typeface="ubuntu mono derivative powerline" panose="020B0509030602030204" pitchFamily="49" charset="0"/>
+              </a:rPr>
+              <a:t>np</a:t>
+            </a:r>
+            <a:r>
+              <a:rPr lang="en-US" altLang="ko-KR" sz="1100" b="0" dirty="0" err="1">
+                <a:effectLst/>
+                <a:latin typeface="ubuntu mono derivative powerline" panose="020B0509030602030204" pitchFamily="49" charset="0"/>
+              </a:rPr>
+              <a:t>.</a:t>
+            </a:r>
+            <a:r>
+              <a:rPr lang="en-US" altLang="ko-KR" sz="1100" b="0" dirty="0" err="1">
+                <a:solidFill>
+                  <a:srgbClr val="0000FF"/>
+                </a:solidFill>
+                <a:effectLst/>
+                <a:latin typeface="ubuntu mono derivative powerline" panose="020B0509030602030204" pitchFamily="49" charset="0"/>
+              </a:rPr>
+              <a:t>arange</a:t>
+            </a:r>
+            <a:r>
+              <a:rPr lang="en-US" altLang="ko-KR" sz="1100" b="0" dirty="0">
+                <a:effectLst/>
+                <a:latin typeface="ubuntu mono derivative powerline" panose="020B0509030602030204" pitchFamily="49" charset="0"/>
+              </a:rPr>
+              <a:t>(</a:t>
+            </a:r>
+            <a:r>
+              <a:rPr lang="en-US" altLang="ko-KR" sz="1100" b="0" dirty="0" err="1">
+                <a:effectLst/>
+                <a:latin typeface="ubuntu mono derivative powerline" panose="020B0509030602030204" pitchFamily="49" charset="0"/>
+              </a:rPr>
+              <a:t>hist.</a:t>
+            </a:r>
+            <a:r>
+              <a:rPr lang="en-US" altLang="ko-KR" sz="1100" b="0" dirty="0" err="1">
+                <a:solidFill>
+                  <a:srgbClr val="0000FF"/>
+                </a:solidFill>
+                <a:effectLst/>
+                <a:latin typeface="ubuntu mono derivative powerline" panose="020B0509030602030204" pitchFamily="49" charset="0"/>
+              </a:rPr>
+              <a:t>shape</a:t>
+            </a:r>
+            <a:r>
+              <a:rPr lang="en-US" altLang="ko-KR" sz="1100" b="0" dirty="0">
+                <a:effectLst/>
+                <a:latin typeface="ubuntu mono derivative powerline" panose="020B0509030602030204" pitchFamily="49" charset="0"/>
+              </a:rPr>
+              <a:t>[0]), </a:t>
+            </a:r>
+            <a:r>
+              <a:rPr lang="en-US" altLang="ko-KR" sz="1100" b="0" dirty="0" err="1">
+                <a:effectLst/>
+                <a:latin typeface="ubuntu mono derivative powerline" panose="020B0509030602030204" pitchFamily="49" charset="0"/>
+              </a:rPr>
+              <a:t>hist.</a:t>
+            </a:r>
+            <a:r>
+              <a:rPr lang="en-US" altLang="ko-KR" sz="1100" b="0" dirty="0" err="1">
+                <a:solidFill>
+                  <a:srgbClr val="0000FF"/>
+                </a:solidFill>
+                <a:effectLst/>
+                <a:latin typeface="ubuntu mono derivative powerline" panose="020B0509030602030204" pitchFamily="49" charset="0"/>
+              </a:rPr>
+              <a:t>flatten</a:t>
+            </a:r>
+            <a:r>
+              <a:rPr lang="en-US" altLang="ko-KR" sz="1100" b="0" dirty="0">
+                <a:effectLst/>
+                <a:latin typeface="ubuntu mono derivative powerline" panose="020B0509030602030204" pitchFamily="49" charset="0"/>
+              </a:rPr>
+              <a:t>(), color='b')</a:t>
+            </a:r>
+          </a:p>
+          <a:p>
+            <a:r>
+              <a:rPr lang="en-US" altLang="ko-KR" sz="1100" b="0" dirty="0">
+                <a:effectLst/>
+                <a:latin typeface="ubuntu mono derivative powerline" panose="020B0509030602030204" pitchFamily="49" charset="0"/>
+              </a:rPr>
+              <a:t>    </a:t>
+            </a:r>
+            <a:r>
+              <a:rPr lang="en-US" altLang="ko-KR" sz="1100" b="0" dirty="0" err="1">
+                <a:solidFill>
+                  <a:srgbClr val="7030A0"/>
+                </a:solidFill>
+                <a:effectLst/>
+                <a:latin typeface="ubuntu mono derivative powerline" panose="020B0509030602030204" pitchFamily="49" charset="0"/>
+              </a:rPr>
+              <a:t>plt</a:t>
+            </a:r>
+            <a:r>
+              <a:rPr lang="en-US" altLang="ko-KR" sz="1100" b="0" dirty="0" err="1">
+                <a:effectLst/>
+                <a:latin typeface="ubuntu mono derivative powerline" panose="020B0509030602030204" pitchFamily="49" charset="0"/>
+              </a:rPr>
+              <a:t>.</a:t>
+            </a:r>
+            <a:r>
+              <a:rPr lang="en-US" altLang="ko-KR" sz="1100" b="0" dirty="0" err="1">
+                <a:solidFill>
+                  <a:srgbClr val="0000FF"/>
+                </a:solidFill>
+                <a:effectLst/>
+                <a:latin typeface="ubuntu mono derivative powerline" panose="020B0509030602030204" pitchFamily="49" charset="0"/>
+              </a:rPr>
+              <a:t>show</a:t>
+            </a:r>
+            <a:r>
+              <a:rPr lang="en-US" altLang="ko-KR" sz="1100" b="0" dirty="0">
+                <a:effectLst/>
+                <a:latin typeface="ubuntu mono derivative powerline" panose="020B0509030602030204" pitchFamily="49" charset="0"/>
+              </a:rPr>
+              <a:t>(block=False)</a:t>
+            </a:r>
+          </a:p>
+          <a:p>
+            <a:br>
+              <a:rPr lang="en-US" altLang="ko-KR" sz="1100" b="0" dirty="0">
+                <a:effectLst/>
+                <a:latin typeface="ubuntu mono derivative powerline" panose="020B0509030602030204" pitchFamily="49" charset="0"/>
+              </a:rPr>
+            </a:br>
+            <a:r>
+              <a:rPr lang="en-US" altLang="ko-KR" sz="1100" b="0" dirty="0">
+                <a:effectLst/>
+                <a:latin typeface="ubuntu mono derivative powerline" panose="020B0509030602030204" pitchFamily="49" charset="0"/>
+              </a:rPr>
+              <a:t>    </a:t>
+            </a:r>
+            <a:r>
+              <a:rPr lang="en-US" altLang="ko-KR" sz="1100" b="0" dirty="0">
+                <a:solidFill>
+                  <a:srgbClr val="7030A0"/>
+                </a:solidFill>
+                <a:effectLst/>
+                <a:latin typeface="ubuntu mono derivative powerline" panose="020B0509030602030204" pitchFamily="49" charset="0"/>
+              </a:rPr>
+              <a:t>cv2</a:t>
+            </a:r>
+            <a:r>
+              <a:rPr lang="en-US" altLang="ko-KR" sz="1100" b="0" dirty="0">
+                <a:effectLst/>
+                <a:latin typeface="ubuntu mono derivative powerline" panose="020B0509030602030204" pitchFamily="49" charset="0"/>
+              </a:rPr>
+              <a:t>.</a:t>
+            </a:r>
+            <a:r>
+              <a:rPr lang="en-US" altLang="ko-KR" sz="1100" b="0" dirty="0">
+                <a:solidFill>
+                  <a:srgbClr val="0000FF"/>
+                </a:solidFill>
+                <a:effectLst/>
+                <a:latin typeface="ubuntu mono derivative powerline" panose="020B0509030602030204" pitchFamily="49" charset="0"/>
+              </a:rPr>
+              <a:t>imshow</a:t>
+            </a:r>
+            <a:r>
+              <a:rPr lang="en-US" altLang="ko-KR" sz="1100" b="0" dirty="0">
+                <a:effectLst/>
+                <a:latin typeface="ubuntu mono derivative powerline" panose="020B0509030602030204" pitchFamily="49" charset="0"/>
+              </a:rPr>
+              <a:t>('image', </a:t>
+            </a:r>
+            <a:r>
+              <a:rPr lang="en-US" altLang="ko-KR" sz="1100" b="0" dirty="0" err="1">
+                <a:effectLst/>
+                <a:latin typeface="ubuntu mono derivative powerline" panose="020B0509030602030204" pitchFamily="49" charset="0"/>
+              </a:rPr>
+              <a:t>mul_img</a:t>
+            </a:r>
+            <a:r>
+              <a:rPr lang="en-US" altLang="ko-KR" sz="1100" b="0" dirty="0">
+                <a:effectLst/>
+                <a:latin typeface="ubuntu mono derivative powerline" panose="020B0509030602030204" pitchFamily="49" charset="0"/>
+              </a:rPr>
+              <a:t>)</a:t>
+            </a:r>
+          </a:p>
+          <a:p>
+            <a:endParaRPr lang="en-US" altLang="ko-KR" sz="1100" b="0" dirty="0">
+              <a:effectLst/>
+              <a:latin typeface="ubuntu mono derivative powerline" panose="020B0509030602030204" pitchFamily="49" charset="0"/>
+            </a:endParaRPr>
+          </a:p>
+          <a:p>
+            <a:r>
+              <a:rPr lang="en-US" altLang="ko-KR" sz="1100" b="0" dirty="0">
+                <a:solidFill>
+                  <a:srgbClr val="7030A0"/>
+                </a:solidFill>
+                <a:effectLst/>
+                <a:latin typeface="ubuntu mono derivative powerline" panose="020B0509030602030204" pitchFamily="49" charset="0"/>
+              </a:rPr>
+              <a:t>cv2</a:t>
+            </a:r>
+            <a:r>
+              <a:rPr lang="en-US" altLang="ko-KR" sz="1100" b="0" dirty="0">
+                <a:effectLst/>
+                <a:latin typeface="ubuntu mono derivative powerline" panose="020B0509030602030204" pitchFamily="49" charset="0"/>
+              </a:rPr>
+              <a:t>.</a:t>
+            </a:r>
+            <a:r>
+              <a:rPr lang="en-US" altLang="ko-KR" sz="1100" b="0" dirty="0">
+                <a:solidFill>
+                  <a:srgbClr val="0000FF"/>
+                </a:solidFill>
+                <a:effectLst/>
+                <a:latin typeface="ubuntu mono derivative powerline" panose="020B0509030602030204" pitchFamily="49" charset="0"/>
+              </a:rPr>
+              <a:t>namedWindow</a:t>
+            </a:r>
+            <a:r>
+              <a:rPr lang="en-US" altLang="ko-KR" sz="1100" b="0" dirty="0">
+                <a:effectLst/>
+                <a:latin typeface="ubuntu mono derivative powerline" panose="020B0509030602030204" pitchFamily="49" charset="0"/>
+              </a:rPr>
+              <a:t>('image', </a:t>
+            </a:r>
+            <a:r>
+              <a:rPr lang="en-US" altLang="ko-KR" sz="1100" b="0" dirty="0">
+                <a:solidFill>
+                  <a:srgbClr val="7030A0"/>
+                </a:solidFill>
+                <a:effectLst/>
+                <a:latin typeface="ubuntu mono derivative powerline" panose="020B0509030602030204" pitchFamily="49" charset="0"/>
+              </a:rPr>
+              <a:t>cv2</a:t>
+            </a:r>
+            <a:r>
+              <a:rPr lang="en-US" altLang="ko-KR" sz="1100" b="0" dirty="0">
+                <a:effectLst/>
+                <a:latin typeface="ubuntu mono derivative powerline" panose="020B0509030602030204" pitchFamily="49" charset="0"/>
+              </a:rPr>
+              <a:t>.</a:t>
+            </a:r>
+            <a:r>
+              <a:rPr lang="en-US" altLang="ko-KR" sz="1100" b="0" dirty="0">
+                <a:solidFill>
+                  <a:srgbClr val="0000FF"/>
+                </a:solidFill>
+                <a:effectLst/>
+                <a:latin typeface="ubuntu mono derivative powerline" panose="020B0509030602030204" pitchFamily="49" charset="0"/>
+              </a:rPr>
+              <a:t>WINDOW_AUTOSIZE</a:t>
+            </a:r>
+            <a:r>
+              <a:rPr lang="en-US" altLang="ko-KR" sz="1100" b="0" dirty="0">
+                <a:effectLst/>
+                <a:latin typeface="ubuntu mono derivative powerline" panose="020B0509030602030204" pitchFamily="49" charset="0"/>
+              </a:rPr>
+              <a:t>)</a:t>
+            </a:r>
+          </a:p>
+          <a:p>
+            <a:r>
+              <a:rPr lang="en-US" altLang="ko-KR" sz="1100" dirty="0">
+                <a:solidFill>
+                  <a:srgbClr val="0000FF"/>
+                </a:solidFill>
                 <a:latin typeface="ubuntu mono derivative powerline" panose="020B0509030602030204" pitchFamily="49" charset="0"/>
               </a:rPr>
               <a:t>...</a:t>
             </a:r>
-          </a:p>
-          <a:p>
-            <a:br>
-              <a:rPr lang="en-US" altLang="ko-KR" sz="1100" b="0" dirty="0">
-                <a:effectLst/>
-                <a:latin typeface="ubuntu mono derivative powerline" panose="020B0509030602030204" pitchFamily="49" charset="0"/>
-              </a:rPr>
-            </a:br>
-            <a:r>
-              <a:rPr lang="en-US" altLang="ko-KR" sz="1100" b="0" dirty="0">
-                <a:solidFill>
-                  <a:srgbClr val="0000FF"/>
-                </a:solidFill>
-                <a:effectLst/>
-                <a:latin typeface="ubuntu mono derivative powerline" panose="020B0509030602030204" pitchFamily="49" charset="0"/>
-              </a:rPr>
-              <a:t>while</a:t>
-            </a:r>
-            <a:r>
-              <a:rPr lang="en-US" altLang="ko-KR" sz="1100" b="0" dirty="0">
-                <a:effectLst/>
-                <a:latin typeface="ubuntu mono derivative powerline" panose="020B0509030602030204" pitchFamily="49" charset="0"/>
-              </a:rPr>
-              <a:t> </a:t>
-            </a:r>
-            <a:r>
-              <a:rPr lang="en-US" altLang="ko-KR" sz="1100" b="0" dirty="0">
-                <a:solidFill>
-                  <a:srgbClr val="0000FF"/>
-                </a:solidFill>
-                <a:effectLst/>
-                <a:latin typeface="ubuntu mono derivative powerline" panose="020B0509030602030204" pitchFamily="49" charset="0"/>
-              </a:rPr>
-              <a:t>True</a:t>
-            </a:r>
-            <a:r>
-              <a:rPr lang="en-US" altLang="ko-KR" sz="1100" b="0" dirty="0">
-                <a:effectLst/>
-                <a:latin typeface="ubuntu mono derivative powerline" panose="020B0509030602030204" pitchFamily="49" charset="0"/>
-              </a:rPr>
-              <a:t>:</a:t>
-            </a:r>
-          </a:p>
-          <a:p>
-            <a:r>
-              <a:rPr lang="en-US" altLang="ko-KR" sz="1100" dirty="0">
-                <a:latin typeface="ubuntu mono derivative powerline" panose="020B0509030602030204" pitchFamily="49" charset="0"/>
-              </a:rPr>
-              <a:t>    ...</a:t>
-            </a:r>
-            <a:br>
-              <a:rPr lang="en-US" altLang="ko-KR" sz="1100" b="0" dirty="0">
-                <a:effectLst/>
-                <a:latin typeface="ubuntu mono derivative powerline" panose="020B0509030602030204" pitchFamily="49" charset="0"/>
-              </a:rPr>
-            </a:br>
-            <a:r>
-              <a:rPr lang="en-US" altLang="ko-KR" sz="1100" b="0" dirty="0">
-                <a:effectLst/>
-                <a:latin typeface="ubuntu mono derivative powerline" panose="020B0509030602030204" pitchFamily="49" charset="0"/>
-              </a:rPr>
-              <a:t>    </a:t>
-            </a:r>
-            <a:r>
-              <a:rPr lang="en-US" altLang="ko-KR" sz="1100" b="0" dirty="0">
-                <a:solidFill>
-                  <a:srgbClr val="7030A0"/>
-                </a:solidFill>
-                <a:effectLst/>
-                <a:latin typeface="ubuntu mono derivative powerline" panose="020B0509030602030204" pitchFamily="49" charset="0"/>
-              </a:rPr>
-              <a:t>cv2</a:t>
-            </a:r>
-            <a:r>
-              <a:rPr lang="en-US" altLang="ko-KR" sz="1100" b="0" dirty="0">
-                <a:effectLst/>
-                <a:latin typeface="ubuntu mono derivative powerline" panose="020B0509030602030204" pitchFamily="49" charset="0"/>
-              </a:rPr>
-              <a:t>.</a:t>
-            </a:r>
-            <a:r>
-              <a:rPr lang="en-US" altLang="ko-KR" sz="1100" b="0" dirty="0">
-                <a:solidFill>
-                  <a:srgbClr val="0000FF"/>
-                </a:solidFill>
-                <a:effectLst/>
-                <a:latin typeface="ubuntu mono derivative powerline" panose="020B0509030602030204" pitchFamily="49" charset="0"/>
-              </a:rPr>
-              <a:t>imshow</a:t>
-            </a:r>
-            <a:r>
-              <a:rPr lang="en-US" altLang="ko-KR" sz="1100" b="0" dirty="0">
-                <a:effectLst/>
-                <a:latin typeface="ubuntu mono derivative powerline" panose="020B0509030602030204" pitchFamily="49" charset="0"/>
-              </a:rPr>
-              <a:t>('image', </a:t>
-            </a:r>
-            <a:r>
-              <a:rPr lang="en-US" altLang="ko-KR" sz="1100" b="0" dirty="0" err="1">
-                <a:effectLst/>
-                <a:latin typeface="ubuntu mono derivative powerline" panose="020B0509030602030204" pitchFamily="49" charset="0"/>
-              </a:rPr>
-              <a:t>mul_img</a:t>
-            </a:r>
-            <a:r>
-              <a:rPr lang="en-US" altLang="ko-KR" sz="1100" b="0" dirty="0">
-                <a:effectLst/>
-                <a:latin typeface="ubuntu mono derivative powerline" panose="020B0509030602030204" pitchFamily="49" charset="0"/>
-              </a:rPr>
-              <a:t>)</a:t>
-            </a:r>
-          </a:p>
-          <a:p>
-            <a:br>
-              <a:rPr lang="en-US" altLang="ko-KR" sz="1100" b="0" dirty="0">
-                <a:effectLst/>
-                <a:latin typeface="ubuntu mono derivative powerline" panose="020B0509030602030204" pitchFamily="49" charset="0"/>
-              </a:rPr>
-            </a:br>
-            <a:r>
-              <a:rPr lang="en-US" altLang="ko-KR" sz="1100" b="0" dirty="0">
-                <a:effectLst/>
-                <a:latin typeface="ubuntu mono derivative powerline" panose="020B0509030602030204" pitchFamily="49" charset="0"/>
-              </a:rPr>
-              <a:t>    hist = </a:t>
-            </a:r>
-            <a:r>
-              <a:rPr lang="en-US" altLang="ko-KR" sz="1100" b="0" dirty="0">
-                <a:solidFill>
-                  <a:srgbClr val="7030A0"/>
-                </a:solidFill>
-                <a:effectLst/>
-                <a:latin typeface="ubuntu mono derivative powerline" panose="020B0509030602030204" pitchFamily="49" charset="0"/>
-              </a:rPr>
-              <a:t>cv2</a:t>
-            </a:r>
-            <a:r>
-              <a:rPr lang="en-US" altLang="ko-KR" sz="1100" b="0" dirty="0">
-                <a:effectLst/>
-                <a:latin typeface="ubuntu mono derivative powerline" panose="020B0509030602030204" pitchFamily="49" charset="0"/>
-              </a:rPr>
-              <a:t>.</a:t>
-            </a:r>
-            <a:r>
-              <a:rPr lang="en-US" altLang="ko-KR" sz="1100" b="0" dirty="0">
-                <a:solidFill>
-                  <a:srgbClr val="0000FF"/>
-                </a:solidFill>
-                <a:effectLst/>
-                <a:latin typeface="ubuntu mono derivative powerline" panose="020B0509030602030204" pitchFamily="49" charset="0"/>
-              </a:rPr>
-              <a:t>calcHist</a:t>
-            </a:r>
-            <a:r>
-              <a:rPr lang="en-US" altLang="ko-KR" sz="1100" b="0" dirty="0">
-                <a:effectLst/>
-                <a:latin typeface="ubuntu mono derivative powerline" panose="020B0509030602030204" pitchFamily="49" charset="0"/>
-              </a:rPr>
-              <a:t>([</a:t>
-            </a:r>
-            <a:r>
-              <a:rPr lang="en-US" altLang="ko-KR" sz="1100" b="0" dirty="0" err="1">
-                <a:effectLst/>
-                <a:latin typeface="ubuntu mono derivative powerline" panose="020B0509030602030204" pitchFamily="49" charset="0"/>
-              </a:rPr>
-              <a:t>mul_img</a:t>
-            </a:r>
-            <a:r>
-              <a:rPr lang="en-US" altLang="ko-KR" sz="1100" b="0" dirty="0">
-                <a:effectLst/>
-                <a:latin typeface="ubuntu mono derivative powerline" panose="020B0509030602030204" pitchFamily="49" charset="0"/>
-              </a:rPr>
-              <a:t>], [0], None, [64], [0, 256]) </a:t>
-            </a:r>
-            <a:r>
-              <a:rPr lang="en-US" altLang="ko-KR" sz="1100" b="0" dirty="0">
-                <a:solidFill>
-                  <a:srgbClr val="00B050"/>
-                </a:solidFill>
-                <a:effectLst/>
-                <a:latin typeface="ubuntu mono derivative powerline" panose="020B0509030602030204" pitchFamily="49" charset="0"/>
-              </a:rPr>
-              <a:t># </a:t>
-            </a:r>
-            <a:r>
-              <a:rPr lang="ko-KR" altLang="en-US" sz="1100" b="0" dirty="0">
-                <a:solidFill>
-                  <a:srgbClr val="00B050"/>
-                </a:solidFill>
-                <a:effectLst/>
-                <a:latin typeface="ubuntu mono derivative powerline" panose="020B0509030602030204" pitchFamily="49" charset="0"/>
-              </a:rPr>
-              <a:t>히스토그램 계산</a:t>
-            </a:r>
-          </a:p>
-          <a:p>
-            <a:r>
-              <a:rPr lang="ko-KR" altLang="en-US" sz="1100" b="0" dirty="0">
-                <a:effectLst/>
-                <a:latin typeface="ubuntu mono derivative powerline" panose="020B0509030602030204" pitchFamily="49" charset="0"/>
-              </a:rPr>
-              <a:t>    </a:t>
-            </a:r>
-            <a:r>
-              <a:rPr lang="en-US" altLang="ko-KR" sz="1100" b="0" dirty="0" err="1">
-                <a:effectLst/>
-                <a:latin typeface="ubuntu mono derivative powerline" panose="020B0509030602030204" pitchFamily="49" charset="0"/>
-              </a:rPr>
-              <a:t>hist_img</a:t>
-            </a:r>
-            <a:r>
-              <a:rPr lang="en-US" altLang="ko-KR" sz="1100" b="0" dirty="0">
-                <a:effectLst/>
-                <a:latin typeface="ubuntu mono derivative powerline" panose="020B0509030602030204" pitchFamily="49" charset="0"/>
-              </a:rPr>
-              <a:t> = </a:t>
-            </a:r>
-            <a:r>
-              <a:rPr lang="en-US" altLang="ko-KR" sz="1100" b="0" dirty="0" err="1">
-                <a:solidFill>
-                  <a:srgbClr val="FF0000"/>
-                </a:solidFill>
-                <a:effectLst/>
-                <a:latin typeface="ubuntu mono derivative powerline" panose="020B0509030602030204" pitchFamily="49" charset="0"/>
-              </a:rPr>
-              <a:t>draw_histo</a:t>
-            </a:r>
-            <a:r>
-              <a:rPr lang="en-US" altLang="ko-KR" sz="1100" b="0" dirty="0">
-                <a:effectLst/>
-                <a:latin typeface="ubuntu mono derivative powerline" panose="020B0509030602030204" pitchFamily="49" charset="0"/>
-              </a:rPr>
-              <a:t>(hist)                               </a:t>
-            </a:r>
-            <a:r>
-              <a:rPr lang="en-US" altLang="ko-KR" sz="1100" b="0" dirty="0">
-                <a:solidFill>
-                  <a:srgbClr val="00B050"/>
-                </a:solidFill>
-                <a:effectLst/>
-                <a:latin typeface="ubuntu mono derivative powerline" panose="020B0509030602030204" pitchFamily="49" charset="0"/>
-              </a:rPr>
-              <a:t># </a:t>
-            </a:r>
-            <a:r>
-              <a:rPr lang="ko-KR" altLang="en-US" sz="1100" b="0" dirty="0">
-                <a:solidFill>
-                  <a:srgbClr val="00B050"/>
-                </a:solidFill>
-                <a:effectLst/>
-                <a:latin typeface="ubuntu mono derivative powerline" panose="020B0509030602030204" pitchFamily="49" charset="0"/>
-              </a:rPr>
-              <a:t>히스토그램 그리기</a:t>
-            </a:r>
-          </a:p>
-          <a:p>
-            <a:r>
-              <a:rPr lang="ko-KR" altLang="en-US" sz="1100" b="0" dirty="0">
-                <a:effectLst/>
-                <a:latin typeface="ubuntu mono derivative powerline" panose="020B0509030602030204" pitchFamily="49" charset="0"/>
-              </a:rPr>
-              <a:t>    </a:t>
-            </a:r>
-            <a:r>
-              <a:rPr lang="en-US" altLang="ko-KR" sz="1100" b="0" dirty="0">
-                <a:solidFill>
-                  <a:srgbClr val="7030A0"/>
-                </a:solidFill>
-                <a:effectLst/>
-                <a:latin typeface="ubuntu mono derivative powerline" panose="020B0509030602030204" pitchFamily="49" charset="0"/>
-              </a:rPr>
-              <a:t>cv2</a:t>
-            </a:r>
-            <a:r>
-              <a:rPr lang="en-US" altLang="ko-KR" sz="1100" b="0" dirty="0">
-                <a:effectLst/>
-                <a:latin typeface="ubuntu mono derivative powerline" panose="020B0509030602030204" pitchFamily="49" charset="0"/>
-              </a:rPr>
-              <a:t>.</a:t>
-            </a:r>
-            <a:r>
-              <a:rPr lang="en-US" altLang="ko-KR" sz="1100" b="0" dirty="0">
-                <a:solidFill>
-                  <a:srgbClr val="0000FF"/>
-                </a:solidFill>
-                <a:effectLst/>
-                <a:latin typeface="ubuntu mono derivative powerline" panose="020B0509030602030204" pitchFamily="49" charset="0"/>
-              </a:rPr>
-              <a:t>imshow</a:t>
-            </a:r>
-            <a:r>
-              <a:rPr lang="en-US" altLang="ko-KR" sz="1100" b="0" dirty="0">
-                <a:effectLst/>
-                <a:latin typeface="ubuntu mono derivative powerline" panose="020B0509030602030204" pitchFamily="49" charset="0"/>
-              </a:rPr>
-              <a:t>('</a:t>
-            </a:r>
-            <a:r>
-              <a:rPr lang="en-US" altLang="ko-KR" sz="1100" b="0" dirty="0" err="1">
-                <a:effectLst/>
-                <a:latin typeface="ubuntu mono derivative powerline" panose="020B0509030602030204" pitchFamily="49" charset="0"/>
-              </a:rPr>
-              <a:t>hist_img</a:t>
-            </a:r>
-            <a:r>
-              <a:rPr lang="en-US" altLang="ko-KR" sz="1100" b="0" dirty="0">
-                <a:effectLst/>
-                <a:latin typeface="ubuntu mono derivative powerline" panose="020B0509030602030204" pitchFamily="49" charset="0"/>
-              </a:rPr>
-              <a:t>', </a:t>
-            </a:r>
-            <a:r>
-              <a:rPr lang="en-US" altLang="ko-KR" sz="1100" b="0" dirty="0" err="1">
-                <a:effectLst/>
-                <a:latin typeface="ubuntu mono derivative powerline" panose="020B0509030602030204" pitchFamily="49" charset="0"/>
-              </a:rPr>
-              <a:t>hist_img</a:t>
-            </a:r>
-            <a:r>
-              <a:rPr lang="en-US" altLang="ko-KR" sz="1100" b="0" dirty="0">
-                <a:effectLst/>
-                <a:latin typeface="ubuntu mono derivative powerline" panose="020B0509030602030204" pitchFamily="49" charset="0"/>
-              </a:rPr>
-              <a:t>)</a:t>
-            </a:r>
-          </a:p>
-          <a:p>
-            <a:r>
-              <a:rPr lang="en-US" altLang="ko-KR" sz="1100" b="0" dirty="0">
-                <a:effectLst/>
-                <a:latin typeface="ubuntu mono derivative powerline" panose="020B0509030602030204" pitchFamily="49" charset="0"/>
-              </a:rPr>
-              <a:t>    </a:t>
-            </a:r>
-            <a:r>
-              <a:rPr lang="en-US" altLang="ko-KR" sz="1100" b="0" dirty="0">
-                <a:solidFill>
-                  <a:srgbClr val="7030A0"/>
-                </a:solidFill>
-                <a:effectLst/>
-                <a:latin typeface="ubuntu mono derivative powerline" panose="020B0509030602030204" pitchFamily="49" charset="0"/>
-              </a:rPr>
-              <a:t>cv2</a:t>
-            </a:r>
-            <a:r>
-              <a:rPr lang="en-US" altLang="ko-KR" sz="1100" b="0" dirty="0">
-                <a:effectLst/>
-                <a:latin typeface="ubuntu mono derivative powerline" panose="020B0509030602030204" pitchFamily="49" charset="0"/>
-              </a:rPr>
-              <a:t>.</a:t>
-            </a:r>
-            <a:r>
-              <a:rPr lang="en-US" altLang="ko-KR" sz="1100" b="0" dirty="0">
-                <a:solidFill>
-                  <a:srgbClr val="0000FF"/>
-                </a:solidFill>
-                <a:effectLst/>
-                <a:latin typeface="ubuntu mono derivative powerline" panose="020B0509030602030204" pitchFamily="49" charset="0"/>
-              </a:rPr>
-              <a:t>waitKey</a:t>
-            </a:r>
-            <a:r>
-              <a:rPr lang="en-US" altLang="ko-KR" sz="1100" b="0" dirty="0">
-                <a:effectLst/>
-                <a:latin typeface="ubuntu mono derivative powerline" panose="020B0509030602030204" pitchFamily="49" charset="0"/>
-              </a:rPr>
-              <a:t>(1)</a:t>
-            </a:r>
+            <a:endParaRPr lang="en-US" altLang="ko-KR" sz="1100" b="0" dirty="0">
+              <a:solidFill>
+                <a:srgbClr val="0000FF"/>
+              </a:solidFill>
+              <a:effectLst/>
+              <a:latin typeface="ubuntu mono derivative powerline" panose="020B0509030602030204" pitchFamily="49" charset="0"/>
+            </a:endParaRPr>
           </a:p>
         </p:txBody>
       </p:sp>
       <p:pic>
         <p:nvPicPr>
-          <p:cNvPr id="6" name="그림 5">
+          <p:cNvPr id="7" name="그림 6">
             <a:extLst>
               <a:ext uri="{FF2B5EF4-FFF2-40B4-BE49-F238E27FC236}">
-                <a16:creationId xmlns:a16="http://schemas.microsoft.com/office/drawing/2014/main" id="{7D253859-AE93-215C-4063-3F273D3C665C}"/>
+                <a16:creationId xmlns:a16="http://schemas.microsoft.com/office/drawing/2014/main" id="{A92BD23E-DED3-A0C6-E644-7DE43A640783}"/>
               </a:ext>
             </a:extLst>
           </p:cNvPr>
@@ -12518,8 +12741,8 @@
         </p:blipFill>
         <p:spPr>
           <a:xfrm>
-            <a:off x="7092280" y="3073524"/>
-            <a:ext cx="1797395" cy="2403745"/>
+            <a:off x="6921116" y="2976429"/>
+            <a:ext cx="1904434" cy="2546893"/>
           </a:xfrm>
           <a:prstGeom prst="rect">
             <a:avLst/>
@@ -12528,10 +12751,10 @@
       </p:pic>
       <p:pic>
         <p:nvPicPr>
-          <p:cNvPr id="9" name="그림 8">
+          <p:cNvPr id="10" name="그림 9">
             <a:extLst>
               <a:ext uri="{FF2B5EF4-FFF2-40B4-BE49-F238E27FC236}">
-                <a16:creationId xmlns:a16="http://schemas.microsoft.com/office/drawing/2014/main" id="{81C9A3A0-5C9B-4F05-514E-6ECD3CA6FDD8}"/>
+                <a16:creationId xmlns:a16="http://schemas.microsoft.com/office/drawing/2014/main" id="{3E29FF29-73A0-B744-8A32-9000A8E872C9}"/>
               </a:ext>
             </a:extLst>
           </p:cNvPr>
@@ -12548,8 +12771,8 @@
         </p:blipFill>
         <p:spPr>
           <a:xfrm>
-            <a:off x="7380312" y="1708886"/>
-            <a:ext cx="1281246" cy="1152128"/>
+            <a:off x="7380312" y="1332457"/>
+            <a:ext cx="1607256" cy="1471319"/>
           </a:xfrm>
           <a:prstGeom prst="rect">
             <a:avLst/>
@@ -12668,7 +12891,7 @@
         <p:spPr>
           <a:xfrm>
             <a:off x="867761" y="1957862"/>
-            <a:ext cx="7219707" cy="2970044"/>
+            <a:ext cx="7219707" cy="1954381"/>
           </a:xfrm>
           <a:prstGeom prst="rect">
             <a:avLst/>
@@ -12875,6 +13098,110 @@
                 <a:effectLst/>
                 <a:latin typeface="ubuntu mono derivative powerline" panose="020B0509030602030204" pitchFamily="49" charset="0"/>
               </a:rPr>
+              <a:t>("D:/github/OpenCV-Python/2022-11-08/images/hannam.jpg", </a:t>
+            </a:r>
+            <a:r>
+              <a:rPr lang="en-US" altLang="ko-KR" sz="1100" b="0" dirty="0">
+                <a:solidFill>
+                  <a:srgbClr val="7030A0"/>
+                </a:solidFill>
+                <a:effectLst/>
+                <a:latin typeface="ubuntu mono derivative powerline" panose="020B0509030602030204" pitchFamily="49" charset="0"/>
+              </a:rPr>
+              <a:t>cv2</a:t>
+            </a:r>
+            <a:r>
+              <a:rPr lang="en-US" altLang="ko-KR" sz="1100" b="0" dirty="0">
+                <a:effectLst/>
+                <a:latin typeface="ubuntu mono derivative powerline" panose="020B0509030602030204" pitchFamily="49" charset="0"/>
+              </a:rPr>
+              <a:t>.</a:t>
+            </a:r>
+            <a:r>
+              <a:rPr lang="en-US" altLang="ko-KR" sz="1100" b="0" dirty="0">
+                <a:solidFill>
+                  <a:srgbClr val="0000FF"/>
+                </a:solidFill>
+                <a:effectLst/>
+                <a:latin typeface="ubuntu mono derivative powerline" panose="020B0509030602030204" pitchFamily="49" charset="0"/>
+              </a:rPr>
+              <a:t>IMREAD_COLOR</a:t>
+            </a:r>
+            <a:r>
+              <a:rPr lang="en-US" altLang="ko-KR" sz="1100" b="0" dirty="0">
+                <a:effectLst/>
+                <a:latin typeface="ubuntu mono derivative powerline" panose="020B0509030602030204" pitchFamily="49" charset="0"/>
+              </a:rPr>
+              <a:t>)</a:t>
+            </a:r>
+          </a:p>
+          <a:p>
+            <a:r>
+              <a:rPr lang="en-US" altLang="ko-KR" sz="1100" b="0" dirty="0">
+                <a:solidFill>
+                  <a:srgbClr val="0000FF"/>
+                </a:solidFill>
+                <a:effectLst/>
+                <a:latin typeface="ubuntu mono derivative powerline" panose="020B0509030602030204" pitchFamily="49" charset="0"/>
+              </a:rPr>
+              <a:t>if</a:t>
+            </a:r>
+            <a:r>
+              <a:rPr lang="en-US" altLang="ko-KR" sz="1100" b="0" dirty="0">
+                <a:effectLst/>
+                <a:latin typeface="ubuntu mono derivative powerline" panose="020B0509030602030204" pitchFamily="49" charset="0"/>
+              </a:rPr>
+              <a:t> image </a:t>
+            </a:r>
+            <a:r>
+              <a:rPr lang="en-US" altLang="ko-KR" sz="1100" b="0" dirty="0">
+                <a:solidFill>
+                  <a:srgbClr val="0000FF"/>
+                </a:solidFill>
+                <a:effectLst/>
+                <a:latin typeface="ubuntu mono derivative powerline" panose="020B0509030602030204" pitchFamily="49" charset="0"/>
+              </a:rPr>
+              <a:t>is</a:t>
+            </a:r>
+            <a:r>
+              <a:rPr lang="en-US" altLang="ko-KR" sz="1100" b="0" dirty="0">
+                <a:effectLst/>
+                <a:latin typeface="ubuntu mono derivative powerline" panose="020B0509030602030204" pitchFamily="49" charset="0"/>
+              </a:rPr>
+              <a:t> None: </a:t>
+            </a:r>
+            <a:r>
+              <a:rPr lang="en-US" altLang="ko-KR" sz="1100" b="0" dirty="0">
+                <a:solidFill>
+                  <a:srgbClr val="0000FF"/>
+                </a:solidFill>
+                <a:effectLst/>
+                <a:latin typeface="ubuntu mono derivative powerline" panose="020B0509030602030204" pitchFamily="49" charset="0"/>
+              </a:rPr>
+              <a:t>raise</a:t>
+            </a:r>
+            <a:r>
+              <a:rPr lang="en-US" altLang="ko-KR" sz="1100" b="0" dirty="0">
+                <a:effectLst/>
+                <a:latin typeface="ubuntu mono derivative powerline" panose="020B0509030602030204" pitchFamily="49" charset="0"/>
+              </a:rPr>
+              <a:t> </a:t>
+            </a:r>
+            <a:r>
+              <a:rPr lang="en-US" altLang="ko-KR" sz="1100" b="0" dirty="0">
+                <a:solidFill>
+                  <a:srgbClr val="0000FF"/>
+                </a:solidFill>
+                <a:effectLst/>
+                <a:latin typeface="ubuntu mono derivative powerline" panose="020B0509030602030204" pitchFamily="49" charset="0"/>
+              </a:rPr>
+              <a:t>Exception</a:t>
+            </a:r>
+            <a:r>
+              <a:rPr lang="en-US" altLang="ko-KR" sz="1100" b="0" dirty="0">
+                <a:effectLst/>
+                <a:latin typeface="ubuntu mono derivative powerline" panose="020B0509030602030204" pitchFamily="49" charset="0"/>
+              </a:rPr>
               <a:t>("</a:t>
             </a:r>
             <a:r>
@@ -12882,14 +13209,29 @@
                 <a:effectLst/>
                 <a:latin typeface="ubuntu mono derivative powerline" panose="020B0509030602030204" pitchFamily="49" charset="0"/>
               </a:rPr>
-              <a:t>이미지 경로</a:t>
-            </a:r>
-            <a:r>
-              <a:rPr lang="en-US" altLang="ko-KR" sz="1100" b="0" dirty="0">
-                <a:effectLst/>
-                <a:latin typeface="ubuntu mono derivative powerline" panose="020B0509030602030204" pitchFamily="49" charset="0"/>
-              </a:rPr>
-              <a:t>", </a:t>
+              <a:t>영상 파일 읽기 오류</a:t>
+            </a:r>
+            <a:r>
+              <a:rPr lang="en-US" altLang="ko-KR" sz="1100" b="0" dirty="0">
+                <a:effectLst/>
+                <a:latin typeface="ubuntu mono derivative powerline" panose="020B0509030602030204" pitchFamily="49" charset="0"/>
+              </a:rPr>
+              <a:t>")</a:t>
+            </a:r>
+          </a:p>
+          <a:p>
+            <a:br>
+              <a:rPr lang="en-US" altLang="ko-KR" sz="1100" b="0" dirty="0">
+                <a:effectLst/>
+                <a:latin typeface="ubuntu mono derivative powerline" panose="020B0509030602030204" pitchFamily="49" charset="0"/>
+              </a:rPr>
+            </a:br>
+            <a:r>
+              <a:rPr lang="en-US" altLang="ko-KR" sz="1100" b="0" dirty="0">
+                <a:effectLst/>
+                <a:latin typeface="ubuntu mono derivative powerline" panose="020B0509030602030204" pitchFamily="49" charset="0"/>
+              </a:rPr>
+              <a:t>project1 = </a:t>
             </a:r>
             <a:r>
               <a:rPr lang="en-US" altLang="ko-KR" sz="1100" b="0" dirty="0">
@@ -12916,17 +13258,202 @@
                 <a:effectLst/>
                 <a:latin typeface="ubuntu mono derivative powerline" panose="020B0509030602030204" pitchFamily="49" charset="0"/>
               </a:rPr>
-              <a:t>IMREAD_COLOR</a:t>
-            </a:r>
-            <a:r>
-              <a:rPr lang="en-US" altLang="ko-KR" sz="1100" b="0" dirty="0">
-                <a:effectLst/>
-                <a:latin typeface="ubuntu mono derivative powerline" panose="020B0509030602030204" pitchFamily="49" charset="0"/>
-              </a:rPr>
-              <a:t>)</a:t>
-            </a:r>
-          </a:p>
-          <a:p>
+              <a:t>reduce</a:t>
+            </a:r>
+            <a:r>
+              <a:rPr lang="en-US" altLang="ko-KR" sz="1100" b="0" dirty="0">
+                <a:effectLst/>
+                <a:latin typeface="ubuntu mono derivative powerline" panose="020B0509030602030204" pitchFamily="49" charset="0"/>
+              </a:rPr>
+              <a:t>(image, 0, </a:t>
+            </a:r>
+            <a:r>
+              <a:rPr lang="en-US" altLang="ko-KR" sz="1100" b="0" dirty="0">
+                <a:solidFill>
+                  <a:srgbClr val="7030A0"/>
+                </a:solidFill>
+                <a:effectLst/>
+                <a:latin typeface="ubuntu mono derivative powerline" panose="020B0509030602030204" pitchFamily="49" charset="0"/>
+              </a:rPr>
+              <a:t>cv2</a:t>
+            </a:r>
+            <a:r>
+              <a:rPr lang="en-US" altLang="ko-KR" sz="1100" b="0" dirty="0">
+                <a:effectLst/>
+                <a:latin typeface="ubuntu mono derivative powerline" panose="020B0509030602030204" pitchFamily="49" charset="0"/>
+              </a:rPr>
+              <a:t>.</a:t>
+            </a:r>
+            <a:r>
+              <a:rPr lang="en-US" altLang="ko-KR" sz="1100" b="0" dirty="0">
+                <a:solidFill>
+                  <a:srgbClr val="0000FF"/>
+                </a:solidFill>
+                <a:effectLst/>
+                <a:latin typeface="ubuntu mono derivative powerline" panose="020B0509030602030204" pitchFamily="49" charset="0"/>
+              </a:rPr>
+              <a:t>REDUCE_AVG</a:t>
+            </a:r>
+            <a:r>
+              <a:rPr lang="en-US" altLang="ko-KR" sz="1100" b="0" dirty="0">
+                <a:effectLst/>
+                <a:latin typeface="ubuntu mono derivative powerline" panose="020B0509030602030204" pitchFamily="49" charset="0"/>
+              </a:rPr>
+              <a:t>).</a:t>
+            </a:r>
+            <a:r>
+              <a:rPr lang="en-US" altLang="ko-KR" sz="1100" b="0" dirty="0">
+                <a:solidFill>
+                  <a:srgbClr val="0000FF"/>
+                </a:solidFill>
+                <a:effectLst/>
+                <a:latin typeface="ubuntu mono derivative powerline" panose="020B0509030602030204" pitchFamily="49" charset="0"/>
+              </a:rPr>
+              <a:t>ravel</a:t>
+            </a:r>
+            <a:r>
+              <a:rPr lang="en-US" altLang="ko-KR" sz="1100" b="0" dirty="0">
+                <a:effectLst/>
+                <a:latin typeface="ubuntu mono derivative powerline" panose="020B0509030602030204" pitchFamily="49" charset="0"/>
+              </a:rPr>
+              <a:t>().</a:t>
+            </a:r>
+            <a:r>
+              <a:rPr lang="en-US" altLang="ko-KR" sz="1100" b="0" dirty="0" err="1">
+                <a:solidFill>
+                  <a:srgbClr val="0000FF"/>
+                </a:solidFill>
+                <a:effectLst/>
+                <a:latin typeface="ubuntu mono derivative powerline" panose="020B0509030602030204" pitchFamily="49" charset="0"/>
+              </a:rPr>
+              <a:t>astype</a:t>
+            </a:r>
+            <a:r>
+              <a:rPr lang="en-US" altLang="ko-KR" sz="1100" b="0" dirty="0">
+                <a:effectLst/>
+                <a:latin typeface="ubuntu mono derivative powerline" panose="020B0509030602030204" pitchFamily="49" charset="0"/>
+              </a:rPr>
+              <a:t>(int)</a:t>
+            </a:r>
+          </a:p>
+          <a:p>
+            <a:r>
+              <a:rPr lang="en-US" altLang="ko-KR" sz="1100" b="0" dirty="0">
+                <a:effectLst/>
+                <a:latin typeface="ubuntu mono derivative powerline" panose="020B0509030602030204" pitchFamily="49" charset="0"/>
+              </a:rPr>
+              <a:t>project2 = </a:t>
+            </a:r>
+            <a:r>
+              <a:rPr lang="en-US" altLang="ko-KR" sz="1100" b="0" dirty="0">
+                <a:solidFill>
+                  <a:srgbClr val="7030A0"/>
+                </a:solidFill>
+                <a:effectLst/>
+                <a:latin typeface="ubuntu mono derivative powerline" panose="020B0509030602030204" pitchFamily="49" charset="0"/>
+              </a:rPr>
+              <a:t>cv2</a:t>
+            </a:r>
+            <a:r>
+              <a:rPr lang="en-US" altLang="ko-KR" sz="1100" b="0" dirty="0">
+                <a:effectLst/>
+                <a:latin typeface="ubuntu mono derivative powerline" panose="020B0509030602030204" pitchFamily="49" charset="0"/>
+              </a:rPr>
+              <a:t>.</a:t>
+            </a:r>
+            <a:r>
+              <a:rPr lang="en-US" altLang="ko-KR" sz="1100" b="0" dirty="0">
+                <a:solidFill>
+                  <a:srgbClr val="0000FF"/>
+                </a:solidFill>
+                <a:effectLst/>
+                <a:latin typeface="ubuntu mono derivative powerline" panose="020B0509030602030204" pitchFamily="49" charset="0"/>
+              </a:rPr>
+              <a:t>reduce</a:t>
+            </a:r>
+            <a:r>
+              <a:rPr lang="en-US" altLang="ko-KR" sz="1100" b="0" dirty="0">
+                <a:effectLst/>
+                <a:latin typeface="ubuntu mono derivative powerline" panose="020B0509030602030204" pitchFamily="49" charset="0"/>
+              </a:rPr>
+              <a:t>(image, 1, </a:t>
+            </a:r>
+            <a:r>
+              <a:rPr lang="en-US" altLang="ko-KR" sz="1100" b="0" dirty="0">
+                <a:solidFill>
+                  <a:srgbClr val="7030A0"/>
+                </a:solidFill>
+                <a:effectLst/>
+                <a:latin typeface="ubuntu mono derivative powerline" panose="020B0509030602030204" pitchFamily="49" charset="0"/>
+              </a:rPr>
+              <a:t>cv2</a:t>
+            </a:r>
+            <a:r>
+              <a:rPr lang="en-US" altLang="ko-KR" sz="1100" b="0" dirty="0">
+                <a:effectLst/>
+                <a:latin typeface="ubuntu mono derivative powerline" panose="020B0509030602030204" pitchFamily="49" charset="0"/>
+              </a:rPr>
+              <a:t>.</a:t>
+            </a:r>
+            <a:r>
+              <a:rPr lang="en-US" altLang="ko-KR" sz="1100" b="0" dirty="0">
+                <a:solidFill>
+                  <a:srgbClr val="0000FF"/>
+                </a:solidFill>
+                <a:effectLst/>
+                <a:latin typeface="ubuntu mono derivative powerline" panose="020B0509030602030204" pitchFamily="49" charset="0"/>
+              </a:rPr>
+              <a:t>REDUCE_AVG</a:t>
+            </a:r>
+            <a:r>
+              <a:rPr lang="en-US" altLang="ko-KR" sz="1100" b="0" dirty="0">
+                <a:effectLst/>
+                <a:latin typeface="ubuntu mono derivative powerline" panose="020B0509030602030204" pitchFamily="49" charset="0"/>
+              </a:rPr>
+              <a:t>).</a:t>
+            </a:r>
+            <a:r>
+              <a:rPr lang="en-US" altLang="ko-KR" sz="1100" b="0" dirty="0">
+                <a:solidFill>
+                  <a:srgbClr val="0000FF"/>
+                </a:solidFill>
+                <a:effectLst/>
+                <a:latin typeface="ubuntu mono derivative powerline" panose="020B0509030602030204" pitchFamily="49" charset="0"/>
+              </a:rPr>
+              <a:t>ravel</a:t>
+            </a:r>
+            <a:r>
+              <a:rPr lang="en-US" altLang="ko-KR" sz="1100" b="0" dirty="0">
+                <a:effectLst/>
+                <a:latin typeface="ubuntu mono derivative powerline" panose="020B0509030602030204" pitchFamily="49" charset="0"/>
+              </a:rPr>
+              <a:t>().</a:t>
+            </a:r>
+            <a:r>
+              <a:rPr lang="en-US" altLang="ko-KR" sz="1100" b="0" dirty="0" err="1">
+                <a:solidFill>
+                  <a:srgbClr val="0000FF"/>
+                </a:solidFill>
+                <a:effectLst/>
+                <a:latin typeface="ubuntu mono derivative powerline" panose="020B0509030602030204" pitchFamily="49" charset="0"/>
+              </a:rPr>
+              <a:t>astype</a:t>
+            </a:r>
+            <a:r>
+              <a:rPr lang="en-US" altLang="ko-KR" sz="1100" b="0" dirty="0">
+                <a:effectLst/>
+                <a:latin typeface="ubuntu mono derivative powerline" panose="020B0509030602030204" pitchFamily="49" charset="0"/>
+              </a:rPr>
+              <a:t>(int)</a:t>
+            </a:r>
+          </a:p>
+          <a:p>
+            <a:br>
+              <a:rPr lang="en-US" altLang="ko-KR" sz="1100" b="0" dirty="0">
+                <a:effectLst/>
+                <a:latin typeface="ubuntu mono derivative powerline" panose="020B0509030602030204" pitchFamily="49" charset="0"/>
+              </a:rPr>
+            </a:br>
             <a:r>
               <a:rPr lang="en-US" altLang="ko-KR" sz="1100" b="0" dirty="0">
                 <a:solidFill>
@@ -12935,625 +13462,19 @@
                 <a:effectLst/>
                 <a:latin typeface="ubuntu mono derivative powerline" panose="020B0509030602030204" pitchFamily="49" charset="0"/>
               </a:rPr>
-              <a:t># </a:t>
-            </a:r>
-            <a:r>
-              <a:rPr lang="ko-KR" altLang="en-US" sz="1100" b="0" dirty="0">
+              <a:t>#print(image.shape)</a:t>
+            </a:r>
+          </a:p>
+          <a:p>
+            <a:r>
+              <a:rPr lang="en-US" altLang="ko-KR" sz="1100" b="0" dirty="0">
                 <a:solidFill>
                   <a:srgbClr val="00B050"/>
                 </a:solidFill>
                 <a:effectLst/>
                 <a:latin typeface="ubuntu mono derivative powerline" panose="020B0509030602030204" pitchFamily="49" charset="0"/>
               </a:rPr>
-              <a:t>영상 읽기</a:t>
-            </a:r>
-          </a:p>
-          <a:p>
-            <a:br>
-              <a:rPr lang="ko-KR" altLang="en-US" sz="1100" b="0" dirty="0">
-                <a:effectLst/>
-                <a:latin typeface="ubuntu mono derivative powerline" panose="020B0509030602030204" pitchFamily="49" charset="0"/>
-              </a:rPr>
-            </a:br>
-            <a:r>
-              <a:rPr lang="en-US" altLang="ko-KR" sz="1100" b="0" dirty="0" err="1">
-                <a:effectLst/>
-                <a:latin typeface="ubuntu mono derivative powerline" panose="020B0509030602030204" pitchFamily="49" charset="0"/>
-              </a:rPr>
-              <a:t>image_str</a:t>
-            </a:r>
-            <a:r>
-              <a:rPr lang="en-US" altLang="ko-KR" sz="1100" b="0" dirty="0">
-                <a:effectLst/>
-                <a:latin typeface="ubuntu mono derivative powerline" panose="020B0509030602030204" pitchFamily="49" charset="0"/>
-              </a:rPr>
-              <a:t> = </a:t>
-            </a:r>
-            <a:r>
-              <a:rPr lang="en-US" altLang="ko-KR" sz="1100" b="0" dirty="0">
-                <a:solidFill>
-                  <a:srgbClr val="7030A0"/>
-                </a:solidFill>
-                <a:effectLst/>
-                <a:latin typeface="ubuntu mono derivative powerline" panose="020B0509030602030204" pitchFamily="49" charset="0"/>
-              </a:rPr>
-              <a:t>cv2</a:t>
-            </a:r>
-            <a:r>
-              <a:rPr lang="en-US" altLang="ko-KR" sz="1100" b="0" dirty="0">
-                <a:effectLst/>
-                <a:latin typeface="ubuntu mono derivative powerline" panose="020B0509030602030204" pitchFamily="49" charset="0"/>
-              </a:rPr>
-              <a:t>.</a:t>
-            </a:r>
-            <a:r>
-              <a:rPr lang="en-US" altLang="ko-KR" sz="1100" b="0" dirty="0">
-                <a:solidFill>
-                  <a:srgbClr val="0000FF"/>
-                </a:solidFill>
-                <a:effectLst/>
-                <a:latin typeface="ubuntu mono derivative powerline" panose="020B0509030602030204" pitchFamily="49" charset="0"/>
-              </a:rPr>
-              <a:t>normalize</a:t>
-            </a:r>
-            <a:r>
-              <a:rPr lang="en-US" altLang="ko-KR" sz="1100" b="0" dirty="0">
-                <a:effectLst/>
-                <a:latin typeface="ubuntu mono derivative powerline" panose="020B0509030602030204" pitchFamily="49" charset="0"/>
-              </a:rPr>
-              <a:t>(image, None, 0, 255., </a:t>
-            </a:r>
-            <a:r>
-              <a:rPr lang="en-US" altLang="ko-KR" sz="1100" b="0" dirty="0">
-                <a:solidFill>
-                  <a:srgbClr val="7030A0"/>
-                </a:solidFill>
-                <a:effectLst/>
-                <a:latin typeface="ubuntu mono derivative powerline" panose="020B0509030602030204" pitchFamily="49" charset="0"/>
-              </a:rPr>
-              <a:t>cv2</a:t>
-            </a:r>
-            <a:r>
-              <a:rPr lang="en-US" altLang="ko-KR" sz="1100" b="0" dirty="0">
-                <a:effectLst/>
-                <a:latin typeface="ubuntu mono derivative powerline" panose="020B0509030602030204" pitchFamily="49" charset="0"/>
-              </a:rPr>
-              <a:t>.</a:t>
-            </a:r>
-            <a:r>
-              <a:rPr lang="en-US" altLang="ko-KR" sz="1100" b="0" dirty="0">
-                <a:solidFill>
-                  <a:srgbClr val="0000FF"/>
-                </a:solidFill>
-                <a:effectLst/>
-                <a:latin typeface="ubuntu mono derivative powerline" panose="020B0509030602030204" pitchFamily="49" charset="0"/>
-              </a:rPr>
-              <a:t>NORM_MINMAX</a:t>
-            </a:r>
-            <a:r>
-              <a:rPr lang="en-US" altLang="ko-KR" sz="1100" b="0" dirty="0">
-                <a:effectLst/>
-                <a:latin typeface="ubuntu mono derivative powerline" panose="020B0509030602030204" pitchFamily="49" charset="0"/>
-              </a:rPr>
-              <a:t>)</a:t>
-            </a:r>
-          </a:p>
-          <a:p>
-            <a:br>
-              <a:rPr lang="en-US" altLang="ko-KR" sz="1100" b="0" dirty="0">
-                <a:effectLst/>
-                <a:latin typeface="ubuntu mono derivative powerline" panose="020B0509030602030204" pitchFamily="49" charset="0"/>
-              </a:rPr>
-            </a:br>
-            <a:r>
-              <a:rPr lang="en-US" altLang="ko-KR" sz="1100" b="0" dirty="0" err="1">
-                <a:effectLst/>
-                <a:latin typeface="ubuntu mono derivative powerline" panose="020B0509030602030204" pitchFamily="49" charset="0"/>
-              </a:rPr>
-              <a:t>image_v</a:t>
-            </a:r>
-            <a:r>
-              <a:rPr lang="en-US" altLang="ko-KR" sz="1100" b="0" dirty="0">
-                <a:effectLst/>
-                <a:latin typeface="ubuntu mono derivative powerline" panose="020B0509030602030204" pitchFamily="49" charset="0"/>
-              </a:rPr>
-              <a:t> = </a:t>
-            </a:r>
-            <a:r>
-              <a:rPr lang="en-US" altLang="ko-KR" sz="1100" b="0" dirty="0">
-                <a:solidFill>
-                  <a:srgbClr val="7030A0"/>
-                </a:solidFill>
-                <a:effectLst/>
-                <a:latin typeface="ubuntu mono derivative powerline" panose="020B0509030602030204" pitchFamily="49" charset="0"/>
-              </a:rPr>
-              <a:t>cv2</a:t>
-            </a:r>
-            <a:r>
-              <a:rPr lang="en-US" altLang="ko-KR" sz="1100" b="0" dirty="0">
-                <a:effectLst/>
-                <a:latin typeface="ubuntu mono derivative powerline" panose="020B0509030602030204" pitchFamily="49" charset="0"/>
-              </a:rPr>
-              <a:t>.</a:t>
-            </a:r>
-            <a:r>
-              <a:rPr lang="en-US" altLang="ko-KR" sz="1100" b="0" dirty="0">
-                <a:solidFill>
-                  <a:srgbClr val="0000FF"/>
-                </a:solidFill>
-                <a:effectLst/>
-                <a:latin typeface="ubuntu mono derivative powerline" panose="020B0509030602030204" pitchFamily="49" charset="0"/>
-              </a:rPr>
-              <a:t>reduce</a:t>
-            </a:r>
-            <a:r>
-              <a:rPr lang="en-US" altLang="ko-KR" sz="1100" b="0" dirty="0">
-                <a:effectLst/>
-                <a:latin typeface="ubuntu mono derivative powerline" panose="020B0509030602030204" pitchFamily="49" charset="0"/>
-              </a:rPr>
-              <a:t>(</a:t>
-            </a:r>
-            <a:r>
-              <a:rPr lang="en-US" altLang="ko-KR" sz="1100" b="0" dirty="0" err="1">
-                <a:effectLst/>
-                <a:latin typeface="ubuntu mono derivative powerline" panose="020B0509030602030204" pitchFamily="49" charset="0"/>
-              </a:rPr>
-              <a:t>image_str</a:t>
-            </a:r>
-            <a:r>
-              <a:rPr lang="en-US" altLang="ko-KR" sz="1100" b="0" dirty="0">
-                <a:effectLst/>
-                <a:latin typeface="ubuntu mono derivative powerline" panose="020B0509030602030204" pitchFamily="49" charset="0"/>
-              </a:rPr>
-              <a:t>, dim=0, </a:t>
-            </a:r>
-            <a:r>
-              <a:rPr lang="en-US" altLang="ko-KR" sz="1100" b="0" dirty="0" err="1">
-                <a:effectLst/>
-                <a:latin typeface="ubuntu mono derivative powerline" panose="020B0509030602030204" pitchFamily="49" charset="0"/>
-              </a:rPr>
-              <a:t>rtype</a:t>
-            </a:r>
-            <a:r>
-              <a:rPr lang="en-US" altLang="ko-KR" sz="1100" b="0" dirty="0">
-                <a:effectLst/>
-                <a:latin typeface="ubuntu mono derivative powerline" panose="020B0509030602030204" pitchFamily="49" charset="0"/>
-              </a:rPr>
-              <a:t>=</a:t>
-            </a:r>
-            <a:r>
-              <a:rPr lang="en-US" altLang="ko-KR" sz="1100" b="0" dirty="0">
-                <a:solidFill>
-                  <a:srgbClr val="7030A0"/>
-                </a:solidFill>
-                <a:effectLst/>
-                <a:latin typeface="ubuntu mono derivative powerline" panose="020B0509030602030204" pitchFamily="49" charset="0"/>
-              </a:rPr>
-              <a:t>cv2</a:t>
-            </a:r>
-            <a:r>
-              <a:rPr lang="en-US" altLang="ko-KR" sz="1100" b="0" dirty="0">
-                <a:effectLst/>
-                <a:latin typeface="ubuntu mono derivative powerline" panose="020B0509030602030204" pitchFamily="49" charset="0"/>
-              </a:rPr>
-              <a:t>.</a:t>
-            </a:r>
-            <a:r>
-              <a:rPr lang="en-US" altLang="ko-KR" sz="1100" b="0" dirty="0">
-                <a:solidFill>
-                  <a:srgbClr val="0000FF"/>
-                </a:solidFill>
-                <a:effectLst/>
-                <a:latin typeface="ubuntu mono derivative powerline" panose="020B0509030602030204" pitchFamily="49" charset="0"/>
-              </a:rPr>
-              <a:t>REDUCE_AVG</a:t>
-            </a:r>
-            <a:r>
-              <a:rPr lang="en-US" altLang="ko-KR" sz="1100" b="0" dirty="0">
-                <a:effectLst/>
-                <a:latin typeface="ubuntu mono derivative powerline" panose="020B0509030602030204" pitchFamily="49" charset="0"/>
-              </a:rPr>
-              <a:t>) </a:t>
-            </a:r>
-            <a:r>
-              <a:rPr lang="en-US" altLang="ko-KR" sz="1100" b="0" dirty="0">
-                <a:solidFill>
-                  <a:srgbClr val="00B050"/>
-                </a:solidFill>
-                <a:effectLst/>
-                <a:latin typeface="ubuntu mono derivative powerline" panose="020B0509030602030204" pitchFamily="49" charset="0"/>
-              </a:rPr>
-              <a:t># dim=0 </a:t>
-            </a:r>
-            <a:r>
-              <a:rPr lang="ko-KR" altLang="en-US" sz="1100" b="0" dirty="0">
-                <a:solidFill>
-                  <a:srgbClr val="00B050"/>
-                </a:solidFill>
-                <a:effectLst/>
-                <a:latin typeface="ubuntu mono derivative powerline" panose="020B0509030602030204" pitchFamily="49" charset="0"/>
-              </a:rPr>
-              <a:t>수직방향</a:t>
-            </a:r>
-          </a:p>
-          <a:p>
-            <a:r>
-              <a:rPr lang="en-US" altLang="ko-KR" sz="1100" b="0" dirty="0" err="1">
-                <a:effectLst/>
-                <a:latin typeface="ubuntu mono derivative powerline" panose="020B0509030602030204" pitchFamily="49" charset="0"/>
-              </a:rPr>
-              <a:t>image_h</a:t>
-            </a:r>
-            <a:r>
-              <a:rPr lang="en-US" altLang="ko-KR" sz="1100" b="0" dirty="0">
-                <a:effectLst/>
-                <a:latin typeface="ubuntu mono derivative powerline" panose="020B0509030602030204" pitchFamily="49" charset="0"/>
-              </a:rPr>
-              <a:t> = </a:t>
-            </a:r>
-            <a:r>
-              <a:rPr lang="en-US" altLang="ko-KR" sz="1100" b="0" dirty="0">
-                <a:solidFill>
-                  <a:srgbClr val="7030A0"/>
-                </a:solidFill>
-                <a:effectLst/>
-                <a:latin typeface="ubuntu mono derivative powerline" panose="020B0509030602030204" pitchFamily="49" charset="0"/>
-              </a:rPr>
-              <a:t>cv2</a:t>
-            </a:r>
-            <a:r>
-              <a:rPr lang="en-US" altLang="ko-KR" sz="1100" b="0" dirty="0">
-                <a:effectLst/>
-                <a:latin typeface="ubuntu mono derivative powerline" panose="020B0509030602030204" pitchFamily="49" charset="0"/>
-              </a:rPr>
-              <a:t>.</a:t>
-            </a:r>
-            <a:r>
-              <a:rPr lang="en-US" altLang="ko-KR" sz="1100" b="0" dirty="0">
-                <a:solidFill>
-                  <a:srgbClr val="0000FF"/>
-                </a:solidFill>
-                <a:effectLst/>
-                <a:latin typeface="ubuntu mono derivative powerline" panose="020B0509030602030204" pitchFamily="49" charset="0"/>
-              </a:rPr>
-              <a:t>reduce</a:t>
-            </a:r>
-            <a:r>
-              <a:rPr lang="en-US" altLang="ko-KR" sz="1100" b="0" dirty="0">
-                <a:effectLst/>
-                <a:latin typeface="ubuntu mono derivative powerline" panose="020B0509030602030204" pitchFamily="49" charset="0"/>
-              </a:rPr>
-              <a:t>(</a:t>
-            </a:r>
-            <a:r>
-              <a:rPr lang="en-US" altLang="ko-KR" sz="1100" b="0" dirty="0" err="1">
-                <a:effectLst/>
-                <a:latin typeface="ubuntu mono derivative powerline" panose="020B0509030602030204" pitchFamily="49" charset="0"/>
-              </a:rPr>
-              <a:t>image_str</a:t>
-            </a:r>
-            <a:r>
-              <a:rPr lang="en-US" altLang="ko-KR" sz="1100" b="0" dirty="0">
-                <a:effectLst/>
-                <a:latin typeface="ubuntu mono derivative powerline" panose="020B0509030602030204" pitchFamily="49" charset="0"/>
-              </a:rPr>
-              <a:t>, dim=1, </a:t>
-            </a:r>
-            <a:r>
-              <a:rPr lang="en-US" altLang="ko-KR" sz="1100" b="0" dirty="0" err="1">
-                <a:effectLst/>
-                <a:latin typeface="ubuntu mono derivative powerline" panose="020B0509030602030204" pitchFamily="49" charset="0"/>
-              </a:rPr>
-              <a:t>rtype</a:t>
-            </a:r>
-            <a:r>
-              <a:rPr lang="en-US" altLang="ko-KR" sz="1100" b="0" dirty="0">
-                <a:effectLst/>
-                <a:latin typeface="ubuntu mono derivative powerline" panose="020B0509030602030204" pitchFamily="49" charset="0"/>
-              </a:rPr>
-              <a:t>=</a:t>
-            </a:r>
-            <a:r>
-              <a:rPr lang="en-US" altLang="ko-KR" sz="1100" b="0" dirty="0">
-                <a:solidFill>
-                  <a:srgbClr val="7030A0"/>
-                </a:solidFill>
-                <a:effectLst/>
-                <a:latin typeface="ubuntu mono derivative powerline" panose="020B0509030602030204" pitchFamily="49" charset="0"/>
-              </a:rPr>
-              <a:t>cv2</a:t>
-            </a:r>
-            <a:r>
-              <a:rPr lang="en-US" altLang="ko-KR" sz="1100" b="0" dirty="0">
-                <a:effectLst/>
-                <a:latin typeface="ubuntu mono derivative powerline" panose="020B0509030602030204" pitchFamily="49" charset="0"/>
-              </a:rPr>
-              <a:t>.</a:t>
-            </a:r>
-            <a:r>
-              <a:rPr lang="en-US" altLang="ko-KR" sz="1100" b="0" dirty="0">
-                <a:solidFill>
-                  <a:srgbClr val="0000FF"/>
-                </a:solidFill>
-                <a:effectLst/>
-                <a:latin typeface="ubuntu mono derivative powerline" panose="020B0509030602030204" pitchFamily="49" charset="0"/>
-              </a:rPr>
-              <a:t>REDUCE_AVG</a:t>
-            </a:r>
-            <a:r>
-              <a:rPr lang="en-US" altLang="ko-KR" sz="1100" b="0" dirty="0">
-                <a:effectLst/>
-                <a:latin typeface="ubuntu mono derivative powerline" panose="020B0509030602030204" pitchFamily="49" charset="0"/>
-              </a:rPr>
-              <a:t>) </a:t>
-            </a:r>
-            <a:r>
-              <a:rPr lang="en-US" altLang="ko-KR" sz="1100" b="0" dirty="0">
-                <a:solidFill>
-                  <a:srgbClr val="00B050"/>
-                </a:solidFill>
-                <a:effectLst/>
-                <a:latin typeface="ubuntu mono derivative powerline" panose="020B0509030602030204" pitchFamily="49" charset="0"/>
-              </a:rPr>
-              <a:t># dim=1 </a:t>
-            </a:r>
-            <a:r>
-              <a:rPr lang="ko-KR" altLang="en-US" sz="1100" b="0" dirty="0">
-                <a:solidFill>
-                  <a:srgbClr val="00B050"/>
-                </a:solidFill>
-                <a:effectLst/>
-                <a:latin typeface="ubuntu mono derivative powerline" panose="020B0509030602030204" pitchFamily="49" charset="0"/>
-              </a:rPr>
-              <a:t>수평방향</a:t>
-            </a:r>
-          </a:p>
-          <a:p>
-            <a:br>
-              <a:rPr lang="ko-KR" altLang="en-US" sz="1100" b="0" dirty="0">
-                <a:effectLst/>
-                <a:latin typeface="ubuntu mono derivative powerline" panose="020B0509030602030204" pitchFamily="49" charset="0"/>
-              </a:rPr>
-            </a:br>
-            <a:r>
-              <a:rPr lang="en-US" altLang="ko-KR" sz="1100" b="0" dirty="0" err="1">
-                <a:effectLst/>
-                <a:latin typeface="ubuntu mono derivative powerline" panose="020B0509030602030204" pitchFamily="49" charset="0"/>
-              </a:rPr>
-              <a:t>bsize</a:t>
-            </a:r>
-            <a:r>
-              <a:rPr lang="en-US" altLang="ko-KR" sz="1100" b="0" dirty="0">
-                <a:effectLst/>
-                <a:latin typeface="ubuntu mono derivative powerline" panose="020B0509030602030204" pitchFamily="49" charset="0"/>
-              </a:rPr>
-              <a:t>, ranges = [64], [0,256]</a:t>
-            </a:r>
-          </a:p>
-          <a:p>
-            <a:r>
-              <a:rPr lang="en-US" altLang="ko-KR" sz="1100" b="0" dirty="0">
-                <a:solidFill>
-                  <a:srgbClr val="00B050"/>
-                </a:solidFill>
-                <a:effectLst/>
-                <a:latin typeface="ubuntu mono derivative powerline" panose="020B0509030602030204" pitchFamily="49" charset="0"/>
-              </a:rPr>
-              <a:t># </a:t>
-            </a:r>
-            <a:r>
-              <a:rPr lang="ko-KR" altLang="en-US" sz="1100" b="0" dirty="0">
-                <a:solidFill>
-                  <a:srgbClr val="00B050"/>
-                </a:solidFill>
-                <a:effectLst/>
-                <a:latin typeface="ubuntu mono derivative powerline" panose="020B0509030602030204" pitchFamily="49" charset="0"/>
-              </a:rPr>
-              <a:t>계급 개수</a:t>
-            </a:r>
-            <a:r>
-              <a:rPr lang="en-US" altLang="ko-KR" sz="1100" b="0" dirty="0">
-                <a:solidFill>
-                  <a:srgbClr val="00B050"/>
-                </a:solidFill>
-                <a:effectLst/>
-                <a:latin typeface="ubuntu mono derivative powerline" panose="020B0509030602030204" pitchFamily="49" charset="0"/>
-              </a:rPr>
-              <a:t>, </a:t>
-            </a:r>
-            <a:r>
-              <a:rPr lang="ko-KR" altLang="en-US" sz="1100" b="0" dirty="0">
-                <a:solidFill>
-                  <a:srgbClr val="00B050"/>
-                </a:solidFill>
-                <a:effectLst/>
-                <a:latin typeface="ubuntu mono derivative powerline" panose="020B0509030602030204" pitchFamily="49" charset="0"/>
-              </a:rPr>
-              <a:t>화소 범위</a:t>
-            </a:r>
-          </a:p>
-          <a:p>
-            <a:br>
-              <a:rPr lang="ko-KR" altLang="en-US" sz="1100" b="0" dirty="0">
-                <a:effectLst/>
-                <a:latin typeface="ubuntu mono derivative powerline" panose="020B0509030602030204" pitchFamily="49" charset="0"/>
-              </a:rPr>
-            </a:br>
-            <a:r>
-              <a:rPr lang="en-US" altLang="ko-KR" sz="1100" b="0" dirty="0" err="1">
-                <a:effectLst/>
-                <a:latin typeface="ubuntu mono derivative powerline" panose="020B0509030602030204" pitchFamily="49" charset="0"/>
-              </a:rPr>
-              <a:t>hist_v</a:t>
-            </a:r>
-            <a:r>
-              <a:rPr lang="en-US" altLang="ko-KR" sz="1100" b="0" dirty="0">
-                <a:effectLst/>
-                <a:latin typeface="ubuntu mono derivative powerline" panose="020B0509030602030204" pitchFamily="49" charset="0"/>
-              </a:rPr>
-              <a:t> = </a:t>
-            </a:r>
-            <a:r>
-              <a:rPr lang="en-US" altLang="ko-KR" sz="1100" b="0" dirty="0">
-                <a:solidFill>
-                  <a:srgbClr val="7030A0"/>
-                </a:solidFill>
-                <a:effectLst/>
-                <a:latin typeface="ubuntu mono derivative powerline" panose="020B0509030602030204" pitchFamily="49" charset="0"/>
-              </a:rPr>
-              <a:t>cv2</a:t>
-            </a:r>
-            <a:r>
-              <a:rPr lang="en-US" altLang="ko-KR" sz="1100" b="0" dirty="0">
-                <a:effectLst/>
-                <a:latin typeface="ubuntu mono derivative powerline" panose="020B0509030602030204" pitchFamily="49" charset="0"/>
-              </a:rPr>
-              <a:t>.</a:t>
-            </a:r>
-            <a:r>
-              <a:rPr lang="en-US" altLang="ko-KR" sz="1100" b="0" dirty="0">
-                <a:solidFill>
-                  <a:srgbClr val="0000FF"/>
-                </a:solidFill>
-                <a:effectLst/>
-                <a:latin typeface="ubuntu mono derivative powerline" panose="020B0509030602030204" pitchFamily="49" charset="0"/>
-              </a:rPr>
-              <a:t>calcHist</a:t>
-            </a:r>
-            <a:r>
-              <a:rPr lang="en-US" altLang="ko-KR" sz="1100" b="0" dirty="0">
-                <a:effectLst/>
-                <a:latin typeface="ubuntu mono derivative powerline" panose="020B0509030602030204" pitchFamily="49" charset="0"/>
-              </a:rPr>
-              <a:t>([</a:t>
-            </a:r>
-            <a:r>
-              <a:rPr lang="en-US" altLang="ko-KR" sz="1100" b="0" dirty="0" err="1">
-                <a:effectLst/>
-                <a:latin typeface="ubuntu mono derivative powerline" panose="020B0509030602030204" pitchFamily="49" charset="0"/>
-              </a:rPr>
-              <a:t>image_v</a:t>
-            </a:r>
-            <a:r>
-              <a:rPr lang="en-US" altLang="ko-KR" sz="1100" b="0" dirty="0">
-                <a:effectLst/>
-                <a:latin typeface="ubuntu mono derivative powerline" panose="020B0509030602030204" pitchFamily="49" charset="0"/>
-              </a:rPr>
-              <a:t>], [0], None, </a:t>
-            </a:r>
-            <a:r>
-              <a:rPr lang="en-US" altLang="ko-KR" sz="1100" b="0" dirty="0" err="1">
-                <a:effectLst/>
-                <a:latin typeface="ubuntu mono derivative powerline" panose="020B0509030602030204" pitchFamily="49" charset="0"/>
-              </a:rPr>
-              <a:t>bsize</a:t>
-            </a:r>
-            <a:r>
-              <a:rPr lang="en-US" altLang="ko-KR" sz="1100" b="0" dirty="0">
-                <a:effectLst/>
-                <a:latin typeface="ubuntu mono derivative powerline" panose="020B0509030602030204" pitchFamily="49" charset="0"/>
-              </a:rPr>
-              <a:t>, ranges)</a:t>
-            </a:r>
-          </a:p>
-          <a:p>
-            <a:r>
-              <a:rPr lang="en-US" altLang="ko-KR" sz="1100" b="0" dirty="0" err="1">
-                <a:effectLst/>
-                <a:latin typeface="ubuntu mono derivative powerline" panose="020B0509030602030204" pitchFamily="49" charset="0"/>
-              </a:rPr>
-              <a:t>hist_h</a:t>
-            </a:r>
-            <a:r>
-              <a:rPr lang="en-US" altLang="ko-KR" sz="1100" b="0" dirty="0">
-                <a:effectLst/>
-                <a:latin typeface="ubuntu mono derivative powerline" panose="020B0509030602030204" pitchFamily="49" charset="0"/>
-              </a:rPr>
-              <a:t> = </a:t>
-            </a:r>
-            <a:r>
-              <a:rPr lang="en-US" altLang="ko-KR" sz="1100" b="0" dirty="0">
-                <a:solidFill>
-                  <a:srgbClr val="7030A0"/>
-                </a:solidFill>
-                <a:effectLst/>
-                <a:latin typeface="ubuntu mono derivative powerline" panose="020B0509030602030204" pitchFamily="49" charset="0"/>
-              </a:rPr>
-              <a:t>cv2</a:t>
-            </a:r>
-            <a:r>
-              <a:rPr lang="en-US" altLang="ko-KR" sz="1100" b="0" dirty="0">
-                <a:effectLst/>
-                <a:latin typeface="ubuntu mono derivative powerline" panose="020B0509030602030204" pitchFamily="49" charset="0"/>
-              </a:rPr>
-              <a:t>.</a:t>
-            </a:r>
-            <a:r>
-              <a:rPr lang="en-US" altLang="ko-KR" sz="1100" b="0" dirty="0">
-                <a:solidFill>
-                  <a:srgbClr val="0000FF"/>
-                </a:solidFill>
-                <a:effectLst/>
-                <a:latin typeface="ubuntu mono derivative powerline" panose="020B0509030602030204" pitchFamily="49" charset="0"/>
-              </a:rPr>
-              <a:t>calcHist</a:t>
-            </a:r>
-            <a:r>
-              <a:rPr lang="en-US" altLang="ko-KR" sz="1100" b="0" dirty="0">
-                <a:effectLst/>
-                <a:latin typeface="ubuntu mono derivative powerline" panose="020B0509030602030204" pitchFamily="49" charset="0"/>
-              </a:rPr>
-              <a:t>([</a:t>
-            </a:r>
-            <a:r>
-              <a:rPr lang="en-US" altLang="ko-KR" sz="1100" b="0" dirty="0" err="1">
-                <a:effectLst/>
-                <a:latin typeface="ubuntu mono derivative powerline" panose="020B0509030602030204" pitchFamily="49" charset="0"/>
-              </a:rPr>
-              <a:t>image_h</a:t>
-            </a:r>
-            <a:r>
-              <a:rPr lang="en-US" altLang="ko-KR" sz="1100" b="0" dirty="0">
-                <a:effectLst/>
-                <a:latin typeface="ubuntu mono derivative powerline" panose="020B0509030602030204" pitchFamily="49" charset="0"/>
-              </a:rPr>
-              <a:t>], [0], None, </a:t>
-            </a:r>
-            <a:r>
-              <a:rPr lang="en-US" altLang="ko-KR" sz="1100" b="0" dirty="0" err="1">
-                <a:effectLst/>
-                <a:latin typeface="ubuntu mono derivative powerline" panose="020B0509030602030204" pitchFamily="49" charset="0"/>
-              </a:rPr>
-              <a:t>bsize</a:t>
-            </a:r>
-            <a:r>
-              <a:rPr lang="en-US" altLang="ko-KR" sz="1100" b="0" dirty="0">
-                <a:effectLst/>
-                <a:latin typeface="ubuntu mono derivative powerline" panose="020B0509030602030204" pitchFamily="49" charset="0"/>
-              </a:rPr>
-              <a:t>, ranges)</a:t>
-            </a:r>
-          </a:p>
-          <a:p>
-            <a:r>
-              <a:rPr lang="en-US" altLang="ko-KR" sz="1100" b="0" dirty="0">
-                <a:solidFill>
-                  <a:srgbClr val="00B050"/>
-                </a:solidFill>
-                <a:effectLst/>
-                <a:latin typeface="ubuntu mono derivative powerline" panose="020B0509030602030204" pitchFamily="49" charset="0"/>
-              </a:rPr>
-              <a:t># </a:t>
-            </a:r>
-            <a:r>
-              <a:rPr lang="ko-KR" altLang="en-US" sz="1100" b="0" dirty="0">
-                <a:solidFill>
-                  <a:srgbClr val="00B050"/>
-                </a:solidFill>
-                <a:effectLst/>
-                <a:latin typeface="ubuntu mono derivative powerline" panose="020B0509030602030204" pitchFamily="49" charset="0"/>
-              </a:rPr>
-              <a:t>히스토그램 재계산</a:t>
+              <a:t>#print(project1.shape, project2.shape)</a:t>
             </a:r>
           </a:p>
         </p:txBody>
@@ -13572,8 +13493,8 @@
         </p:nvSpPr>
         <p:spPr>
           <a:xfrm>
-            <a:off x="1927550" y="3360339"/>
-            <a:ext cx="434381" cy="148632"/>
+            <a:off x="1976542" y="3024518"/>
+            <a:ext cx="482322" cy="174265"/>
           </a:xfrm>
           <a:prstGeom prst="rect">
             <a:avLst/>
@@ -13612,10 +13533,10 @@
       </p:sp>
       <p:sp>
         <p:nvSpPr>
-          <p:cNvPr id="7" name="TextBox 6">
+          <p:cNvPr id="6" name="TextBox 5">
             <a:extLst>
               <a:ext uri="{FF2B5EF4-FFF2-40B4-BE49-F238E27FC236}">
-                <a16:creationId xmlns:a16="http://schemas.microsoft.com/office/drawing/2014/main" id="{53DFCC1A-F947-1163-C741-02CEEFC0B6C7}"/>
+                <a16:creationId xmlns:a16="http://schemas.microsoft.com/office/drawing/2014/main" id="{EADC0EEC-E3C2-6E7B-1C99-8ECB7284D9D4}"/>
               </a:ext>
             </a:extLst>
           </p:cNvPr>
@@ -13624,13 +13545,19 @@
         </p:nvSpPr>
         <p:spPr>
           <a:xfrm>
-            <a:off x="2267744" y="3139445"/>
-            <a:ext cx="4612160" cy="261610"/>
+            <a:off x="4800600" y="4106072"/>
+            <a:ext cx="2300630" cy="430887"/>
           </a:xfrm>
           <a:prstGeom prst="rect">
             <a:avLst/>
           </a:prstGeom>
           <a:noFill/>
+          <a:ln w="19050">
+            <a:solidFill>
+              <a:srgbClr val="FF0000"/>
+            </a:solidFill>
+            <a:prstDash val="dash"/>
+          </a:ln>
         </p:spPr>
         <p:txBody>
           <a:bodyPr wrap="none" rtlCol="0">
@@ -13639,50 +13566,119 @@
           <a:lstStyle/>
           <a:p>
             <a:r>
-              <a:rPr lang="ko-KR" altLang="en-US" sz="1100" b="1" dirty="0">
-                <a:solidFill>
-                  <a:srgbClr val="FF0000"/>
-                </a:solidFill>
-                <a:latin typeface="Ubuntu Mono derivative Powerlin" panose="020B0509030602030204" pitchFamily="49" charset="0"/>
-              </a:rPr>
-              <a:t>차원 감소</a:t>
-            </a:r>
-            <a:r>
-              <a:rPr lang="en-US" altLang="ko-KR" sz="1100" b="1" dirty="0">
-                <a:solidFill>
-                  <a:srgbClr val="FF0000"/>
-                </a:solidFill>
-                <a:latin typeface="Ubuntu Mono derivative Powerlin" panose="020B0509030602030204" pitchFamily="49" charset="0"/>
-              </a:rPr>
-              <a:t>. </a:t>
-            </a:r>
-            <a:r>
-              <a:rPr lang="ko-KR" altLang="en-US" sz="1100" b="1" dirty="0">
-                <a:solidFill>
-                  <a:srgbClr val="FF0000"/>
-                </a:solidFill>
-                <a:latin typeface="Ubuntu Mono derivative Powerlin" panose="020B0509030602030204" pitchFamily="49" charset="0"/>
-              </a:rPr>
-              <a:t>이미지를 수직으로만 볼지</a:t>
-            </a:r>
-            <a:r>
-              <a:rPr lang="en-US" altLang="ko-KR" sz="1100" b="1" dirty="0">
-                <a:solidFill>
-                  <a:srgbClr val="FF0000"/>
-                </a:solidFill>
-                <a:latin typeface="Ubuntu Mono derivative Powerlin" panose="020B0509030602030204" pitchFamily="49" charset="0"/>
+              <a:rPr lang="en-US" altLang="ko-KR" sz="1100" b="0" dirty="0">
+                <a:solidFill>
+                  <a:srgbClr val="7030A0"/>
+                </a:solidFill>
+                <a:effectLst/>
+                <a:latin typeface="ubuntu mono derivative powerline" panose="020B0509030602030204" pitchFamily="49" charset="0"/>
+              </a:rPr>
+              <a:t>cv2</a:t>
+            </a:r>
+            <a:r>
+              <a:rPr lang="en-US" altLang="ko-KR" sz="1100" b="0" dirty="0">
+                <a:effectLst/>
+                <a:latin typeface="ubuntu mono derivative powerline" panose="020B0509030602030204" pitchFamily="49" charset="0"/>
+              </a:rPr>
+              <a:t>.</a:t>
+            </a:r>
+            <a:r>
+              <a:rPr lang="en-US" altLang="ko-KR" sz="1100" b="0" dirty="0">
+                <a:solidFill>
+                  <a:srgbClr val="0000FF"/>
+                </a:solidFill>
+                <a:effectLst/>
+                <a:latin typeface="ubuntu mono derivative powerline" panose="020B0509030602030204" pitchFamily="49" charset="0"/>
+              </a:rPr>
+              <a:t>reduce</a:t>
+            </a:r>
+            <a:r>
+              <a:rPr lang="en-US" altLang="ko-KR" sz="1100" b="0" dirty="0">
+                <a:effectLst/>
+                <a:latin typeface="ubuntu mono derivative powerline" panose="020B0509030602030204" pitchFamily="49" charset="0"/>
+              </a:rPr>
+              <a:t>(image, </a:t>
+            </a:r>
+            <a:r>
+              <a:rPr lang="en-US" altLang="ko-KR" sz="1100" dirty="0">
+                <a:latin typeface="ubuntu mono derivative powerline" panose="020B0509030602030204" pitchFamily="49" charset="0"/>
+              </a:rPr>
+              <a:t>dim, </a:t>
+            </a:r>
+            <a:r>
+              <a:rPr lang="en-US" altLang="ko-KR" sz="1100" dirty="0" err="1">
+                <a:latin typeface="ubuntu mono derivative powerline" panose="020B0509030602030204" pitchFamily="49" charset="0"/>
+              </a:rPr>
+              <a:t>rtype</a:t>
+            </a:r>
+            <a:r>
+              <a:rPr lang="en-US" altLang="ko-KR" sz="1100" dirty="0">
+                <a:latin typeface="ubuntu mono derivative powerline" panose="020B0509030602030204" pitchFamily="49" charset="0"/>
+              </a:rPr>
+              <a:t>)</a:t>
+            </a:r>
+          </a:p>
+          <a:p>
+            <a:r>
+              <a:rPr lang="en-US" altLang="ko-KR" sz="1100" dirty="0">
+                <a:solidFill>
+                  <a:srgbClr val="00B050"/>
+                </a:solidFill>
+                <a:latin typeface="ubuntu mono derivative powerline" panose="020B0509030602030204" pitchFamily="49" charset="0"/>
+              </a:rPr>
+              <a:t># </a:t>
+            </a:r>
+            <a:r>
+              <a:rPr lang="ko-KR" altLang="en-US" sz="1100" dirty="0">
+                <a:solidFill>
+                  <a:srgbClr val="00B050"/>
+                </a:solidFill>
+                <a:latin typeface="ubuntu mono derivative powerline" panose="020B0509030602030204" pitchFamily="49" charset="0"/>
+              </a:rPr>
+              <a:t>이미지</a:t>
+            </a:r>
+            <a:r>
+              <a:rPr lang="en-US" altLang="ko-KR" sz="1100" dirty="0">
+                <a:solidFill>
+                  <a:srgbClr val="00B050"/>
+                </a:solidFill>
+                <a:latin typeface="ubuntu mono derivative powerline" panose="020B0509030602030204" pitchFamily="49" charset="0"/>
               </a:rPr>
               <a:t>, </a:t>
             </a:r>
             <a:r>
-              <a:rPr lang="ko-KR" altLang="en-US" sz="1100" b="1" dirty="0">
-                <a:solidFill>
-                  <a:srgbClr val="FF0000"/>
-                </a:solidFill>
-                <a:latin typeface="Ubuntu Mono derivative Powerlin" panose="020B0509030602030204" pitchFamily="49" charset="0"/>
-              </a:rPr>
-              <a:t>수평으로만 볼지 정하기 위함</a:t>
-            </a:r>
+              <a:rPr lang="ko-KR" altLang="en-US" sz="1100" dirty="0">
+                <a:solidFill>
+                  <a:srgbClr val="00B050"/>
+                </a:solidFill>
+                <a:latin typeface="ubuntu mono derivative powerline" panose="020B0509030602030204" pitchFamily="49" charset="0"/>
+              </a:rPr>
+              <a:t>차원방향</a:t>
+            </a:r>
+            <a:r>
+              <a:rPr lang="en-US" altLang="ko-KR" sz="1100" dirty="0">
+                <a:solidFill>
+                  <a:srgbClr val="00B050"/>
+                </a:solidFill>
+                <a:latin typeface="ubuntu mono derivative powerline" panose="020B0509030602030204" pitchFamily="49" charset="0"/>
+              </a:rPr>
+              <a:t>, reduce</a:t>
+            </a:r>
+            <a:r>
+              <a:rPr lang="ko-KR" altLang="en-US" sz="1100" dirty="0">
+                <a:solidFill>
+                  <a:srgbClr val="00B050"/>
+                </a:solidFill>
+                <a:latin typeface="ubuntu mono derivative powerline" panose="020B0509030602030204" pitchFamily="49" charset="0"/>
+              </a:rPr>
+              <a:t>타입</a:t>
+            </a:r>
+            <a:endParaRPr lang="en-US" altLang="ko-KR" sz="1100" dirty="0">
+              <a:solidFill>
+                <a:srgbClr val="00B050"/>
+              </a:solidFill>
+              <a:latin typeface="ubuntu mono derivative powerline" panose="020B0509030602030204" pitchFamily="49" charset="0"/>
+            </a:endParaRPr>
           </a:p>
         </p:txBody>
       </p:sp>
@@ -13798,7 +13794,7 @@
         <p:spPr>
           <a:xfrm>
             <a:off x="867761" y="1957862"/>
-            <a:ext cx="7219707" cy="1954381"/>
+            <a:ext cx="7219707" cy="2631490"/>
           </a:xfrm>
           <a:prstGeom prst="rect">
             <a:avLst/>
@@ -13811,6 +13807,13 @@
           <a:lstStyle/>
           <a:p>
             <a:r>
+              <a:rPr lang="en-US" altLang="ko-KR" sz="1100" b="0" dirty="0">
+                <a:effectLst/>
+                <a:latin typeface="ubuntu mono derivative powerline" panose="020B0509030602030204" pitchFamily="49" charset="0"/>
+              </a:rPr>
+              <a:t>_, ax = </a:t>
+            </a:r>
+            <a:r>
               <a:rPr lang="en-US" altLang="ko-KR" sz="1100" b="0" dirty="0" err="1">
                 <a:solidFill>
                   <a:srgbClr val="7030A0"/>
@@ -13835,7 +13838,200 @@
                 <a:effectLst/>
                 <a:latin typeface="ubuntu mono derivative powerline" panose="020B0509030602030204" pitchFamily="49" charset="0"/>
               </a:rPr>
-              <a:t>figure</a:t>
+              <a:t>subplots</a:t>
+            </a:r>
+            <a:r>
+              <a:rPr lang="en-US" altLang="ko-KR" sz="1100" b="0" dirty="0">
+                <a:effectLst/>
+                <a:latin typeface="ubuntu mono derivative powerline" panose="020B0509030602030204" pitchFamily="49" charset="0"/>
+              </a:rPr>
+              <a:t>(2,2)</a:t>
+            </a:r>
+          </a:p>
+          <a:p>
+            <a:r>
+              <a:rPr lang="en-US" altLang="ko-KR" sz="1100" b="0" dirty="0">
+                <a:effectLst/>
+                <a:latin typeface="ubuntu mono derivative powerline" panose="020B0509030602030204" pitchFamily="49" charset="0"/>
+              </a:rPr>
+              <a:t># image = cv2.cvtColor(image, cv2.COLOR_BGR2RGB)</a:t>
+            </a:r>
+          </a:p>
+          <a:p>
+            <a:r>
+              <a:rPr lang="en-US" altLang="ko-KR" sz="1100" b="0" dirty="0">
+                <a:effectLst/>
+                <a:latin typeface="ubuntu mono derivative powerline" panose="020B0509030602030204" pitchFamily="49" charset="0"/>
+              </a:rPr>
+              <a:t>ax[0,0].</a:t>
+            </a:r>
+            <a:r>
+              <a:rPr lang="en-US" altLang="ko-KR" sz="1100" b="0" dirty="0" err="1">
+                <a:solidFill>
+                  <a:srgbClr val="0000FF"/>
+                </a:solidFill>
+                <a:effectLst/>
+                <a:latin typeface="ubuntu mono derivative powerline" panose="020B0509030602030204" pitchFamily="49" charset="0"/>
+              </a:rPr>
+              <a:t>imshow</a:t>
+            </a:r>
+            <a:r>
+              <a:rPr lang="en-US" altLang="ko-KR" sz="1100" b="0" dirty="0">
+                <a:effectLst/>
+                <a:latin typeface="ubuntu mono derivative powerline" panose="020B0509030602030204" pitchFamily="49" charset="0"/>
+              </a:rPr>
+              <a:t>(image, aspect="auto", </a:t>
+            </a:r>
+            <a:r>
+              <a:rPr lang="en-US" altLang="ko-KR" sz="1100" b="0" dirty="0" err="1">
+                <a:effectLst/>
+                <a:latin typeface="ubuntu mono derivative powerline" panose="020B0509030602030204" pitchFamily="49" charset="0"/>
+              </a:rPr>
+              <a:t>cmap</a:t>
+            </a:r>
+            <a:r>
+              <a:rPr lang="en-US" altLang="ko-KR" sz="1100" b="0" dirty="0">
+                <a:effectLst/>
+                <a:latin typeface="ubuntu mono derivative powerline" panose="020B0509030602030204" pitchFamily="49" charset="0"/>
+              </a:rPr>
+              <a:t>="gray")</a:t>
+            </a:r>
+          </a:p>
+          <a:p>
+            <a:r>
+              <a:rPr lang="en-US" altLang="ko-KR" sz="1100" b="0" dirty="0">
+                <a:effectLst/>
+                <a:latin typeface="ubuntu mono derivative powerline" panose="020B0509030602030204" pitchFamily="49" charset="0"/>
+              </a:rPr>
+              <a:t>ax[0,0].</a:t>
+            </a:r>
+            <a:r>
+              <a:rPr lang="en-US" altLang="ko-KR" sz="1100" b="0" dirty="0" err="1">
+                <a:solidFill>
+                  <a:srgbClr val="0000FF"/>
+                </a:solidFill>
+                <a:effectLst/>
+                <a:latin typeface="ubuntu mono derivative powerline" panose="020B0509030602030204" pitchFamily="49" charset="0"/>
+              </a:rPr>
+              <a:t>set_title</a:t>
+            </a:r>
+            <a:r>
+              <a:rPr lang="en-US" altLang="ko-KR" sz="1100" b="0" dirty="0">
+                <a:effectLst/>
+                <a:latin typeface="ubuntu mono derivative powerline" panose="020B0509030602030204" pitchFamily="49" charset="0"/>
+              </a:rPr>
+              <a:t>("image")</a:t>
+            </a:r>
+          </a:p>
+          <a:p>
+            <a:r>
+              <a:rPr lang="en-US" altLang="ko-KR" sz="1100" b="0" dirty="0">
+                <a:effectLst/>
+                <a:latin typeface="ubuntu mono derivative powerline" panose="020B0509030602030204" pitchFamily="49" charset="0"/>
+              </a:rPr>
+              <a:t>ax[0,0].</a:t>
+            </a:r>
+            <a:r>
+              <a:rPr lang="en-US" altLang="ko-KR" sz="1100" b="0" dirty="0" err="1">
+                <a:solidFill>
+                  <a:srgbClr val="0000FF"/>
+                </a:solidFill>
+                <a:effectLst/>
+                <a:latin typeface="ubuntu mono derivative powerline" panose="020B0509030602030204" pitchFamily="49" charset="0"/>
+              </a:rPr>
+              <a:t>get_xaxis</a:t>
+            </a:r>
+            <a:r>
+              <a:rPr lang="en-US" altLang="ko-KR" sz="1100" b="0" dirty="0">
+                <a:effectLst/>
+                <a:latin typeface="ubuntu mono derivative powerline" panose="020B0509030602030204" pitchFamily="49" charset="0"/>
+              </a:rPr>
+              <a:t>().</a:t>
+            </a:r>
+            <a:r>
+              <a:rPr lang="en-US" altLang="ko-KR" sz="1100" b="0" dirty="0" err="1">
+                <a:solidFill>
+                  <a:srgbClr val="0000FF"/>
+                </a:solidFill>
+                <a:effectLst/>
+                <a:latin typeface="ubuntu mono derivative powerline" panose="020B0509030602030204" pitchFamily="49" charset="0"/>
+              </a:rPr>
+              <a:t>set_ticks</a:t>
+            </a:r>
+            <a:r>
+              <a:rPr lang="en-US" altLang="ko-KR" sz="1100" b="0" dirty="0">
+                <a:effectLst/>
+                <a:latin typeface="ubuntu mono derivative powerline" panose="020B0509030602030204" pitchFamily="49" charset="0"/>
+              </a:rPr>
+              <a:t>([])</a:t>
+            </a:r>
+          </a:p>
+          <a:p>
+            <a:r>
+              <a:rPr lang="en-US" altLang="ko-KR" sz="1100" b="0" dirty="0">
+                <a:effectLst/>
+                <a:latin typeface="ubuntu mono derivative powerline" panose="020B0509030602030204" pitchFamily="49" charset="0"/>
+              </a:rPr>
+              <a:t>ax[0,0].</a:t>
+            </a:r>
+            <a:r>
+              <a:rPr lang="en-US" altLang="ko-KR" sz="1100" b="0" dirty="0" err="1">
+                <a:solidFill>
+                  <a:srgbClr val="0000FF"/>
+                </a:solidFill>
+                <a:effectLst/>
+                <a:latin typeface="ubuntu mono derivative powerline" panose="020B0509030602030204" pitchFamily="49" charset="0"/>
+              </a:rPr>
+              <a:t>get_yaxis</a:t>
+            </a:r>
+            <a:r>
+              <a:rPr lang="en-US" altLang="ko-KR" sz="1100" b="0" dirty="0">
+                <a:effectLst/>
+                <a:latin typeface="ubuntu mono derivative powerline" panose="020B0509030602030204" pitchFamily="49" charset="0"/>
+              </a:rPr>
+              <a:t>().</a:t>
+            </a:r>
+            <a:r>
+              <a:rPr lang="en-US" altLang="ko-KR" sz="1100" b="0" dirty="0" err="1">
+                <a:solidFill>
+                  <a:srgbClr val="0000FF"/>
+                </a:solidFill>
+                <a:effectLst/>
+                <a:latin typeface="ubuntu mono derivative powerline" panose="020B0509030602030204" pitchFamily="49" charset="0"/>
+              </a:rPr>
+              <a:t>set_ticks</a:t>
+            </a:r>
+            <a:r>
+              <a:rPr lang="en-US" altLang="ko-KR" sz="1100" b="0" dirty="0">
+                <a:effectLst/>
+                <a:latin typeface="ubuntu mono derivative powerline" panose="020B0509030602030204" pitchFamily="49" charset="0"/>
+              </a:rPr>
+              <a:t>([])</a:t>
+            </a:r>
+          </a:p>
+          <a:p>
+            <a:br>
+              <a:rPr lang="en-US" altLang="ko-KR" sz="1100" b="0" dirty="0">
+                <a:effectLst/>
+                <a:latin typeface="ubuntu mono derivative powerline" panose="020B0509030602030204" pitchFamily="49" charset="0"/>
+              </a:rPr>
+            </a:br>
+            <a:r>
+              <a:rPr lang="en-US" altLang="ko-KR" sz="1100" b="0" dirty="0">
+                <a:effectLst/>
+                <a:latin typeface="ubuntu mono derivative powerline" panose="020B0509030602030204" pitchFamily="49" charset="0"/>
+              </a:rPr>
+              <a:t>ax[0,1].</a:t>
+            </a:r>
+            <a:r>
+              <a:rPr lang="en-US" altLang="ko-KR" sz="1100" b="0" dirty="0" err="1">
+                <a:solidFill>
+                  <a:srgbClr val="0000FF"/>
+                </a:solidFill>
+                <a:effectLst/>
+                <a:latin typeface="ubuntu mono derivative powerline" panose="020B0509030602030204" pitchFamily="49" charset="0"/>
+              </a:rPr>
+              <a:t>barh</a:t>
             </a:r>
             <a:r>
               <a:rPr lang="en-US" altLang="ko-KR" sz="1100" b="0" dirty="0">
@@ -13846,29 +14042,105 @@
             </a:r>
             <a:r>
               <a:rPr lang="en-US" altLang="ko-KR" sz="1100" b="0" dirty="0" err="1">
-                <a:effectLst/>
-                <a:latin typeface="ubuntu mono derivative powerline" panose="020B0509030602030204" pitchFamily="49" charset="0"/>
-              </a:rPr>
-              <a:t>figsize</a:t>
-            </a:r>
-            <a:r>
-              <a:rPr lang="en-US" altLang="ko-KR" sz="1100" b="0" dirty="0">
-                <a:effectLst/>
-                <a:latin typeface="ubuntu mono derivative powerline" panose="020B0509030602030204" pitchFamily="49" charset="0"/>
-              </a:rPr>
-              <a:t>=(12, 8))</a:t>
-            </a:r>
-          </a:p>
-          <a:p>
+                <a:solidFill>
+                  <a:srgbClr val="7030A0"/>
+                </a:solidFill>
+                <a:effectLst/>
+                <a:latin typeface="ubuntu mono derivative powerline" panose="020B0509030602030204" pitchFamily="49" charset="0"/>
+              </a:rPr>
+              <a:t>np</a:t>
+            </a:r>
             <a:r>
               <a:rPr lang="en-US" altLang="ko-KR" sz="1100" b="0" dirty="0" err="1">
+                <a:effectLst/>
+                <a:latin typeface="ubuntu mono derivative powerline" panose="020B0509030602030204" pitchFamily="49" charset="0"/>
+              </a:rPr>
+              <a:t>.</a:t>
+            </a:r>
+            <a:r>
+              <a:rPr lang="en-US" altLang="ko-KR" sz="1100" b="0" dirty="0" err="1">
+                <a:solidFill>
+                  <a:srgbClr val="0000FF"/>
+                </a:solidFill>
+                <a:effectLst/>
+                <a:latin typeface="ubuntu mono derivative powerline" panose="020B0509030602030204" pitchFamily="49" charset="0"/>
+              </a:rPr>
+              <a:t>arange</a:t>
+            </a:r>
+            <a:r>
+              <a:rPr lang="en-US" altLang="ko-KR" sz="1100" b="0" dirty="0">
+                <a:effectLst/>
+                <a:latin typeface="ubuntu mono derivative powerline" panose="020B0509030602030204" pitchFamily="49" charset="0"/>
+              </a:rPr>
+              <a:t>(project1.shape[0]), project1)</a:t>
+            </a:r>
+          </a:p>
+          <a:p>
+            <a:r>
+              <a:rPr lang="en-US" altLang="ko-KR" sz="1100" b="0" dirty="0">
+                <a:effectLst/>
+                <a:latin typeface="ubuntu mono derivative powerline" panose="020B0509030602030204" pitchFamily="49" charset="0"/>
+              </a:rPr>
+              <a:t>ax[0,1].</a:t>
+            </a:r>
+            <a:r>
+              <a:rPr lang="en-US" altLang="ko-KR" sz="1100" b="0" dirty="0" err="1">
+                <a:solidFill>
+                  <a:srgbClr val="0000FF"/>
+                </a:solidFill>
+                <a:effectLst/>
+                <a:latin typeface="ubuntu mono derivative powerline" panose="020B0509030602030204" pitchFamily="49" charset="0"/>
+              </a:rPr>
+              <a:t>set_title</a:t>
+            </a:r>
+            <a:r>
+              <a:rPr lang="en-US" altLang="ko-KR" sz="1100" b="0" dirty="0">
+                <a:effectLst/>
+                <a:latin typeface="ubuntu mono derivative powerline" panose="020B0509030602030204" pitchFamily="49" charset="0"/>
+              </a:rPr>
+              <a:t>("horizontal projection")</a:t>
+            </a:r>
+          </a:p>
+          <a:p>
+            <a:br>
+              <a:rPr lang="en-US" altLang="ko-KR" sz="1100" b="0" dirty="0">
+                <a:effectLst/>
+                <a:latin typeface="ubuntu mono derivative powerline" panose="020B0509030602030204" pitchFamily="49" charset="0"/>
+              </a:rPr>
+            </a:br>
+            <a:r>
+              <a:rPr lang="en-US" altLang="ko-KR" sz="1100" b="0" dirty="0">
+                <a:effectLst/>
+                <a:latin typeface="ubuntu mono derivative powerline" panose="020B0509030602030204" pitchFamily="49" charset="0"/>
+              </a:rPr>
+              <a:t>ax[1,0].</a:t>
+            </a:r>
+            <a:r>
+              <a:rPr lang="en-US" altLang="ko-KR" sz="1100" b="0" dirty="0">
+                <a:solidFill>
+                  <a:srgbClr val="0000FF"/>
+                </a:solidFill>
+                <a:effectLst/>
+                <a:latin typeface="ubuntu mono derivative powerline" panose="020B0509030602030204" pitchFamily="49" charset="0"/>
+              </a:rPr>
+              <a:t>bar</a:t>
+            </a:r>
+            <a:r>
+              <a:rPr lang="en-US" altLang="ko-KR" sz="1100" b="0" dirty="0">
+                <a:effectLst/>
+                <a:latin typeface="ubuntu mono derivative powerline" panose="020B0509030602030204" pitchFamily="49" charset="0"/>
+              </a:rPr>
+              <a:t>(</a:t>
+            </a:r>
+            <a:r>
+              <a:rPr lang="en-US" altLang="ko-KR" sz="1100" b="0" dirty="0" err="1">
                 <a:solidFill>
                   <a:srgbClr val="7030A0"/>
                 </a:solidFill>
                 <a:effectLst/>
                 <a:latin typeface="ubuntu mono derivative powerline" panose="020B0509030602030204" pitchFamily="49" charset="0"/>
               </a:rPr>
-              <a:t>plt</a:t>
+              <a:t>np</a:t>
             </a:r>
             <a:r>
               <a:rPr lang="en-US" altLang="ko-KR" sz="1100" b="0" dirty="0" err="1">
@@ -13885,336 +14157,66 @@
                 <a:effectLst/>
                 <a:latin typeface="ubuntu mono derivative powerline" panose="020B0509030602030204" pitchFamily="49" charset="0"/>
               </a:rPr>
-              <a:t>subplot</a:t>
-            </a:r>
-            <a:r>
-              <a:rPr lang="en-US" altLang="ko-KR" sz="1100" b="0" dirty="0">
-                <a:effectLst/>
-                <a:latin typeface="ubuntu mono derivative powerline" panose="020B0509030602030204" pitchFamily="49" charset="0"/>
-              </a:rPr>
-              <a:t>(2, 2, 1)</a:t>
-            </a:r>
-          </a:p>
-          <a:p>
+              <a:t>arange</a:t>
+            </a:r>
+            <a:r>
+              <a:rPr lang="en-US" altLang="ko-KR" sz="1100" b="0" dirty="0">
+                <a:effectLst/>
+                <a:latin typeface="ubuntu mono derivative powerline" panose="020B0509030602030204" pitchFamily="49" charset="0"/>
+              </a:rPr>
+              <a:t>(project2.shape[0]), project2)</a:t>
+            </a:r>
+          </a:p>
+          <a:p>
+            <a:r>
+              <a:rPr lang="en-US" altLang="ko-KR" sz="1100" b="0" dirty="0">
+                <a:effectLst/>
+                <a:latin typeface="ubuntu mono derivative powerline" panose="020B0509030602030204" pitchFamily="49" charset="0"/>
+              </a:rPr>
+              <a:t>ax[1,0].</a:t>
+            </a:r>
             <a:r>
               <a:rPr lang="en-US" altLang="ko-KR" sz="1100" b="0" dirty="0" err="1">
                 <a:solidFill>
-                  <a:srgbClr val="7030A0"/>
-                </a:solidFill>
-                <a:effectLst/>
-                <a:latin typeface="ubuntu mono derivative powerline" panose="020B0509030602030204" pitchFamily="49" charset="0"/>
-              </a:rPr>
-              <a:t>plt</a:t>
+                  <a:srgbClr val="0000FF"/>
+                </a:solidFill>
+                <a:effectLst/>
+                <a:latin typeface="ubuntu mono derivative powerline" panose="020B0509030602030204" pitchFamily="49" charset="0"/>
+              </a:rPr>
+              <a:t>invert_yaxis</a:t>
+            </a:r>
+            <a:r>
+              <a:rPr lang="en-US" altLang="ko-KR" sz="1100" b="0" dirty="0">
+                <a:effectLst/>
+                <a:latin typeface="ubuntu mono derivative powerline" panose="020B0509030602030204" pitchFamily="49" charset="0"/>
+              </a:rPr>
+              <a:t>()</a:t>
+            </a:r>
+          </a:p>
+          <a:p>
+            <a:r>
+              <a:rPr lang="en-US" altLang="ko-KR" sz="1100" b="0" dirty="0">
+                <a:effectLst/>
+                <a:latin typeface="ubuntu mono derivative powerline" panose="020B0509030602030204" pitchFamily="49" charset="0"/>
+              </a:rPr>
+              <a:t>ax[1,0].</a:t>
             </a:r>
             <a:r>
               <a:rPr lang="en-US" altLang="ko-KR" sz="1100" b="0" dirty="0" err="1">
-                <a:effectLst/>
-                <a:latin typeface="ubuntu mono derivative powerline" panose="020B0509030602030204" pitchFamily="49" charset="0"/>
-              </a:rPr>
-              <a:t>.</a:t>
-            </a:r>
-            <a:r>
-              <a:rPr lang="en-US" altLang="ko-KR" sz="1100" b="0" dirty="0" err="1">
                 <a:solidFill>
                   <a:srgbClr val="0000FF"/>
                 </a:solidFill>
                 <a:effectLst/>
                 <a:latin typeface="ubuntu mono derivative powerline" panose="020B0509030602030204" pitchFamily="49" charset="0"/>
               </a:rPr>
-              <a:t>imshow</a:t>
-            </a:r>
-            <a:r>
-              <a:rPr lang="en-US" altLang="ko-KR" sz="1100" b="0" dirty="0">
-                <a:effectLst/>
-                <a:latin typeface="ubuntu mono derivative powerline" panose="020B0509030602030204" pitchFamily="49" charset="0"/>
-              </a:rPr>
-              <a:t>(image, </a:t>
-            </a:r>
-            <a:r>
-              <a:rPr lang="en-US" altLang="ko-KR" sz="1100" b="0" dirty="0" err="1">
-                <a:effectLst/>
-                <a:latin typeface="ubuntu mono derivative powerline" panose="020B0509030602030204" pitchFamily="49" charset="0"/>
-              </a:rPr>
-              <a:t>cmap</a:t>
-            </a:r>
-            <a:r>
-              <a:rPr lang="en-US" altLang="ko-KR" sz="1100" b="0" dirty="0">
-                <a:effectLst/>
-                <a:latin typeface="ubuntu mono derivative powerline" panose="020B0509030602030204" pitchFamily="49" charset="0"/>
-              </a:rPr>
-              <a:t>='gray')</a:t>
-            </a:r>
-          </a:p>
-          <a:p>
-            <a:br>
-              <a:rPr lang="en-US" altLang="ko-KR" sz="1100" b="0" dirty="0">
-                <a:effectLst/>
-                <a:latin typeface="ubuntu mono derivative powerline" panose="020B0509030602030204" pitchFamily="49" charset="0"/>
-              </a:rPr>
-            </a:br>
-            <a:r>
-              <a:rPr lang="en-US" altLang="ko-KR" sz="1100" b="0" dirty="0" err="1">
-                <a:solidFill>
-                  <a:srgbClr val="7030A0"/>
-                </a:solidFill>
-                <a:effectLst/>
-                <a:latin typeface="ubuntu mono derivative powerline" panose="020B0509030602030204" pitchFamily="49" charset="0"/>
-              </a:rPr>
-              <a:t>plt</a:t>
-            </a:r>
-            <a:r>
-              <a:rPr lang="en-US" altLang="ko-KR" sz="1100" b="0" dirty="0" err="1">
-                <a:effectLst/>
-                <a:latin typeface="ubuntu mono derivative powerline" panose="020B0509030602030204" pitchFamily="49" charset="0"/>
-              </a:rPr>
-              <a:t>.</a:t>
-            </a:r>
-            <a:r>
-              <a:rPr lang="en-US" altLang="ko-KR" sz="1100" b="0" dirty="0" err="1">
-                <a:solidFill>
-                  <a:srgbClr val="0000FF"/>
-                </a:solidFill>
-                <a:effectLst/>
-                <a:latin typeface="ubuntu mono derivative powerline" panose="020B0509030602030204" pitchFamily="49" charset="0"/>
-              </a:rPr>
-              <a:t>subplot</a:t>
-            </a:r>
-            <a:r>
-              <a:rPr lang="en-US" altLang="ko-KR" sz="1100" b="0" dirty="0">
-                <a:effectLst/>
-                <a:latin typeface="ubuntu mono derivative powerline" panose="020B0509030602030204" pitchFamily="49" charset="0"/>
-              </a:rPr>
-              <a:t>(2, 2, 2)</a:t>
-            </a:r>
-          </a:p>
-          <a:p>
-            <a:r>
-              <a:rPr lang="en-US" altLang="ko-KR" sz="1100" b="0" dirty="0" err="1">
-                <a:solidFill>
-                  <a:srgbClr val="7030A0"/>
-                </a:solidFill>
-                <a:effectLst/>
-                <a:latin typeface="ubuntu mono derivative powerline" panose="020B0509030602030204" pitchFamily="49" charset="0"/>
-              </a:rPr>
-              <a:t>plt</a:t>
-            </a:r>
-            <a:r>
-              <a:rPr lang="en-US" altLang="ko-KR" sz="1100" b="0" dirty="0" err="1">
-                <a:effectLst/>
-                <a:latin typeface="ubuntu mono derivative powerline" panose="020B0509030602030204" pitchFamily="49" charset="0"/>
-              </a:rPr>
-              <a:t>.</a:t>
-            </a:r>
-            <a:r>
-              <a:rPr lang="en-US" altLang="ko-KR" sz="1100" b="0" dirty="0" err="1">
-                <a:solidFill>
-                  <a:srgbClr val="0000FF"/>
-                </a:solidFill>
-                <a:effectLst/>
-                <a:latin typeface="ubuntu mono derivative powerline" panose="020B0509030602030204" pitchFamily="49" charset="0"/>
-              </a:rPr>
-              <a:t>bar</a:t>
-            </a:r>
-            <a:r>
-              <a:rPr lang="en-US" altLang="ko-KR" sz="1100" b="0" dirty="0">
-                <a:effectLst/>
-                <a:latin typeface="ubuntu mono derivative powerline" panose="020B0509030602030204" pitchFamily="49" charset="0"/>
-              </a:rPr>
-              <a:t>(</a:t>
-            </a:r>
-            <a:r>
-              <a:rPr lang="en-US" altLang="ko-KR" sz="1100" b="0" dirty="0" err="1">
-                <a:solidFill>
-                  <a:srgbClr val="7030A0"/>
-                </a:solidFill>
-                <a:effectLst/>
-                <a:latin typeface="ubuntu mono derivative powerline" panose="020B0509030602030204" pitchFamily="49" charset="0"/>
-              </a:rPr>
-              <a:t>np</a:t>
-            </a:r>
-            <a:r>
-              <a:rPr lang="en-US" altLang="ko-KR" sz="1100" b="0" dirty="0" err="1">
-                <a:effectLst/>
-                <a:latin typeface="ubuntu mono derivative powerline" panose="020B0509030602030204" pitchFamily="49" charset="0"/>
-              </a:rPr>
-              <a:t>.</a:t>
-            </a:r>
-            <a:r>
-              <a:rPr lang="en-US" altLang="ko-KR" sz="1100" b="0" dirty="0" err="1">
-                <a:solidFill>
-                  <a:srgbClr val="0000FF"/>
-                </a:solidFill>
-                <a:effectLst/>
-                <a:latin typeface="ubuntu mono derivative powerline" panose="020B0509030602030204" pitchFamily="49" charset="0"/>
-              </a:rPr>
-              <a:t>arange</a:t>
-            </a:r>
-            <a:r>
-              <a:rPr lang="en-US" altLang="ko-KR" sz="1100" b="0" dirty="0">
-                <a:effectLst/>
-                <a:latin typeface="ubuntu mono derivative powerline" panose="020B0509030602030204" pitchFamily="49" charset="0"/>
-              </a:rPr>
-              <a:t>(64), </a:t>
-            </a:r>
-            <a:r>
-              <a:rPr lang="en-US" altLang="ko-KR" sz="1100" b="0" dirty="0" err="1">
-                <a:effectLst/>
-                <a:latin typeface="ubuntu mono derivative powerline" panose="020B0509030602030204" pitchFamily="49" charset="0"/>
-              </a:rPr>
-              <a:t>hist_v.</a:t>
-            </a:r>
-            <a:r>
-              <a:rPr lang="en-US" altLang="ko-KR" sz="1100" b="0" dirty="0" err="1">
-                <a:solidFill>
-                  <a:srgbClr val="0000FF"/>
-                </a:solidFill>
-                <a:effectLst/>
-                <a:latin typeface="ubuntu mono derivative powerline" panose="020B0509030602030204" pitchFamily="49" charset="0"/>
-              </a:rPr>
-              <a:t>flatten</a:t>
-            </a:r>
-            <a:r>
-              <a:rPr lang="en-US" altLang="ko-KR" sz="1100" b="0" dirty="0">
-                <a:effectLst/>
-                <a:latin typeface="ubuntu mono derivative powerline" panose="020B0509030602030204" pitchFamily="49" charset="0"/>
-              </a:rPr>
-              <a:t>(), color='k')</a:t>
-            </a:r>
-          </a:p>
-          <a:p>
-            <a:br>
-              <a:rPr lang="en-US" altLang="ko-KR" sz="1100" b="0" dirty="0">
-                <a:effectLst/>
-                <a:latin typeface="ubuntu mono derivative powerline" panose="020B0509030602030204" pitchFamily="49" charset="0"/>
-              </a:rPr>
-            </a:br>
-            <a:r>
-              <a:rPr lang="en-US" altLang="ko-KR" sz="1100" b="0" dirty="0" err="1">
-                <a:solidFill>
-                  <a:srgbClr val="7030A0"/>
-                </a:solidFill>
-                <a:effectLst/>
-                <a:latin typeface="ubuntu mono derivative powerline" panose="020B0509030602030204" pitchFamily="49" charset="0"/>
-              </a:rPr>
-              <a:t>plt</a:t>
-            </a:r>
-            <a:r>
-              <a:rPr lang="en-US" altLang="ko-KR" sz="1100" b="0" dirty="0" err="1">
-                <a:effectLst/>
-                <a:latin typeface="ubuntu mono derivative powerline" panose="020B0509030602030204" pitchFamily="49" charset="0"/>
-              </a:rPr>
-              <a:t>.</a:t>
-            </a:r>
-            <a:r>
-              <a:rPr lang="en-US" altLang="ko-KR" sz="1100" b="0" dirty="0" err="1">
-                <a:solidFill>
-                  <a:srgbClr val="0000FF"/>
-                </a:solidFill>
-                <a:effectLst/>
-                <a:latin typeface="ubuntu mono derivative powerline" panose="020B0509030602030204" pitchFamily="49" charset="0"/>
-              </a:rPr>
-              <a:t>subplot</a:t>
-            </a:r>
-            <a:r>
-              <a:rPr lang="en-US" altLang="ko-KR" sz="1100" b="0" dirty="0">
-                <a:effectLst/>
-                <a:latin typeface="ubuntu mono derivative powerline" panose="020B0509030602030204" pitchFamily="49" charset="0"/>
-              </a:rPr>
-              <a:t>(2, 2, 3)</a:t>
-            </a:r>
-          </a:p>
-          <a:p>
-            <a:r>
-              <a:rPr lang="en-US" altLang="ko-KR" sz="1100" b="0" dirty="0" err="1">
-                <a:solidFill>
-                  <a:srgbClr val="7030A0"/>
-                </a:solidFill>
-                <a:effectLst/>
-                <a:latin typeface="ubuntu mono derivative powerline" panose="020B0509030602030204" pitchFamily="49" charset="0"/>
-              </a:rPr>
-              <a:t>plt</a:t>
-            </a:r>
-            <a:r>
-              <a:rPr lang="en-US" altLang="ko-KR" sz="1100" b="0" dirty="0" err="1">
-                <a:effectLst/>
-                <a:latin typeface="ubuntu mono derivative powerline" panose="020B0509030602030204" pitchFamily="49" charset="0"/>
-              </a:rPr>
-              <a:t>.</a:t>
-            </a:r>
-            <a:r>
-              <a:rPr lang="en-US" altLang="ko-KR" sz="1100" b="0" dirty="0" err="1">
-                <a:solidFill>
-                  <a:srgbClr val="0000FF"/>
-                </a:solidFill>
-                <a:effectLst/>
-                <a:latin typeface="ubuntu mono derivative powerline" panose="020B0509030602030204" pitchFamily="49" charset="0"/>
-              </a:rPr>
-              <a:t>bar</a:t>
-            </a:r>
-            <a:r>
-              <a:rPr lang="en-US" altLang="ko-KR" sz="1100" b="0" dirty="0">
-                <a:effectLst/>
-                <a:latin typeface="ubuntu mono derivative powerline" panose="020B0509030602030204" pitchFamily="49" charset="0"/>
-              </a:rPr>
-              <a:t>(</a:t>
-            </a:r>
-            <a:r>
-              <a:rPr lang="en-US" altLang="ko-KR" sz="1100" b="0" dirty="0" err="1">
-                <a:solidFill>
-                  <a:srgbClr val="7030A0"/>
-                </a:solidFill>
-                <a:effectLst/>
-                <a:latin typeface="ubuntu mono derivative powerline" panose="020B0509030602030204" pitchFamily="49" charset="0"/>
-              </a:rPr>
-              <a:t>np</a:t>
-            </a:r>
-            <a:r>
-              <a:rPr lang="en-US" altLang="ko-KR" sz="1100" b="0" dirty="0" err="1">
-                <a:effectLst/>
-                <a:latin typeface="ubuntu mono derivative powerline" panose="020B0509030602030204" pitchFamily="49" charset="0"/>
-              </a:rPr>
-              <a:t>.</a:t>
-            </a:r>
-            <a:r>
-              <a:rPr lang="en-US" altLang="ko-KR" sz="1100" b="0" dirty="0" err="1">
-                <a:solidFill>
-                  <a:srgbClr val="0000FF"/>
-                </a:solidFill>
-                <a:effectLst/>
-                <a:latin typeface="ubuntu mono derivative powerline" panose="020B0509030602030204" pitchFamily="49" charset="0"/>
-              </a:rPr>
-              <a:t>arange</a:t>
-            </a:r>
-            <a:r>
-              <a:rPr lang="en-US" altLang="ko-KR" sz="1100" b="0" dirty="0">
-                <a:effectLst/>
-                <a:latin typeface="ubuntu mono derivative powerline" panose="020B0509030602030204" pitchFamily="49" charset="0"/>
-              </a:rPr>
-              <a:t>(64), </a:t>
-            </a:r>
-            <a:r>
-              <a:rPr lang="en-US" altLang="ko-KR" sz="1100" b="0" dirty="0" err="1">
-                <a:effectLst/>
-                <a:latin typeface="ubuntu mono derivative powerline" panose="020B0509030602030204" pitchFamily="49" charset="0"/>
-              </a:rPr>
-              <a:t>hist_h.</a:t>
-            </a:r>
-            <a:r>
-              <a:rPr lang="en-US" altLang="ko-KR" sz="1100" b="0" dirty="0" err="1">
-                <a:solidFill>
-                  <a:srgbClr val="0000FF"/>
-                </a:solidFill>
-                <a:effectLst/>
-                <a:latin typeface="ubuntu mono derivative powerline" panose="020B0509030602030204" pitchFamily="49" charset="0"/>
-              </a:rPr>
-              <a:t>flatten</a:t>
-            </a:r>
-            <a:r>
-              <a:rPr lang="en-US" altLang="ko-KR" sz="1100" b="0" dirty="0">
-                <a:effectLst/>
-                <a:latin typeface="ubuntu mono derivative powerline" panose="020B0509030602030204" pitchFamily="49" charset="0"/>
-              </a:rPr>
-              <a:t>(), color='k')</a:t>
+              <a:t>set_title</a:t>
+            </a:r>
+            <a:r>
+              <a:rPr lang="en-US" altLang="ko-KR" sz="1100" b="0" dirty="0">
+                <a:effectLst/>
+                <a:latin typeface="ubuntu mono derivative powerline" panose="020B0509030602030204" pitchFamily="49" charset="0"/>
+              </a:rPr>
+              <a:t>("vertical projection")</a:t>
             </a:r>
           </a:p>
           <a:p>
@@ -14263,10 +14265,10 @@
       </p:sp>
       <p:pic>
         <p:nvPicPr>
-          <p:cNvPr id="9" name="그림 8">
+          <p:cNvPr id="6" name="그림 5">
             <a:extLst>
               <a:ext uri="{FF2B5EF4-FFF2-40B4-BE49-F238E27FC236}">
-                <a16:creationId xmlns:a16="http://schemas.microsoft.com/office/drawing/2014/main" id="{5F33220C-8F1A-672B-EAE8-8CF3F84D165E}"/>
+                <a16:creationId xmlns:a16="http://schemas.microsoft.com/office/drawing/2014/main" id="{5707C58A-03D4-7CB7-0275-FD9C60ABE1D5}"/>
               </a:ext>
             </a:extLst>
           </p:cNvPr>
@@ -14283,8 +14285,8 @@
         </p:blipFill>
         <p:spPr>
           <a:xfrm>
-            <a:off x="4803841" y="2353444"/>
-            <a:ext cx="3984588" cy="2857500"/>
+            <a:off x="5364088" y="2209428"/>
+            <a:ext cx="3479750" cy="2970254"/>
           </a:xfrm>
           <a:prstGeom prst="rect">
             <a:avLst/>
